--- a/Documents/Presentation.pptx
+++ b/Documents/Presentation.pptx
@@ -10,10 +10,10 @@
     <p:sldMasterId id="2147483697" r:id="rId6"/>
   </p:sldMasterIdLst>
   <p:notesMasterIdLst>
-    <p:notesMasterId r:id="rId20"/>
+    <p:notesMasterId r:id="rId21"/>
   </p:notesMasterIdLst>
   <p:handoutMasterIdLst>
-    <p:handoutMasterId r:id="rId21"/>
+    <p:handoutMasterId r:id="rId22"/>
   </p:handoutMasterIdLst>
   <p:sldIdLst>
     <p:sldId id="355" r:id="rId7"/>
@@ -27,8 +27,9 @@
     <p:sldId id="402" r:id="rId15"/>
     <p:sldId id="403" r:id="rId16"/>
     <p:sldId id="404" r:id="rId17"/>
-    <p:sldId id="405" r:id="rId18"/>
-    <p:sldId id="381" r:id="rId19"/>
+    <p:sldId id="406" r:id="rId18"/>
+    <p:sldId id="405" r:id="rId19"/>
+    <p:sldId id="381" r:id="rId20"/>
   </p:sldIdLst>
   <p:sldSz cx="9144000" cy="6858000" type="screen4x3"/>
   <p:notesSz cx="9925050" cy="6665913"/>
@@ -159,7 +160,7 @@
   </p:defaultTextStyle>
   <p:extLst>
     <p:ext uri="{EFAFB233-063F-42B5-8137-9DF3F51BA10A}">
-      <p15:sldGuideLst xmlns="" xmlns:p15="http://schemas.microsoft.com/office/powerpoint/2012/main">
+      <p15:sldGuideLst xmlns:p15="http://schemas.microsoft.com/office/powerpoint/2012/main">
         <p15:guide id="1" orient="horz" pos="2160">
           <p15:clr>
             <a:srgbClr val="A4A3A4"/>
@@ -173,7 +174,7 @@
       </p15:sldGuideLst>
     </p:ext>
     <p:ext uri="{2D200454-40CA-4A62-9FC3-DE9A4176ACB9}">
-      <p15:notesGuideLst xmlns="" xmlns:p15="http://schemas.microsoft.com/office/powerpoint/2012/main">
+      <p15:notesGuideLst xmlns:p15="http://schemas.microsoft.com/office/powerpoint/2012/main">
         <p15:guide id="1" orient="horz" pos="2100">
           <p15:clr>
             <a:srgbClr val="A4A3A4"/>
@@ -392,7 +393,7 @@
               <a:pPr>
                 <a:defRPr/>
               </a:pPr>
-              <a:t>‹Nr.›</a:t>
+              <a:t>‹#›</a:t>
             </a:fld>
             <a:endParaRPr lang="en-GB"/>
           </a:p>
@@ -710,7 +711,7 @@
               <a:pPr>
                 <a:defRPr/>
               </a:pPr>
-              <a:t>‹Nr.›</a:t>
+              <a:t>‹#›</a:t>
             </a:fld>
             <a:endParaRPr lang="en-GB"/>
           </a:p>
@@ -1101,7 +1102,7 @@
             <a:fld id="{CE58CB1E-F828-4F11-99E0-327109AF9DA4}" type="slidenum">
               <a:rPr lang="de-DE" smtClean="0"/>
               <a:pPr/>
-              <a:t>‹Nr.›</a:t>
+              <a:t>‹#›</a:t>
             </a:fld>
             <a:endParaRPr lang="de-DE" dirty="0"/>
           </a:p>
@@ -1320,7 +1321,7 @@
             <a:fld id="{CE58CB1E-F828-4F11-99E0-327109AF9DA4}" type="slidenum">
               <a:rPr lang="de-DE" smtClean="0"/>
               <a:pPr/>
-              <a:t>‹Nr.›</a:t>
+              <a:t>‹#›</a:t>
             </a:fld>
             <a:endParaRPr lang="de-DE" dirty="0"/>
           </a:p>
@@ -1665,7 +1666,7 @@
             <a:fld id="{CE58CB1E-F828-4F11-99E0-327109AF9DA4}" type="slidenum">
               <a:rPr lang="de-DE" smtClean="0"/>
               <a:pPr/>
-              <a:t>‹Nr.›</a:t>
+              <a:t>‹#›</a:t>
             </a:fld>
             <a:endParaRPr lang="de-DE" dirty="0"/>
           </a:p>
@@ -1864,7 +1865,7 @@
             <a:fld id="{CE58CB1E-F828-4F11-99E0-327109AF9DA4}" type="slidenum">
               <a:rPr lang="de-DE" smtClean="0"/>
               <a:pPr/>
-              <a:t>‹Nr.›</a:t>
+              <a:t>‹#›</a:t>
             </a:fld>
             <a:endParaRPr lang="de-DE" dirty="0"/>
           </a:p>
@@ -2063,7 +2064,7 @@
             <a:fld id="{CE58CB1E-F828-4F11-99E0-327109AF9DA4}" type="slidenum">
               <a:rPr lang="de-DE" smtClean="0"/>
               <a:pPr/>
-              <a:t>‹Nr.›</a:t>
+              <a:t>‹#›</a:t>
             </a:fld>
             <a:endParaRPr lang="de-DE" dirty="0"/>
           </a:p>
@@ -2384,7 +2385,7 @@
             <a:fld id="{CE58CB1E-F828-4F11-99E0-327109AF9DA4}" type="slidenum">
               <a:rPr lang="de-DE" smtClean="0"/>
               <a:pPr/>
-              <a:t>‹Nr.›</a:t>
+              <a:t>‹#›</a:t>
             </a:fld>
             <a:endParaRPr lang="de-DE" dirty="0"/>
           </a:p>
@@ -2560,7 +2561,7 @@
             <a:fld id="{CE58CB1E-F828-4F11-99E0-327109AF9DA4}" type="slidenum">
               <a:rPr lang="de-DE" smtClean="0"/>
               <a:pPr/>
-              <a:t>‹Nr.›</a:t>
+              <a:t>‹#›</a:t>
             </a:fld>
             <a:endParaRPr lang="de-DE" dirty="0"/>
           </a:p>
@@ -2875,7 +2876,7 @@
             <a:fld id="{CE58CB1E-F828-4F11-99E0-327109AF9DA4}" type="slidenum">
               <a:rPr lang="de-DE" smtClean="0"/>
               <a:pPr/>
-              <a:t>‹Nr.›</a:t>
+              <a:t>‹#›</a:t>
             </a:fld>
             <a:endParaRPr lang="de-DE" dirty="0"/>
           </a:p>
@@ -3147,7 +3148,7 @@
             <a:fld id="{CE58CB1E-F828-4F11-99E0-327109AF9DA4}" type="slidenum">
               <a:rPr lang="de-DE" smtClean="0"/>
               <a:pPr/>
-              <a:t>‹Nr.›</a:t>
+              <a:t>‹#›</a:t>
             </a:fld>
             <a:endParaRPr lang="de-DE" dirty="0"/>
           </a:p>
@@ -3334,7 +3335,7 @@
             <a:fld id="{CE58CB1E-F828-4F11-99E0-327109AF9DA4}" type="slidenum">
               <a:rPr lang="de-DE" smtClean="0"/>
               <a:pPr/>
-              <a:t>‹Nr.›</a:t>
+              <a:t>‹#›</a:t>
             </a:fld>
             <a:endParaRPr lang="de-DE" dirty="0"/>
           </a:p>
@@ -3497,10 +3498,6 @@
             <a:br>
               <a:rPr lang="de-DE" noProof="0" dirty="0"/>
             </a:br>
-            <a:r>
-              <a:rPr lang="de-DE" noProof="0" dirty="0"/>
-              <a:t/>
-            </a:r>
             <a:br>
               <a:rPr lang="de-DE" noProof="0" dirty="0"/>
             </a:br>
@@ -3537,7 +3534,7 @@
             <a:fld id="{CE58CB1E-F828-4F11-99E0-327109AF9DA4}" type="slidenum">
               <a:rPr lang="de-DE" smtClean="0"/>
               <a:pPr/>
-              <a:t>‹Nr.›</a:t>
+              <a:t>‹#›</a:t>
             </a:fld>
             <a:endParaRPr lang="de-DE" dirty="0"/>
           </a:p>
@@ -3738,7 +3735,7 @@
             <a:fld id="{CE58CB1E-F828-4F11-99E0-327109AF9DA4}" type="slidenum">
               <a:rPr lang="de-DE" smtClean="0"/>
               <a:pPr/>
-              <a:t>‹Nr.›</a:t>
+              <a:t>‹#›</a:t>
             </a:fld>
             <a:endParaRPr lang="de-DE" dirty="0"/>
           </a:p>
@@ -3831,7 +3828,7 @@
             <a:fld id="{CE58CB1E-F828-4F11-99E0-327109AF9DA4}" type="slidenum">
               <a:rPr lang="de-DE" smtClean="0"/>
               <a:pPr/>
-              <a:t>‹Nr.›</a:t>
+              <a:t>‹#›</a:t>
             </a:fld>
             <a:endParaRPr lang="de-DE" dirty="0"/>
           </a:p>
@@ -3922,10 +3919,6 @@
             <a:br>
               <a:rPr lang="de-DE" noProof="0" dirty="0"/>
             </a:br>
-            <a:r>
-              <a:rPr lang="de-DE" noProof="0" dirty="0"/>
-              <a:t/>
-            </a:r>
             <a:br>
               <a:rPr lang="de-DE" noProof="0" dirty="0"/>
             </a:br>
@@ -4118,7 +4111,7 @@
             <a:fld id="{CE58CB1E-F828-4F11-99E0-327109AF9DA4}" type="slidenum">
               <a:rPr lang="de-DE" smtClean="0"/>
               <a:pPr/>
-              <a:t>‹Nr.›</a:t>
+              <a:t>‹#›</a:t>
             </a:fld>
             <a:endParaRPr lang="de-DE" dirty="0"/>
           </a:p>
@@ -4317,7 +4310,7 @@
             <a:fld id="{CE58CB1E-F828-4F11-99E0-327109AF9DA4}" type="slidenum">
               <a:rPr lang="de-DE" smtClean="0"/>
               <a:pPr/>
-              <a:t>‹Nr.›</a:t>
+              <a:t>‹#›</a:t>
             </a:fld>
             <a:endParaRPr lang="de-DE" dirty="0"/>
           </a:p>
@@ -4493,7 +4486,7 @@
             <a:fld id="{CE58CB1E-F828-4F11-99E0-327109AF9DA4}" type="slidenum">
               <a:rPr lang="de-DE" smtClean="0"/>
               <a:pPr/>
-              <a:t>‹Nr.›</a:t>
+              <a:t>‹#›</a:t>
             </a:fld>
             <a:endParaRPr lang="de-DE" dirty="0"/>
           </a:p>
@@ -4862,7 +4855,7 @@
             <a:fld id="{CE58CB1E-F828-4F11-99E0-327109AF9DA4}" type="slidenum">
               <a:rPr lang="de-DE" smtClean="0"/>
               <a:pPr/>
-              <a:t>‹Nr.›</a:t>
+              <a:t>‹#›</a:t>
             </a:fld>
             <a:endParaRPr lang="de-DE" dirty="0"/>
           </a:p>
@@ -5061,7 +5054,7 @@
             <a:fld id="{CE58CB1E-F828-4F11-99E0-327109AF9DA4}" type="slidenum">
               <a:rPr lang="de-DE" smtClean="0"/>
               <a:pPr/>
-              <a:t>‹Nr.›</a:t>
+              <a:t>‹#›</a:t>
             </a:fld>
             <a:endParaRPr lang="de-DE" dirty="0"/>
           </a:p>
@@ -5285,7 +5278,7 @@
             <a:fld id="{CE58CB1E-F828-4F11-99E0-327109AF9DA4}" type="slidenum">
               <a:rPr lang="de-DE" smtClean="0"/>
               <a:pPr/>
-              <a:t>‹Nr.›</a:t>
+              <a:t>‹#›</a:t>
             </a:fld>
             <a:endParaRPr lang="de-DE" dirty="0"/>
           </a:p>
@@ -5472,7 +5465,7 @@
             <a:fld id="{CE58CB1E-F828-4F11-99E0-327109AF9DA4}" type="slidenum">
               <a:rPr lang="de-DE" smtClean="0"/>
               <a:pPr/>
-              <a:t>‹Nr.›</a:t>
+              <a:t>‹#›</a:t>
             </a:fld>
             <a:endParaRPr lang="de-DE" dirty="0"/>
           </a:p>
@@ -5683,7 +5676,7 @@
             <a:fld id="{CE58CB1E-F828-4F11-99E0-327109AF9DA4}" type="slidenum">
               <a:rPr lang="de-DE" smtClean="0"/>
               <a:pPr/>
-              <a:t>‹Nr.›</a:t>
+              <a:t>‹#›</a:t>
             </a:fld>
             <a:endParaRPr lang="de-DE" dirty="0"/>
           </a:p>
@@ -6160,7 +6153,7 @@
                   <a:spcPct val="114000"/>
                 </a:lnSpc>
               </a:pPr>
-              <a:t>‹Nr.›</a:t>
+              <a:t>‹#›</a:t>
             </a:fld>
             <a:endParaRPr lang="de-DE" sz="1200" dirty="0">
               <a:latin typeface="+mn-lt"/>
@@ -6252,7 +6245,7 @@
             <a:fld id="{CE58CB1E-F828-4F11-99E0-327109AF9DA4}" type="slidenum">
               <a:rPr lang="de-DE" noProof="0" smtClean="0"/>
               <a:pPr/>
-              <a:t>‹Nr.›</a:t>
+              <a:t>‹#›</a:t>
             </a:fld>
             <a:endParaRPr lang="de-DE" noProof="0"/>
           </a:p>
@@ -6766,7 +6759,7 @@
             <a:fld id="{CE58CB1E-F828-4F11-99E0-327109AF9DA4}" type="slidenum">
               <a:rPr lang="de-DE" smtClean="0"/>
               <a:pPr/>
-              <a:t>‹Nr.›</a:t>
+              <a:t>‹#›</a:t>
             </a:fld>
             <a:endParaRPr lang="de-DE" dirty="0"/>
           </a:p>
@@ -7424,7 +7417,7 @@
             <a:fld id="{CE58CB1E-F828-4F11-99E0-327109AF9DA4}" type="slidenum">
               <a:rPr lang="de-DE" smtClean="0"/>
               <a:pPr/>
-              <a:t>‹Nr.›</a:t>
+              <a:t>‹#›</a:t>
             </a:fld>
             <a:endParaRPr lang="de-DE" dirty="0"/>
           </a:p>
@@ -8021,7 +8014,7 @@
             <a:fld id="{CE58CB1E-F828-4F11-99E0-327109AF9DA4}" type="slidenum">
               <a:rPr lang="de-DE" smtClean="0"/>
               <a:pPr/>
-              <a:t>‹Nr.›</a:t>
+              <a:t>‹#›</a:t>
             </a:fld>
             <a:endParaRPr lang="de-DE" dirty="0"/>
           </a:p>
@@ -8618,7 +8611,7 @@
             <a:fld id="{CE58CB1E-F828-4F11-99E0-327109AF9DA4}" type="slidenum">
               <a:rPr lang="de-DE" smtClean="0"/>
               <a:pPr/>
-              <a:t>‹Nr.›</a:t>
+              <a:t>‹#›</a:t>
             </a:fld>
             <a:endParaRPr lang="de-DE" dirty="0"/>
           </a:p>
@@ -9122,15 +9115,7 @@
           <a:p>
             <a:r>
               <a:rPr lang="de-DE" dirty="0"/>
-              <a:t>Garching, </a:t>
-            </a:r>
-            <a:r>
-              <a:rPr lang="de-DE" dirty="0" smtClean="0"/>
-              <a:t>19. Juli </a:t>
-            </a:r>
-            <a:r>
-              <a:rPr lang="de-DE" dirty="0"/>
-              <a:t>2019</a:t>
+              <a:t>Garching, 19. Juli 2019</a:t>
             </a:r>
             <a:endParaRPr dirty="0"/>
           </a:p>
@@ -9164,10 +9149,9 @@
               <a:rPr lang="de-DE" dirty="0"/>
             </a:br>
             <a:r>
-              <a:rPr lang="de-DE" dirty="0" smtClean="0"/>
+              <a:rPr lang="de-DE" dirty="0"/>
               <a:t>Undercover</a:t>
             </a:r>
-            <a:endParaRPr lang="de-DE" dirty="0"/>
           </a:p>
         </p:txBody>
       </p:sp>
@@ -9245,10 +9229,31 @@
               <a:buChar char="•"/>
             </a:pPr>
             <a:r>
-              <a:rPr lang="en-US" dirty="0" smtClean="0">
+              <a:rPr lang="en-US" dirty="0">
                 <a:sym typeface="Wingdings" panose="05000000000000000000" pitchFamily="2" charset="2"/>
               </a:rPr>
-              <a:t>We want to use gestures but only the discrete functionality works </a:t>
+              <a:t>We want to use gestures, but the discrete functionality proved insufficient for the task</a:t>
+            </a:r>
+          </a:p>
+          <a:p>
+            <a:pPr marL="285750" indent="-285750">
+              <a:buFont typeface="Arial" panose="020B0604020202020204" pitchFamily="34" charset="0"/>
+              <a:buChar char="•"/>
+            </a:pPr>
+            <a:endParaRPr lang="en-US" dirty="0">
+              <a:sym typeface="Wingdings" panose="05000000000000000000" pitchFamily="2" charset="2"/>
+            </a:endParaRPr>
+          </a:p>
+          <a:p>
+            <a:pPr marL="285750" indent="-285750">
+              <a:buFont typeface="Arial" panose="020B0604020202020204" pitchFamily="34" charset="0"/>
+              <a:buChar char="•"/>
+            </a:pPr>
+            <a:r>
+              <a:rPr lang="en-US" dirty="0">
+                <a:sym typeface="Wingdings" panose="05000000000000000000" pitchFamily="2" charset="2"/>
+              </a:rPr>
+              <a:t>As soon as there is confidence value the result would trigger</a:t>
             </a:r>
           </a:p>
           <a:p>
@@ -9257,10 +9262,10 @@
               <a:buChar char="•"/>
             </a:pPr>
             <a:r>
-              <a:rPr lang="en-US" dirty="0" smtClean="0">
+              <a:rPr lang="en-US" dirty="0">
                 <a:sym typeface="Wingdings" panose="05000000000000000000" pitchFamily="2" charset="2"/>
               </a:rPr>
-              <a:t> as soon as there is confidence value the result would trigger</a:t>
+              <a:t> Very bad results would be thrown</a:t>
             </a:r>
           </a:p>
           <a:p>
@@ -9268,12 +9273,9 @@
               <a:buFont typeface="Arial" panose="020B0604020202020204" pitchFamily="34" charset="0"/>
               <a:buChar char="•"/>
             </a:pPr>
-            <a:r>
-              <a:rPr lang="en-US" dirty="0" smtClean="0">
-                <a:sym typeface="Wingdings" panose="05000000000000000000" pitchFamily="2" charset="2"/>
-              </a:rPr>
-              <a:t>Very bad results would be thrown</a:t>
-            </a:r>
+            <a:endParaRPr lang="en-US" dirty="0">
+              <a:sym typeface="Wingdings" panose="05000000000000000000" pitchFamily="2" charset="2"/>
+            </a:endParaRPr>
           </a:p>
           <a:p>
             <a:pPr marL="285750" indent="-285750">
@@ -9281,7 +9283,7 @@
               <a:buChar char="•"/>
             </a:pPr>
             <a:r>
-              <a:rPr lang="en-US" dirty="0" smtClean="0">
+              <a:rPr lang="en-US" dirty="0">
                 <a:sym typeface="Wingdings" panose="05000000000000000000" pitchFamily="2" charset="2"/>
               </a:rPr>
               <a:t>The more gestures were added the less results were thrown at all</a:t>
@@ -9292,11 +9294,41 @@
               <a:buFont typeface="Arial" panose="020B0604020202020204" pitchFamily="34" charset="0"/>
               <a:buChar char="•"/>
             </a:pPr>
-            <a:r>
-              <a:rPr lang="en-US" dirty="0" smtClean="0">
+            <a:endParaRPr lang="en-US" dirty="0">
+              <a:sym typeface="Wingdings" panose="05000000000000000000" pitchFamily="2" charset="2"/>
+            </a:endParaRPr>
+          </a:p>
+          <a:p>
+            <a:pPr marL="285750" indent="-285750">
+              <a:buFont typeface="Arial" panose="020B0604020202020204" pitchFamily="34" charset="0"/>
+              <a:buChar char="•"/>
+            </a:pPr>
+            <a:r>
+              <a:rPr lang="en-US" dirty="0">
                 <a:sym typeface="Wingdings" panose="05000000000000000000" pitchFamily="2" charset="2"/>
               </a:rPr>
               <a:t>System got confused, gestures to similar</a:t>
+            </a:r>
+          </a:p>
+          <a:p>
+            <a:pPr marL="285750" indent="-285750">
+              <a:buFont typeface="Arial" panose="020B0604020202020204" pitchFamily="34" charset="0"/>
+              <a:buChar char="•"/>
+            </a:pPr>
+            <a:endParaRPr lang="en-US" dirty="0">
+              <a:sym typeface="Wingdings" panose="05000000000000000000" pitchFamily="2" charset="2"/>
+            </a:endParaRPr>
+          </a:p>
+          <a:p>
+            <a:pPr marL="285750" indent="-285750">
+              <a:buFont typeface="Arial" panose="020B0604020202020204" pitchFamily="34" charset="0"/>
+              <a:buChar char="•"/>
+            </a:pPr>
+            <a:r>
+              <a:rPr lang="en-US" dirty="0">
+                <a:sym typeface="Wingdings" panose="05000000000000000000" pitchFamily="2" charset="2"/>
+              </a:rPr>
+              <a:t>Training the system is difficult with limited time</a:t>
             </a:r>
           </a:p>
           <a:p>
@@ -9305,11 +9337,20 @@
               <a:buChar char="•"/>
             </a:pPr>
             <a:r>
-              <a:rPr lang="en-US" dirty="0" smtClean="0">
+              <a:rPr lang="en-US" dirty="0">
                 <a:sym typeface="Wingdings" panose="05000000000000000000" pitchFamily="2" charset="2"/>
               </a:rPr>
               <a:t>Perhaps too little positive frames given in training</a:t>
             </a:r>
+          </a:p>
+          <a:p>
+            <a:pPr marL="285750" indent="-285750">
+              <a:buFont typeface="Arial" panose="020B0604020202020204" pitchFamily="34" charset="0"/>
+              <a:buChar char="•"/>
+            </a:pPr>
+            <a:endParaRPr lang="en-US" dirty="0">
+              <a:sym typeface="Wingdings" panose="05000000000000000000" pitchFamily="2" charset="2"/>
+            </a:endParaRPr>
           </a:p>
           <a:p>
             <a:endParaRPr lang="en-US" sz="2200" dirty="0"/>
@@ -9388,7 +9429,7 @@
           <a:lstStyle/>
           <a:p>
             <a:r>
-              <a:rPr lang="en-US" dirty="0" smtClean="0"/>
+              <a:rPr lang="en-US" dirty="0"/>
               <a:t>Our machine learning problems</a:t>
             </a:r>
             <a:endParaRPr lang="en-US" sz="3000" dirty="0"/>
@@ -9588,7 +9629,13 @@
       </p:grpSpPr>
       <p:sp>
         <p:nvSpPr>
-          <p:cNvPr id="2" name="Inhaltsplatzhalter 1"/>
+          <p:cNvPr id="2" name="Content Placeholder 1">
+            <a:extLst>
+              <a:ext uri="{FF2B5EF4-FFF2-40B4-BE49-F238E27FC236}">
+                <a16:creationId xmlns:a16="http://schemas.microsoft.com/office/drawing/2014/main" id="{837CDBC3-F6DD-4A4B-9F9B-77A91F06ED37}"/>
+              </a:ext>
+            </a:extLst>
+          </p:cNvPr>
           <p:cNvSpPr>
             <a:spLocks noGrp="1"/>
           </p:cNvSpPr>
@@ -9596,29 +9643,103 @@
             <p:ph idx="1"/>
           </p:nvPr>
         </p:nvSpPr>
-        <p:spPr>
-          <a:xfrm>
-            <a:off x="319090" y="1762188"/>
-            <a:ext cx="4412930" cy="4699572"/>
-          </a:xfrm>
-        </p:spPr>
+        <p:spPr/>
         <p:txBody>
           <a:bodyPr/>
           <a:lstStyle/>
           <a:p>
-            <a:endParaRPr lang="en-US" sz="2200" dirty="0"/>
-          </a:p>
-          <a:p>
-            <a:endParaRPr lang="en-US" sz="2200" dirty="0"/>
-          </a:p>
-          <a:p>
-            <a:endParaRPr lang="en-US" sz="2200" dirty="0"/>
-          </a:p>
-        </p:txBody>
-      </p:sp>
-      <p:sp>
-        <p:nvSpPr>
-          <p:cNvPr id="4" name="Foliennummernplatzhalter 3"/>
+            <a:pPr marL="285750" indent="-285750">
+              <a:buFont typeface="Arial" panose="020B0604020202020204" pitchFamily="34" charset="0"/>
+              <a:buChar char="•"/>
+            </a:pPr>
+            <a:r>
+              <a:rPr lang="en-US" dirty="0"/>
+              <a:t>You cannot scope too small</a:t>
+            </a:r>
+          </a:p>
+          <a:p>
+            <a:pPr marL="285750" indent="-285750">
+              <a:buFont typeface="Arial" panose="020B0604020202020204" pitchFamily="34" charset="0"/>
+              <a:buChar char="•"/>
+            </a:pPr>
+            <a:endParaRPr lang="en-US" dirty="0"/>
+          </a:p>
+          <a:p>
+            <a:pPr marL="285750" indent="-285750">
+              <a:buFont typeface="Arial" panose="020B0604020202020204" pitchFamily="34" charset="0"/>
+              <a:buChar char="•"/>
+            </a:pPr>
+            <a:r>
+              <a:rPr lang="en-US" dirty="0"/>
+              <a:t>Get your git together</a:t>
+            </a:r>
+          </a:p>
+          <a:p>
+            <a:pPr marL="285750" indent="-285750">
+              <a:buFont typeface="Arial" panose="020B0604020202020204" pitchFamily="34" charset="0"/>
+              <a:buChar char="•"/>
+            </a:pPr>
+            <a:endParaRPr lang="en-US" dirty="0"/>
+          </a:p>
+          <a:p>
+            <a:pPr marL="285750" indent="-285750">
+              <a:buFont typeface="Arial" panose="020B0604020202020204" pitchFamily="34" charset="0"/>
+              <a:buChar char="•"/>
+            </a:pPr>
+            <a:r>
+              <a:rPr lang="en-US" dirty="0"/>
+              <a:t>All stumbling and no progress make the team dull</a:t>
+            </a:r>
+          </a:p>
+          <a:p>
+            <a:pPr marL="285750" indent="-285750">
+              <a:buFont typeface="Arial" panose="020B0604020202020204" pitchFamily="34" charset="0"/>
+              <a:buChar char="•"/>
+            </a:pPr>
+            <a:endParaRPr lang="de-AT" dirty="0"/>
+          </a:p>
+          <a:p>
+            <a:pPr marL="285750" indent="-285750">
+              <a:buFont typeface="Arial" panose="020B0604020202020204" pitchFamily="34" charset="0"/>
+              <a:buChar char="•"/>
+            </a:pPr>
+            <a:r>
+              <a:rPr lang="de-AT" dirty="0"/>
+              <a:t>Kinect </a:t>
+            </a:r>
+            <a:r>
+              <a:rPr lang="de-AT" dirty="0" err="1"/>
+              <a:t>is</a:t>
+            </a:r>
+            <a:r>
+              <a:rPr lang="de-AT" dirty="0"/>
+              <a:t> powerful, </a:t>
+            </a:r>
+            <a:r>
+              <a:rPr lang="de-AT" dirty="0" err="1"/>
+              <a:t>yet</a:t>
+            </a:r>
+            <a:r>
+              <a:rPr lang="de-AT" dirty="0"/>
+              <a:t> </a:t>
+            </a:r>
+            <a:r>
+              <a:rPr lang="de-AT" dirty="0" err="1"/>
+              <a:t>frustrating</a:t>
+            </a:r>
+            <a:endParaRPr lang="de-AT" dirty="0"/>
+          </a:p>
+        </p:txBody>
+      </p:sp>
+      <p:sp>
+        <p:nvSpPr>
+          <p:cNvPr id="3" name="Slide Number Placeholder 2">
+            <a:extLst>
+              <a:ext uri="{FF2B5EF4-FFF2-40B4-BE49-F238E27FC236}">
+                <a16:creationId xmlns:a16="http://schemas.microsoft.com/office/drawing/2014/main" id="{C2EF762E-CA48-46BE-8D11-A73C05E82893}"/>
+              </a:ext>
+            </a:extLst>
+          </p:cNvPr>
           <p:cNvSpPr>
             <a:spLocks noGrp="1"/>
           </p:cNvSpPr>
@@ -9642,7 +9763,13 @@
       </p:sp>
       <p:sp>
         <p:nvSpPr>
-          <p:cNvPr id="7" name="Fußzeilenplatzhalter 4"/>
+          <p:cNvPr id="4" name="Footer Placeholder 3">
+            <a:extLst>
+              <a:ext uri="{FF2B5EF4-FFF2-40B4-BE49-F238E27FC236}">
+                <a16:creationId xmlns:a16="http://schemas.microsoft.com/office/drawing/2014/main" id="{6909E61B-B5AC-4C3E-A981-723AE23BD1CD}"/>
+              </a:ext>
+            </a:extLst>
+          </p:cNvPr>
           <p:cNvSpPr>
             <a:spLocks noGrp="1"/>
           </p:cNvSpPr>
@@ -9656,15 +9783,22 @@
           <a:lstStyle/>
           <a:p>
             <a:r>
-              <a:rPr lang="de-DE" dirty="0"/>
-              <a:t>Konstantin Karas, Min Ting Luong, Jakob Raith</a:t>
-            </a:r>
-          </a:p>
-        </p:txBody>
-      </p:sp>
-      <p:sp>
-        <p:nvSpPr>
-          <p:cNvPr id="3" name="Titel 2"/>
+              <a:rPr lang="de-DE"/>
+              <a:t>Dr. rer. nat. Erika Mustermann (TUM) | kann beliebig erweitert werden | Infos mit Strich trennen</a:t>
+            </a:r>
+            <a:endParaRPr lang="en-US" dirty="0"/>
+          </a:p>
+        </p:txBody>
+      </p:sp>
+      <p:sp>
+        <p:nvSpPr>
+          <p:cNvPr id="5" name="Title 4">
+            <a:extLst>
+              <a:ext uri="{FF2B5EF4-FFF2-40B4-BE49-F238E27FC236}">
+                <a16:creationId xmlns:a16="http://schemas.microsoft.com/office/drawing/2014/main" id="{C5413366-2BCD-4191-8ADB-E371C13280FC}"/>
+              </a:ext>
+            </a:extLst>
+          </p:cNvPr>
           <p:cNvSpPr>
             <a:spLocks noGrp="1"/>
           </p:cNvSpPr>
@@ -9672,32 +9806,23 @@
             <p:ph type="title"/>
           </p:nvPr>
         </p:nvSpPr>
-        <p:spPr>
-          <a:xfrm>
-            <a:off x="261940" y="3217469"/>
-            <a:ext cx="8508999" cy="410369"/>
-          </a:xfrm>
-          <a:prstGeom prst="rect">
-            <a:avLst/>
-          </a:prstGeom>
-        </p:spPr>
+        <p:spPr/>
         <p:txBody>
           <a:bodyPr/>
           <a:lstStyle/>
           <a:p>
-            <a:pPr algn="ctr"/>
-            <a:r>
-              <a:rPr lang="en-US" dirty="0" smtClean="0"/>
-              <a:t>Gameplay!</a:t>
-            </a:r>
-            <a:endParaRPr lang="en-US" sz="3000" dirty="0"/>
+            <a:r>
+              <a:rPr lang="en-US" dirty="0"/>
+              <a:t>Lessons learned</a:t>
+            </a:r>
+            <a:endParaRPr lang="de-AT" dirty="0"/>
           </a:p>
         </p:txBody>
       </p:sp>
     </p:spTree>
     <p:extLst>
       <p:ext uri="{BB962C8B-B14F-4D97-AF65-F5344CB8AC3E}">
-        <p14:creationId xmlns:p14="http://schemas.microsoft.com/office/powerpoint/2010/main" val="98881398"/>
+        <p14:creationId xmlns:p14="http://schemas.microsoft.com/office/powerpoint/2010/main" val="1980373358"/>
       </p:ext>
     </p:extLst>
   </p:cSld>
@@ -9726,6 +9851,36 @@
       </p:grpSpPr>
       <p:sp>
         <p:nvSpPr>
+          <p:cNvPr id="2" name="Inhaltsplatzhalter 1"/>
+          <p:cNvSpPr>
+            <a:spLocks noGrp="1"/>
+          </p:cNvSpPr>
+          <p:nvPr>
+            <p:ph idx="1"/>
+          </p:nvPr>
+        </p:nvSpPr>
+        <p:spPr>
+          <a:xfrm>
+            <a:off x="319090" y="1762188"/>
+            <a:ext cx="4412930" cy="4699572"/>
+          </a:xfrm>
+        </p:spPr>
+        <p:txBody>
+          <a:bodyPr/>
+          <a:lstStyle/>
+          <a:p>
+            <a:endParaRPr lang="en-US" sz="2200" dirty="0"/>
+          </a:p>
+          <a:p>
+            <a:endParaRPr lang="en-US" sz="2200" dirty="0"/>
+          </a:p>
+          <a:p>
+            <a:endParaRPr lang="en-US" sz="2200" dirty="0"/>
+          </a:p>
+        </p:txBody>
+      </p:sp>
+      <p:sp>
+        <p:nvSpPr>
           <p:cNvPr id="4" name="Foliennummernplatzhalter 3"/>
           <p:cNvSpPr>
             <a:spLocks noGrp="1"/>
@@ -9743,6 +9898,114 @@
               <a:rPr lang="de-DE" smtClean="0"/>
               <a:pPr/>
               <a:t>13</a:t>
+            </a:fld>
+            <a:endParaRPr lang="de-DE" dirty="0"/>
+          </a:p>
+        </p:txBody>
+      </p:sp>
+      <p:sp>
+        <p:nvSpPr>
+          <p:cNvPr id="7" name="Fußzeilenplatzhalter 4"/>
+          <p:cNvSpPr>
+            <a:spLocks noGrp="1"/>
+          </p:cNvSpPr>
+          <p:nvPr>
+            <p:ph type="ftr" sz="quarter" idx="12"/>
+          </p:nvPr>
+        </p:nvSpPr>
+        <p:spPr/>
+        <p:txBody>
+          <a:bodyPr/>
+          <a:lstStyle/>
+          <a:p>
+            <a:r>
+              <a:rPr lang="de-DE" dirty="0"/>
+              <a:t>Konstantin Karas, Min Ting Luong, Jakob Raith</a:t>
+            </a:r>
+          </a:p>
+        </p:txBody>
+      </p:sp>
+      <p:sp>
+        <p:nvSpPr>
+          <p:cNvPr id="3" name="Titel 2"/>
+          <p:cNvSpPr>
+            <a:spLocks noGrp="1"/>
+          </p:cNvSpPr>
+          <p:nvPr>
+            <p:ph type="title"/>
+          </p:nvPr>
+        </p:nvSpPr>
+        <p:spPr>
+          <a:xfrm>
+            <a:off x="261940" y="3217469"/>
+            <a:ext cx="8508999" cy="410369"/>
+          </a:xfrm>
+          <a:prstGeom prst="rect">
+            <a:avLst/>
+          </a:prstGeom>
+        </p:spPr>
+        <p:txBody>
+          <a:bodyPr/>
+          <a:lstStyle/>
+          <a:p>
+            <a:pPr algn="ctr"/>
+            <a:r>
+              <a:rPr lang="en-US" dirty="0"/>
+              <a:t>Gameplay!</a:t>
+            </a:r>
+            <a:endParaRPr lang="en-US" sz="3000" dirty="0"/>
+          </a:p>
+        </p:txBody>
+      </p:sp>
+    </p:spTree>
+    <p:extLst>
+      <p:ext uri="{BB962C8B-B14F-4D97-AF65-F5344CB8AC3E}">
+        <p14:creationId xmlns:p14="http://schemas.microsoft.com/office/powerpoint/2010/main" val="98881398"/>
+      </p:ext>
+    </p:extLst>
+  </p:cSld>
+  <p:clrMapOvr>
+    <a:masterClrMapping/>
+  </p:clrMapOvr>
+</p:sld>
+</file>
+
+<file path=ppt/slides/slide14.xml><?xml version="1.0" encoding="utf-8"?>
+<p:sld xmlns:a="http://schemas.openxmlformats.org/drawingml/2006/main" xmlns:r="http://schemas.openxmlformats.org/officeDocument/2006/relationships" xmlns:p="http://schemas.openxmlformats.org/presentationml/2006/main">
+  <p:cSld>
+    <p:spTree>
+      <p:nvGrpSpPr>
+        <p:cNvPr id="1" name=""/>
+        <p:cNvGrpSpPr/>
+        <p:nvPr/>
+      </p:nvGrpSpPr>
+      <p:grpSpPr>
+        <a:xfrm>
+          <a:off x="0" y="0"/>
+          <a:ext cx="0" cy="0"/>
+          <a:chOff x="0" y="0"/>
+          <a:chExt cx="0" cy="0"/>
+        </a:xfrm>
+      </p:grpSpPr>
+      <p:sp>
+        <p:nvSpPr>
+          <p:cNvPr id="4" name="Foliennummernplatzhalter 3"/>
+          <p:cNvSpPr>
+            <a:spLocks noGrp="1"/>
+          </p:cNvSpPr>
+          <p:nvPr>
+            <p:ph type="sldNum" sz="quarter" idx="11"/>
+          </p:nvPr>
+        </p:nvSpPr>
+        <p:spPr/>
+        <p:txBody>
+          <a:bodyPr/>
+          <a:lstStyle/>
+          <a:p>
+            <a:fld id="{CE58CB1E-F828-4F11-99E0-327109AF9DA4}" type="slidenum">
+              <a:rPr lang="de-DE" smtClean="0"/>
+              <a:pPr/>
+              <a:t>14</a:t>
             </a:fld>
             <a:endParaRPr lang="de-DE" dirty="0"/>
           </a:p>
@@ -9894,7 +10157,7 @@
           <p:cNvPr id="2" name="Inhaltsplatzhalter 1">
             <a:extLst>
               <a:ext uri="{FF2B5EF4-FFF2-40B4-BE49-F238E27FC236}">
-                <a16:creationId xmlns="" xmlns:a16="http://schemas.microsoft.com/office/drawing/2014/main" id="{78D55584-F8AF-4DD2-BF17-4530DDAEF005}"/>
+                <a16:creationId xmlns:a16="http://schemas.microsoft.com/office/drawing/2014/main" id="{78D55584-F8AF-4DD2-BF17-4530DDAEF005}"/>
               </a:ext>
             </a:extLst>
           </p:cNvPr>
@@ -9962,11 +10225,7 @@
             </a:r>
             <a:r>
               <a:rPr lang="de-DE" dirty="0"/>
-              <a:t> „Tanz</a:t>
-            </a:r>
-            <a:r>
-              <a:rPr lang="de-DE" dirty="0" smtClean="0"/>
-              <a:t>“</a:t>
+              <a:t> „Tanz“</a:t>
             </a:r>
           </a:p>
           <a:p>
@@ -9975,50 +10234,50 @@
               <a:buChar char="•"/>
             </a:pPr>
             <a:r>
-              <a:rPr lang="de-DE" dirty="0" err="1" smtClean="0"/>
+              <a:rPr lang="de-DE" dirty="0" err="1"/>
               <a:t>Combining</a:t>
             </a:r>
             <a:r>
-              <a:rPr lang="de-DE" dirty="0" smtClean="0"/>
+              <a:rPr lang="de-DE" dirty="0"/>
               <a:t> </a:t>
             </a:r>
             <a:r>
-              <a:rPr lang="de-DE" dirty="0" err="1" smtClean="0"/>
+              <a:rPr lang="de-DE" dirty="0" err="1"/>
               <a:t>fun</a:t>
             </a:r>
             <a:r>
-              <a:rPr lang="de-DE" dirty="0" smtClean="0"/>
+              <a:rPr lang="de-DE" dirty="0"/>
               <a:t> </a:t>
             </a:r>
             <a:r>
-              <a:rPr lang="de-DE" dirty="0" err="1" smtClean="0"/>
+              <a:rPr lang="de-DE" dirty="0" err="1"/>
               <a:t>games</a:t>
             </a:r>
             <a:r>
-              <a:rPr lang="de-DE" dirty="0" smtClean="0"/>
+              <a:rPr lang="de-DE" dirty="0"/>
               <a:t> </a:t>
             </a:r>
             <a:r>
-              <a:rPr lang="de-DE" dirty="0" err="1" smtClean="0"/>
+              <a:rPr lang="de-DE" dirty="0" err="1"/>
               <a:t>with</a:t>
             </a:r>
             <a:r>
-              <a:rPr lang="de-DE" dirty="0" smtClean="0"/>
+              <a:rPr lang="de-DE" dirty="0"/>
               <a:t> an </a:t>
             </a:r>
             <a:r>
-              <a:rPr lang="de-DE" dirty="0" err="1" smtClean="0"/>
+              <a:rPr lang="de-DE" dirty="0" err="1"/>
               <a:t>interesting</a:t>
             </a:r>
             <a:r>
-              <a:rPr lang="de-DE" dirty="0" smtClean="0"/>
+              <a:rPr lang="de-DE" dirty="0"/>
               <a:t> </a:t>
             </a:r>
             <a:r>
-              <a:rPr lang="de-DE" dirty="0" err="1" smtClean="0"/>
+              <a:rPr lang="de-DE" dirty="0" err="1"/>
               <a:t>setting</a:t>
             </a:r>
-            <a:endParaRPr lang="de-DE" dirty="0" smtClean="0"/>
+            <a:endParaRPr lang="de-DE" dirty="0"/>
           </a:p>
           <a:p>
             <a:pPr marL="285750" indent="-285750">
@@ -10086,7 +10345,7 @@
               <a:t> </a:t>
             </a:r>
             <a:r>
-              <a:rPr lang="de-DE" dirty="0" err="1" smtClean="0"/>
+              <a:rPr lang="de-DE" dirty="0" err="1"/>
               <a:t>franchise</a:t>
             </a:r>
             <a:endParaRPr lang="de-DE" dirty="0"/>
@@ -10098,7 +10357,7 @@
           <p:cNvPr id="3" name="Titel 2">
             <a:extLst>
               <a:ext uri="{FF2B5EF4-FFF2-40B4-BE49-F238E27FC236}">
-                <a16:creationId xmlns="" xmlns:a16="http://schemas.microsoft.com/office/drawing/2014/main" id="{E16A3B7F-8CC8-4399-88CD-418B949242F1}"/>
+                <a16:creationId xmlns:a16="http://schemas.microsoft.com/office/drawing/2014/main" id="{E16A3B7F-8CC8-4399-88CD-418B949242F1}"/>
               </a:ext>
             </a:extLst>
           </p:cNvPr>
@@ -10200,23 +10459,7 @@
             </a:pPr>
             <a:r>
               <a:rPr lang="en-US" dirty="0"/>
-              <a:t>Player is </a:t>
-            </a:r>
-            <a:r>
-              <a:rPr lang="en-US" dirty="0" smtClean="0"/>
-              <a:t>a spy who </a:t>
-            </a:r>
-            <a:r>
-              <a:rPr lang="en-US" dirty="0"/>
-              <a:t>is infiltrating an elegant dinner party, seeking to </a:t>
-            </a:r>
-            <a:r>
-              <a:rPr lang="en-US" dirty="0" smtClean="0"/>
-              <a:t>eliminate </a:t>
-            </a:r>
-            <a:r>
-              <a:rPr lang="en-US" dirty="0"/>
-              <a:t>a guest</a:t>
+              <a:t>Player is a spy who is infiltrating an elegant dinner party, seeking to eliminate a guest</a:t>
             </a:r>
           </a:p>
           <a:p>
@@ -10246,11 +10489,7 @@
             </a:pPr>
             <a:r>
               <a:rPr lang="en-US" dirty="0"/>
-              <a:t>Player wins when they reach their target or loose when they get </a:t>
-            </a:r>
-            <a:r>
-              <a:rPr lang="en-US" dirty="0" smtClean="0"/>
-              <a:t>caught</a:t>
+              <a:t>Player wins when they reach their target or loose when they get caught</a:t>
             </a:r>
           </a:p>
           <a:p>
@@ -10438,7 +10677,7 @@
               <a:buChar char="•"/>
             </a:pPr>
             <a:r>
-              <a:rPr lang="en-US" dirty="0" smtClean="0"/>
+              <a:rPr lang="en-US" dirty="0"/>
               <a:t>Player is not mimicking the guests</a:t>
             </a:r>
           </a:p>
@@ -10448,10 +10687,9 @@
               <a:buChar char="•"/>
             </a:pPr>
             <a:r>
-              <a:rPr lang="en-US" dirty="0" smtClean="0"/>
+              <a:rPr lang="en-US" dirty="0"/>
               <a:t>Instead he has to act like an employee</a:t>
             </a:r>
-            <a:endParaRPr lang="en-US" dirty="0"/>
           </a:p>
           <a:p>
             <a:pPr marL="285750" indent="-285750">
@@ -10459,10 +10697,9 @@
               <a:buChar char="•"/>
             </a:pPr>
             <a:r>
-              <a:rPr lang="en-US" dirty="0" smtClean="0"/>
+              <a:rPr lang="en-US" dirty="0"/>
               <a:t>He is asked to perform certain tasks by his client</a:t>
             </a:r>
-            <a:endParaRPr lang="en-US" dirty="0"/>
           </a:p>
           <a:p>
             <a:endParaRPr lang="en-US" sz="2200" dirty="0"/>
@@ -10535,7 +10772,7 @@
           <a:lstStyle/>
           <a:p>
             <a:r>
-              <a:rPr lang="en-US" dirty="0" smtClean="0"/>
+              <a:rPr lang="en-US" dirty="0"/>
               <a:t>Refinement</a:t>
             </a:r>
             <a:endParaRPr lang="en-US" sz="3000" dirty="0"/>
@@ -10649,7 +10886,7 @@
               <a:buChar char="•"/>
             </a:pPr>
             <a:r>
-              <a:rPr lang="en-US" smtClean="0"/>
+              <a:rPr lang="en-US"/>
               <a:t>(mostly) Third Person perspective</a:t>
             </a:r>
             <a:endParaRPr lang="en-US" dirty="0"/>
@@ -10841,7 +11078,7 @@
           <a:lstStyle/>
           <a:p>
             <a:r>
-              <a:rPr lang="de-DE" dirty="0" smtClean="0"/>
+              <a:rPr lang="de-DE" dirty="0"/>
               <a:t>Game</a:t>
             </a:r>
             <a:endParaRPr lang="de-DE" sz="3000" dirty="0"/>
@@ -11665,7 +11902,7 @@
               </a:lnSpc>
             </a:pPr>
             <a:r>
-              <a:rPr lang="de-DE" sz="1400" dirty="0" err="1" smtClean="0">
+              <a:rPr lang="de-DE" sz="1400" dirty="0" err="1">
                 <a:solidFill>
                   <a:schemeClr val="bg1">
                     <a:lumMod val="65000"/>
@@ -11739,7 +11976,7 @@
               <a:buChar char="•"/>
             </a:pPr>
             <a:r>
-              <a:rPr lang="en-US" dirty="0" smtClean="0"/>
+              <a:rPr lang="en-US" dirty="0"/>
               <a:t>3 core games:</a:t>
             </a:r>
           </a:p>
@@ -11749,7 +11986,7 @@
               <a:buChar char="•"/>
             </a:pPr>
             <a:r>
-              <a:rPr lang="en-US" dirty="0" smtClean="0"/>
+              <a:rPr lang="en-US" dirty="0"/>
               <a:t>Meet guests at bar (Tip Hat, Drink)</a:t>
             </a:r>
           </a:p>
@@ -11759,7 +11996,7 @@
               <a:buChar char="•"/>
             </a:pPr>
             <a:r>
-              <a:rPr lang="en-US" dirty="0" smtClean="0"/>
+              <a:rPr lang="en-US" dirty="0"/>
               <a:t>Perform for guests (Dance moves)</a:t>
             </a:r>
           </a:p>
@@ -11769,7 +12006,7 @@
               <a:buChar char="•"/>
             </a:pPr>
             <a:r>
-              <a:rPr lang="en-US" dirty="0" smtClean="0"/>
+              <a:rPr lang="en-US" dirty="0"/>
               <a:t>Balance a tablet (Do not let items fall off)</a:t>
             </a:r>
           </a:p>
@@ -11779,7 +12016,7 @@
               <a:buChar char="•"/>
             </a:pPr>
             <a:r>
-              <a:rPr lang="en-US" dirty="0" smtClean="0"/>
+              <a:rPr lang="en-US" dirty="0"/>
               <a:t>Nice to have:</a:t>
             </a:r>
           </a:p>
@@ -11789,7 +12026,7 @@
               <a:buChar char="•"/>
             </a:pPr>
             <a:r>
-              <a:rPr lang="en-US" dirty="0" smtClean="0"/>
+              <a:rPr lang="en-US" dirty="0"/>
               <a:t>Start: Take picture of player</a:t>
             </a:r>
           </a:p>
@@ -11799,7 +12036,7 @@
               <a:buChar char="•"/>
             </a:pPr>
             <a:r>
-              <a:rPr lang="en-US" dirty="0" smtClean="0"/>
+              <a:rPr lang="en-US" dirty="0"/>
               <a:t>Perform a magic trick (pull rabbit out of hat and pet it)</a:t>
             </a:r>
           </a:p>
@@ -11809,7 +12046,7 @@
               <a:buChar char="•"/>
             </a:pPr>
             <a:r>
-              <a:rPr lang="en-US" dirty="0" smtClean="0"/>
+              <a:rPr lang="en-US" dirty="0"/>
               <a:t>Give directions to an NPC (point at requested items/places in the scene)</a:t>
             </a:r>
           </a:p>
@@ -11819,7 +12056,7 @@
               <a:buChar char="•"/>
             </a:pPr>
             <a:r>
-              <a:rPr lang="en-US" dirty="0" smtClean="0"/>
+              <a:rPr lang="en-US" dirty="0"/>
               <a:t>Disguise (put on / take off glasses when caught to avoid failure)</a:t>
             </a:r>
           </a:p>
@@ -11829,7 +12066,7 @@
               <a:buChar char="•"/>
             </a:pPr>
             <a:r>
-              <a:rPr lang="en-US" dirty="0" smtClean="0"/>
+              <a:rPr lang="en-US" dirty="0"/>
               <a:t>End: Eliminate target</a:t>
             </a:r>
           </a:p>
@@ -11917,11 +12154,11 @@
           <a:lstStyle/>
           <a:p>
             <a:r>
-              <a:rPr lang="de-DE" dirty="0" smtClean="0"/>
+              <a:rPr lang="de-DE" dirty="0"/>
               <a:t>Game </a:t>
             </a:r>
             <a:r>
-              <a:rPr lang="de-DE" dirty="0" err="1" smtClean="0"/>
+              <a:rPr lang="de-DE" dirty="0" err="1"/>
               <a:t>Overview</a:t>
             </a:r>
             <a:endParaRPr lang="de-DE" sz="3000" dirty="0"/>
@@ -11980,18 +12217,13 @@
               </a:lnSpc>
             </a:pPr>
             <a:r>
-              <a:rPr lang="de-DE" sz="1400" dirty="0" smtClean="0">
+              <a:rPr lang="de-DE" sz="1400" dirty="0">
                 <a:solidFill>
                   <a:schemeClr val="tx1"/>
                 </a:solidFill>
               </a:rPr>
               <a:t>Dance</a:t>
             </a:r>
-            <a:endParaRPr lang="de-DE" sz="1400" dirty="0">
-              <a:solidFill>
-                <a:schemeClr val="tx1"/>
-              </a:solidFill>
-            </a:endParaRPr>
           </a:p>
         </p:txBody>
       </p:sp>
@@ -12049,18 +12281,13 @@
               </a:lnSpc>
             </a:pPr>
             <a:r>
-              <a:rPr lang="de-DE" sz="1400" dirty="0" smtClean="0">
+              <a:rPr lang="de-DE" sz="1400" dirty="0">
                 <a:solidFill>
                   <a:srgbClr val="999999"/>
                 </a:solidFill>
               </a:rPr>
               <a:t>Take Picture</a:t>
             </a:r>
-            <a:endParaRPr lang="de-DE" sz="1400" dirty="0">
-              <a:solidFill>
-                <a:srgbClr val="999999"/>
-              </a:solidFill>
-            </a:endParaRPr>
           </a:p>
         </p:txBody>
       </p:sp>
@@ -12118,7 +12345,7 @@
               </a:lnSpc>
             </a:pPr>
             <a:r>
-              <a:rPr lang="de-DE" sz="1400" dirty="0" err="1" smtClean="0">
+              <a:rPr lang="de-DE" sz="1400" dirty="0" err="1">
                 <a:solidFill>
                   <a:schemeClr val="bg1">
                     <a:lumMod val="65000"/>
@@ -12128,7 +12355,7 @@
               <a:t>Give</a:t>
             </a:r>
             <a:r>
-              <a:rPr lang="de-DE" sz="1400" dirty="0" smtClean="0">
+              <a:rPr lang="de-DE" sz="1400" dirty="0">
                 <a:solidFill>
                   <a:schemeClr val="bg1">
                     <a:lumMod val="65000"/>
@@ -12138,7 +12365,7 @@
               <a:t> </a:t>
             </a:r>
             <a:r>
-              <a:rPr lang="de-DE" sz="1400" dirty="0" err="1" smtClean="0">
+              <a:rPr lang="de-DE" sz="1400" dirty="0" err="1">
                 <a:solidFill>
                   <a:schemeClr val="bg1">
                     <a:lumMod val="65000"/>
@@ -12209,18 +12436,13 @@
               </a:lnSpc>
             </a:pPr>
             <a:r>
-              <a:rPr lang="de-DE" sz="1400" dirty="0" smtClean="0">
+              <a:rPr lang="de-DE" sz="1400" dirty="0">
                 <a:solidFill>
                   <a:schemeClr val="tx1"/>
                 </a:solidFill>
               </a:rPr>
               <a:t>Balance</a:t>
             </a:r>
-            <a:endParaRPr lang="de-DE" sz="1400" dirty="0">
-              <a:solidFill>
-                <a:schemeClr val="tx1"/>
-              </a:solidFill>
-            </a:endParaRPr>
           </a:p>
         </p:txBody>
       </p:sp>
@@ -12278,7 +12500,7 @@
               </a:lnSpc>
             </a:pPr>
             <a:r>
-              <a:rPr lang="de-DE" sz="1400" dirty="0" err="1" smtClean="0">
+              <a:rPr lang="de-DE" sz="1400" dirty="0" err="1">
                 <a:solidFill>
                   <a:schemeClr val="bg1">
                     <a:lumMod val="65000"/>
@@ -12288,7 +12510,7 @@
               <a:t>Eliminate</a:t>
             </a:r>
             <a:r>
-              <a:rPr lang="de-DE" sz="1400" dirty="0" smtClean="0">
+              <a:rPr lang="de-DE" sz="1400" dirty="0">
                 <a:solidFill>
                   <a:schemeClr val="bg1">
                     <a:lumMod val="65000"/>
@@ -12297,13 +12519,6 @@
               </a:rPr>
               <a:t> Target</a:t>
             </a:r>
-            <a:endParaRPr lang="de-DE" sz="1400" dirty="0">
-              <a:solidFill>
-                <a:schemeClr val="bg1">
-                  <a:lumMod val="65000"/>
-                </a:schemeClr>
-              </a:solidFill>
-            </a:endParaRPr>
           </a:p>
         </p:txBody>
       </p:sp>
@@ -12361,18 +12576,13 @@
               </a:lnSpc>
             </a:pPr>
             <a:r>
-              <a:rPr lang="de-DE" sz="1400" dirty="0" smtClean="0">
+              <a:rPr lang="de-DE" sz="1400" dirty="0">
                 <a:solidFill>
                   <a:srgbClr val="999999"/>
                 </a:solidFill>
               </a:rPr>
               <a:t>Magic Trick</a:t>
             </a:r>
-            <a:endParaRPr lang="de-DE" sz="1400" dirty="0">
-              <a:solidFill>
-                <a:srgbClr val="999999"/>
-              </a:solidFill>
-            </a:endParaRPr>
           </a:p>
         </p:txBody>
       </p:sp>
@@ -12428,7 +12638,7 @@
               </a:lnSpc>
             </a:pPr>
             <a:r>
-              <a:rPr lang="de-DE" sz="1400" dirty="0" err="1" smtClean="0">
+              <a:rPr lang="de-DE" sz="1400" dirty="0" err="1">
                 <a:solidFill>
                   <a:schemeClr val="tx1"/>
                 </a:solidFill>
@@ -12436,18 +12646,13 @@
               <a:t>Meet</a:t>
             </a:r>
             <a:r>
-              <a:rPr lang="de-DE" sz="1400" dirty="0" smtClean="0">
+              <a:rPr lang="de-DE" sz="1400" dirty="0">
                 <a:solidFill>
                   <a:schemeClr val="tx1"/>
                 </a:solidFill>
               </a:rPr>
               <a:t> Guests</a:t>
             </a:r>
-            <a:endParaRPr lang="de-DE" sz="1400" dirty="0">
-              <a:solidFill>
-                <a:schemeClr val="tx1"/>
-              </a:solidFill>
-            </a:endParaRPr>
           </a:p>
         </p:txBody>
       </p:sp>
@@ -12817,7 +13022,7 @@
               </a:lnSpc>
             </a:pPr>
             <a:r>
-              <a:rPr lang="de-DE" sz="1400" dirty="0" err="1" smtClean="0">
+              <a:rPr lang="de-DE" sz="1400" dirty="0" err="1">
                 <a:solidFill>
                   <a:schemeClr val="bg1">
                     <a:lumMod val="65000"/>
@@ -12891,7 +13096,7 @@
               <a:buChar char="•"/>
             </a:pPr>
             <a:r>
-              <a:rPr lang="en-US" dirty="0" smtClean="0"/>
+              <a:rPr lang="en-US" dirty="0"/>
               <a:t>3 core games:</a:t>
             </a:r>
           </a:p>
@@ -12901,7 +13106,7 @@
               <a:buChar char="•"/>
             </a:pPr>
             <a:r>
-              <a:rPr lang="en-US" b="1" dirty="0" smtClean="0"/>
+              <a:rPr lang="en-US" b="1" dirty="0"/>
               <a:t>Meet guests at bar (Tip Hat, Drink)</a:t>
             </a:r>
           </a:p>
@@ -12911,7 +13116,7 @@
               <a:buChar char="•"/>
             </a:pPr>
             <a:r>
-              <a:rPr lang="en-US" b="1" dirty="0" smtClean="0"/>
+              <a:rPr lang="en-US" b="1" dirty="0"/>
               <a:t>Perform for guests (Dance moves)</a:t>
             </a:r>
           </a:p>
@@ -12921,7 +13126,7 @@
               <a:buChar char="•"/>
             </a:pPr>
             <a:r>
-              <a:rPr lang="en-US" b="1" dirty="0" smtClean="0"/>
+              <a:rPr lang="en-US" b="1" dirty="0"/>
               <a:t>Balance a tablet (Do not let items fall off)</a:t>
             </a:r>
           </a:p>
@@ -12931,7 +13136,7 @@
               <a:buChar char="•"/>
             </a:pPr>
             <a:r>
-              <a:rPr lang="en-US" dirty="0" smtClean="0"/>
+              <a:rPr lang="en-US" dirty="0"/>
               <a:t>Nice to have:</a:t>
             </a:r>
           </a:p>
@@ -12941,7 +13146,7 @@
               <a:buChar char="•"/>
             </a:pPr>
             <a:r>
-              <a:rPr lang="en-US" b="1" dirty="0" smtClean="0"/>
+              <a:rPr lang="en-US" b="1" dirty="0"/>
               <a:t>Start: Take picture of player</a:t>
             </a:r>
           </a:p>
@@ -12951,7 +13156,7 @@
               <a:buChar char="•"/>
             </a:pPr>
             <a:r>
-              <a:rPr lang="en-US" dirty="0" smtClean="0"/>
+              <a:rPr lang="en-US" dirty="0"/>
               <a:t>Perform a magic trick (pull rabbit out of hat and pet it)</a:t>
             </a:r>
           </a:p>
@@ -12961,7 +13166,7 @@
               <a:buChar char="•"/>
             </a:pPr>
             <a:r>
-              <a:rPr lang="en-US" dirty="0" smtClean="0"/>
+              <a:rPr lang="en-US" dirty="0"/>
               <a:t>Give directions to an NPC (point at requested items/places in the scene)</a:t>
             </a:r>
           </a:p>
@@ -12971,7 +13176,7 @@
               <a:buChar char="•"/>
             </a:pPr>
             <a:r>
-              <a:rPr lang="en-US" b="1" dirty="0" smtClean="0"/>
+              <a:rPr lang="en-US" b="1" dirty="0"/>
               <a:t>Disguise (put on / take off glasses when caught to avoid failure)</a:t>
             </a:r>
           </a:p>
@@ -12981,7 +13186,7 @@
               <a:buChar char="•"/>
             </a:pPr>
             <a:r>
-              <a:rPr lang="en-US" b="1" dirty="0" smtClean="0"/>
+              <a:rPr lang="en-US" b="1" dirty="0"/>
               <a:t>End: Eliminate target</a:t>
             </a:r>
           </a:p>
@@ -13069,11 +13274,11 @@
           <a:lstStyle/>
           <a:p>
             <a:r>
-              <a:rPr lang="en-US" dirty="0" smtClean="0"/>
+              <a:rPr lang="en-US" dirty="0"/>
               <a:t>Completed</a:t>
             </a:r>
             <a:r>
-              <a:rPr lang="de-DE" dirty="0" smtClean="0"/>
+              <a:rPr lang="de-DE" dirty="0"/>
               <a:t> Games</a:t>
             </a:r>
             <a:endParaRPr lang="de-DE" sz="3000" dirty="0"/>
@@ -13132,18 +13337,13 @@
               </a:lnSpc>
             </a:pPr>
             <a:r>
-              <a:rPr lang="de-DE" sz="1400" dirty="0" smtClean="0">
+              <a:rPr lang="de-DE" sz="1400" dirty="0">
                 <a:solidFill>
                   <a:schemeClr val="tx1"/>
                 </a:solidFill>
               </a:rPr>
               <a:t>Dance</a:t>
             </a:r>
-            <a:endParaRPr lang="de-DE" sz="1400" dirty="0">
-              <a:solidFill>
-                <a:schemeClr val="tx1"/>
-              </a:solidFill>
-            </a:endParaRPr>
           </a:p>
         </p:txBody>
       </p:sp>
@@ -13199,18 +13399,13 @@
               </a:lnSpc>
             </a:pPr>
             <a:r>
-              <a:rPr lang="de-DE" sz="1400" dirty="0" smtClean="0">
+              <a:rPr lang="de-DE" sz="1400" dirty="0">
                 <a:solidFill>
                   <a:schemeClr val="tx1"/>
                 </a:solidFill>
               </a:rPr>
               <a:t>Take Picture</a:t>
             </a:r>
-            <a:endParaRPr lang="de-DE" sz="1400" dirty="0">
-              <a:solidFill>
-                <a:schemeClr val="tx1"/>
-              </a:solidFill>
-            </a:endParaRPr>
           </a:p>
         </p:txBody>
       </p:sp>
@@ -13268,7 +13463,7 @@
               </a:lnSpc>
             </a:pPr>
             <a:r>
-              <a:rPr lang="de-DE" sz="1400" dirty="0" err="1" smtClean="0">
+              <a:rPr lang="de-DE" sz="1400" dirty="0" err="1">
                 <a:solidFill>
                   <a:schemeClr val="bg1">
                     <a:lumMod val="65000"/>
@@ -13278,7 +13473,7 @@
               <a:t>Give</a:t>
             </a:r>
             <a:r>
-              <a:rPr lang="de-DE" sz="1400" dirty="0" smtClean="0">
+              <a:rPr lang="de-DE" sz="1400" dirty="0">
                 <a:solidFill>
                   <a:schemeClr val="bg1">
                     <a:lumMod val="65000"/>
@@ -13288,7 +13483,7 @@
               <a:t> </a:t>
             </a:r>
             <a:r>
-              <a:rPr lang="de-DE" sz="1400" dirty="0" err="1" smtClean="0">
+              <a:rPr lang="de-DE" sz="1400" dirty="0" err="1">
                 <a:solidFill>
                   <a:schemeClr val="bg1">
                     <a:lumMod val="65000"/>
@@ -13359,18 +13554,13 @@
               </a:lnSpc>
             </a:pPr>
             <a:r>
-              <a:rPr lang="de-DE" sz="1400" dirty="0" smtClean="0">
+              <a:rPr lang="de-DE" sz="1400" dirty="0">
                 <a:solidFill>
                   <a:schemeClr val="tx1"/>
                 </a:solidFill>
               </a:rPr>
               <a:t>Balance</a:t>
             </a:r>
-            <a:endParaRPr lang="de-DE" sz="1400" dirty="0">
-              <a:solidFill>
-                <a:schemeClr val="tx1"/>
-              </a:solidFill>
-            </a:endParaRPr>
           </a:p>
         </p:txBody>
       </p:sp>
@@ -13426,7 +13616,7 @@
               </a:lnSpc>
             </a:pPr>
             <a:r>
-              <a:rPr lang="de-DE" sz="1400" dirty="0" err="1" smtClean="0">
+              <a:rPr lang="de-DE" sz="1400" dirty="0" err="1">
                 <a:solidFill>
                   <a:schemeClr val="tx1"/>
                 </a:solidFill>
@@ -13434,18 +13624,13 @@
               <a:t>Eliminate</a:t>
             </a:r>
             <a:r>
-              <a:rPr lang="de-DE" sz="1400" dirty="0" smtClean="0">
+              <a:rPr lang="de-DE" sz="1400" dirty="0">
                 <a:solidFill>
                   <a:schemeClr val="tx1"/>
                 </a:solidFill>
               </a:rPr>
               <a:t> Target</a:t>
             </a:r>
-            <a:endParaRPr lang="de-DE" sz="1400" dirty="0">
-              <a:solidFill>
-                <a:schemeClr val="tx1"/>
-              </a:solidFill>
-            </a:endParaRPr>
           </a:p>
         </p:txBody>
       </p:sp>
@@ -13503,18 +13688,13 @@
               </a:lnSpc>
             </a:pPr>
             <a:r>
-              <a:rPr lang="de-DE" sz="1400" dirty="0" smtClean="0">
+              <a:rPr lang="de-DE" sz="1400" dirty="0">
                 <a:solidFill>
                   <a:srgbClr val="999999"/>
                 </a:solidFill>
               </a:rPr>
               <a:t>Magic Trick</a:t>
             </a:r>
-            <a:endParaRPr lang="de-DE" sz="1400" dirty="0">
-              <a:solidFill>
-                <a:srgbClr val="999999"/>
-              </a:solidFill>
-            </a:endParaRPr>
           </a:p>
         </p:txBody>
       </p:sp>
@@ -13570,7 +13750,7 @@
               </a:lnSpc>
             </a:pPr>
             <a:r>
-              <a:rPr lang="de-DE" sz="1400" dirty="0" err="1" smtClean="0">
+              <a:rPr lang="de-DE" sz="1400" dirty="0" err="1">
                 <a:solidFill>
                   <a:schemeClr val="tx1"/>
                 </a:solidFill>
@@ -13578,18 +13758,13 @@
               <a:t>Meet</a:t>
             </a:r>
             <a:r>
-              <a:rPr lang="de-DE" sz="1400" dirty="0" smtClean="0">
+              <a:rPr lang="de-DE" sz="1400" dirty="0">
                 <a:solidFill>
                   <a:schemeClr val="tx1"/>
                 </a:solidFill>
               </a:rPr>
               <a:t> Guests</a:t>
             </a:r>
-            <a:endParaRPr lang="de-DE" sz="1400" dirty="0">
-              <a:solidFill>
-                <a:schemeClr val="tx1"/>
-              </a:solidFill>
-            </a:endParaRPr>
           </a:p>
         </p:txBody>
       </p:sp>
@@ -13957,7 +14132,7 @@
               </a:lnSpc>
             </a:pPr>
             <a:r>
-              <a:rPr lang="de-DE" sz="1400" dirty="0" err="1" smtClean="0">
+              <a:rPr lang="de-DE" sz="1400" dirty="0" err="1">
                 <a:solidFill>
                   <a:schemeClr val="tx1"/>
                 </a:solidFill>
@@ -14027,7 +14202,7 @@
               <a:buChar char="•"/>
             </a:pPr>
             <a:r>
-              <a:rPr lang="en-US" dirty="0" smtClean="0"/>
+              <a:rPr lang="en-US" dirty="0"/>
               <a:t>Perform Magic trick:</a:t>
             </a:r>
           </a:p>
@@ -14037,7 +14212,7 @@
               <a:buChar char="•"/>
             </a:pPr>
             <a:r>
-              <a:rPr lang="en-US" dirty="0" smtClean="0"/>
+              <a:rPr lang="en-US" dirty="0"/>
               <a:t>Tracing the rabbit requires much more precise movement</a:t>
             </a:r>
           </a:p>
@@ -14047,7 +14222,7 @@
               <a:buChar char="•"/>
             </a:pPr>
             <a:r>
-              <a:rPr lang="en-US" dirty="0" smtClean="0"/>
+              <a:rPr lang="en-US" dirty="0"/>
               <a:t>Give directions to player:</a:t>
             </a:r>
           </a:p>
@@ -14057,7 +14232,7 @@
               <a:buChar char="•"/>
             </a:pPr>
             <a:r>
-              <a:rPr lang="en-US" dirty="0" smtClean="0"/>
+              <a:rPr lang="en-US" dirty="0"/>
               <a:t>Additional camera steering system required</a:t>
             </a:r>
           </a:p>
@@ -14067,7 +14242,7 @@
               <a:buChar char="•"/>
             </a:pPr>
             <a:r>
-              <a:rPr lang="en-US" dirty="0" smtClean="0"/>
+              <a:rPr lang="en-US" dirty="0"/>
               <a:t>Switch to first person already implemented</a:t>
             </a:r>
           </a:p>
@@ -14077,7 +14252,7 @@
               <a:buChar char="•"/>
             </a:pPr>
             <a:r>
-              <a:rPr lang="en-US" dirty="0" smtClean="0"/>
+              <a:rPr lang="en-US" dirty="0"/>
               <a:t>Completely new system to recognize pointing at objects or places in scene required</a:t>
             </a:r>
           </a:p>
@@ -14085,17 +14260,17 @@
             <a:pPr lvl="1" indent="0">
               <a:buNone/>
             </a:pPr>
-            <a:endParaRPr lang="en-US" dirty="0" smtClean="0"/>
-          </a:p>
-          <a:p>
-            <a:r>
-              <a:rPr lang="en-US" dirty="0" smtClean="0">
+            <a:endParaRPr lang="en-US" dirty="0"/>
+          </a:p>
+          <a:p>
+            <a:r>
+              <a:rPr lang="en-US" dirty="0">
                 <a:sym typeface="Wingdings" panose="05000000000000000000" pitchFamily="2" charset="2"/>
               </a:rPr>
               <a:t> Possible, but not enough time</a:t>
             </a:r>
             <a:r>
-              <a:rPr lang="en-US" dirty="0" smtClean="0"/>
+              <a:rPr lang="en-US" dirty="0"/>
               <a:t>  </a:t>
             </a:r>
           </a:p>
@@ -14104,7 +14279,7 @@
               <a:buFont typeface="Arial" panose="020B0604020202020204" pitchFamily="34" charset="0"/>
               <a:buChar char="•"/>
             </a:pPr>
-            <a:endParaRPr lang="en-US" dirty="0" smtClean="0"/>
+            <a:endParaRPr lang="en-US" dirty="0"/>
           </a:p>
           <a:p>
             <a:pPr marL="461963" lvl="1" indent="-285750">
@@ -14190,11 +14365,11 @@
           <a:lstStyle/>
           <a:p>
             <a:r>
-              <a:rPr lang="en-US" dirty="0" smtClean="0"/>
+              <a:rPr lang="en-US" dirty="0"/>
               <a:t>Left out</a:t>
             </a:r>
             <a:r>
-              <a:rPr lang="de-DE" dirty="0" smtClean="0"/>
+              <a:rPr lang="de-DE" dirty="0"/>
               <a:t> Games</a:t>
             </a:r>
             <a:endParaRPr lang="de-DE" sz="3000" dirty="0"/>
@@ -14253,18 +14428,13 @@
               </a:lnSpc>
             </a:pPr>
             <a:r>
-              <a:rPr lang="de-DE" sz="1400" dirty="0" smtClean="0">
+              <a:rPr lang="de-DE" sz="1400" dirty="0">
                 <a:solidFill>
                   <a:schemeClr val="tx1"/>
                 </a:solidFill>
               </a:rPr>
               <a:t>Dance</a:t>
             </a:r>
-            <a:endParaRPr lang="de-DE" sz="1400" dirty="0">
-              <a:solidFill>
-                <a:schemeClr val="tx1"/>
-              </a:solidFill>
-            </a:endParaRPr>
           </a:p>
         </p:txBody>
       </p:sp>
@@ -14320,18 +14490,13 @@
               </a:lnSpc>
             </a:pPr>
             <a:r>
-              <a:rPr lang="de-DE" sz="1400" dirty="0" smtClean="0">
+              <a:rPr lang="de-DE" sz="1400" dirty="0">
                 <a:solidFill>
                   <a:schemeClr val="tx1"/>
                 </a:solidFill>
               </a:rPr>
               <a:t>Take Picture</a:t>
             </a:r>
-            <a:endParaRPr lang="de-DE" sz="1400" dirty="0">
-              <a:solidFill>
-                <a:schemeClr val="tx1"/>
-              </a:solidFill>
-            </a:endParaRPr>
           </a:p>
         </p:txBody>
       </p:sp>
@@ -14389,7 +14554,7 @@
               </a:lnSpc>
             </a:pPr>
             <a:r>
-              <a:rPr lang="de-DE" sz="1400" dirty="0" err="1" smtClean="0">
+              <a:rPr lang="de-DE" sz="1400" dirty="0" err="1">
                 <a:solidFill>
                   <a:schemeClr val="bg1">
                     <a:lumMod val="65000"/>
@@ -14399,7 +14564,7 @@
               <a:t>Give</a:t>
             </a:r>
             <a:r>
-              <a:rPr lang="de-DE" sz="1400" dirty="0" smtClean="0">
+              <a:rPr lang="de-DE" sz="1400" dirty="0">
                 <a:solidFill>
                   <a:schemeClr val="bg1">
                     <a:lumMod val="65000"/>
@@ -14409,7 +14574,7 @@
               <a:t> </a:t>
             </a:r>
             <a:r>
-              <a:rPr lang="de-DE" sz="1400" dirty="0" err="1" smtClean="0">
+              <a:rPr lang="de-DE" sz="1400" dirty="0" err="1">
                 <a:solidFill>
                   <a:schemeClr val="bg1">
                     <a:lumMod val="65000"/>
@@ -14480,18 +14645,13 @@
               </a:lnSpc>
             </a:pPr>
             <a:r>
-              <a:rPr lang="de-DE" sz="1400" dirty="0" smtClean="0">
+              <a:rPr lang="de-DE" sz="1400" dirty="0">
                 <a:solidFill>
                   <a:schemeClr val="tx1"/>
                 </a:solidFill>
               </a:rPr>
               <a:t>Balance</a:t>
             </a:r>
-            <a:endParaRPr lang="de-DE" sz="1400" dirty="0">
-              <a:solidFill>
-                <a:schemeClr val="tx1"/>
-              </a:solidFill>
-            </a:endParaRPr>
           </a:p>
         </p:txBody>
       </p:sp>
@@ -14547,7 +14707,7 @@
               </a:lnSpc>
             </a:pPr>
             <a:r>
-              <a:rPr lang="de-DE" sz="1400" dirty="0" err="1" smtClean="0">
+              <a:rPr lang="de-DE" sz="1400" dirty="0" err="1">
                 <a:solidFill>
                   <a:schemeClr val="tx1"/>
                 </a:solidFill>
@@ -14555,18 +14715,13 @@
               <a:t>Eliminate</a:t>
             </a:r>
             <a:r>
-              <a:rPr lang="de-DE" sz="1400" dirty="0" smtClean="0">
+              <a:rPr lang="de-DE" sz="1400" dirty="0">
                 <a:solidFill>
                   <a:schemeClr val="tx1"/>
                 </a:solidFill>
               </a:rPr>
               <a:t> Target</a:t>
             </a:r>
-            <a:endParaRPr lang="de-DE" sz="1400" dirty="0">
-              <a:solidFill>
-                <a:schemeClr val="tx1"/>
-              </a:solidFill>
-            </a:endParaRPr>
           </a:p>
         </p:txBody>
       </p:sp>
@@ -14624,18 +14779,13 @@
               </a:lnSpc>
             </a:pPr>
             <a:r>
-              <a:rPr lang="de-DE" sz="1400" dirty="0" smtClean="0">
+              <a:rPr lang="de-DE" sz="1400" dirty="0">
                 <a:solidFill>
                   <a:srgbClr val="999999"/>
                 </a:solidFill>
               </a:rPr>
               <a:t>Magic Trick</a:t>
             </a:r>
-            <a:endParaRPr lang="de-DE" sz="1400" dirty="0">
-              <a:solidFill>
-                <a:srgbClr val="999999"/>
-              </a:solidFill>
-            </a:endParaRPr>
           </a:p>
         </p:txBody>
       </p:sp>
@@ -14691,7 +14841,7 @@
               </a:lnSpc>
             </a:pPr>
             <a:r>
-              <a:rPr lang="de-DE" sz="1400" dirty="0" err="1" smtClean="0">
+              <a:rPr lang="de-DE" sz="1400" dirty="0" err="1">
                 <a:solidFill>
                   <a:schemeClr val="tx1"/>
                 </a:solidFill>
@@ -14699,18 +14849,13 @@
               <a:t>Meet</a:t>
             </a:r>
             <a:r>
-              <a:rPr lang="de-DE" sz="1400" dirty="0" smtClean="0">
+              <a:rPr lang="de-DE" sz="1400" dirty="0">
                 <a:solidFill>
                   <a:schemeClr val="tx1"/>
                 </a:solidFill>
               </a:rPr>
               <a:t> Guests</a:t>
             </a:r>
-            <a:endParaRPr lang="de-DE" sz="1400" dirty="0">
-              <a:solidFill>
-                <a:schemeClr val="tx1"/>
-              </a:solidFill>
-            </a:endParaRPr>
           </a:p>
         </p:txBody>
       </p:sp>
@@ -15078,7 +15223,7 @@
               </a:lnSpc>
             </a:pPr>
             <a:r>
-              <a:rPr lang="de-DE" sz="1400" dirty="0" err="1" smtClean="0">
+              <a:rPr lang="de-DE" sz="1400" dirty="0" err="1">
                 <a:solidFill>
                   <a:schemeClr val="tx1"/>
                 </a:solidFill>
@@ -15148,14 +15293,14 @@
               <a:buChar char="•"/>
             </a:pPr>
             <a:r>
-              <a:rPr lang="en-US" dirty="0" smtClean="0"/>
+              <a:rPr lang="en-US" dirty="0"/>
               <a:t>Additional gesture recognizer: </a:t>
             </a:r>
             <a:br>
-              <a:rPr lang="en-US" dirty="0" smtClean="0"/>
+              <a:rPr lang="en-US" dirty="0"/>
             </a:br>
             <a:r>
-              <a:rPr lang="en-US" dirty="0" smtClean="0"/>
+              <a:rPr lang="en-US" dirty="0"/>
               <a:t>Visual Gesture Builder</a:t>
             </a:r>
           </a:p>
@@ -15164,10 +15309,7 @@
               <a:buFont typeface="Arial" panose="020B0604020202020204" pitchFamily="34" charset="0"/>
               <a:buChar char="•"/>
             </a:pPr>
-            <a:r>
-              <a:rPr lang="en-US" dirty="0" smtClean="0"/>
-              <a:t>Idea: record training sets and receive confidence values from system to recognize what the player is doing </a:t>
-            </a:r>
+            <a:endParaRPr lang="en-US" dirty="0"/>
           </a:p>
           <a:p>
             <a:pPr marL="285750" indent="-285750">
@@ -15175,7 +15317,24 @@
               <a:buChar char="•"/>
             </a:pPr>
             <a:r>
-              <a:rPr lang="en-US" dirty="0" smtClean="0"/>
+              <a:rPr lang="en-US" dirty="0"/>
+              <a:t>Idea: record training sets and receive confidence values from system to recognize what the player is doing </a:t>
+            </a:r>
+          </a:p>
+          <a:p>
+            <a:pPr marL="285750" indent="-285750">
+              <a:buFont typeface="Arial" panose="020B0604020202020204" pitchFamily="34" charset="0"/>
+              <a:buChar char="•"/>
+            </a:pPr>
+            <a:endParaRPr lang="en-US" dirty="0"/>
+          </a:p>
+          <a:p>
+            <a:pPr marL="285750" indent="-285750">
+              <a:buFont typeface="Arial" panose="020B0604020202020204" pitchFamily="34" charset="0"/>
+              <a:buChar char="•"/>
+            </a:pPr>
+            <a:r>
+              <a:rPr lang="en-US" dirty="0"/>
               <a:t>First try in Kinect SDK: </a:t>
             </a:r>
           </a:p>
@@ -15185,15 +15344,24 @@
               <a:buChar char="•"/>
             </a:pPr>
             <a:r>
-              <a:rPr lang="en-US" dirty="0" smtClean="0"/>
+              <a:rPr lang="en-US" dirty="0"/>
               <a:t>Tip hat </a:t>
             </a:r>
             <a:r>
-              <a:rPr lang="en-US" dirty="0" smtClean="0">
+              <a:rPr lang="en-US" dirty="0">
                 <a:sym typeface="Wingdings" panose="05000000000000000000" pitchFamily="2" charset="2"/>
               </a:rPr>
               <a:t> Solid results</a:t>
             </a:r>
+          </a:p>
+          <a:p>
+            <a:pPr marL="461963" lvl="1" indent="-285750">
+              <a:buFont typeface="Arial" panose="020B0604020202020204" pitchFamily="34" charset="0"/>
+              <a:buChar char="•"/>
+            </a:pPr>
+            <a:endParaRPr lang="en-US" dirty="0">
+              <a:sym typeface="Wingdings" panose="05000000000000000000" pitchFamily="2" charset="2"/>
+            </a:endParaRPr>
           </a:p>
           <a:p>
             <a:pPr marL="285750" indent="-285750">
@@ -15201,7 +15369,7 @@
               <a:buChar char="•"/>
             </a:pPr>
             <a:r>
-              <a:rPr lang="en-US" dirty="0" smtClean="0">
+              <a:rPr lang="en-US" dirty="0">
                 <a:sym typeface="Wingdings" panose="05000000000000000000" pitchFamily="2" charset="2"/>
               </a:rPr>
               <a:t>3,5 weeks spend to understand system and integrate it into our game logic</a:t>
@@ -15284,7 +15452,7 @@
           <a:lstStyle/>
           <a:p>
             <a:r>
-              <a:rPr lang="en-US" dirty="0" smtClean="0"/>
+              <a:rPr lang="en-US" dirty="0"/>
               <a:t>Our machine learning adventure</a:t>
             </a:r>
             <a:endParaRPr lang="en-US" sz="3000" dirty="0"/>
@@ -15584,7 +15752,7 @@
   <a:extraClrSchemeLst/>
   <a:extLst>
     <a:ext uri="{05A4C25C-085E-4340-85A3-A5531E510DB2}">
-      <thm15:themeFamily xmlns="" xmlns:thm15="http://schemas.microsoft.com/office/thememl/2012/main" name="Präsentation14" id="{B1B10406-6147-4A47-95F4-F5DBD10A3872}" vid="{D4FD95B4-ED9B-E343-B70F-8C404733D84C}"/>
+      <thm15:themeFamily xmlns:thm15="http://schemas.microsoft.com/office/thememl/2012/main" name="Präsentation14" id="{B1B10406-6147-4A47-95F4-F5DBD10A3872}" vid="{D4FD95B4-ED9B-E343-B70F-8C404733D84C}"/>
     </a:ext>
   </a:extLst>
 </a:theme>
@@ -15870,7 +16038,7 @@
   <a:extraClrSchemeLst/>
   <a:extLst>
     <a:ext uri="{05A4C25C-085E-4340-85A3-A5531E510DB2}">
-      <thm15:themeFamily xmlns="" xmlns:thm15="http://schemas.microsoft.com/office/thememl/2012/main" name="Präsentation14" id="{B1B10406-6147-4A47-95F4-F5DBD10A3872}" vid="{E7490A93-BEAC-FC49-93F3-0CC1118C542C}"/>
+      <thm15:themeFamily xmlns:thm15="http://schemas.microsoft.com/office/thememl/2012/main" name="Präsentation14" id="{B1B10406-6147-4A47-95F4-F5DBD10A3872}" vid="{E7490A93-BEAC-FC49-93F3-0CC1118C542C}"/>
     </a:ext>
   </a:extLst>
 </a:theme>
@@ -16156,7 +16324,7 @@
   <a:extraClrSchemeLst/>
   <a:extLst>
     <a:ext uri="{05A4C25C-085E-4340-85A3-A5531E510DB2}">
-      <thm15:themeFamily xmlns="" xmlns:thm15="http://schemas.microsoft.com/office/thememl/2012/main" name="Präsentation14" id="{B1B10406-6147-4A47-95F4-F5DBD10A3872}" vid="{4DDB14AD-D1C4-854B-AC86-049FDE8761EC}"/>
+      <thm15:themeFamily xmlns:thm15="http://schemas.microsoft.com/office/thememl/2012/main" name="Präsentation14" id="{B1B10406-6147-4A47-95F4-F5DBD10A3872}" vid="{4DDB14AD-D1C4-854B-AC86-049FDE8761EC}"/>
     </a:ext>
   </a:extLst>
 </a:theme>
@@ -16442,7 +16610,7 @@
   <a:extraClrSchemeLst/>
   <a:extLst>
     <a:ext uri="{05A4C25C-085E-4340-85A3-A5531E510DB2}">
-      <thm15:themeFamily xmlns="" xmlns:thm15="http://schemas.microsoft.com/office/thememl/2012/main" name="Präsentation14" id="{B1B10406-6147-4A47-95F4-F5DBD10A3872}" vid="{4F4851FE-32D1-2D41-BECA-D90EB3BB8DB1}"/>
+      <thm15:themeFamily xmlns:thm15="http://schemas.microsoft.com/office/thememl/2012/main" name="Präsentation14" id="{B1B10406-6147-4A47-95F4-F5DBD10A3872}" vid="{4F4851FE-32D1-2D41-BECA-D90EB3BB8DB1}"/>
     </a:ext>
   </a:extLst>
 </a:theme>
@@ -16728,7 +16896,7 @@
   <a:extraClrSchemeLst/>
   <a:extLst>
     <a:ext uri="{05A4C25C-085E-4340-85A3-A5531E510DB2}">
-      <thm15:themeFamily xmlns="" xmlns:thm15="http://schemas.microsoft.com/office/thememl/2012/main" name="Präsentation14" id="{B1B10406-6147-4A47-95F4-F5DBD10A3872}" vid="{13591B48-8E13-6247-8040-92522EC77656}"/>
+      <thm15:themeFamily xmlns:thm15="http://schemas.microsoft.com/office/thememl/2012/main" name="Präsentation14" id="{B1B10406-6147-4A47-95F4-F5DBD10A3872}" vid="{13591B48-8E13-6247-8040-92522EC77656}"/>
     </a:ext>
   </a:extLst>
 </a:theme>
@@ -17014,7 +17182,7 @@
   <a:extraClrSchemeLst/>
   <a:extLst>
     <a:ext uri="{05A4C25C-085E-4340-85A3-A5531E510DB2}">
-      <thm15:themeFamily xmlns="" xmlns:thm15="http://schemas.microsoft.com/office/thememl/2012/main" name="Präsentation14" id="{B1B10406-6147-4A47-95F4-F5DBD10A3872}" vid="{BAD62DF3-579B-3B4C-BB35-887AD0E01A2D}"/>
+      <thm15:themeFamily xmlns:thm15="http://schemas.microsoft.com/office/thememl/2012/main" name="Präsentation14" id="{B1B10406-6147-4A47-95F4-F5DBD10A3872}" vid="{BAD62DF3-579B-3B4C-BB35-887AD0E01A2D}"/>
     </a:ext>
   </a:extLst>
 </a:theme>

--- a/Documents/Presentation.pptx
+++ b/Documents/Presentation.pptx
@@ -26,8 +26,8 @@
     <p:sldId id="401" r:id="rId14"/>
     <p:sldId id="402" r:id="rId15"/>
     <p:sldId id="403" r:id="rId16"/>
-    <p:sldId id="404" r:id="rId17"/>
-    <p:sldId id="406" r:id="rId18"/>
+    <p:sldId id="406" r:id="rId17"/>
+    <p:sldId id="404" r:id="rId18"/>
     <p:sldId id="405" r:id="rId19"/>
     <p:sldId id="381" r:id="rId20"/>
   </p:sldIdLst>
@@ -160,7 +160,7 @@
   </p:defaultTextStyle>
   <p:extLst>
     <p:ext uri="{EFAFB233-063F-42B5-8137-9DF3F51BA10A}">
-      <p15:sldGuideLst xmlns:p15="http://schemas.microsoft.com/office/powerpoint/2012/main">
+      <p15:sldGuideLst xmlns:p15="http://schemas.microsoft.com/office/powerpoint/2012/main" xmlns="">
         <p15:guide id="1" orient="horz" pos="2160">
           <p15:clr>
             <a:srgbClr val="A4A3A4"/>
@@ -174,7 +174,7 @@
       </p15:sldGuideLst>
     </p:ext>
     <p:ext uri="{2D200454-40CA-4A62-9FC3-DE9A4176ACB9}">
-      <p15:notesGuideLst xmlns:p15="http://schemas.microsoft.com/office/powerpoint/2012/main">
+      <p15:notesGuideLst xmlns:p15="http://schemas.microsoft.com/office/powerpoint/2012/main" xmlns="">
         <p15:guide id="1" orient="horz" pos="2100">
           <p15:clr>
             <a:srgbClr val="A4A3A4"/>
@@ -393,7 +393,7 @@
               <a:pPr>
                 <a:defRPr/>
               </a:pPr>
-              <a:t>‹#›</a:t>
+              <a:t>‹Nr.›</a:t>
             </a:fld>
             <a:endParaRPr lang="en-GB"/>
           </a:p>
@@ -711,7 +711,7 @@
               <a:pPr>
                 <a:defRPr/>
               </a:pPr>
-              <a:t>‹#›</a:t>
+              <a:t>‹Nr.›</a:t>
             </a:fld>
             <a:endParaRPr lang="en-GB"/>
           </a:p>
@@ -1102,7 +1102,7 @@
             <a:fld id="{CE58CB1E-F828-4F11-99E0-327109AF9DA4}" type="slidenum">
               <a:rPr lang="de-DE" smtClean="0"/>
               <a:pPr/>
-              <a:t>‹#›</a:t>
+              <a:t>‹Nr.›</a:t>
             </a:fld>
             <a:endParaRPr lang="de-DE" dirty="0"/>
           </a:p>
@@ -1321,7 +1321,7 @@
             <a:fld id="{CE58CB1E-F828-4F11-99E0-327109AF9DA4}" type="slidenum">
               <a:rPr lang="de-DE" smtClean="0"/>
               <a:pPr/>
-              <a:t>‹#›</a:t>
+              <a:t>‹Nr.›</a:t>
             </a:fld>
             <a:endParaRPr lang="de-DE" dirty="0"/>
           </a:p>
@@ -1666,7 +1666,7 @@
             <a:fld id="{CE58CB1E-F828-4F11-99E0-327109AF9DA4}" type="slidenum">
               <a:rPr lang="de-DE" smtClean="0"/>
               <a:pPr/>
-              <a:t>‹#›</a:t>
+              <a:t>‹Nr.›</a:t>
             </a:fld>
             <a:endParaRPr lang="de-DE" dirty="0"/>
           </a:p>
@@ -1865,7 +1865,7 @@
             <a:fld id="{CE58CB1E-F828-4F11-99E0-327109AF9DA4}" type="slidenum">
               <a:rPr lang="de-DE" smtClean="0"/>
               <a:pPr/>
-              <a:t>‹#›</a:t>
+              <a:t>‹Nr.›</a:t>
             </a:fld>
             <a:endParaRPr lang="de-DE" dirty="0"/>
           </a:p>
@@ -2064,7 +2064,7 @@
             <a:fld id="{CE58CB1E-F828-4F11-99E0-327109AF9DA4}" type="slidenum">
               <a:rPr lang="de-DE" smtClean="0"/>
               <a:pPr/>
-              <a:t>‹#›</a:t>
+              <a:t>‹Nr.›</a:t>
             </a:fld>
             <a:endParaRPr lang="de-DE" dirty="0"/>
           </a:p>
@@ -2385,7 +2385,7 @@
             <a:fld id="{CE58CB1E-F828-4F11-99E0-327109AF9DA4}" type="slidenum">
               <a:rPr lang="de-DE" smtClean="0"/>
               <a:pPr/>
-              <a:t>‹#›</a:t>
+              <a:t>‹Nr.›</a:t>
             </a:fld>
             <a:endParaRPr lang="de-DE" dirty="0"/>
           </a:p>
@@ -2561,7 +2561,7 @@
             <a:fld id="{CE58CB1E-F828-4F11-99E0-327109AF9DA4}" type="slidenum">
               <a:rPr lang="de-DE" smtClean="0"/>
               <a:pPr/>
-              <a:t>‹#›</a:t>
+              <a:t>‹Nr.›</a:t>
             </a:fld>
             <a:endParaRPr lang="de-DE" dirty="0"/>
           </a:p>
@@ -2876,7 +2876,7 @@
             <a:fld id="{CE58CB1E-F828-4F11-99E0-327109AF9DA4}" type="slidenum">
               <a:rPr lang="de-DE" smtClean="0"/>
               <a:pPr/>
-              <a:t>‹#›</a:t>
+              <a:t>‹Nr.›</a:t>
             </a:fld>
             <a:endParaRPr lang="de-DE" dirty="0"/>
           </a:p>
@@ -3148,7 +3148,7 @@
             <a:fld id="{CE58CB1E-F828-4F11-99E0-327109AF9DA4}" type="slidenum">
               <a:rPr lang="de-DE" smtClean="0"/>
               <a:pPr/>
-              <a:t>‹#›</a:t>
+              <a:t>‹Nr.›</a:t>
             </a:fld>
             <a:endParaRPr lang="de-DE" dirty="0"/>
           </a:p>
@@ -3335,7 +3335,7 @@
             <a:fld id="{CE58CB1E-F828-4F11-99E0-327109AF9DA4}" type="slidenum">
               <a:rPr lang="de-DE" smtClean="0"/>
               <a:pPr/>
-              <a:t>‹#›</a:t>
+              <a:t>‹Nr.›</a:t>
             </a:fld>
             <a:endParaRPr lang="de-DE" dirty="0"/>
           </a:p>
@@ -3498,6 +3498,10 @@
             <a:br>
               <a:rPr lang="de-DE" noProof="0" dirty="0"/>
             </a:br>
+            <a:r>
+              <a:rPr lang="de-DE" noProof="0" dirty="0"/>
+              <a:t/>
+            </a:r>
             <a:br>
               <a:rPr lang="de-DE" noProof="0" dirty="0"/>
             </a:br>
@@ -3534,7 +3538,7 @@
             <a:fld id="{CE58CB1E-F828-4F11-99E0-327109AF9DA4}" type="slidenum">
               <a:rPr lang="de-DE" smtClean="0"/>
               <a:pPr/>
-              <a:t>‹#›</a:t>
+              <a:t>‹Nr.›</a:t>
             </a:fld>
             <a:endParaRPr lang="de-DE" dirty="0"/>
           </a:p>
@@ -3735,7 +3739,7 @@
             <a:fld id="{CE58CB1E-F828-4F11-99E0-327109AF9DA4}" type="slidenum">
               <a:rPr lang="de-DE" smtClean="0"/>
               <a:pPr/>
-              <a:t>‹#›</a:t>
+              <a:t>‹Nr.›</a:t>
             </a:fld>
             <a:endParaRPr lang="de-DE" dirty="0"/>
           </a:p>
@@ -3828,7 +3832,7 @@
             <a:fld id="{CE58CB1E-F828-4F11-99E0-327109AF9DA4}" type="slidenum">
               <a:rPr lang="de-DE" smtClean="0"/>
               <a:pPr/>
-              <a:t>‹#›</a:t>
+              <a:t>‹Nr.›</a:t>
             </a:fld>
             <a:endParaRPr lang="de-DE" dirty="0"/>
           </a:p>
@@ -3919,6 +3923,10 @@
             <a:br>
               <a:rPr lang="de-DE" noProof="0" dirty="0"/>
             </a:br>
+            <a:r>
+              <a:rPr lang="de-DE" noProof="0" dirty="0"/>
+              <a:t/>
+            </a:r>
             <a:br>
               <a:rPr lang="de-DE" noProof="0" dirty="0"/>
             </a:br>
@@ -4111,7 +4119,7 @@
             <a:fld id="{CE58CB1E-F828-4F11-99E0-327109AF9DA4}" type="slidenum">
               <a:rPr lang="de-DE" smtClean="0"/>
               <a:pPr/>
-              <a:t>‹#›</a:t>
+              <a:t>‹Nr.›</a:t>
             </a:fld>
             <a:endParaRPr lang="de-DE" dirty="0"/>
           </a:p>
@@ -4310,7 +4318,7 @@
             <a:fld id="{CE58CB1E-F828-4F11-99E0-327109AF9DA4}" type="slidenum">
               <a:rPr lang="de-DE" smtClean="0"/>
               <a:pPr/>
-              <a:t>‹#›</a:t>
+              <a:t>‹Nr.›</a:t>
             </a:fld>
             <a:endParaRPr lang="de-DE" dirty="0"/>
           </a:p>
@@ -4486,7 +4494,7 @@
             <a:fld id="{CE58CB1E-F828-4F11-99E0-327109AF9DA4}" type="slidenum">
               <a:rPr lang="de-DE" smtClean="0"/>
               <a:pPr/>
-              <a:t>‹#›</a:t>
+              <a:t>‹Nr.›</a:t>
             </a:fld>
             <a:endParaRPr lang="de-DE" dirty="0"/>
           </a:p>
@@ -4855,7 +4863,7 @@
             <a:fld id="{CE58CB1E-F828-4F11-99E0-327109AF9DA4}" type="slidenum">
               <a:rPr lang="de-DE" smtClean="0"/>
               <a:pPr/>
-              <a:t>‹#›</a:t>
+              <a:t>‹Nr.›</a:t>
             </a:fld>
             <a:endParaRPr lang="de-DE" dirty="0"/>
           </a:p>
@@ -5054,7 +5062,7 @@
             <a:fld id="{CE58CB1E-F828-4F11-99E0-327109AF9DA4}" type="slidenum">
               <a:rPr lang="de-DE" smtClean="0"/>
               <a:pPr/>
-              <a:t>‹#›</a:t>
+              <a:t>‹Nr.›</a:t>
             </a:fld>
             <a:endParaRPr lang="de-DE" dirty="0"/>
           </a:p>
@@ -5278,7 +5286,7 @@
             <a:fld id="{CE58CB1E-F828-4F11-99E0-327109AF9DA4}" type="slidenum">
               <a:rPr lang="de-DE" smtClean="0"/>
               <a:pPr/>
-              <a:t>‹#›</a:t>
+              <a:t>‹Nr.›</a:t>
             </a:fld>
             <a:endParaRPr lang="de-DE" dirty="0"/>
           </a:p>
@@ -5465,7 +5473,7 @@
             <a:fld id="{CE58CB1E-F828-4F11-99E0-327109AF9DA4}" type="slidenum">
               <a:rPr lang="de-DE" smtClean="0"/>
               <a:pPr/>
-              <a:t>‹#›</a:t>
+              <a:t>‹Nr.›</a:t>
             </a:fld>
             <a:endParaRPr lang="de-DE" dirty="0"/>
           </a:p>
@@ -5676,7 +5684,7 @@
             <a:fld id="{CE58CB1E-F828-4F11-99E0-327109AF9DA4}" type="slidenum">
               <a:rPr lang="de-DE" smtClean="0"/>
               <a:pPr/>
-              <a:t>‹#›</a:t>
+              <a:t>‹Nr.›</a:t>
             </a:fld>
             <a:endParaRPr lang="de-DE" dirty="0"/>
           </a:p>
@@ -6153,7 +6161,7 @@
                   <a:spcPct val="114000"/>
                 </a:lnSpc>
               </a:pPr>
-              <a:t>‹#›</a:t>
+              <a:t>‹Nr.›</a:t>
             </a:fld>
             <a:endParaRPr lang="de-DE" sz="1200" dirty="0">
               <a:latin typeface="+mn-lt"/>
@@ -6245,7 +6253,7 @@
             <a:fld id="{CE58CB1E-F828-4F11-99E0-327109AF9DA4}" type="slidenum">
               <a:rPr lang="de-DE" noProof="0" smtClean="0"/>
               <a:pPr/>
-              <a:t>‹#›</a:t>
+              <a:t>‹Nr.›</a:t>
             </a:fld>
             <a:endParaRPr lang="de-DE" noProof="0"/>
           </a:p>
@@ -6759,7 +6767,7 @@
             <a:fld id="{CE58CB1E-F828-4F11-99E0-327109AF9DA4}" type="slidenum">
               <a:rPr lang="de-DE" smtClean="0"/>
               <a:pPr/>
-              <a:t>‹#›</a:t>
+              <a:t>‹Nr.›</a:t>
             </a:fld>
             <a:endParaRPr lang="de-DE" dirty="0"/>
           </a:p>
@@ -7417,7 +7425,7 @@
             <a:fld id="{CE58CB1E-F828-4F11-99E0-327109AF9DA4}" type="slidenum">
               <a:rPr lang="de-DE" smtClean="0"/>
               <a:pPr/>
-              <a:t>‹#›</a:t>
+              <a:t>‹Nr.›</a:t>
             </a:fld>
             <a:endParaRPr lang="de-DE" dirty="0"/>
           </a:p>
@@ -8014,7 +8022,7 @@
             <a:fld id="{CE58CB1E-F828-4F11-99E0-327109AF9DA4}" type="slidenum">
               <a:rPr lang="de-DE" smtClean="0"/>
               <a:pPr/>
-              <a:t>‹#›</a:t>
+              <a:t>‹Nr.›</a:t>
             </a:fld>
             <a:endParaRPr lang="de-DE" dirty="0"/>
           </a:p>
@@ -8611,7 +8619,7 @@
             <a:fld id="{CE58CB1E-F828-4F11-99E0-327109AF9DA4}" type="slidenum">
               <a:rPr lang="de-DE" smtClean="0"/>
               <a:pPr/>
-              <a:t>‹#›</a:t>
+              <a:t>‹Nr.›</a:t>
             </a:fld>
             <a:endParaRPr lang="de-DE" dirty="0"/>
           </a:p>
@@ -9232,7 +9240,13 @@
               <a:rPr lang="en-US" dirty="0">
                 <a:sym typeface="Wingdings" panose="05000000000000000000" pitchFamily="2" charset="2"/>
               </a:rPr>
-              <a:t>We want to use gestures, but the discrete functionality proved insufficient for the task</a:t>
+              <a:t>We want to use gestures, but the discrete functionality proved insufficient for the </a:t>
+            </a:r>
+            <a:r>
+              <a:rPr lang="en-US" dirty="0" smtClean="0">
+                <a:sym typeface="Wingdings" panose="05000000000000000000" pitchFamily="2" charset="2"/>
+              </a:rPr>
+              <a:t>task</a:t>
             </a:r>
           </a:p>
           <a:p>
@@ -9250,10 +9264,16 @@
               <a:buChar char="•"/>
             </a:pPr>
             <a:r>
+              <a:rPr lang="en-US" dirty="0" smtClean="0">
+                <a:sym typeface="Wingdings" panose="05000000000000000000" pitchFamily="2" charset="2"/>
+              </a:rPr>
+              <a:t>As </a:t>
+            </a:r>
+            <a:r>
               <a:rPr lang="en-US" dirty="0">
                 <a:sym typeface="Wingdings" panose="05000000000000000000" pitchFamily="2" charset="2"/>
               </a:rPr>
-              <a:t>As soon as there is confidence value the result would trigger</a:t>
+              <a:t>soon as there is confidence value the result would trigger</a:t>
             </a:r>
           </a:p>
           <a:p>
@@ -9265,7 +9285,13 @@
               <a:rPr lang="en-US" dirty="0">
                 <a:sym typeface="Wingdings" panose="05000000000000000000" pitchFamily="2" charset="2"/>
               </a:rPr>
-              <a:t> Very bad results would be thrown</a:t>
+              <a:t> Very bad results would be </a:t>
+            </a:r>
+            <a:r>
+              <a:rPr lang="en-US" dirty="0" smtClean="0">
+                <a:sym typeface="Wingdings" panose="05000000000000000000" pitchFamily="2" charset="2"/>
+              </a:rPr>
+              <a:t>thrown</a:t>
             </a:r>
           </a:p>
           <a:p>
@@ -9283,10 +9309,22 @@
               <a:buChar char="•"/>
             </a:pPr>
             <a:r>
+              <a:rPr lang="en-US" dirty="0" smtClean="0">
+                <a:sym typeface="Wingdings" panose="05000000000000000000" pitchFamily="2" charset="2"/>
+              </a:rPr>
+              <a:t>The </a:t>
+            </a:r>
+            <a:r>
               <a:rPr lang="en-US" dirty="0">
                 <a:sym typeface="Wingdings" panose="05000000000000000000" pitchFamily="2" charset="2"/>
               </a:rPr>
-              <a:t>The more gestures were added the less results were thrown at all</a:t>
+              <a:t>more gestures were added the less results were thrown at </a:t>
+            </a:r>
+            <a:r>
+              <a:rPr lang="en-US" dirty="0" smtClean="0">
+                <a:sym typeface="Wingdings" panose="05000000000000000000" pitchFamily="2" charset="2"/>
+              </a:rPr>
+              <a:t>all</a:t>
             </a:r>
           </a:p>
           <a:p>
@@ -9304,10 +9342,22 @@
               <a:buChar char="•"/>
             </a:pPr>
             <a:r>
+              <a:rPr lang="en-US" dirty="0" smtClean="0">
+                <a:sym typeface="Wingdings" panose="05000000000000000000" pitchFamily="2" charset="2"/>
+              </a:rPr>
+              <a:t>System </a:t>
+            </a:r>
+            <a:r>
               <a:rPr lang="en-US" dirty="0">
                 <a:sym typeface="Wingdings" panose="05000000000000000000" pitchFamily="2" charset="2"/>
               </a:rPr>
-              <a:t>System got confused, gestures to similar</a:t>
+              <a:t>got confused, gestures </a:t>
+            </a:r>
+            <a:r>
+              <a:rPr lang="en-US" dirty="0" smtClean="0">
+                <a:sym typeface="Wingdings" panose="05000000000000000000" pitchFamily="2" charset="2"/>
+              </a:rPr>
+              <a:t>too similar</a:t>
             </a:r>
           </a:p>
           <a:p>
@@ -9325,10 +9375,16 @@
               <a:buChar char="•"/>
             </a:pPr>
             <a:r>
+              <a:rPr lang="en-US" dirty="0" smtClean="0">
+                <a:sym typeface="Wingdings" panose="05000000000000000000" pitchFamily="2" charset="2"/>
+              </a:rPr>
+              <a:t>Training </a:t>
+            </a:r>
+            <a:r>
               <a:rPr lang="en-US" dirty="0">
                 <a:sym typeface="Wingdings" panose="05000000000000000000" pitchFamily="2" charset="2"/>
               </a:rPr>
-              <a:t>Training the system is difficult with limited time</a:t>
+              <a:t>the system is difficult with limited time</a:t>
             </a:r>
           </a:p>
           <a:p>
@@ -9468,6 +9524,226 @@
       </p:grpSpPr>
       <p:sp>
         <p:nvSpPr>
+          <p:cNvPr id="2" name="Content Placeholder 1">
+            <a:extLst>
+              <a:ext uri="{FF2B5EF4-FFF2-40B4-BE49-F238E27FC236}">
+                <a16:creationId xmlns:a16="http://schemas.microsoft.com/office/drawing/2014/main" xmlns="" id="{837CDBC3-F6DD-4A4B-9F9B-77A91F06ED37}"/>
+              </a:ext>
+            </a:extLst>
+          </p:cNvPr>
+          <p:cNvSpPr>
+            <a:spLocks noGrp="1"/>
+          </p:cNvSpPr>
+          <p:nvPr>
+            <p:ph idx="1"/>
+          </p:nvPr>
+        </p:nvSpPr>
+        <p:spPr/>
+        <p:txBody>
+          <a:bodyPr/>
+          <a:lstStyle/>
+          <a:p>
+            <a:pPr marL="285750" indent="-285750">
+              <a:buFont typeface="Arial" panose="020B0604020202020204" pitchFamily="34" charset="0"/>
+              <a:buChar char="•"/>
+            </a:pPr>
+            <a:r>
+              <a:rPr lang="en-US" dirty="0"/>
+              <a:t>You cannot scope too small</a:t>
+            </a:r>
+          </a:p>
+          <a:p>
+            <a:pPr marL="285750" indent="-285750">
+              <a:buFont typeface="Arial" panose="020B0604020202020204" pitchFamily="34" charset="0"/>
+              <a:buChar char="•"/>
+            </a:pPr>
+            <a:endParaRPr lang="en-US" dirty="0"/>
+          </a:p>
+          <a:p>
+            <a:pPr marL="285750" indent="-285750">
+              <a:buFont typeface="Arial" panose="020B0604020202020204" pitchFamily="34" charset="0"/>
+              <a:buChar char="•"/>
+            </a:pPr>
+            <a:r>
+              <a:rPr lang="en-US" dirty="0"/>
+              <a:t>Get your git together</a:t>
+            </a:r>
+          </a:p>
+          <a:p>
+            <a:pPr marL="285750" indent="-285750">
+              <a:buFont typeface="Arial" panose="020B0604020202020204" pitchFamily="34" charset="0"/>
+              <a:buChar char="•"/>
+            </a:pPr>
+            <a:endParaRPr lang="en-US" dirty="0"/>
+          </a:p>
+          <a:p>
+            <a:pPr marL="285750" indent="-285750">
+              <a:buFont typeface="Arial" panose="020B0604020202020204" pitchFamily="34" charset="0"/>
+              <a:buChar char="•"/>
+            </a:pPr>
+            <a:r>
+              <a:rPr lang="en-US" dirty="0"/>
+              <a:t>All stumbling and no progress make the team dull</a:t>
+            </a:r>
+          </a:p>
+          <a:p>
+            <a:pPr marL="285750" indent="-285750">
+              <a:buFont typeface="Arial" panose="020B0604020202020204" pitchFamily="34" charset="0"/>
+              <a:buChar char="•"/>
+            </a:pPr>
+            <a:endParaRPr lang="de-AT" dirty="0"/>
+          </a:p>
+          <a:p>
+            <a:pPr marL="285750" indent="-285750">
+              <a:buFont typeface="Arial" panose="020B0604020202020204" pitchFamily="34" charset="0"/>
+              <a:buChar char="•"/>
+            </a:pPr>
+            <a:r>
+              <a:rPr lang="de-AT" dirty="0"/>
+              <a:t>Kinect </a:t>
+            </a:r>
+            <a:r>
+              <a:rPr lang="de-AT" dirty="0" err="1"/>
+              <a:t>is</a:t>
+            </a:r>
+            <a:r>
+              <a:rPr lang="de-AT" dirty="0"/>
+              <a:t> powerful, </a:t>
+            </a:r>
+            <a:r>
+              <a:rPr lang="de-AT" dirty="0" err="1"/>
+              <a:t>yet</a:t>
+            </a:r>
+            <a:r>
+              <a:rPr lang="de-AT" dirty="0"/>
+              <a:t> </a:t>
+            </a:r>
+            <a:r>
+              <a:rPr lang="de-AT" dirty="0" err="1"/>
+              <a:t>frustrating</a:t>
+            </a:r>
+            <a:endParaRPr lang="de-AT" dirty="0"/>
+          </a:p>
+        </p:txBody>
+      </p:sp>
+      <p:sp>
+        <p:nvSpPr>
+          <p:cNvPr id="3" name="Slide Number Placeholder 2">
+            <a:extLst>
+              <a:ext uri="{FF2B5EF4-FFF2-40B4-BE49-F238E27FC236}">
+                <a16:creationId xmlns:a16="http://schemas.microsoft.com/office/drawing/2014/main" xmlns="" id="{C2EF762E-CA48-46BE-8D11-A73C05E82893}"/>
+              </a:ext>
+            </a:extLst>
+          </p:cNvPr>
+          <p:cNvSpPr>
+            <a:spLocks noGrp="1"/>
+          </p:cNvSpPr>
+          <p:nvPr>
+            <p:ph type="sldNum" sz="quarter" idx="11"/>
+          </p:nvPr>
+        </p:nvSpPr>
+        <p:spPr/>
+        <p:txBody>
+          <a:bodyPr/>
+          <a:lstStyle/>
+          <a:p>
+            <a:fld id="{CE58CB1E-F828-4F11-99E0-327109AF9DA4}" type="slidenum">
+              <a:rPr lang="de-DE" smtClean="0"/>
+              <a:pPr/>
+              <a:t>11</a:t>
+            </a:fld>
+            <a:endParaRPr lang="de-DE" dirty="0"/>
+          </a:p>
+        </p:txBody>
+      </p:sp>
+      <p:sp>
+        <p:nvSpPr>
+          <p:cNvPr id="5" name="Title 4">
+            <a:extLst>
+              <a:ext uri="{FF2B5EF4-FFF2-40B4-BE49-F238E27FC236}">
+                <a16:creationId xmlns:a16="http://schemas.microsoft.com/office/drawing/2014/main" xmlns="" id="{C5413366-2BCD-4191-8ADB-E371C13280FC}"/>
+              </a:ext>
+            </a:extLst>
+          </p:cNvPr>
+          <p:cNvSpPr>
+            <a:spLocks noGrp="1"/>
+          </p:cNvSpPr>
+          <p:nvPr>
+            <p:ph type="title"/>
+          </p:nvPr>
+        </p:nvSpPr>
+        <p:spPr/>
+        <p:txBody>
+          <a:bodyPr/>
+          <a:lstStyle/>
+          <a:p>
+            <a:r>
+              <a:rPr lang="en-US" dirty="0"/>
+              <a:t>Lessons learned</a:t>
+            </a:r>
+            <a:endParaRPr lang="de-AT" dirty="0"/>
+          </a:p>
+        </p:txBody>
+      </p:sp>
+      <p:sp>
+        <p:nvSpPr>
+          <p:cNvPr id="6" name="Fußzeilenplatzhalter 4"/>
+          <p:cNvSpPr>
+            <a:spLocks noGrp="1"/>
+          </p:cNvSpPr>
+          <p:nvPr>
+            <p:ph type="ftr" sz="quarter" idx="12"/>
+          </p:nvPr>
+        </p:nvSpPr>
+        <p:spPr>
+          <a:xfrm>
+            <a:off x="311162" y="6473313"/>
+            <a:ext cx="6464280" cy="365125"/>
+          </a:xfrm>
+        </p:spPr>
+        <p:txBody>
+          <a:bodyPr/>
+          <a:lstStyle/>
+          <a:p>
+            <a:r>
+              <a:rPr lang="de-DE" dirty="0"/>
+              <a:t>Konstantin Karas, Min Ting Luong, Jakob Raith</a:t>
+            </a:r>
+          </a:p>
+        </p:txBody>
+      </p:sp>
+    </p:spTree>
+    <p:extLst>
+      <p:ext uri="{BB962C8B-B14F-4D97-AF65-F5344CB8AC3E}">
+        <p14:creationId xmlns:p14="http://schemas.microsoft.com/office/powerpoint/2010/main" val="1980373358"/>
+      </p:ext>
+    </p:extLst>
+  </p:cSld>
+  <p:clrMapOvr>
+    <a:masterClrMapping/>
+  </p:clrMapOvr>
+</p:sld>
+</file>
+
+<file path=ppt/slides/slide12.xml><?xml version="1.0" encoding="utf-8"?>
+<p:sld xmlns:a="http://schemas.openxmlformats.org/drawingml/2006/main" xmlns:r="http://schemas.openxmlformats.org/officeDocument/2006/relationships" xmlns:p="http://schemas.openxmlformats.org/presentationml/2006/main">
+  <p:cSld>
+    <p:spTree>
+      <p:nvGrpSpPr>
+        <p:cNvPr id="1" name=""/>
+        <p:cNvGrpSpPr/>
+        <p:nvPr/>
+      </p:nvGrpSpPr>
+      <p:grpSpPr>
+        <a:xfrm>
+          <a:off x="0" y="0"/>
+          <a:ext cx="0" cy="0"/>
+          <a:chOff x="0" y="0"/>
+          <a:chExt cx="0" cy="0"/>
+        </a:xfrm>
+      </p:grpSpPr>
+      <p:sp>
+        <p:nvSpPr>
           <p:cNvPr id="4" name="Foliennummernplatzhalter 3"/>
           <p:cNvSpPr>
             <a:spLocks noGrp="1"/>
@@ -9484,7 +9760,7 @@
             <a:fld id="{CE58CB1E-F828-4F11-99E0-327109AF9DA4}" type="slidenum">
               <a:rPr lang="de-DE" smtClean="0"/>
               <a:pPr/>
-              <a:t>11</a:t>
+              <a:t>12</a:t>
             </a:fld>
             <a:endParaRPr lang="de-DE" dirty="0"/>
           </a:p>
@@ -9610,228 +9886,6 @@
 </p:sld>
 </file>
 
-<file path=ppt/slides/slide12.xml><?xml version="1.0" encoding="utf-8"?>
-<p:sld xmlns:a="http://schemas.openxmlformats.org/drawingml/2006/main" xmlns:r="http://schemas.openxmlformats.org/officeDocument/2006/relationships" xmlns:p="http://schemas.openxmlformats.org/presentationml/2006/main">
-  <p:cSld>
-    <p:spTree>
-      <p:nvGrpSpPr>
-        <p:cNvPr id="1" name=""/>
-        <p:cNvGrpSpPr/>
-        <p:nvPr/>
-      </p:nvGrpSpPr>
-      <p:grpSpPr>
-        <a:xfrm>
-          <a:off x="0" y="0"/>
-          <a:ext cx="0" cy="0"/>
-          <a:chOff x="0" y="0"/>
-          <a:chExt cx="0" cy="0"/>
-        </a:xfrm>
-      </p:grpSpPr>
-      <p:sp>
-        <p:nvSpPr>
-          <p:cNvPr id="2" name="Content Placeholder 1">
-            <a:extLst>
-              <a:ext uri="{FF2B5EF4-FFF2-40B4-BE49-F238E27FC236}">
-                <a16:creationId xmlns:a16="http://schemas.microsoft.com/office/drawing/2014/main" id="{837CDBC3-F6DD-4A4B-9F9B-77A91F06ED37}"/>
-              </a:ext>
-            </a:extLst>
-          </p:cNvPr>
-          <p:cNvSpPr>
-            <a:spLocks noGrp="1"/>
-          </p:cNvSpPr>
-          <p:nvPr>
-            <p:ph idx="1"/>
-          </p:nvPr>
-        </p:nvSpPr>
-        <p:spPr/>
-        <p:txBody>
-          <a:bodyPr/>
-          <a:lstStyle/>
-          <a:p>
-            <a:pPr marL="285750" indent="-285750">
-              <a:buFont typeface="Arial" panose="020B0604020202020204" pitchFamily="34" charset="0"/>
-              <a:buChar char="•"/>
-            </a:pPr>
-            <a:r>
-              <a:rPr lang="en-US" dirty="0"/>
-              <a:t>You cannot scope too small</a:t>
-            </a:r>
-          </a:p>
-          <a:p>
-            <a:pPr marL="285750" indent="-285750">
-              <a:buFont typeface="Arial" panose="020B0604020202020204" pitchFamily="34" charset="0"/>
-              <a:buChar char="•"/>
-            </a:pPr>
-            <a:endParaRPr lang="en-US" dirty="0"/>
-          </a:p>
-          <a:p>
-            <a:pPr marL="285750" indent="-285750">
-              <a:buFont typeface="Arial" panose="020B0604020202020204" pitchFamily="34" charset="0"/>
-              <a:buChar char="•"/>
-            </a:pPr>
-            <a:r>
-              <a:rPr lang="en-US" dirty="0"/>
-              <a:t>Get your git together</a:t>
-            </a:r>
-          </a:p>
-          <a:p>
-            <a:pPr marL="285750" indent="-285750">
-              <a:buFont typeface="Arial" panose="020B0604020202020204" pitchFamily="34" charset="0"/>
-              <a:buChar char="•"/>
-            </a:pPr>
-            <a:endParaRPr lang="en-US" dirty="0"/>
-          </a:p>
-          <a:p>
-            <a:pPr marL="285750" indent="-285750">
-              <a:buFont typeface="Arial" panose="020B0604020202020204" pitchFamily="34" charset="0"/>
-              <a:buChar char="•"/>
-            </a:pPr>
-            <a:r>
-              <a:rPr lang="en-US" dirty="0"/>
-              <a:t>All stumbling and no progress make the team dull</a:t>
-            </a:r>
-          </a:p>
-          <a:p>
-            <a:pPr marL="285750" indent="-285750">
-              <a:buFont typeface="Arial" panose="020B0604020202020204" pitchFamily="34" charset="0"/>
-              <a:buChar char="•"/>
-            </a:pPr>
-            <a:endParaRPr lang="de-AT" dirty="0"/>
-          </a:p>
-          <a:p>
-            <a:pPr marL="285750" indent="-285750">
-              <a:buFont typeface="Arial" panose="020B0604020202020204" pitchFamily="34" charset="0"/>
-              <a:buChar char="•"/>
-            </a:pPr>
-            <a:r>
-              <a:rPr lang="de-AT" dirty="0"/>
-              <a:t>Kinect </a:t>
-            </a:r>
-            <a:r>
-              <a:rPr lang="de-AT" dirty="0" err="1"/>
-              <a:t>is</a:t>
-            </a:r>
-            <a:r>
-              <a:rPr lang="de-AT" dirty="0"/>
-              <a:t> powerful, </a:t>
-            </a:r>
-            <a:r>
-              <a:rPr lang="de-AT" dirty="0" err="1"/>
-              <a:t>yet</a:t>
-            </a:r>
-            <a:r>
-              <a:rPr lang="de-AT" dirty="0"/>
-              <a:t> </a:t>
-            </a:r>
-            <a:r>
-              <a:rPr lang="de-AT" dirty="0" err="1"/>
-              <a:t>frustrating</a:t>
-            </a:r>
-            <a:endParaRPr lang="de-AT" dirty="0"/>
-          </a:p>
-        </p:txBody>
-      </p:sp>
-      <p:sp>
-        <p:nvSpPr>
-          <p:cNvPr id="3" name="Slide Number Placeholder 2">
-            <a:extLst>
-              <a:ext uri="{FF2B5EF4-FFF2-40B4-BE49-F238E27FC236}">
-                <a16:creationId xmlns:a16="http://schemas.microsoft.com/office/drawing/2014/main" id="{C2EF762E-CA48-46BE-8D11-A73C05E82893}"/>
-              </a:ext>
-            </a:extLst>
-          </p:cNvPr>
-          <p:cNvSpPr>
-            <a:spLocks noGrp="1"/>
-          </p:cNvSpPr>
-          <p:nvPr>
-            <p:ph type="sldNum" sz="quarter" idx="11"/>
-          </p:nvPr>
-        </p:nvSpPr>
-        <p:spPr/>
-        <p:txBody>
-          <a:bodyPr/>
-          <a:lstStyle/>
-          <a:p>
-            <a:fld id="{CE58CB1E-F828-4F11-99E0-327109AF9DA4}" type="slidenum">
-              <a:rPr lang="de-DE" smtClean="0"/>
-              <a:pPr/>
-              <a:t>12</a:t>
-            </a:fld>
-            <a:endParaRPr lang="de-DE" dirty="0"/>
-          </a:p>
-        </p:txBody>
-      </p:sp>
-      <p:sp>
-        <p:nvSpPr>
-          <p:cNvPr id="4" name="Footer Placeholder 3">
-            <a:extLst>
-              <a:ext uri="{FF2B5EF4-FFF2-40B4-BE49-F238E27FC236}">
-                <a16:creationId xmlns:a16="http://schemas.microsoft.com/office/drawing/2014/main" id="{6909E61B-B5AC-4C3E-A981-723AE23BD1CD}"/>
-              </a:ext>
-            </a:extLst>
-          </p:cNvPr>
-          <p:cNvSpPr>
-            <a:spLocks noGrp="1"/>
-          </p:cNvSpPr>
-          <p:nvPr>
-            <p:ph type="ftr" sz="quarter" idx="12"/>
-          </p:nvPr>
-        </p:nvSpPr>
-        <p:spPr/>
-        <p:txBody>
-          <a:bodyPr/>
-          <a:lstStyle/>
-          <a:p>
-            <a:r>
-              <a:rPr lang="de-DE"/>
-              <a:t>Dr. rer. nat. Erika Mustermann (TUM) | kann beliebig erweitert werden | Infos mit Strich trennen</a:t>
-            </a:r>
-            <a:endParaRPr lang="en-US" dirty="0"/>
-          </a:p>
-        </p:txBody>
-      </p:sp>
-      <p:sp>
-        <p:nvSpPr>
-          <p:cNvPr id="5" name="Title 4">
-            <a:extLst>
-              <a:ext uri="{FF2B5EF4-FFF2-40B4-BE49-F238E27FC236}">
-                <a16:creationId xmlns:a16="http://schemas.microsoft.com/office/drawing/2014/main" id="{C5413366-2BCD-4191-8ADB-E371C13280FC}"/>
-              </a:ext>
-            </a:extLst>
-          </p:cNvPr>
-          <p:cNvSpPr>
-            <a:spLocks noGrp="1"/>
-          </p:cNvSpPr>
-          <p:nvPr>
-            <p:ph type="title"/>
-          </p:nvPr>
-        </p:nvSpPr>
-        <p:spPr/>
-        <p:txBody>
-          <a:bodyPr/>
-          <a:lstStyle/>
-          <a:p>
-            <a:r>
-              <a:rPr lang="en-US" dirty="0"/>
-              <a:t>Lessons learned</a:t>
-            </a:r>
-            <a:endParaRPr lang="de-AT" dirty="0"/>
-          </a:p>
-        </p:txBody>
-      </p:sp>
-    </p:spTree>
-    <p:extLst>
-      <p:ext uri="{BB962C8B-B14F-4D97-AF65-F5344CB8AC3E}">
-        <p14:creationId xmlns:p14="http://schemas.microsoft.com/office/powerpoint/2010/main" val="1980373358"/>
-      </p:ext>
-    </p:extLst>
-  </p:cSld>
-  <p:clrMapOvr>
-    <a:masterClrMapping/>
-  </p:clrMapOvr>
-</p:sld>
-</file>
-
 <file path=ppt/slides/slide13.xml><?xml version="1.0" encoding="utf-8"?>
 <p:sld xmlns:a="http://schemas.openxmlformats.org/drawingml/2006/main" xmlns:r="http://schemas.openxmlformats.org/officeDocument/2006/relationships" xmlns:p="http://schemas.openxmlformats.org/presentationml/2006/main">
   <p:cSld>
@@ -10157,7 +10211,7 @@
           <p:cNvPr id="2" name="Inhaltsplatzhalter 1">
             <a:extLst>
               <a:ext uri="{FF2B5EF4-FFF2-40B4-BE49-F238E27FC236}">
-                <a16:creationId xmlns:a16="http://schemas.microsoft.com/office/drawing/2014/main" id="{78D55584-F8AF-4DD2-BF17-4530DDAEF005}"/>
+                <a16:creationId xmlns:a16="http://schemas.microsoft.com/office/drawing/2014/main" xmlns="" id="{78D55584-F8AF-4DD2-BF17-4530DDAEF005}"/>
               </a:ext>
             </a:extLst>
           </p:cNvPr>
@@ -10357,7 +10411,7 @@
           <p:cNvPr id="3" name="Titel 2">
             <a:extLst>
               <a:ext uri="{FF2B5EF4-FFF2-40B4-BE49-F238E27FC236}">
-                <a16:creationId xmlns:a16="http://schemas.microsoft.com/office/drawing/2014/main" id="{E16A3B7F-8CC8-4399-88CD-418B949242F1}"/>
+                <a16:creationId xmlns:a16="http://schemas.microsoft.com/office/drawing/2014/main" xmlns="" id="{E16A3B7F-8CC8-4399-88CD-418B949242F1}"/>
               </a:ext>
             </a:extLst>
           </p:cNvPr>
@@ -15752,7 +15806,7 @@
   <a:extraClrSchemeLst/>
   <a:extLst>
     <a:ext uri="{05A4C25C-085E-4340-85A3-A5531E510DB2}">
-      <thm15:themeFamily xmlns:thm15="http://schemas.microsoft.com/office/thememl/2012/main" name="Präsentation14" id="{B1B10406-6147-4A47-95F4-F5DBD10A3872}" vid="{D4FD95B4-ED9B-E343-B70F-8C404733D84C}"/>
+      <thm15:themeFamily xmlns:thm15="http://schemas.microsoft.com/office/thememl/2012/main" xmlns="" name="Präsentation14" id="{B1B10406-6147-4A47-95F4-F5DBD10A3872}" vid="{D4FD95B4-ED9B-E343-B70F-8C404733D84C}"/>
     </a:ext>
   </a:extLst>
 </a:theme>
@@ -16038,7 +16092,7 @@
   <a:extraClrSchemeLst/>
   <a:extLst>
     <a:ext uri="{05A4C25C-085E-4340-85A3-A5531E510DB2}">
-      <thm15:themeFamily xmlns:thm15="http://schemas.microsoft.com/office/thememl/2012/main" name="Präsentation14" id="{B1B10406-6147-4A47-95F4-F5DBD10A3872}" vid="{E7490A93-BEAC-FC49-93F3-0CC1118C542C}"/>
+      <thm15:themeFamily xmlns:thm15="http://schemas.microsoft.com/office/thememl/2012/main" xmlns="" name="Präsentation14" id="{B1B10406-6147-4A47-95F4-F5DBD10A3872}" vid="{E7490A93-BEAC-FC49-93F3-0CC1118C542C}"/>
     </a:ext>
   </a:extLst>
 </a:theme>
@@ -16324,7 +16378,7 @@
   <a:extraClrSchemeLst/>
   <a:extLst>
     <a:ext uri="{05A4C25C-085E-4340-85A3-A5531E510DB2}">
-      <thm15:themeFamily xmlns:thm15="http://schemas.microsoft.com/office/thememl/2012/main" name="Präsentation14" id="{B1B10406-6147-4A47-95F4-F5DBD10A3872}" vid="{4DDB14AD-D1C4-854B-AC86-049FDE8761EC}"/>
+      <thm15:themeFamily xmlns:thm15="http://schemas.microsoft.com/office/thememl/2012/main" xmlns="" name="Präsentation14" id="{B1B10406-6147-4A47-95F4-F5DBD10A3872}" vid="{4DDB14AD-D1C4-854B-AC86-049FDE8761EC}"/>
     </a:ext>
   </a:extLst>
 </a:theme>
@@ -16610,7 +16664,7 @@
   <a:extraClrSchemeLst/>
   <a:extLst>
     <a:ext uri="{05A4C25C-085E-4340-85A3-A5531E510DB2}">
-      <thm15:themeFamily xmlns:thm15="http://schemas.microsoft.com/office/thememl/2012/main" name="Präsentation14" id="{B1B10406-6147-4A47-95F4-F5DBD10A3872}" vid="{4F4851FE-32D1-2D41-BECA-D90EB3BB8DB1}"/>
+      <thm15:themeFamily xmlns:thm15="http://schemas.microsoft.com/office/thememl/2012/main" xmlns="" name="Präsentation14" id="{B1B10406-6147-4A47-95F4-F5DBD10A3872}" vid="{4F4851FE-32D1-2D41-BECA-D90EB3BB8DB1}"/>
     </a:ext>
   </a:extLst>
 </a:theme>
@@ -16896,7 +16950,7 @@
   <a:extraClrSchemeLst/>
   <a:extLst>
     <a:ext uri="{05A4C25C-085E-4340-85A3-A5531E510DB2}">
-      <thm15:themeFamily xmlns:thm15="http://schemas.microsoft.com/office/thememl/2012/main" name="Präsentation14" id="{B1B10406-6147-4A47-95F4-F5DBD10A3872}" vid="{13591B48-8E13-6247-8040-92522EC77656}"/>
+      <thm15:themeFamily xmlns:thm15="http://schemas.microsoft.com/office/thememl/2012/main" xmlns="" name="Präsentation14" id="{B1B10406-6147-4A47-95F4-F5DBD10A3872}" vid="{13591B48-8E13-6247-8040-92522EC77656}"/>
     </a:ext>
   </a:extLst>
 </a:theme>
@@ -17182,7 +17236,7 @@
   <a:extraClrSchemeLst/>
   <a:extLst>
     <a:ext uri="{05A4C25C-085E-4340-85A3-A5531E510DB2}">
-      <thm15:themeFamily xmlns:thm15="http://schemas.microsoft.com/office/thememl/2012/main" name="Präsentation14" id="{B1B10406-6147-4A47-95F4-F5DBD10A3872}" vid="{BAD62DF3-579B-3B4C-BB35-887AD0E01A2D}"/>
+      <thm15:themeFamily xmlns:thm15="http://schemas.microsoft.com/office/thememl/2012/main" xmlns="" name="Präsentation14" id="{B1B10406-6147-4A47-95F4-F5DBD10A3872}" vid="{BAD62DF3-579B-3B4C-BB35-887AD0E01A2D}"/>
     </a:ext>
   </a:extLst>
 </a:theme>

--- a/Documents/Presentation.pptx
+++ b/Documents/Presentation.pptx
@@ -10,26 +10,25 @@
     <p:sldMasterId id="2147483697" r:id="rId6"/>
   </p:sldMasterIdLst>
   <p:notesMasterIdLst>
-    <p:notesMasterId r:id="rId21"/>
+    <p:notesMasterId r:id="rId20"/>
   </p:notesMasterIdLst>
   <p:handoutMasterIdLst>
-    <p:handoutMasterId r:id="rId22"/>
+    <p:handoutMasterId r:id="rId21"/>
   </p:handoutMasterIdLst>
   <p:sldIdLst>
     <p:sldId id="355" r:id="rId7"/>
-    <p:sldId id="396" r:id="rId8"/>
-    <p:sldId id="369" r:id="rId9"/>
-    <p:sldId id="398" r:id="rId10"/>
-    <p:sldId id="382" r:id="rId11"/>
-    <p:sldId id="399" r:id="rId12"/>
-    <p:sldId id="400" r:id="rId13"/>
-    <p:sldId id="401" r:id="rId14"/>
-    <p:sldId id="402" r:id="rId15"/>
-    <p:sldId id="403" r:id="rId16"/>
-    <p:sldId id="406" r:id="rId17"/>
-    <p:sldId id="404" r:id="rId18"/>
-    <p:sldId id="405" r:id="rId19"/>
-    <p:sldId id="381" r:id="rId20"/>
+    <p:sldId id="369" r:id="rId8"/>
+    <p:sldId id="398" r:id="rId9"/>
+    <p:sldId id="382" r:id="rId10"/>
+    <p:sldId id="399" r:id="rId11"/>
+    <p:sldId id="400" r:id="rId12"/>
+    <p:sldId id="401" r:id="rId13"/>
+    <p:sldId id="402" r:id="rId14"/>
+    <p:sldId id="403" r:id="rId15"/>
+    <p:sldId id="406" r:id="rId16"/>
+    <p:sldId id="404" r:id="rId17"/>
+    <p:sldId id="405" r:id="rId18"/>
+    <p:sldId id="381" r:id="rId19"/>
   </p:sldIdLst>
   <p:sldSz cx="9144000" cy="6858000" type="screen4x3"/>
   <p:notesSz cx="9925050" cy="6665913"/>
@@ -160,7 +159,7 @@
   </p:defaultTextStyle>
   <p:extLst>
     <p:ext uri="{EFAFB233-063F-42B5-8137-9DF3F51BA10A}">
-      <p15:sldGuideLst xmlns:p15="http://schemas.microsoft.com/office/powerpoint/2012/main" xmlns="">
+      <p15:sldGuideLst xmlns="" xmlns:p15="http://schemas.microsoft.com/office/powerpoint/2012/main">
         <p15:guide id="1" orient="horz" pos="2160">
           <p15:clr>
             <a:srgbClr val="A4A3A4"/>
@@ -174,7 +173,7 @@
       </p15:sldGuideLst>
     </p:ext>
     <p:ext uri="{2D200454-40CA-4A62-9FC3-DE9A4176ACB9}">
-      <p15:notesGuideLst xmlns:p15="http://schemas.microsoft.com/office/powerpoint/2012/main" xmlns="">
+      <p15:notesGuideLst xmlns="" xmlns:p15="http://schemas.microsoft.com/office/powerpoint/2012/main">
         <p15:guide id="1" orient="horz" pos="2100">
           <p15:clr>
             <a:srgbClr val="A4A3A4"/>
@@ -300,7 +299,7 @@
               <a:pPr>
                 <a:defRPr/>
               </a:pPr>
-              <a:t>17/07/2019</a:t>
+              <a:t>18/07/2019</a:t>
             </a:fld>
             <a:endParaRPr lang="en-GB" dirty="0"/>
           </a:p>
@@ -519,7 +518,7 @@
               <a:pPr>
                 <a:defRPr/>
               </a:pPr>
-              <a:t>17/07/2019</a:t>
+              <a:t>18/07/2019</a:t>
             </a:fld>
             <a:endParaRPr lang="en-GB"/>
           </a:p>
@@ -9192,6 +9191,13 @@
   <p:clrMapOvr>
     <a:masterClrMapping/>
   </p:clrMapOvr>
+  <p:timing>
+    <p:tnLst>
+      <p:par>
+        <p:cTn id="1" dur="indefinite" restart="never" nodeType="tmRoot"/>
+      </p:par>
+    </p:tnLst>
+  </p:timing>
 </p:sld>
 </file>
 
@@ -9214,7 +9220,13 @@
       </p:grpSpPr>
       <p:sp>
         <p:nvSpPr>
-          <p:cNvPr id="2" name="Inhaltsplatzhalter 1"/>
+          <p:cNvPr id="2" name="Content Placeholder 1">
+            <a:extLst>
+              <a:ext uri="{FF2B5EF4-FFF2-40B4-BE49-F238E27FC236}">
+                <a16:creationId xmlns="" xmlns:a16="http://schemas.microsoft.com/office/drawing/2014/main" id="{837CDBC3-F6DD-4A4B-9F9B-77A91F06ED37}"/>
+              </a:ext>
+            </a:extLst>
+          </p:cNvPr>
           <p:cNvSpPr>
             <a:spLocks noGrp="1"/>
           </p:cNvSpPr>
@@ -9222,12 +9234,7 @@
             <p:ph idx="1"/>
           </p:nvPr>
         </p:nvSpPr>
-        <p:spPr>
-          <a:xfrm>
-            <a:off x="319090" y="1762188"/>
-            <a:ext cx="4412930" cy="4699572"/>
-          </a:xfrm>
-        </p:spPr>
+        <p:spPr/>
         <p:txBody>
           <a:bodyPr/>
           <a:lstStyle/>
@@ -9237,16 +9244,8 @@
               <a:buChar char="•"/>
             </a:pPr>
             <a:r>
-              <a:rPr lang="en-US" dirty="0">
-                <a:sym typeface="Wingdings" panose="05000000000000000000" pitchFamily="2" charset="2"/>
-              </a:rPr>
-              <a:t>We want to use gestures, but the discrete functionality proved insufficient for the </a:t>
-            </a:r>
-            <a:r>
-              <a:rPr lang="en-US" dirty="0" smtClean="0">
-                <a:sym typeface="Wingdings" panose="05000000000000000000" pitchFamily="2" charset="2"/>
-              </a:rPr>
-              <a:t>task</a:t>
+              <a:rPr lang="en-US" dirty="0"/>
+              <a:t>You cannot scope too small</a:t>
             </a:r>
           </a:p>
           <a:p>
@@ -9254,9 +9253,7 @@
               <a:buFont typeface="Arial" panose="020B0604020202020204" pitchFamily="34" charset="0"/>
               <a:buChar char="•"/>
             </a:pPr>
-            <a:endParaRPr lang="en-US" dirty="0">
-              <a:sym typeface="Wingdings" panose="05000000000000000000" pitchFamily="2" charset="2"/>
-            </a:endParaRPr>
+            <a:endParaRPr lang="en-US" dirty="0"/>
           </a:p>
           <a:p>
             <a:pPr marL="285750" indent="-285750">
@@ -9264,164 +9261,76 @@
               <a:buChar char="•"/>
             </a:pPr>
             <a:r>
-              <a:rPr lang="en-US" dirty="0" smtClean="0">
-                <a:sym typeface="Wingdings" panose="05000000000000000000" pitchFamily="2" charset="2"/>
-              </a:rPr>
-              <a:t>As </a:t>
-            </a:r>
-            <a:r>
-              <a:rPr lang="en-US" dirty="0">
-                <a:sym typeface="Wingdings" panose="05000000000000000000" pitchFamily="2" charset="2"/>
-              </a:rPr>
-              <a:t>soon as there is confidence value the result would trigger</a:t>
-            </a:r>
-          </a:p>
-          <a:p>
-            <a:pPr marL="461963" lvl="1" indent="-285750">
-              <a:buFont typeface="Arial" panose="020B0604020202020204" pitchFamily="34" charset="0"/>
-              <a:buChar char="•"/>
-            </a:pPr>
-            <a:r>
-              <a:rPr lang="en-US" dirty="0">
-                <a:sym typeface="Wingdings" panose="05000000000000000000" pitchFamily="2" charset="2"/>
-              </a:rPr>
-              <a:t> Very bad results would be </a:t>
-            </a:r>
-            <a:r>
-              <a:rPr lang="en-US" dirty="0" smtClean="0">
-                <a:sym typeface="Wingdings" panose="05000000000000000000" pitchFamily="2" charset="2"/>
-              </a:rPr>
-              <a:t>thrown</a:t>
-            </a:r>
-          </a:p>
-          <a:p>
-            <a:pPr marL="461963" lvl="1" indent="-285750">
-              <a:buFont typeface="Arial" panose="020B0604020202020204" pitchFamily="34" charset="0"/>
-              <a:buChar char="•"/>
-            </a:pPr>
-            <a:endParaRPr lang="en-US" dirty="0">
-              <a:sym typeface="Wingdings" panose="05000000000000000000" pitchFamily="2" charset="2"/>
-            </a:endParaRPr>
+              <a:rPr lang="en-US" dirty="0"/>
+              <a:t>Get your git together</a:t>
+            </a:r>
           </a:p>
           <a:p>
             <a:pPr marL="285750" indent="-285750">
               <a:buFont typeface="Arial" panose="020B0604020202020204" pitchFamily="34" charset="0"/>
               <a:buChar char="•"/>
             </a:pPr>
-            <a:r>
-              <a:rPr lang="en-US" dirty="0" smtClean="0">
-                <a:sym typeface="Wingdings" panose="05000000000000000000" pitchFamily="2" charset="2"/>
-              </a:rPr>
-              <a:t>The </a:t>
-            </a:r>
-            <a:r>
-              <a:rPr lang="en-US" dirty="0">
-                <a:sym typeface="Wingdings" panose="05000000000000000000" pitchFamily="2" charset="2"/>
-              </a:rPr>
-              <a:t>more gestures were added the less results were thrown at </a:t>
-            </a:r>
-            <a:r>
-              <a:rPr lang="en-US" dirty="0" smtClean="0">
-                <a:sym typeface="Wingdings" panose="05000000000000000000" pitchFamily="2" charset="2"/>
-              </a:rPr>
-              <a:t>all</a:t>
-            </a:r>
+            <a:endParaRPr lang="en-US" dirty="0"/>
           </a:p>
           <a:p>
             <a:pPr marL="285750" indent="-285750">
               <a:buFont typeface="Arial" panose="020B0604020202020204" pitchFamily="34" charset="0"/>
               <a:buChar char="•"/>
             </a:pPr>
-            <a:endParaRPr lang="en-US" dirty="0">
-              <a:sym typeface="Wingdings" panose="05000000000000000000" pitchFamily="2" charset="2"/>
-            </a:endParaRPr>
+            <a:r>
+              <a:rPr lang="en-US" dirty="0"/>
+              <a:t>All stumbling and no progress make the team dull</a:t>
+            </a:r>
           </a:p>
           <a:p>
             <a:pPr marL="285750" indent="-285750">
               <a:buFont typeface="Arial" panose="020B0604020202020204" pitchFamily="34" charset="0"/>
               <a:buChar char="•"/>
             </a:pPr>
-            <a:r>
-              <a:rPr lang="en-US" dirty="0" smtClean="0">
-                <a:sym typeface="Wingdings" panose="05000000000000000000" pitchFamily="2" charset="2"/>
-              </a:rPr>
-              <a:t>System </a:t>
-            </a:r>
-            <a:r>
-              <a:rPr lang="en-US" dirty="0">
-                <a:sym typeface="Wingdings" panose="05000000000000000000" pitchFamily="2" charset="2"/>
-              </a:rPr>
-              <a:t>got confused, gestures </a:t>
-            </a:r>
-            <a:r>
-              <a:rPr lang="en-US" dirty="0" smtClean="0">
-                <a:sym typeface="Wingdings" panose="05000000000000000000" pitchFamily="2" charset="2"/>
-              </a:rPr>
-              <a:t>too similar</a:t>
-            </a:r>
+            <a:endParaRPr lang="de-AT" dirty="0"/>
           </a:p>
           <a:p>
             <a:pPr marL="285750" indent="-285750">
               <a:buFont typeface="Arial" panose="020B0604020202020204" pitchFamily="34" charset="0"/>
               <a:buChar char="•"/>
             </a:pPr>
-            <a:endParaRPr lang="en-US" dirty="0">
-              <a:sym typeface="Wingdings" panose="05000000000000000000" pitchFamily="2" charset="2"/>
-            </a:endParaRPr>
-          </a:p>
-          <a:p>
-            <a:pPr marL="285750" indent="-285750">
-              <a:buFont typeface="Arial" panose="020B0604020202020204" pitchFamily="34" charset="0"/>
-              <a:buChar char="•"/>
-            </a:pPr>
-            <a:r>
-              <a:rPr lang="en-US" dirty="0" smtClean="0">
-                <a:sym typeface="Wingdings" panose="05000000000000000000" pitchFamily="2" charset="2"/>
-              </a:rPr>
-              <a:t>Training </a:t>
-            </a:r>
-            <a:r>
-              <a:rPr lang="en-US" dirty="0">
-                <a:sym typeface="Wingdings" panose="05000000000000000000" pitchFamily="2" charset="2"/>
-              </a:rPr>
-              <a:t>the system is difficult with limited time</a:t>
-            </a:r>
-          </a:p>
-          <a:p>
-            <a:pPr marL="461963" lvl="1" indent="-285750">
-              <a:buFont typeface="Arial" panose="020B0604020202020204" pitchFamily="34" charset="0"/>
-              <a:buChar char="•"/>
-            </a:pPr>
-            <a:r>
-              <a:rPr lang="en-US" dirty="0">
-                <a:sym typeface="Wingdings" panose="05000000000000000000" pitchFamily="2" charset="2"/>
-              </a:rPr>
-              <a:t>Perhaps too little positive frames given in training</a:t>
-            </a:r>
-          </a:p>
-          <a:p>
-            <a:pPr marL="285750" indent="-285750">
-              <a:buFont typeface="Arial" panose="020B0604020202020204" pitchFamily="34" charset="0"/>
-              <a:buChar char="•"/>
-            </a:pPr>
-            <a:endParaRPr lang="en-US" dirty="0">
-              <a:sym typeface="Wingdings" panose="05000000000000000000" pitchFamily="2" charset="2"/>
-            </a:endParaRPr>
-          </a:p>
-          <a:p>
-            <a:endParaRPr lang="en-US" sz="2200" dirty="0"/>
-          </a:p>
-          <a:p>
-            <a:endParaRPr lang="en-US" sz="2200" dirty="0"/>
-          </a:p>
-          <a:p>
-            <a:endParaRPr lang="en-US" sz="2200" dirty="0"/>
-          </a:p>
-        </p:txBody>
-      </p:sp>
-      <p:sp>
-        <p:nvSpPr>
-          <p:cNvPr id="4" name="Foliennummernplatzhalter 3"/>
+            <a:r>
+              <a:rPr lang="de-AT" dirty="0"/>
+              <a:t>Kinect </a:t>
+            </a:r>
+            <a:r>
+              <a:rPr lang="de-AT" dirty="0" err="1"/>
+              <a:t>is</a:t>
+            </a:r>
+            <a:r>
+              <a:rPr lang="de-AT" dirty="0"/>
+              <a:t> powerful, </a:t>
+            </a:r>
+            <a:r>
+              <a:rPr lang="de-AT" dirty="0" err="1"/>
+              <a:t>yet</a:t>
+            </a:r>
+            <a:r>
+              <a:rPr lang="de-AT" dirty="0"/>
+              <a:t> </a:t>
+            </a:r>
+            <a:r>
+              <a:rPr lang="de-AT" dirty="0" err="1"/>
+              <a:t>frustrating</a:t>
+            </a:r>
+            <a:endParaRPr lang="de-AT" dirty="0"/>
+          </a:p>
+        </p:txBody>
+      </p:sp>
+      <p:sp>
+        <p:nvSpPr>
+          <p:cNvPr id="3" name="Slide Number Placeholder 2">
+            <a:extLst>
+              <a:ext uri="{FF2B5EF4-FFF2-40B4-BE49-F238E27FC236}">
+                <a16:creationId xmlns="" xmlns:a16="http://schemas.microsoft.com/office/drawing/2014/main" id="{C2EF762E-CA48-46BE-8D11-A73C05E82893}"/>
+              </a:ext>
+            </a:extLst>
+          </p:cNvPr>
           <p:cNvSpPr>
             <a:spLocks noGrp="1"/>
           </p:cNvSpPr>
@@ -9445,7 +9354,36 @@
       </p:sp>
       <p:sp>
         <p:nvSpPr>
-          <p:cNvPr id="7" name="Fußzeilenplatzhalter 4"/>
+          <p:cNvPr id="5" name="Title 4">
+            <a:extLst>
+              <a:ext uri="{FF2B5EF4-FFF2-40B4-BE49-F238E27FC236}">
+                <a16:creationId xmlns="" xmlns:a16="http://schemas.microsoft.com/office/drawing/2014/main" id="{C5413366-2BCD-4191-8ADB-E371C13280FC}"/>
+              </a:ext>
+            </a:extLst>
+          </p:cNvPr>
+          <p:cNvSpPr>
+            <a:spLocks noGrp="1"/>
+          </p:cNvSpPr>
+          <p:nvPr>
+            <p:ph type="title"/>
+          </p:nvPr>
+        </p:nvSpPr>
+        <p:spPr/>
+        <p:txBody>
+          <a:bodyPr/>
+          <a:lstStyle/>
+          <a:p>
+            <a:r>
+              <a:rPr lang="en-US" dirty="0"/>
+              <a:t>Lessons learned</a:t>
+            </a:r>
+            <a:endParaRPr lang="de-AT" dirty="0"/>
+          </a:p>
+        </p:txBody>
+      </p:sp>
+      <p:sp>
+        <p:nvSpPr>
+          <p:cNvPr id="6" name="Fußzeilenplatzhalter 4"/>
           <p:cNvSpPr>
             <a:spLocks noGrp="1"/>
           </p:cNvSpPr>
@@ -9453,7 +9391,12 @@
             <p:ph type="ftr" sz="quarter" idx="12"/>
           </p:nvPr>
         </p:nvSpPr>
-        <p:spPr/>
+        <p:spPr>
+          <a:xfrm>
+            <a:off x="311162" y="6473313"/>
+            <a:ext cx="6464280" cy="365125"/>
+          </a:xfrm>
+        </p:spPr>
         <p:txBody>
           <a:bodyPr/>
           <a:lstStyle/>
@@ -9462,40 +9405,13 @@
               <a:rPr lang="de-DE" dirty="0"/>
               <a:t>Konstantin Karas, Min Ting Luong, Jakob Raith</a:t>
             </a:r>
-          </a:p>
-        </p:txBody>
-      </p:sp>
-      <p:sp>
-        <p:nvSpPr>
-          <p:cNvPr id="3" name="Titel 2"/>
-          <p:cNvSpPr>
-            <a:spLocks noGrp="1"/>
-          </p:cNvSpPr>
-          <p:nvPr>
-            <p:ph type="title"/>
-          </p:nvPr>
-        </p:nvSpPr>
-        <p:spPr>
-          <a:prstGeom prst="rect">
-            <a:avLst/>
-          </a:prstGeom>
-        </p:spPr>
-        <p:txBody>
-          <a:bodyPr/>
-          <a:lstStyle/>
-          <a:p>
-            <a:r>
-              <a:rPr lang="en-US" dirty="0"/>
-              <a:t>Our machine learning problems</a:t>
-            </a:r>
-            <a:endParaRPr lang="en-US" sz="3000" dirty="0"/>
           </a:p>
         </p:txBody>
       </p:sp>
     </p:spTree>
     <p:extLst>
       <p:ext uri="{BB962C8B-B14F-4D97-AF65-F5344CB8AC3E}">
-        <p14:creationId xmlns:p14="http://schemas.microsoft.com/office/powerpoint/2010/main" val="1777077004"/>
+        <p14:creationId xmlns:p14="http://schemas.microsoft.com/office/powerpoint/2010/main" val="1980373358"/>
       </p:ext>
     </p:extLst>
   </p:cSld>
@@ -9524,117 +9440,7 @@
       </p:grpSpPr>
       <p:sp>
         <p:nvSpPr>
-          <p:cNvPr id="2" name="Content Placeholder 1">
-            <a:extLst>
-              <a:ext uri="{FF2B5EF4-FFF2-40B4-BE49-F238E27FC236}">
-                <a16:creationId xmlns:a16="http://schemas.microsoft.com/office/drawing/2014/main" xmlns="" id="{837CDBC3-F6DD-4A4B-9F9B-77A91F06ED37}"/>
-              </a:ext>
-            </a:extLst>
-          </p:cNvPr>
-          <p:cNvSpPr>
-            <a:spLocks noGrp="1"/>
-          </p:cNvSpPr>
-          <p:nvPr>
-            <p:ph idx="1"/>
-          </p:nvPr>
-        </p:nvSpPr>
-        <p:spPr/>
-        <p:txBody>
-          <a:bodyPr/>
-          <a:lstStyle/>
-          <a:p>
-            <a:pPr marL="285750" indent="-285750">
-              <a:buFont typeface="Arial" panose="020B0604020202020204" pitchFamily="34" charset="0"/>
-              <a:buChar char="•"/>
-            </a:pPr>
-            <a:r>
-              <a:rPr lang="en-US" dirty="0"/>
-              <a:t>You cannot scope too small</a:t>
-            </a:r>
-          </a:p>
-          <a:p>
-            <a:pPr marL="285750" indent="-285750">
-              <a:buFont typeface="Arial" panose="020B0604020202020204" pitchFamily="34" charset="0"/>
-              <a:buChar char="•"/>
-            </a:pPr>
-            <a:endParaRPr lang="en-US" dirty="0"/>
-          </a:p>
-          <a:p>
-            <a:pPr marL="285750" indent="-285750">
-              <a:buFont typeface="Arial" panose="020B0604020202020204" pitchFamily="34" charset="0"/>
-              <a:buChar char="•"/>
-            </a:pPr>
-            <a:r>
-              <a:rPr lang="en-US" dirty="0"/>
-              <a:t>Get your git together</a:t>
-            </a:r>
-          </a:p>
-          <a:p>
-            <a:pPr marL="285750" indent="-285750">
-              <a:buFont typeface="Arial" panose="020B0604020202020204" pitchFamily="34" charset="0"/>
-              <a:buChar char="•"/>
-            </a:pPr>
-            <a:endParaRPr lang="en-US" dirty="0"/>
-          </a:p>
-          <a:p>
-            <a:pPr marL="285750" indent="-285750">
-              <a:buFont typeface="Arial" panose="020B0604020202020204" pitchFamily="34" charset="0"/>
-              <a:buChar char="•"/>
-            </a:pPr>
-            <a:r>
-              <a:rPr lang="en-US" dirty="0"/>
-              <a:t>All stumbling and no progress make the team dull</a:t>
-            </a:r>
-          </a:p>
-          <a:p>
-            <a:pPr marL="285750" indent="-285750">
-              <a:buFont typeface="Arial" panose="020B0604020202020204" pitchFamily="34" charset="0"/>
-              <a:buChar char="•"/>
-            </a:pPr>
-            <a:endParaRPr lang="de-AT" dirty="0"/>
-          </a:p>
-          <a:p>
-            <a:pPr marL="285750" indent="-285750">
-              <a:buFont typeface="Arial" panose="020B0604020202020204" pitchFamily="34" charset="0"/>
-              <a:buChar char="•"/>
-            </a:pPr>
-            <a:r>
-              <a:rPr lang="de-AT" dirty="0"/>
-              <a:t>Kinect </a:t>
-            </a:r>
-            <a:r>
-              <a:rPr lang="de-AT" dirty="0" err="1"/>
-              <a:t>is</a:t>
-            </a:r>
-            <a:r>
-              <a:rPr lang="de-AT" dirty="0"/>
-              <a:t> powerful, </a:t>
-            </a:r>
-            <a:r>
-              <a:rPr lang="de-AT" dirty="0" err="1"/>
-              <a:t>yet</a:t>
-            </a:r>
-            <a:r>
-              <a:rPr lang="de-AT" dirty="0"/>
-              <a:t> </a:t>
-            </a:r>
-            <a:r>
-              <a:rPr lang="de-AT" dirty="0" err="1"/>
-              <a:t>frustrating</a:t>
-            </a:r>
-            <a:endParaRPr lang="de-AT" dirty="0"/>
-          </a:p>
-        </p:txBody>
-      </p:sp>
-      <p:sp>
-        <p:nvSpPr>
-          <p:cNvPr id="3" name="Slide Number Placeholder 2">
-            <a:extLst>
-              <a:ext uri="{FF2B5EF4-FFF2-40B4-BE49-F238E27FC236}">
-                <a16:creationId xmlns:a16="http://schemas.microsoft.com/office/drawing/2014/main" xmlns="" id="{C2EF762E-CA48-46BE-8D11-A73C05E82893}"/>
-              </a:ext>
-            </a:extLst>
-          </p:cNvPr>
+          <p:cNvPr id="4" name="Foliennummernplatzhalter 3"/>
           <p:cNvSpPr>
             <a:spLocks noGrp="1"/>
           </p:cNvSpPr>
@@ -9658,13 +9464,29 @@
       </p:sp>
       <p:sp>
         <p:nvSpPr>
-          <p:cNvPr id="5" name="Title 4">
-            <a:extLst>
-              <a:ext uri="{FF2B5EF4-FFF2-40B4-BE49-F238E27FC236}">
-                <a16:creationId xmlns:a16="http://schemas.microsoft.com/office/drawing/2014/main" xmlns="" id="{C5413366-2BCD-4191-8ADB-E371C13280FC}"/>
-              </a:ext>
-            </a:extLst>
-          </p:cNvPr>
+          <p:cNvPr id="7" name="Fußzeilenplatzhalter 4"/>
+          <p:cNvSpPr>
+            <a:spLocks noGrp="1"/>
+          </p:cNvSpPr>
+          <p:nvPr>
+            <p:ph type="ftr" sz="quarter" idx="12"/>
+          </p:nvPr>
+        </p:nvSpPr>
+        <p:spPr/>
+        <p:txBody>
+          <a:bodyPr/>
+          <a:lstStyle/>
+          <a:p>
+            <a:r>
+              <a:rPr lang="de-DE" dirty="0"/>
+              <a:t>Konstantin Karas, Min Ting Luong, Jakob Raith</a:t>
+            </a:r>
+          </a:p>
+        </p:txBody>
+      </p:sp>
+      <p:sp>
+        <p:nvSpPr>
+          <p:cNvPr id="3" name="Titel 2"/>
           <p:cNvSpPr>
             <a:spLocks noGrp="1"/>
           </p:cNvSpPr>
@@ -9672,50 +9494,85 @@
             <p:ph type="title"/>
           </p:nvPr>
         </p:nvSpPr>
-        <p:spPr/>
+        <p:spPr>
+          <a:prstGeom prst="rect">
+            <a:avLst/>
+          </a:prstGeom>
+        </p:spPr>
         <p:txBody>
           <a:bodyPr/>
           <a:lstStyle/>
           <a:p>
             <a:r>
-              <a:rPr lang="en-US" dirty="0"/>
-              <a:t>Lessons learned</a:t>
-            </a:r>
-            <a:endParaRPr lang="de-AT" dirty="0"/>
-          </a:p>
-        </p:txBody>
-      </p:sp>
-      <p:sp>
-        <p:nvSpPr>
-          <p:cNvPr id="6" name="Fußzeilenplatzhalter 4"/>
-          <p:cNvSpPr>
-            <a:spLocks noGrp="1"/>
-          </p:cNvSpPr>
-          <p:nvPr>
-            <p:ph type="ftr" sz="quarter" idx="12"/>
-          </p:nvPr>
-        </p:nvSpPr>
-        <p:spPr>
+              <a:rPr lang="de-DE" dirty="0"/>
+              <a:t>Task </a:t>
+            </a:r>
+            <a:r>
+              <a:rPr lang="de-DE" dirty="0" err="1"/>
+              <a:t>distribution</a:t>
+            </a:r>
+            <a:endParaRPr lang="de-DE" sz="3000" dirty="0"/>
+          </a:p>
+        </p:txBody>
+      </p:sp>
+      <p:pic>
+        <p:nvPicPr>
+          <p:cNvPr id="1027" name="Picture 3"/>
+          <p:cNvPicPr>
+            <a:picLocks noChangeAspect="1" noChangeArrowheads="1"/>
+          </p:cNvPicPr>
+          <p:nvPr/>
+        </p:nvPicPr>
+        <p:blipFill>
+          <a:blip r:embed="rId2">
+            <a:extLst>
+              <a:ext uri="{28A0092B-C50C-407E-A947-70E740481C1C}">
+                <a14:useLocalDpi xmlns:a14="http://schemas.microsoft.com/office/drawing/2010/main" val="0"/>
+              </a:ext>
+            </a:extLst>
+          </a:blip>
+          <a:srcRect/>
+          <a:stretch>
+            <a:fillRect/>
+          </a:stretch>
+        </p:blipFill>
+        <p:spPr bwMode="auto">
           <a:xfrm>
-            <a:off x="311162" y="6473313"/>
-            <a:ext cx="6464280" cy="365125"/>
-          </a:xfrm>
-        </p:spPr>
-        <p:txBody>
-          <a:bodyPr/>
-          <a:lstStyle/>
-          <a:p>
-            <a:r>
-              <a:rPr lang="de-DE" dirty="0"/>
-              <a:t>Konstantin Karas, Min Ting Luong, Jakob Raith</a:t>
-            </a:r>
-          </a:p>
-        </p:txBody>
-      </p:sp>
+            <a:off x="300038" y="1790700"/>
+            <a:ext cx="8543925" cy="3276600"/>
+          </a:xfrm>
+          <a:prstGeom prst="rect">
+            <a:avLst/>
+          </a:prstGeom>
+          <a:noFill/>
+          <a:ln>
+            <a:noFill/>
+          </a:ln>
+          <a:extLst>
+            <a:ext uri="{909E8E84-426E-40DD-AFC4-6F175D3DCCD1}">
+              <a14:hiddenFill xmlns:a14="http://schemas.microsoft.com/office/drawing/2010/main">
+                <a:solidFill>
+                  <a:schemeClr val="accent1"/>
+                </a:solidFill>
+              </a14:hiddenFill>
+            </a:ext>
+            <a:ext uri="{91240B29-F687-4F45-9708-019B960494DF}">
+              <a14:hiddenLine xmlns:a14="http://schemas.microsoft.com/office/drawing/2010/main" w="9525">
+                <a:solidFill>
+                  <a:schemeClr val="tx1"/>
+                </a:solidFill>
+                <a:miter lim="800000"/>
+                <a:headEnd/>
+                <a:tailEnd/>
+              </a14:hiddenLine>
+            </a:ext>
+          </a:extLst>
+        </p:spPr>
+      </p:pic>
     </p:spTree>
     <p:extLst>
       <p:ext uri="{BB962C8B-B14F-4D97-AF65-F5344CB8AC3E}">
-        <p14:creationId xmlns:p14="http://schemas.microsoft.com/office/powerpoint/2010/main" val="1980373358"/>
+        <p14:creationId xmlns:p14="http://schemas.microsoft.com/office/powerpoint/2010/main" val="1397746595"/>
       </p:ext>
     </p:extLst>
   </p:cSld>
@@ -9744,6 +9601,36 @@
       </p:grpSpPr>
       <p:sp>
         <p:nvSpPr>
+          <p:cNvPr id="2" name="Inhaltsplatzhalter 1"/>
+          <p:cNvSpPr>
+            <a:spLocks noGrp="1"/>
+          </p:cNvSpPr>
+          <p:nvPr>
+            <p:ph idx="1"/>
+          </p:nvPr>
+        </p:nvSpPr>
+        <p:spPr>
+          <a:xfrm>
+            <a:off x="319090" y="1762188"/>
+            <a:ext cx="4412930" cy="4699572"/>
+          </a:xfrm>
+        </p:spPr>
+        <p:txBody>
+          <a:bodyPr/>
+          <a:lstStyle/>
+          <a:p>
+            <a:endParaRPr lang="en-US" sz="2200" dirty="0"/>
+          </a:p>
+          <a:p>
+            <a:endParaRPr lang="en-US" sz="2200" dirty="0"/>
+          </a:p>
+          <a:p>
+            <a:endParaRPr lang="en-US" sz="2200" dirty="0"/>
+          </a:p>
+        </p:txBody>
+      </p:sp>
+      <p:sp>
+        <p:nvSpPr>
           <p:cNvPr id="4" name="Foliennummernplatzhalter 3"/>
           <p:cNvSpPr>
             <a:spLocks noGrp="1"/>
@@ -9799,6 +9686,10 @@
           </p:nvPr>
         </p:nvSpPr>
         <p:spPr>
+          <a:xfrm>
+            <a:off x="261940" y="3217469"/>
+            <a:ext cx="8508999" cy="410369"/>
+          </a:xfrm>
           <a:prstGeom prst="rect">
             <a:avLst/>
           </a:prstGeom>
@@ -9807,76 +9698,19 @@
           <a:bodyPr/>
           <a:lstStyle/>
           <a:p>
-            <a:r>
-              <a:rPr lang="de-DE" dirty="0"/>
-              <a:t>Task </a:t>
-            </a:r>
-            <a:r>
-              <a:rPr lang="de-DE" dirty="0" err="1"/>
-              <a:t>distribution</a:t>
-            </a:r>
-            <a:endParaRPr lang="de-DE" sz="3000" dirty="0"/>
-          </a:p>
-        </p:txBody>
-      </p:sp>
-      <p:pic>
-        <p:nvPicPr>
-          <p:cNvPr id="1027" name="Picture 3"/>
-          <p:cNvPicPr>
-            <a:picLocks noChangeAspect="1" noChangeArrowheads="1"/>
-          </p:cNvPicPr>
-          <p:nvPr/>
-        </p:nvPicPr>
-        <p:blipFill>
-          <a:blip r:embed="rId2">
-            <a:extLst>
-              <a:ext uri="{28A0092B-C50C-407E-A947-70E740481C1C}">
-                <a14:useLocalDpi xmlns:a14="http://schemas.microsoft.com/office/drawing/2010/main" val="0"/>
-              </a:ext>
-            </a:extLst>
-          </a:blip>
-          <a:srcRect/>
-          <a:stretch>
-            <a:fillRect/>
-          </a:stretch>
-        </p:blipFill>
-        <p:spPr bwMode="auto">
-          <a:xfrm>
-            <a:off x="300038" y="1790700"/>
-            <a:ext cx="8543925" cy="3276600"/>
-          </a:xfrm>
-          <a:prstGeom prst="rect">
-            <a:avLst/>
-          </a:prstGeom>
-          <a:noFill/>
-          <a:ln>
-            <a:noFill/>
-          </a:ln>
-          <a:extLst>
-            <a:ext uri="{909E8E84-426E-40DD-AFC4-6F175D3DCCD1}">
-              <a14:hiddenFill xmlns:a14="http://schemas.microsoft.com/office/drawing/2010/main">
-                <a:solidFill>
-                  <a:schemeClr val="accent1"/>
-                </a:solidFill>
-              </a14:hiddenFill>
-            </a:ext>
-            <a:ext uri="{91240B29-F687-4F45-9708-019B960494DF}">
-              <a14:hiddenLine xmlns:a14="http://schemas.microsoft.com/office/drawing/2010/main" w="9525">
-                <a:solidFill>
-                  <a:schemeClr val="tx1"/>
-                </a:solidFill>
-                <a:miter lim="800000"/>
-                <a:headEnd/>
-                <a:tailEnd/>
-              </a14:hiddenLine>
-            </a:ext>
-          </a:extLst>
-        </p:spPr>
-      </p:pic>
+            <a:pPr algn="ctr"/>
+            <a:r>
+              <a:rPr lang="en-US" dirty="0"/>
+              <a:t>Gameplay!</a:t>
+            </a:r>
+            <a:endParaRPr lang="en-US" sz="3000" dirty="0"/>
+          </a:p>
+        </p:txBody>
+      </p:sp>
     </p:spTree>
     <p:extLst>
       <p:ext uri="{BB962C8B-B14F-4D97-AF65-F5344CB8AC3E}">
-        <p14:creationId xmlns:p14="http://schemas.microsoft.com/office/powerpoint/2010/main" val="1397746595"/>
+        <p14:creationId xmlns:p14="http://schemas.microsoft.com/office/powerpoint/2010/main" val="98881398"/>
       </p:ext>
     </p:extLst>
   </p:cSld>
@@ -9905,36 +9739,6 @@
       </p:grpSpPr>
       <p:sp>
         <p:nvSpPr>
-          <p:cNvPr id="2" name="Inhaltsplatzhalter 1"/>
-          <p:cNvSpPr>
-            <a:spLocks noGrp="1"/>
-          </p:cNvSpPr>
-          <p:nvPr>
-            <p:ph idx="1"/>
-          </p:nvPr>
-        </p:nvSpPr>
-        <p:spPr>
-          <a:xfrm>
-            <a:off x="319090" y="1762188"/>
-            <a:ext cx="4412930" cy="4699572"/>
-          </a:xfrm>
-        </p:spPr>
-        <p:txBody>
-          <a:bodyPr/>
-          <a:lstStyle/>
-          <a:p>
-            <a:endParaRPr lang="en-US" sz="2200" dirty="0"/>
-          </a:p>
-          <a:p>
-            <a:endParaRPr lang="en-US" sz="2200" dirty="0"/>
-          </a:p>
-          <a:p>
-            <a:endParaRPr lang="en-US" sz="2200" dirty="0"/>
-          </a:p>
-        </p:txBody>
-      </p:sp>
-      <p:sp>
-        <p:nvSpPr>
           <p:cNvPr id="4" name="Foliennummernplatzhalter 3"/>
           <p:cNvSpPr>
             <a:spLocks noGrp="1"/>
@@ -9952,114 +9756,6 @@
               <a:rPr lang="de-DE" smtClean="0"/>
               <a:pPr/>
               <a:t>13</a:t>
-            </a:fld>
-            <a:endParaRPr lang="de-DE" dirty="0"/>
-          </a:p>
-        </p:txBody>
-      </p:sp>
-      <p:sp>
-        <p:nvSpPr>
-          <p:cNvPr id="7" name="Fußzeilenplatzhalter 4"/>
-          <p:cNvSpPr>
-            <a:spLocks noGrp="1"/>
-          </p:cNvSpPr>
-          <p:nvPr>
-            <p:ph type="ftr" sz="quarter" idx="12"/>
-          </p:nvPr>
-        </p:nvSpPr>
-        <p:spPr/>
-        <p:txBody>
-          <a:bodyPr/>
-          <a:lstStyle/>
-          <a:p>
-            <a:r>
-              <a:rPr lang="de-DE" dirty="0"/>
-              <a:t>Konstantin Karas, Min Ting Luong, Jakob Raith</a:t>
-            </a:r>
-          </a:p>
-        </p:txBody>
-      </p:sp>
-      <p:sp>
-        <p:nvSpPr>
-          <p:cNvPr id="3" name="Titel 2"/>
-          <p:cNvSpPr>
-            <a:spLocks noGrp="1"/>
-          </p:cNvSpPr>
-          <p:nvPr>
-            <p:ph type="title"/>
-          </p:nvPr>
-        </p:nvSpPr>
-        <p:spPr>
-          <a:xfrm>
-            <a:off x="261940" y="3217469"/>
-            <a:ext cx="8508999" cy="410369"/>
-          </a:xfrm>
-          <a:prstGeom prst="rect">
-            <a:avLst/>
-          </a:prstGeom>
-        </p:spPr>
-        <p:txBody>
-          <a:bodyPr/>
-          <a:lstStyle/>
-          <a:p>
-            <a:pPr algn="ctr"/>
-            <a:r>
-              <a:rPr lang="en-US" dirty="0"/>
-              <a:t>Gameplay!</a:t>
-            </a:r>
-            <a:endParaRPr lang="en-US" sz="3000" dirty="0"/>
-          </a:p>
-        </p:txBody>
-      </p:sp>
-    </p:spTree>
-    <p:extLst>
-      <p:ext uri="{BB962C8B-B14F-4D97-AF65-F5344CB8AC3E}">
-        <p14:creationId xmlns:p14="http://schemas.microsoft.com/office/powerpoint/2010/main" val="98881398"/>
-      </p:ext>
-    </p:extLst>
-  </p:cSld>
-  <p:clrMapOvr>
-    <a:masterClrMapping/>
-  </p:clrMapOvr>
-</p:sld>
-</file>
-
-<file path=ppt/slides/slide14.xml><?xml version="1.0" encoding="utf-8"?>
-<p:sld xmlns:a="http://schemas.openxmlformats.org/drawingml/2006/main" xmlns:r="http://schemas.openxmlformats.org/officeDocument/2006/relationships" xmlns:p="http://schemas.openxmlformats.org/presentationml/2006/main">
-  <p:cSld>
-    <p:spTree>
-      <p:nvGrpSpPr>
-        <p:cNvPr id="1" name=""/>
-        <p:cNvGrpSpPr/>
-        <p:nvPr/>
-      </p:nvGrpSpPr>
-      <p:grpSpPr>
-        <a:xfrm>
-          <a:off x="0" y="0"/>
-          <a:ext cx="0" cy="0"/>
-          <a:chOff x="0" y="0"/>
-          <a:chExt cx="0" cy="0"/>
-        </a:xfrm>
-      </p:grpSpPr>
-      <p:sp>
-        <p:nvSpPr>
-          <p:cNvPr id="4" name="Foliennummernplatzhalter 3"/>
-          <p:cNvSpPr>
-            <a:spLocks noGrp="1"/>
-          </p:cNvSpPr>
-          <p:nvPr>
-            <p:ph type="sldNum" sz="quarter" idx="11"/>
-          </p:nvPr>
-        </p:nvSpPr>
-        <p:spPr/>
-        <p:txBody>
-          <a:bodyPr/>
-          <a:lstStyle/>
-          <a:p>
-            <a:fld id="{CE58CB1E-F828-4F11-99E0-327109AF9DA4}" type="slidenum">
-              <a:rPr lang="de-DE" smtClean="0"/>
-              <a:pPr/>
-              <a:t>14</a:t>
             </a:fld>
             <a:endParaRPr lang="de-DE" dirty="0"/>
           </a:p>
@@ -10208,18 +9904,12 @@
       </p:grpSpPr>
       <p:sp>
         <p:nvSpPr>
-          <p:cNvPr id="2" name="Inhaltsplatzhalter 1">
-            <a:extLst>
-              <a:ext uri="{FF2B5EF4-FFF2-40B4-BE49-F238E27FC236}">
-                <a16:creationId xmlns:a16="http://schemas.microsoft.com/office/drawing/2014/main" xmlns="" id="{78D55584-F8AF-4DD2-BF17-4530DDAEF005}"/>
-              </a:ext>
-            </a:extLst>
-          </p:cNvPr>
+          <p:cNvPr id="2" name="Inhaltsplatzhalter 1"/>
           <p:cNvSpPr>
             <a:spLocks noGrp="1"/>
           </p:cNvSpPr>
           <p:nvPr>
-            <p:ph idx="10"/>
+            <p:ph idx="1"/>
           </p:nvPr>
         </p:nvSpPr>
         <p:spPr/>
@@ -10232,24 +9922,8 @@
               <a:buChar char="•"/>
             </a:pPr>
             <a:r>
-              <a:rPr lang="de-DE" dirty="0"/>
-              <a:t>Not </a:t>
-            </a:r>
-            <a:r>
-              <a:rPr lang="de-DE" dirty="0" err="1"/>
-              <a:t>another</a:t>
-            </a:r>
-            <a:r>
-              <a:rPr lang="de-DE" dirty="0"/>
-              <a:t> </a:t>
-            </a:r>
-            <a:r>
-              <a:rPr lang="de-DE" dirty="0" err="1"/>
-              <a:t>dance</a:t>
-            </a:r>
-            <a:r>
-              <a:rPr lang="de-DE" dirty="0"/>
-              <a:t> game</a:t>
+              <a:rPr lang="en-US" dirty="0"/>
+              <a:t>Player is a spy who is infiltrating an elegant dinner party, seeking to eliminate a guest</a:t>
             </a:r>
           </a:p>
           <a:p>
@@ -10258,28 +9932,8 @@
               <a:buChar char="•"/>
             </a:pPr>
             <a:r>
-              <a:rPr lang="de-DE" dirty="0" err="1"/>
-              <a:t>mainly</a:t>
-            </a:r>
-            <a:r>
-              <a:rPr lang="de-DE" dirty="0"/>
-              <a:t> „Schauspiel“ </a:t>
-            </a:r>
-            <a:r>
-              <a:rPr lang="de-DE" dirty="0" err="1"/>
-              <a:t>combined</a:t>
-            </a:r>
-            <a:r>
-              <a:rPr lang="de-DE" dirty="0"/>
-              <a:t> </a:t>
-            </a:r>
-            <a:r>
-              <a:rPr lang="de-DE" dirty="0" err="1"/>
-              <a:t>with</a:t>
-            </a:r>
-            <a:r>
-              <a:rPr lang="de-DE" dirty="0"/>
-              <a:t> „Tanz“</a:t>
+              <a:rPr lang="en-US" dirty="0"/>
+              <a:t>Player have to integrate themselves into the crowd – they have to mimic the behavior of the other guests</a:t>
             </a:r>
           </a:p>
           <a:p>
@@ -10288,50 +9942,9 @@
               <a:buChar char="•"/>
             </a:pPr>
             <a:r>
-              <a:rPr lang="de-DE" dirty="0" err="1"/>
-              <a:t>Combining</a:t>
-            </a:r>
-            <a:r>
-              <a:rPr lang="de-DE" dirty="0"/>
-              <a:t> </a:t>
-            </a:r>
-            <a:r>
-              <a:rPr lang="de-DE" dirty="0" err="1"/>
-              <a:t>fun</a:t>
-            </a:r>
-            <a:r>
-              <a:rPr lang="de-DE" dirty="0"/>
-              <a:t> </a:t>
-            </a:r>
-            <a:r>
-              <a:rPr lang="de-DE" dirty="0" err="1"/>
-              <a:t>games</a:t>
-            </a:r>
-            <a:r>
-              <a:rPr lang="de-DE" dirty="0"/>
-              <a:t> </a:t>
-            </a:r>
-            <a:r>
-              <a:rPr lang="de-DE" dirty="0" err="1"/>
-              <a:t>with</a:t>
-            </a:r>
-            <a:r>
-              <a:rPr lang="de-DE" dirty="0"/>
-              <a:t> an </a:t>
-            </a:r>
-            <a:r>
-              <a:rPr lang="de-DE" dirty="0" err="1"/>
-              <a:t>interesting</a:t>
-            </a:r>
-            <a:r>
-              <a:rPr lang="de-DE" dirty="0"/>
-              <a:t> </a:t>
-            </a:r>
-            <a:r>
-              <a:rPr lang="de-DE" dirty="0" err="1"/>
-              <a:t>setting</a:t>
-            </a:r>
-            <a:endParaRPr lang="de-DE" dirty="0"/>
+              <a:rPr lang="en-US" dirty="0"/>
+              <a:t>Player raise the guards suspicion when performing poorly</a:t>
+            </a:r>
           </a:p>
           <a:p>
             <a:pPr marL="285750" indent="-285750">
@@ -10339,82 +9952,74 @@
               <a:buChar char="•"/>
             </a:pPr>
             <a:r>
+              <a:rPr lang="en-US" dirty="0"/>
+              <a:t>Player wins when they reach their target or loose when they get caught</a:t>
+            </a:r>
+          </a:p>
+          <a:p>
+            <a:pPr marL="285750" indent="-285750">
+              <a:buFont typeface="Arial" panose="020B0604020202020204" pitchFamily="34" charset="0"/>
+              <a:buChar char="•"/>
+            </a:pPr>
+            <a:endParaRPr lang="en-US" dirty="0"/>
+          </a:p>
+          <a:p>
+            <a:endParaRPr lang="en-US" dirty="0"/>
+          </a:p>
+          <a:p>
+            <a:endParaRPr lang="en-US" sz="2200" dirty="0"/>
+          </a:p>
+        </p:txBody>
+      </p:sp>
+      <p:sp>
+        <p:nvSpPr>
+          <p:cNvPr id="4" name="Foliennummernplatzhalter 3"/>
+          <p:cNvSpPr>
+            <a:spLocks noGrp="1"/>
+          </p:cNvSpPr>
+          <p:nvPr>
+            <p:ph type="sldNum" sz="quarter" idx="11"/>
+          </p:nvPr>
+        </p:nvSpPr>
+        <p:spPr/>
+        <p:txBody>
+          <a:bodyPr/>
+          <a:lstStyle/>
+          <a:p>
+            <a:fld id="{CE58CB1E-F828-4F11-99E0-327109AF9DA4}" type="slidenum">
+              <a:rPr lang="de-DE" smtClean="0"/>
+              <a:pPr/>
+              <a:t>2</a:t>
+            </a:fld>
+            <a:endParaRPr lang="de-DE" dirty="0"/>
+          </a:p>
+        </p:txBody>
+      </p:sp>
+      <p:sp>
+        <p:nvSpPr>
+          <p:cNvPr id="7" name="Fußzeilenplatzhalter 4"/>
+          <p:cNvSpPr>
+            <a:spLocks noGrp="1"/>
+          </p:cNvSpPr>
+          <p:nvPr>
+            <p:ph type="ftr" sz="quarter" idx="12"/>
+          </p:nvPr>
+        </p:nvSpPr>
+        <p:spPr/>
+        <p:txBody>
+          <a:bodyPr/>
+          <a:lstStyle/>
+          <a:p>
+            <a:r>
               <a:rPr lang="de-DE" dirty="0"/>
-              <a:t>Inspiration: </a:t>
-            </a:r>
-            <a:r>
-              <a:rPr lang="de-DE" dirty="0" err="1"/>
-              <a:t>Hiding</a:t>
-            </a:r>
-            <a:r>
-              <a:rPr lang="de-DE" dirty="0"/>
-              <a:t> in </a:t>
-            </a:r>
-            <a:r>
-              <a:rPr lang="de-DE" dirty="0" err="1"/>
-              <a:t>the</a:t>
-            </a:r>
-            <a:r>
-              <a:rPr lang="de-DE" dirty="0"/>
-              <a:t> </a:t>
-            </a:r>
-            <a:r>
-              <a:rPr lang="de-DE" dirty="0" err="1"/>
-              <a:t>crowd</a:t>
-            </a:r>
-            <a:r>
-              <a:rPr lang="de-DE" dirty="0"/>
-              <a:t> </a:t>
-            </a:r>
-            <a:r>
-              <a:rPr lang="de-DE" dirty="0" err="1"/>
-              <a:t>mechanic</a:t>
-            </a:r>
-            <a:r>
-              <a:rPr lang="de-DE" dirty="0"/>
-              <a:t> </a:t>
-            </a:r>
-            <a:r>
-              <a:rPr lang="de-DE" dirty="0" err="1"/>
-              <a:t>from</a:t>
-            </a:r>
-            <a:r>
-              <a:rPr lang="de-DE" dirty="0"/>
-              <a:t> </a:t>
-            </a:r>
-            <a:r>
-              <a:rPr lang="de-DE" dirty="0" err="1"/>
-              <a:t>Assassins</a:t>
-            </a:r>
-            <a:r>
-              <a:rPr lang="de-DE" dirty="0"/>
-              <a:t> </a:t>
-            </a:r>
-            <a:r>
-              <a:rPr lang="de-DE" dirty="0" err="1"/>
-              <a:t>Creed</a:t>
-            </a:r>
-            <a:r>
-              <a:rPr lang="de-DE" dirty="0"/>
-              <a:t> </a:t>
-            </a:r>
-            <a:r>
-              <a:rPr lang="de-DE" dirty="0" err="1"/>
-              <a:t>franchise</a:t>
-            </a:r>
-            <a:endParaRPr lang="de-DE" dirty="0"/>
-          </a:p>
-        </p:txBody>
-      </p:sp>
-      <p:sp>
-        <p:nvSpPr>
-          <p:cNvPr id="3" name="Titel 2">
-            <a:extLst>
-              <a:ext uri="{FF2B5EF4-FFF2-40B4-BE49-F238E27FC236}">
-                <a16:creationId xmlns:a16="http://schemas.microsoft.com/office/drawing/2014/main" xmlns="" id="{E16A3B7F-8CC8-4399-88CD-418B949242F1}"/>
-              </a:ext>
-            </a:extLst>
-          </p:cNvPr>
+              <a:t>Konstantin Karas, Min Ting Luong, Jakob Raith</a:t>
+            </a:r>
+          </a:p>
+        </p:txBody>
+      </p:sp>
+      <p:sp>
+        <p:nvSpPr>
+          <p:cNvPr id="3" name="Titel 2"/>
           <p:cNvSpPr>
             <a:spLocks noGrp="1"/>
           </p:cNvSpPr>
@@ -10422,56 +10027,87 @@
             <p:ph type="title"/>
           </p:nvPr>
         </p:nvSpPr>
-        <p:spPr/>
+        <p:spPr>
+          <a:prstGeom prst="rect">
+            <a:avLst/>
+          </a:prstGeom>
+        </p:spPr>
         <p:txBody>
           <a:bodyPr/>
           <a:lstStyle/>
           <a:p>
             <a:r>
               <a:rPr lang="de-DE" dirty="0"/>
-              <a:t>Motivation</a:t>
-            </a:r>
-          </a:p>
-        </p:txBody>
-      </p:sp>
-      <p:sp>
-        <p:nvSpPr>
-          <p:cNvPr id="4" name="Fußzeilenplatzhalter 4"/>
-          <p:cNvSpPr>
-            <a:spLocks noGrp="1"/>
-          </p:cNvSpPr>
-          <p:nvPr>
-            <p:ph type="ftr" sz="quarter" idx="12"/>
-          </p:nvPr>
-        </p:nvSpPr>
+              <a:t>Scenario</a:t>
+            </a:r>
+            <a:endParaRPr lang="de-DE" sz="3000" dirty="0"/>
+          </a:p>
+        </p:txBody>
+      </p:sp>
+      <p:pic>
+        <p:nvPicPr>
+          <p:cNvPr id="6" name="Grafik 5"/>
+          <p:cNvPicPr>
+            <a:picLocks noChangeAspect="1"/>
+          </p:cNvPicPr>
+          <p:nvPr/>
+        </p:nvPicPr>
+        <p:blipFill rotWithShape="1">
+          <a:blip r:embed="rId2"/>
+          <a:srcRect l="16028" t="21190" r="19277" b="8772"/>
+          <a:stretch/>
+        </p:blipFill>
         <p:spPr>
           <a:xfrm>
-            <a:off x="311162" y="6473313"/>
-            <a:ext cx="6464280" cy="365125"/>
-          </a:xfrm>
-        </p:spPr>
-        <p:txBody>
-          <a:bodyPr/>
+            <a:off x="2136935" y="3350030"/>
+            <a:ext cx="4873308" cy="2967644"/>
+          </a:xfrm>
+          <a:prstGeom prst="rect">
+            <a:avLst/>
+          </a:prstGeom>
+        </p:spPr>
+      </p:pic>
+      <p:sp>
+        <p:nvSpPr>
+          <p:cNvPr id="5" name="Rechteck 4"/>
+          <p:cNvSpPr/>
+          <p:nvPr/>
+        </p:nvSpPr>
+        <p:spPr>
+          <a:xfrm>
+            <a:off x="4094946" y="3244334"/>
+            <a:ext cx="954107" cy="369332"/>
+          </a:xfrm>
+          <a:prstGeom prst="rect">
+            <a:avLst/>
+          </a:prstGeom>
+        </p:spPr>
+        <p:txBody>
+          <a:bodyPr wrap="none">
+            <a:spAutoFit/>
+          </a:bodyPr>
           <a:lstStyle/>
           <a:p>
-            <a:pPr algn="l"/>
-            <a:r>
-              <a:rPr lang="de-DE" dirty="0"/>
-              <a:t>Konstantin Karas, Min Ting Luong, Jakob Raith</a:t>
-            </a:r>
+            <a:r>
+              <a:rPr lang="de-DE" b="1" dirty="0"/>
+              <a:t>316495</a:t>
+            </a:r>
+            <a:endParaRPr lang="de-DE" dirty="0"/>
           </a:p>
         </p:txBody>
       </p:sp>
     </p:spTree>
-    <p:extLst>
-      <p:ext uri="{BB962C8B-B14F-4D97-AF65-F5344CB8AC3E}">
-        <p14:creationId xmlns:p14="http://schemas.microsoft.com/office/powerpoint/2010/main" val="1428938616"/>
-      </p:ext>
-    </p:extLst>
   </p:cSld>
   <p:clrMapOvr>
     <a:masterClrMapping/>
   </p:clrMapOvr>
+  <p:timing>
+    <p:tnLst>
+      <p:par>
+        <p:cTn id="1" dur="indefinite" restart="never" nodeType="tmRoot"/>
+      </p:par>
+    </p:tnLst>
+  </p:timing>
 </p:sld>
 </file>
 
@@ -10513,7 +10149,7 @@
             </a:pPr>
             <a:r>
               <a:rPr lang="en-US" dirty="0"/>
-              <a:t>Player is a spy who is infiltrating an elegant dinner party, seeking to eliminate a guest</a:t>
+              <a:t>Player is not mimicking the guests</a:t>
             </a:r>
           </a:p>
           <a:p>
@@ -10523,7 +10159,7 @@
             </a:pPr>
             <a:r>
               <a:rPr lang="en-US" dirty="0"/>
-              <a:t>Player have to integrate themselves into the crowd – they have to mimic the behavior of the other guests</a:t>
+              <a:t>Instead he has to act like an employee</a:t>
             </a:r>
           </a:p>
           <a:p>
@@ -10533,28 +10169,8 @@
             </a:pPr>
             <a:r>
               <a:rPr lang="en-US" dirty="0"/>
-              <a:t>Player raise the guards suspicion when performing poorly</a:t>
-            </a:r>
-          </a:p>
-          <a:p>
-            <a:pPr marL="285750" indent="-285750">
-              <a:buFont typeface="Arial" panose="020B0604020202020204" pitchFamily="34" charset="0"/>
-              <a:buChar char="•"/>
-            </a:pPr>
-            <a:r>
-              <a:rPr lang="en-US" dirty="0"/>
-              <a:t>Player wins when they reach their target or loose when they get caught</a:t>
-            </a:r>
-          </a:p>
-          <a:p>
-            <a:pPr marL="285750" indent="-285750">
-              <a:buFont typeface="Arial" panose="020B0604020202020204" pitchFamily="34" charset="0"/>
-              <a:buChar char="•"/>
-            </a:pPr>
-            <a:endParaRPr lang="en-US" dirty="0"/>
-          </a:p>
-          <a:p>
-            <a:endParaRPr lang="en-US" dirty="0"/>
+              <a:t>He is asked to perform certain tasks by his client</a:t>
+            </a:r>
           </a:p>
           <a:p>
             <a:endParaRPr lang="en-US" sz="2200" dirty="0"/>
@@ -10627,10 +10243,10 @@
           <a:lstStyle/>
           <a:p>
             <a:r>
-              <a:rPr lang="de-DE" dirty="0"/>
-              <a:t>Scenario</a:t>
-            </a:r>
-            <a:endParaRPr lang="de-DE" sz="3000" dirty="0"/>
+              <a:rPr lang="en-US" dirty="0"/>
+              <a:t>Refinement</a:t>
+            </a:r>
+            <a:endParaRPr lang="en-US" sz="3000" dirty="0"/>
           </a:p>
         </p:txBody>
       </p:sp>
@@ -10687,10 +10303,22 @@
         </p:txBody>
       </p:sp>
     </p:spTree>
+    <p:extLst>
+      <p:ext uri="{BB962C8B-B14F-4D97-AF65-F5344CB8AC3E}">
+        <p14:creationId xmlns:p14="http://schemas.microsoft.com/office/powerpoint/2010/main" val="3200124817"/>
+      </p:ext>
+    </p:extLst>
   </p:cSld>
   <p:clrMapOvr>
     <a:masterClrMapping/>
   </p:clrMapOvr>
+  <p:timing>
+    <p:tnLst>
+      <p:par>
+        <p:cTn id="1" dur="indefinite" restart="never" nodeType="tmRoot"/>
+      </p:par>
+    </p:tnLst>
+  </p:timing>
 </p:sld>
 </file>
 
@@ -10721,7 +10349,12 @@
             <p:ph idx="1"/>
           </p:nvPr>
         </p:nvSpPr>
-        <p:spPr/>
+        <p:spPr>
+          <a:xfrm>
+            <a:off x="319091" y="1762188"/>
+            <a:ext cx="4233032" cy="4699572"/>
+          </a:xfrm>
+        </p:spPr>
         <p:txBody>
           <a:bodyPr/>
           <a:lstStyle/>
@@ -10731,8 +10364,12 @@
               <a:buChar char="•"/>
             </a:pPr>
             <a:r>
+              <a:rPr lang="en-US" dirty="0" smtClean="0"/>
+              <a:t>Third </a:t>
+            </a:r>
+            <a:r>
               <a:rPr lang="en-US" dirty="0"/>
-              <a:t>Player is not mimicking the guests</a:t>
+              <a:t>Person perspective</a:t>
             </a:r>
           </a:p>
           <a:p>
@@ -10742,7 +10379,7 @@
             </a:pPr>
             <a:r>
               <a:rPr lang="en-US" dirty="0"/>
-              <a:t>Instead he has to act like an employee</a:t>
+              <a:t>Beamer as screen</a:t>
             </a:r>
           </a:p>
           <a:p>
@@ -10752,8 +10389,73 @@
             </a:pPr>
             <a:r>
               <a:rPr lang="en-US" dirty="0"/>
-              <a:t>He is asked to perform certain tasks by his client</a:t>
-            </a:r>
+              <a:t>Support left and right hand when possible</a:t>
+            </a:r>
+          </a:p>
+          <a:p>
+            <a:pPr marL="285750" indent="-285750">
+              <a:buFont typeface="Arial" panose="020B0604020202020204" pitchFamily="34" charset="0"/>
+              <a:buChar char="•"/>
+            </a:pPr>
+            <a:r>
+              <a:rPr lang="en-US" dirty="0" err="1"/>
+              <a:t>Minigames</a:t>
+            </a:r>
+            <a:endParaRPr lang="en-US" dirty="0"/>
+          </a:p>
+          <a:p>
+            <a:pPr marL="461963" lvl="1" indent="-285750">
+              <a:buFont typeface="Arial" panose="020B0604020202020204" pitchFamily="34" charset="0"/>
+              <a:buChar char="•"/>
+            </a:pPr>
+            <a:r>
+              <a:rPr lang="en-US" dirty="0" smtClean="0"/>
+              <a:t>Gestures </a:t>
+            </a:r>
+            <a:r>
+              <a:rPr lang="en-US" dirty="0"/>
+              <a:t>(2-3/game)</a:t>
+            </a:r>
+            <a:endParaRPr lang="en-US" dirty="0">
+              <a:solidFill>
+                <a:schemeClr val="bg1">
+                  <a:lumMod val="75000"/>
+                </a:schemeClr>
+              </a:solidFill>
+            </a:endParaRPr>
+          </a:p>
+          <a:p>
+            <a:pPr marL="461963" lvl="1" indent="-285750">
+              <a:buFont typeface="Arial" panose="020B0604020202020204" pitchFamily="34" charset="0"/>
+              <a:buChar char="•"/>
+            </a:pPr>
+            <a:r>
+              <a:rPr lang="en-US" dirty="0"/>
+              <a:t>Points for good performance</a:t>
+            </a:r>
+          </a:p>
+          <a:p>
+            <a:pPr marL="461963" lvl="1" indent="-285750">
+              <a:buFont typeface="Arial" panose="020B0604020202020204" pitchFamily="34" charset="0"/>
+              <a:buChar char="•"/>
+            </a:pPr>
+            <a:r>
+              <a:rPr lang="en-US" dirty="0"/>
+              <a:t>thematically fitting (drinking, dancing…)</a:t>
+            </a:r>
+          </a:p>
+          <a:p>
+            <a:pPr marL="285750" indent="-285750">
+              <a:buFont typeface="Arial" panose="020B0604020202020204" pitchFamily="34" charset="0"/>
+              <a:buChar char="•"/>
+            </a:pPr>
+            <a:endParaRPr lang="en-US" dirty="0"/>
+          </a:p>
+          <a:p>
+            <a:endParaRPr lang="en-US" sz="2200" dirty="0"/>
+          </a:p>
+          <a:p>
+            <a:endParaRPr lang="en-US" sz="2200" dirty="0"/>
           </a:p>
           <a:p>
             <a:endParaRPr lang="en-US" sz="2200" dirty="0"/>
@@ -10826,75 +10528,906 @@
           <a:lstStyle/>
           <a:p>
             <a:r>
-              <a:rPr lang="en-US" dirty="0"/>
-              <a:t>Refinement</a:t>
-            </a:r>
-            <a:endParaRPr lang="en-US" sz="3000" dirty="0"/>
-          </a:p>
-        </p:txBody>
-      </p:sp>
-      <p:pic>
-        <p:nvPicPr>
-          <p:cNvPr id="6" name="Grafik 5"/>
-          <p:cNvPicPr>
-            <a:picLocks noChangeAspect="1"/>
-          </p:cNvPicPr>
+              <a:rPr lang="de-DE" dirty="0"/>
+              <a:t>Game</a:t>
+            </a:r>
+            <a:endParaRPr lang="de-DE" sz="3000" dirty="0"/>
+          </a:p>
+        </p:txBody>
+      </p:sp>
+      <p:sp>
+        <p:nvSpPr>
+          <p:cNvPr id="22" name="Ellipse 21"/>
+          <p:cNvSpPr/>
           <p:nvPr/>
-        </p:nvPicPr>
-        <p:blipFill rotWithShape="1">
-          <a:blip r:embed="rId2"/>
-          <a:srcRect l="16028" t="21190" r="19277" b="8772"/>
-          <a:stretch/>
-        </p:blipFill>
+        </p:nvSpPr>
         <p:spPr>
           <a:xfrm>
-            <a:off x="2136935" y="3350030"/>
-            <a:ext cx="4873308" cy="2967644"/>
-          </a:xfrm>
-          <a:prstGeom prst="rect">
+            <a:off x="6374292" y="3318358"/>
+            <a:ext cx="1078067" cy="475170"/>
+          </a:xfrm>
+          <a:prstGeom prst="ellipse">
             <a:avLst/>
           </a:prstGeom>
-        </p:spPr>
-      </p:pic>
-      <p:sp>
-        <p:nvSpPr>
-          <p:cNvPr id="5" name="Rechteck 4"/>
-          <p:cNvSpPr/>
-          <p:nvPr/>
-        </p:nvSpPr>
-        <p:spPr>
-          <a:xfrm>
-            <a:off x="4094946" y="3244334"/>
-            <a:ext cx="954107" cy="369332"/>
-          </a:xfrm>
-          <a:prstGeom prst="rect">
-            <a:avLst/>
-          </a:prstGeom>
-        </p:spPr>
-        <p:txBody>
-          <a:bodyPr wrap="none">
+          <a:noFill/>
+          <a:ln>
+            <a:solidFill>
+              <a:schemeClr val="tx1"/>
+            </a:solidFill>
+          </a:ln>
+        </p:spPr>
+        <p:style>
+          <a:lnRef idx="2">
+            <a:schemeClr val="accent1">
+              <a:shade val="50000"/>
+            </a:schemeClr>
+          </a:lnRef>
+          <a:fillRef idx="1">
+            <a:schemeClr val="accent1"/>
+          </a:fillRef>
+          <a:effectRef idx="0">
+            <a:schemeClr val="accent1"/>
+          </a:effectRef>
+          <a:fontRef idx="minor">
+            <a:schemeClr val="lt1"/>
+          </a:fontRef>
+        </p:style>
+        <p:txBody>
+          <a:bodyPr rot="0" spcFirstLastPara="0" vertOverflow="overflow" horzOverflow="overflow" vert="horz" wrap="square" lIns="91440" tIns="45720" rIns="91440" bIns="45720" numCol="1" spcCol="0" rtlCol="0" fromWordArt="0" anchor="ctr" anchorCtr="0" forceAA="0" compatLnSpc="1">
+            <a:prstTxWarp prst="textNoShape">
+              <a:avLst/>
+            </a:prstTxWarp>
             <a:spAutoFit/>
           </a:bodyPr>
           <a:lstStyle/>
           <a:p>
-            <a:r>
-              <a:rPr lang="de-DE" b="1" dirty="0"/>
-              <a:t>316495</a:t>
-            </a:r>
-            <a:endParaRPr lang="de-DE" dirty="0"/>
+            <a:pPr algn="ctr">
+              <a:lnSpc>
+                <a:spcPct val="114000"/>
+              </a:lnSpc>
+            </a:pPr>
+            <a:r>
+              <a:rPr lang="de-DE" sz="1400" dirty="0">
+                <a:solidFill>
+                  <a:schemeClr val="tx1"/>
+                </a:solidFill>
+              </a:rPr>
+              <a:t>Dance</a:t>
+            </a:r>
+          </a:p>
+        </p:txBody>
+      </p:sp>
+      <p:sp>
+        <p:nvSpPr>
+          <p:cNvPr id="23" name="Ellipse 22"/>
+          <p:cNvSpPr/>
+          <p:nvPr/>
+        </p:nvSpPr>
+        <p:spPr>
+          <a:xfrm>
+            <a:off x="6374292" y="5168378"/>
+            <a:ext cx="1150291" cy="792000"/>
+          </a:xfrm>
+          <a:prstGeom prst="ellipse">
+            <a:avLst/>
+          </a:prstGeom>
+          <a:noFill/>
+          <a:ln>
+            <a:solidFill>
+              <a:schemeClr val="bg1">
+                <a:lumMod val="65000"/>
+              </a:schemeClr>
+            </a:solidFill>
+          </a:ln>
+        </p:spPr>
+        <p:style>
+          <a:lnRef idx="2">
+            <a:schemeClr val="accent1">
+              <a:shade val="50000"/>
+            </a:schemeClr>
+          </a:lnRef>
+          <a:fillRef idx="1">
+            <a:schemeClr val="accent1"/>
+          </a:fillRef>
+          <a:effectRef idx="0">
+            <a:schemeClr val="accent1"/>
+          </a:effectRef>
+          <a:fontRef idx="minor">
+            <a:schemeClr val="lt1"/>
+          </a:fontRef>
+        </p:style>
+        <p:txBody>
+          <a:bodyPr rot="0" spcFirstLastPara="0" vertOverflow="overflow" horzOverflow="overflow" vert="horz" wrap="square" lIns="91440" tIns="45720" rIns="91440" bIns="45720" numCol="1" spcCol="0" rtlCol="0" fromWordArt="0" anchor="ctr" anchorCtr="0" forceAA="0" compatLnSpc="1">
+            <a:prstTxWarp prst="textNoShape">
+              <a:avLst/>
+            </a:prstTxWarp>
+            <a:noAutofit/>
+          </a:bodyPr>
+          <a:lstStyle/>
+          <a:p>
+            <a:pPr algn="ctr">
+              <a:lnSpc>
+                <a:spcPct val="114000"/>
+              </a:lnSpc>
+            </a:pPr>
+            <a:r>
+              <a:rPr lang="de-DE" sz="1400" dirty="0">
+                <a:solidFill>
+                  <a:srgbClr val="999999"/>
+                </a:solidFill>
+              </a:rPr>
+              <a:t>Take Picture</a:t>
+            </a:r>
+          </a:p>
+        </p:txBody>
+      </p:sp>
+      <p:sp>
+        <p:nvSpPr>
+          <p:cNvPr id="24" name="Ellipse 23"/>
+          <p:cNvSpPr/>
+          <p:nvPr/>
+        </p:nvSpPr>
+        <p:spPr>
+          <a:xfrm>
+            <a:off x="7524585" y="2148658"/>
+            <a:ext cx="1430820" cy="820502"/>
+          </a:xfrm>
+          <a:prstGeom prst="ellipse">
+            <a:avLst/>
+          </a:prstGeom>
+          <a:noFill/>
+          <a:ln>
+            <a:solidFill>
+              <a:schemeClr val="bg1">
+                <a:lumMod val="65000"/>
+              </a:schemeClr>
+            </a:solidFill>
+          </a:ln>
+        </p:spPr>
+        <p:style>
+          <a:lnRef idx="2">
+            <a:schemeClr val="accent1">
+              <a:shade val="50000"/>
+            </a:schemeClr>
+          </a:lnRef>
+          <a:fillRef idx="1">
+            <a:schemeClr val="accent1"/>
+          </a:fillRef>
+          <a:effectRef idx="0">
+            <a:schemeClr val="accent1"/>
+          </a:effectRef>
+          <a:fontRef idx="minor">
+            <a:schemeClr val="lt1"/>
+          </a:fontRef>
+        </p:style>
+        <p:txBody>
+          <a:bodyPr rot="0" spcFirstLastPara="0" vertOverflow="overflow" horzOverflow="overflow" vert="horz" wrap="square" lIns="91440" tIns="45720" rIns="91440" bIns="45720" numCol="1" spcCol="0" rtlCol="0" fromWordArt="0" anchor="ctr" anchorCtr="0" forceAA="0" compatLnSpc="1">
+            <a:prstTxWarp prst="textNoShape">
+              <a:avLst/>
+            </a:prstTxWarp>
+            <a:spAutoFit/>
+          </a:bodyPr>
+          <a:lstStyle/>
+          <a:p>
+            <a:pPr algn="ctr">
+              <a:lnSpc>
+                <a:spcPct val="114000"/>
+              </a:lnSpc>
+            </a:pPr>
+            <a:r>
+              <a:rPr lang="de-DE" sz="1400" dirty="0" err="1">
+                <a:solidFill>
+                  <a:schemeClr val="bg1">
+                    <a:lumMod val="65000"/>
+                  </a:schemeClr>
+                </a:solidFill>
+              </a:rPr>
+              <a:t>Give</a:t>
+            </a:r>
+            <a:r>
+              <a:rPr lang="de-DE" sz="1400" dirty="0">
+                <a:solidFill>
+                  <a:schemeClr val="bg1">
+                    <a:lumMod val="65000"/>
+                  </a:schemeClr>
+                </a:solidFill>
+              </a:rPr>
+              <a:t> </a:t>
+            </a:r>
+            <a:r>
+              <a:rPr lang="de-DE" sz="1400" dirty="0" err="1">
+                <a:solidFill>
+                  <a:schemeClr val="bg1">
+                    <a:lumMod val="65000"/>
+                  </a:schemeClr>
+                </a:solidFill>
+              </a:rPr>
+              <a:t>Directions</a:t>
+            </a:r>
+            <a:endParaRPr lang="de-DE" sz="1400" dirty="0">
+              <a:solidFill>
+                <a:schemeClr val="bg1">
+                  <a:lumMod val="65000"/>
+                </a:schemeClr>
+              </a:solidFill>
+            </a:endParaRPr>
+          </a:p>
+        </p:txBody>
+      </p:sp>
+      <p:sp>
+        <p:nvSpPr>
+          <p:cNvPr id="25" name="Ellipse 24"/>
+          <p:cNvSpPr/>
+          <p:nvPr/>
+        </p:nvSpPr>
+        <p:spPr>
+          <a:xfrm>
+            <a:off x="5234599" y="2321324"/>
+            <a:ext cx="1227674" cy="475170"/>
+          </a:xfrm>
+          <a:prstGeom prst="ellipse">
+            <a:avLst/>
+          </a:prstGeom>
+          <a:noFill/>
+          <a:ln>
+            <a:solidFill>
+              <a:schemeClr val="tx1"/>
+            </a:solidFill>
+          </a:ln>
+        </p:spPr>
+        <p:style>
+          <a:lnRef idx="2">
+            <a:schemeClr val="accent1">
+              <a:shade val="50000"/>
+            </a:schemeClr>
+          </a:lnRef>
+          <a:fillRef idx="1">
+            <a:schemeClr val="accent1"/>
+          </a:fillRef>
+          <a:effectRef idx="0">
+            <a:schemeClr val="accent1"/>
+          </a:effectRef>
+          <a:fontRef idx="minor">
+            <a:schemeClr val="lt1"/>
+          </a:fontRef>
+        </p:style>
+        <p:txBody>
+          <a:bodyPr rot="0" spcFirstLastPara="0" vertOverflow="overflow" horzOverflow="overflow" vert="horz" wrap="square" lIns="91440" tIns="45720" rIns="91440" bIns="45720" numCol="1" spcCol="0" rtlCol="0" fromWordArt="0" anchor="ctr" anchorCtr="0" forceAA="0" compatLnSpc="1">
+            <a:prstTxWarp prst="textNoShape">
+              <a:avLst/>
+            </a:prstTxWarp>
+            <a:spAutoFit/>
+          </a:bodyPr>
+          <a:lstStyle/>
+          <a:p>
+            <a:pPr algn="ctr">
+              <a:lnSpc>
+                <a:spcPct val="114000"/>
+              </a:lnSpc>
+            </a:pPr>
+            <a:r>
+              <a:rPr lang="de-DE" sz="1400" dirty="0">
+                <a:solidFill>
+                  <a:schemeClr val="tx1"/>
+                </a:solidFill>
+              </a:rPr>
+              <a:t>Balance</a:t>
+            </a:r>
+          </a:p>
+        </p:txBody>
+      </p:sp>
+      <p:sp>
+        <p:nvSpPr>
+          <p:cNvPr id="26" name="Ellipse 25"/>
+          <p:cNvSpPr/>
+          <p:nvPr/>
+        </p:nvSpPr>
+        <p:spPr>
+          <a:xfrm>
+            <a:off x="6374417" y="959605"/>
+            <a:ext cx="1292514" cy="820502"/>
+          </a:xfrm>
+          <a:prstGeom prst="ellipse">
+            <a:avLst/>
+          </a:prstGeom>
+          <a:noFill/>
+          <a:ln>
+            <a:solidFill>
+              <a:schemeClr val="bg1">
+                <a:lumMod val="65000"/>
+              </a:schemeClr>
+            </a:solidFill>
+          </a:ln>
+        </p:spPr>
+        <p:style>
+          <a:lnRef idx="2">
+            <a:schemeClr val="accent1">
+              <a:shade val="50000"/>
+            </a:schemeClr>
+          </a:lnRef>
+          <a:fillRef idx="1">
+            <a:schemeClr val="accent1"/>
+          </a:fillRef>
+          <a:effectRef idx="0">
+            <a:schemeClr val="accent1"/>
+          </a:effectRef>
+          <a:fontRef idx="minor">
+            <a:schemeClr val="lt1"/>
+          </a:fontRef>
+        </p:style>
+        <p:txBody>
+          <a:bodyPr rot="0" spcFirstLastPara="0" vertOverflow="overflow" horzOverflow="overflow" vert="horz" wrap="square" lIns="91440" tIns="45720" rIns="91440" bIns="45720" numCol="1" spcCol="0" rtlCol="0" fromWordArt="0" anchor="ctr" anchorCtr="0" forceAA="0" compatLnSpc="1">
+            <a:prstTxWarp prst="textNoShape">
+              <a:avLst/>
+            </a:prstTxWarp>
+            <a:spAutoFit/>
+          </a:bodyPr>
+          <a:lstStyle/>
+          <a:p>
+            <a:pPr algn="ctr">
+              <a:lnSpc>
+                <a:spcPct val="114000"/>
+              </a:lnSpc>
+            </a:pPr>
+            <a:r>
+              <a:rPr lang="de-DE" sz="1400" dirty="0" err="1">
+                <a:solidFill>
+                  <a:schemeClr val="bg1">
+                    <a:lumMod val="65000"/>
+                  </a:schemeClr>
+                </a:solidFill>
+              </a:rPr>
+              <a:t>Eliminate</a:t>
+            </a:r>
+            <a:r>
+              <a:rPr lang="de-DE" sz="1400" dirty="0">
+                <a:solidFill>
+                  <a:schemeClr val="bg1">
+                    <a:lumMod val="65000"/>
+                  </a:schemeClr>
+                </a:solidFill>
+              </a:rPr>
+              <a:t> Target</a:t>
+            </a:r>
+          </a:p>
+        </p:txBody>
+      </p:sp>
+      <p:sp>
+        <p:nvSpPr>
+          <p:cNvPr id="27" name="Ellipse 26"/>
+          <p:cNvSpPr/>
+          <p:nvPr/>
+        </p:nvSpPr>
+        <p:spPr>
+          <a:xfrm>
+            <a:off x="7524584" y="4059560"/>
+            <a:ext cx="1127925" cy="820502"/>
+          </a:xfrm>
+          <a:prstGeom prst="ellipse">
+            <a:avLst/>
+          </a:prstGeom>
+          <a:noFill/>
+          <a:ln>
+            <a:solidFill>
+              <a:schemeClr val="bg1">
+                <a:lumMod val="65000"/>
+              </a:schemeClr>
+            </a:solidFill>
+          </a:ln>
+        </p:spPr>
+        <p:style>
+          <a:lnRef idx="2">
+            <a:schemeClr val="accent1">
+              <a:shade val="50000"/>
+            </a:schemeClr>
+          </a:lnRef>
+          <a:fillRef idx="1">
+            <a:schemeClr val="accent1"/>
+          </a:fillRef>
+          <a:effectRef idx="0">
+            <a:schemeClr val="accent1"/>
+          </a:effectRef>
+          <a:fontRef idx="minor">
+            <a:schemeClr val="lt1"/>
+          </a:fontRef>
+        </p:style>
+        <p:txBody>
+          <a:bodyPr rot="0" spcFirstLastPara="0" vertOverflow="overflow" horzOverflow="overflow" vert="horz" wrap="square" lIns="91440" tIns="45720" rIns="91440" bIns="45720" numCol="1" spcCol="0" rtlCol="0" fromWordArt="0" anchor="ctr" anchorCtr="0" forceAA="0" compatLnSpc="1">
+            <a:prstTxWarp prst="textNoShape">
+              <a:avLst/>
+            </a:prstTxWarp>
+            <a:spAutoFit/>
+          </a:bodyPr>
+          <a:lstStyle/>
+          <a:p>
+            <a:pPr algn="ctr">
+              <a:lnSpc>
+                <a:spcPct val="114000"/>
+              </a:lnSpc>
+            </a:pPr>
+            <a:r>
+              <a:rPr lang="de-DE" sz="1400" dirty="0">
+                <a:solidFill>
+                  <a:srgbClr val="999999"/>
+                </a:solidFill>
+              </a:rPr>
+              <a:t>Magic Trick</a:t>
+            </a:r>
+          </a:p>
+        </p:txBody>
+      </p:sp>
+      <p:sp>
+        <p:nvSpPr>
+          <p:cNvPr id="28" name="Ellipse 27"/>
+          <p:cNvSpPr/>
+          <p:nvPr/>
+        </p:nvSpPr>
+        <p:spPr>
+          <a:xfrm>
+            <a:off x="5234600" y="4059559"/>
+            <a:ext cx="1139692" cy="820502"/>
+          </a:xfrm>
+          <a:prstGeom prst="ellipse">
+            <a:avLst/>
+          </a:prstGeom>
+          <a:noFill/>
+          <a:ln>
+            <a:solidFill>
+              <a:schemeClr val="tx1"/>
+            </a:solidFill>
+          </a:ln>
+        </p:spPr>
+        <p:style>
+          <a:lnRef idx="2">
+            <a:schemeClr val="accent1">
+              <a:shade val="50000"/>
+            </a:schemeClr>
+          </a:lnRef>
+          <a:fillRef idx="1">
+            <a:schemeClr val="accent1"/>
+          </a:fillRef>
+          <a:effectRef idx="0">
+            <a:schemeClr val="accent1"/>
+          </a:effectRef>
+          <a:fontRef idx="minor">
+            <a:schemeClr val="lt1"/>
+          </a:fontRef>
+        </p:style>
+        <p:txBody>
+          <a:bodyPr rot="0" spcFirstLastPara="0" vertOverflow="overflow" horzOverflow="overflow" vert="horz" wrap="square" lIns="91440" tIns="45720" rIns="91440" bIns="45720" numCol="1" spcCol="0" rtlCol="0" fromWordArt="0" anchor="ctr" anchorCtr="0" forceAA="0" compatLnSpc="1">
+            <a:prstTxWarp prst="textNoShape">
+              <a:avLst/>
+            </a:prstTxWarp>
+            <a:spAutoFit/>
+          </a:bodyPr>
+          <a:lstStyle/>
+          <a:p>
+            <a:pPr algn="ctr">
+              <a:lnSpc>
+                <a:spcPct val="114000"/>
+              </a:lnSpc>
+            </a:pPr>
+            <a:r>
+              <a:rPr lang="de-DE" sz="1400" dirty="0" err="1">
+                <a:solidFill>
+                  <a:schemeClr val="tx1"/>
+                </a:solidFill>
+              </a:rPr>
+              <a:t>Meet</a:t>
+            </a:r>
+            <a:r>
+              <a:rPr lang="de-DE" sz="1400" dirty="0">
+                <a:solidFill>
+                  <a:schemeClr val="tx1"/>
+                </a:solidFill>
+              </a:rPr>
+              <a:t> Guests</a:t>
+            </a:r>
+          </a:p>
+        </p:txBody>
+      </p:sp>
+      <p:cxnSp>
+        <p:nvCxnSpPr>
+          <p:cNvPr id="29" name="Gerade Verbindung mit Pfeil 28"/>
+          <p:cNvCxnSpPr>
+            <a:stCxn id="23" idx="1"/>
+            <a:endCxn id="28" idx="4"/>
+          </p:cNvCxnSpPr>
+          <p:nvPr/>
+        </p:nvCxnSpPr>
+        <p:spPr>
+          <a:xfrm flipH="1" flipV="1">
+            <a:off x="5804446" y="4880061"/>
+            <a:ext cx="738302" cy="404303"/>
+          </a:xfrm>
+          <a:prstGeom prst="straightConnector1">
+            <a:avLst/>
+          </a:prstGeom>
+          <a:ln w="28575">
+            <a:solidFill>
+              <a:schemeClr val="tx1"/>
+            </a:solidFill>
+            <a:tailEnd type="arrow"/>
+          </a:ln>
+        </p:spPr>
+        <p:style>
+          <a:lnRef idx="1">
+            <a:schemeClr val="accent1"/>
+          </a:lnRef>
+          <a:fillRef idx="0">
+            <a:schemeClr val="accent1"/>
+          </a:fillRef>
+          <a:effectRef idx="0">
+            <a:schemeClr val="accent1"/>
+          </a:effectRef>
+          <a:fontRef idx="minor">
+            <a:schemeClr val="tx1"/>
+          </a:fontRef>
+        </p:style>
+      </p:cxnSp>
+      <p:cxnSp>
+        <p:nvCxnSpPr>
+          <p:cNvPr id="31" name="Gerade Verbindung mit Pfeil 30"/>
+          <p:cNvCxnSpPr>
+            <a:stCxn id="28" idx="7"/>
+            <a:endCxn id="22" idx="4"/>
+          </p:cNvCxnSpPr>
+          <p:nvPr/>
+        </p:nvCxnSpPr>
+        <p:spPr>
+          <a:xfrm flipV="1">
+            <a:off x="6207388" y="3793528"/>
+            <a:ext cx="705938" cy="386191"/>
+          </a:xfrm>
+          <a:prstGeom prst="straightConnector1">
+            <a:avLst/>
+          </a:prstGeom>
+          <a:ln w="28575">
+            <a:solidFill>
+              <a:schemeClr val="tx1"/>
+            </a:solidFill>
+            <a:tailEnd type="arrow"/>
+          </a:ln>
+        </p:spPr>
+        <p:style>
+          <a:lnRef idx="1">
+            <a:schemeClr val="accent1"/>
+          </a:lnRef>
+          <a:fillRef idx="0">
+            <a:schemeClr val="accent1"/>
+          </a:fillRef>
+          <a:effectRef idx="0">
+            <a:schemeClr val="accent1"/>
+          </a:effectRef>
+          <a:fontRef idx="minor">
+            <a:schemeClr val="tx1"/>
+          </a:fontRef>
+        </p:style>
+      </p:cxnSp>
+      <p:cxnSp>
+        <p:nvCxnSpPr>
+          <p:cNvPr id="33" name="Gerade Verbindung mit Pfeil 32"/>
+          <p:cNvCxnSpPr>
+            <a:stCxn id="27" idx="1"/>
+            <a:endCxn id="22" idx="4"/>
+          </p:cNvCxnSpPr>
+          <p:nvPr/>
+        </p:nvCxnSpPr>
+        <p:spPr>
+          <a:xfrm flipH="1" flipV="1">
+            <a:off x="6913326" y="3793528"/>
+            <a:ext cx="776439" cy="386192"/>
+          </a:xfrm>
+          <a:prstGeom prst="straightConnector1">
+            <a:avLst/>
+          </a:prstGeom>
+          <a:ln w="28575">
+            <a:solidFill>
+              <a:srgbClr val="999999"/>
+            </a:solidFill>
+            <a:tailEnd type="arrow"/>
+          </a:ln>
+        </p:spPr>
+        <p:style>
+          <a:lnRef idx="1">
+            <a:schemeClr val="accent1"/>
+          </a:lnRef>
+          <a:fillRef idx="0">
+            <a:schemeClr val="accent1"/>
+          </a:fillRef>
+          <a:effectRef idx="0">
+            <a:schemeClr val="accent1"/>
+          </a:effectRef>
+          <a:fontRef idx="minor">
+            <a:schemeClr val="tx1"/>
+          </a:fontRef>
+        </p:style>
+      </p:cxnSp>
+      <p:cxnSp>
+        <p:nvCxnSpPr>
+          <p:cNvPr id="35" name="Gerade Verbindung mit Pfeil 34"/>
+          <p:cNvCxnSpPr>
+            <a:stCxn id="22" idx="1"/>
+            <a:endCxn id="25" idx="4"/>
+          </p:cNvCxnSpPr>
+          <p:nvPr/>
+        </p:nvCxnSpPr>
+        <p:spPr>
+          <a:xfrm flipH="1" flipV="1">
+            <a:off x="5848436" y="2796494"/>
+            <a:ext cx="683735" cy="591451"/>
+          </a:xfrm>
+          <a:prstGeom prst="straightConnector1">
+            <a:avLst/>
+          </a:prstGeom>
+          <a:ln w="28575">
+            <a:solidFill>
+              <a:schemeClr val="tx1"/>
+            </a:solidFill>
+            <a:tailEnd type="arrow"/>
+          </a:ln>
+        </p:spPr>
+        <p:style>
+          <a:lnRef idx="1">
+            <a:schemeClr val="accent1"/>
+          </a:lnRef>
+          <a:fillRef idx="0">
+            <a:schemeClr val="accent1"/>
+          </a:fillRef>
+          <a:effectRef idx="0">
+            <a:schemeClr val="accent1"/>
+          </a:effectRef>
+          <a:fontRef idx="minor">
+            <a:schemeClr val="tx1"/>
+          </a:fontRef>
+        </p:style>
+      </p:cxnSp>
+      <p:cxnSp>
+        <p:nvCxnSpPr>
+          <p:cNvPr id="37" name="Gerade Verbindung mit Pfeil 36"/>
+          <p:cNvCxnSpPr>
+            <a:stCxn id="22" idx="7"/>
+            <a:endCxn id="24" idx="4"/>
+          </p:cNvCxnSpPr>
+          <p:nvPr/>
+        </p:nvCxnSpPr>
+        <p:spPr>
+          <a:xfrm flipV="1">
+            <a:off x="7294480" y="2969160"/>
+            <a:ext cx="945515" cy="418785"/>
+          </a:xfrm>
+          <a:prstGeom prst="straightConnector1">
+            <a:avLst/>
+          </a:prstGeom>
+          <a:ln w="28575">
+            <a:solidFill>
+              <a:srgbClr val="999999"/>
+            </a:solidFill>
+            <a:tailEnd type="arrow"/>
+          </a:ln>
+        </p:spPr>
+        <p:style>
+          <a:lnRef idx="1">
+            <a:schemeClr val="accent1"/>
+          </a:lnRef>
+          <a:fillRef idx="0">
+            <a:schemeClr val="accent1"/>
+          </a:fillRef>
+          <a:effectRef idx="0">
+            <a:schemeClr val="accent1"/>
+          </a:effectRef>
+          <a:fontRef idx="minor">
+            <a:schemeClr val="tx1"/>
+          </a:fontRef>
+        </p:style>
+      </p:cxnSp>
+      <p:cxnSp>
+        <p:nvCxnSpPr>
+          <p:cNvPr id="39" name="Gerade Verbindung mit Pfeil 38"/>
+          <p:cNvCxnSpPr>
+            <a:stCxn id="25" idx="0"/>
+            <a:endCxn id="26" idx="4"/>
+          </p:cNvCxnSpPr>
+          <p:nvPr/>
+        </p:nvCxnSpPr>
+        <p:spPr>
+          <a:xfrm flipV="1">
+            <a:off x="5848436" y="1780107"/>
+            <a:ext cx="1172238" cy="541217"/>
+          </a:xfrm>
+          <a:prstGeom prst="straightConnector1">
+            <a:avLst/>
+          </a:prstGeom>
+          <a:ln w="28575">
+            <a:solidFill>
+              <a:schemeClr val="tx1"/>
+            </a:solidFill>
+            <a:tailEnd type="arrow"/>
+          </a:ln>
+        </p:spPr>
+        <p:style>
+          <a:lnRef idx="1">
+            <a:schemeClr val="accent1"/>
+          </a:lnRef>
+          <a:fillRef idx="0">
+            <a:schemeClr val="accent1"/>
+          </a:fillRef>
+          <a:effectRef idx="0">
+            <a:schemeClr val="accent1"/>
+          </a:effectRef>
+          <a:fontRef idx="minor">
+            <a:schemeClr val="tx1"/>
+          </a:fontRef>
+        </p:style>
+      </p:cxnSp>
+      <p:cxnSp>
+        <p:nvCxnSpPr>
+          <p:cNvPr id="41" name="Gerade Verbindung mit Pfeil 40"/>
+          <p:cNvCxnSpPr>
+            <a:stCxn id="24" idx="0"/>
+            <a:endCxn id="26" idx="4"/>
+          </p:cNvCxnSpPr>
+          <p:nvPr/>
+        </p:nvCxnSpPr>
+        <p:spPr>
+          <a:xfrm flipH="1" flipV="1">
+            <a:off x="7020674" y="1780107"/>
+            <a:ext cx="1219321" cy="368551"/>
+          </a:xfrm>
+          <a:prstGeom prst="straightConnector1">
+            <a:avLst/>
+          </a:prstGeom>
+          <a:ln w="28575">
+            <a:solidFill>
+              <a:srgbClr val="999999"/>
+            </a:solidFill>
+            <a:tailEnd type="arrow"/>
+          </a:ln>
+        </p:spPr>
+        <p:style>
+          <a:lnRef idx="1">
+            <a:schemeClr val="accent1"/>
+          </a:lnRef>
+          <a:fillRef idx="0">
+            <a:schemeClr val="accent1"/>
+          </a:fillRef>
+          <a:effectRef idx="0">
+            <a:schemeClr val="accent1"/>
+          </a:effectRef>
+          <a:fontRef idx="minor">
+            <a:schemeClr val="tx1"/>
+          </a:fontRef>
+        </p:style>
+      </p:cxnSp>
+      <p:cxnSp>
+        <p:nvCxnSpPr>
+          <p:cNvPr id="43" name="Gerade Verbindung mit Pfeil 42"/>
+          <p:cNvCxnSpPr>
+            <a:stCxn id="23" idx="7"/>
+            <a:endCxn id="27" idx="4"/>
+          </p:cNvCxnSpPr>
+          <p:nvPr/>
+        </p:nvCxnSpPr>
+        <p:spPr>
+          <a:xfrm flipV="1">
+            <a:off x="7356127" y="4880062"/>
+            <a:ext cx="732420" cy="404302"/>
+          </a:xfrm>
+          <a:prstGeom prst="straightConnector1">
+            <a:avLst/>
+          </a:prstGeom>
+          <a:ln w="28575">
+            <a:solidFill>
+              <a:srgbClr val="999999"/>
+            </a:solidFill>
+            <a:tailEnd type="arrow"/>
+          </a:ln>
+        </p:spPr>
+        <p:style>
+          <a:lnRef idx="1">
+            <a:schemeClr val="accent1"/>
+          </a:lnRef>
+          <a:fillRef idx="0">
+            <a:schemeClr val="accent1"/>
+          </a:fillRef>
+          <a:effectRef idx="0">
+            <a:schemeClr val="accent1"/>
+          </a:effectRef>
+          <a:fontRef idx="minor">
+            <a:schemeClr val="tx1"/>
+          </a:fontRef>
+        </p:style>
+      </p:cxnSp>
+      <p:sp>
+        <p:nvSpPr>
+          <p:cNvPr id="44" name="Ellipse 43"/>
+          <p:cNvSpPr/>
+          <p:nvPr/>
+        </p:nvSpPr>
+        <p:spPr>
+          <a:xfrm>
+            <a:off x="4686161" y="1146697"/>
+            <a:ext cx="1256897" cy="446317"/>
+          </a:xfrm>
+          <a:prstGeom prst="ellipse">
+            <a:avLst/>
+          </a:prstGeom>
+          <a:noFill/>
+          <a:ln>
+            <a:solidFill>
+              <a:schemeClr val="bg1">
+                <a:lumMod val="65000"/>
+              </a:schemeClr>
+            </a:solidFill>
+          </a:ln>
+        </p:spPr>
+        <p:style>
+          <a:lnRef idx="2">
+            <a:schemeClr val="accent1">
+              <a:shade val="50000"/>
+            </a:schemeClr>
+          </a:lnRef>
+          <a:fillRef idx="1">
+            <a:schemeClr val="accent1"/>
+          </a:fillRef>
+          <a:effectRef idx="0">
+            <a:schemeClr val="accent1"/>
+          </a:effectRef>
+          <a:fontRef idx="minor">
+            <a:schemeClr val="lt1"/>
+          </a:fontRef>
+        </p:style>
+        <p:txBody>
+          <a:bodyPr rot="0" spcFirstLastPara="0" vertOverflow="overflow" horzOverflow="overflow" vert="horz" wrap="square" lIns="91440" tIns="45720" rIns="91440" bIns="45720" numCol="1" spcCol="0" rtlCol="0" fromWordArt="0" anchor="ctr" anchorCtr="0" forceAA="0" compatLnSpc="1">
+            <a:prstTxWarp prst="textNoShape">
+              <a:avLst/>
+            </a:prstTxWarp>
+            <a:spAutoFit/>
+          </a:bodyPr>
+          <a:lstStyle/>
+          <a:p>
+            <a:pPr algn="ctr">
+              <a:lnSpc>
+                <a:spcPct val="114000"/>
+              </a:lnSpc>
+            </a:pPr>
+            <a:r>
+              <a:rPr lang="de-DE" sz="1400" dirty="0" err="1">
+                <a:solidFill>
+                  <a:schemeClr val="bg1">
+                    <a:lumMod val="65000"/>
+                  </a:schemeClr>
+                </a:solidFill>
+              </a:rPr>
+              <a:t>Disguise</a:t>
+            </a:r>
+            <a:endParaRPr lang="de-DE" sz="1400" dirty="0">
+              <a:solidFill>
+                <a:schemeClr val="bg1">
+                  <a:lumMod val="65000"/>
+                </a:schemeClr>
+              </a:solidFill>
+            </a:endParaRPr>
           </a:p>
         </p:txBody>
       </p:sp>
     </p:spTree>
     <p:extLst>
       <p:ext uri="{BB962C8B-B14F-4D97-AF65-F5344CB8AC3E}">
-        <p14:creationId xmlns:p14="http://schemas.microsoft.com/office/powerpoint/2010/main" val="3200124817"/>
+        <p14:creationId xmlns:p14="http://schemas.microsoft.com/office/powerpoint/2010/main" val="3011784295"/>
       </p:ext>
     </p:extLst>
   </p:cSld>
   <p:clrMapOvr>
     <a:masterClrMapping/>
   </p:clrMapOvr>
+  <p:timing>
+    <p:tnLst>
+      <p:par>
+        <p:cTn id="1" dur="indefinite" restart="never" nodeType="tmRoot"/>
+      </p:par>
+    </p:tnLst>
+  </p:timing>
 </p:sld>
 </file>
 
@@ -10940,10 +11473,39 @@
               <a:buChar char="•"/>
             </a:pPr>
             <a:r>
-              <a:rPr lang="en-US"/>
-              <a:t>(mostly) Third Person perspective</a:t>
-            </a:r>
-            <a:endParaRPr lang="en-US" dirty="0"/>
+              <a:rPr lang="en-US" dirty="0"/>
+              <a:t>3 core games:</a:t>
+            </a:r>
+          </a:p>
+          <a:p>
+            <a:pPr marL="461963" lvl="1" indent="-285750">
+              <a:buFont typeface="Arial" panose="020B0604020202020204" pitchFamily="34" charset="0"/>
+              <a:buChar char="•"/>
+            </a:pPr>
+            <a:r>
+              <a:rPr lang="en-US" dirty="0"/>
+              <a:t>Meet guests at bar (Tip Hat, Drink)</a:t>
+            </a:r>
+          </a:p>
+          <a:p>
+            <a:pPr marL="461963" lvl="1" indent="-285750">
+              <a:buFont typeface="Arial" panose="020B0604020202020204" pitchFamily="34" charset="0"/>
+              <a:buChar char="•"/>
+            </a:pPr>
+            <a:r>
+              <a:rPr lang="en-US" dirty="0"/>
+              <a:t>Perform for guests (Dance moves)</a:t>
+            </a:r>
+          </a:p>
+          <a:p>
+            <a:pPr marL="461963" lvl="1" indent="-285750">
+              <a:buFont typeface="Arial" panose="020B0604020202020204" pitchFamily="34" charset="0"/>
+              <a:buChar char="•"/>
+            </a:pPr>
+            <a:r>
+              <a:rPr lang="en-US" dirty="0"/>
+              <a:t>Balance a tablet (Do not let items fall off)</a:t>
+            </a:r>
           </a:p>
           <a:p>
             <a:pPr marL="285750" indent="-285750">
@@ -10952,63 +11514,7 @@
             </a:pPr>
             <a:r>
               <a:rPr lang="en-US" dirty="0"/>
-              <a:t>Beamer as screen</a:t>
-            </a:r>
-          </a:p>
-          <a:p>
-            <a:pPr marL="285750" indent="-285750">
-              <a:buFont typeface="Arial" panose="020B0604020202020204" pitchFamily="34" charset="0"/>
-              <a:buChar char="•"/>
-            </a:pPr>
-            <a:r>
-              <a:rPr lang="en-US" dirty="0"/>
-              <a:t>Support left and right hand when possible</a:t>
-            </a:r>
-          </a:p>
-          <a:p>
-            <a:pPr marL="285750" indent="-285750">
-              <a:buFont typeface="Arial" panose="020B0604020202020204" pitchFamily="34" charset="0"/>
-              <a:buChar char="•"/>
-            </a:pPr>
-            <a:r>
-              <a:rPr lang="en-US" dirty="0" err="1"/>
-              <a:t>Minigames</a:t>
-            </a:r>
-            <a:endParaRPr lang="en-US" dirty="0"/>
-          </a:p>
-          <a:p>
-            <a:pPr marL="469900" lvl="2" indent="-285750">
-              <a:buFont typeface="Arial" panose="020B0604020202020204" pitchFamily="34" charset="0"/>
-              <a:buChar char="•"/>
-            </a:pPr>
-            <a:r>
-              <a:rPr lang="en-US" dirty="0"/>
-              <a:t>3 Games (might be more if enough time)</a:t>
-            </a:r>
-          </a:p>
-          <a:p>
-            <a:pPr marL="469900" lvl="2" indent="-285750">
-              <a:buFont typeface="Arial" panose="020B0604020202020204" pitchFamily="34" charset="0"/>
-              <a:buChar char="•"/>
-            </a:pPr>
-            <a:r>
-              <a:rPr lang="en-US" dirty="0"/>
-              <a:t>Start and Ending as </a:t>
-            </a:r>
-            <a:r>
-              <a:rPr lang="en-US" dirty="0" err="1"/>
-              <a:t>cutscenes</a:t>
-            </a:r>
-            <a:r>
-              <a:rPr lang="en-US" dirty="0"/>
-              <a:t>, might be </a:t>
-            </a:r>
-            <a:br>
-              <a:rPr lang="en-US" dirty="0"/>
-            </a:br>
-            <a:r>
-              <a:rPr lang="en-US" dirty="0"/>
-              <a:t>future games</a:t>
+              <a:t>Nice to have:</a:t>
             </a:r>
           </a:p>
           <a:p>
@@ -11018,15 +11524,8 @@
             </a:pPr>
             <a:r>
               <a:rPr lang="en-US" dirty="0"/>
-              <a:t>Gestures (2-3/game)</a:t>
-            </a:r>
-            <a:endParaRPr lang="en-US" dirty="0">
-              <a:solidFill>
-                <a:schemeClr val="bg1">
-                  <a:lumMod val="75000"/>
-                </a:schemeClr>
-              </a:solidFill>
-            </a:endParaRPr>
+              <a:t>Start: Take picture of player</a:t>
+            </a:r>
           </a:p>
           <a:p>
             <a:pPr marL="461963" lvl="1" indent="-285750">
@@ -11035,7 +11534,7 @@
             </a:pPr>
             <a:r>
               <a:rPr lang="en-US" dirty="0"/>
-              <a:t>Points for good performance</a:t>
+              <a:t>Perform a magic trick (pull rabbit out of hat and pet it)</a:t>
             </a:r>
           </a:p>
           <a:p>
@@ -11045,11 +11544,31 @@
             </a:pPr>
             <a:r>
               <a:rPr lang="en-US" dirty="0"/>
-              <a:t>thematically fitting (drinking, dancing…)</a:t>
-            </a:r>
-          </a:p>
-          <a:p>
-            <a:pPr marL="285750" indent="-285750">
+              <a:t>Give directions to an NPC (point at requested items/places in the scene)</a:t>
+            </a:r>
+          </a:p>
+          <a:p>
+            <a:pPr marL="461963" lvl="1" indent="-285750">
+              <a:buFont typeface="Arial" panose="020B0604020202020204" pitchFamily="34" charset="0"/>
+              <a:buChar char="•"/>
+            </a:pPr>
+            <a:r>
+              <a:rPr lang="en-US" dirty="0"/>
+              <a:t>Disguise (put on / take off glasses when caught to avoid failure)</a:t>
+            </a:r>
+          </a:p>
+          <a:p>
+            <a:pPr marL="461963" lvl="1" indent="-285750">
+              <a:buFont typeface="Arial" panose="020B0604020202020204" pitchFamily="34" charset="0"/>
+              <a:buChar char="•"/>
+            </a:pPr>
+            <a:r>
+              <a:rPr lang="en-US" dirty="0"/>
+              <a:t>End: Eliminate target</a:t>
+            </a:r>
+          </a:p>
+          <a:p>
+            <a:pPr marL="461963" lvl="1" indent="-285750">
               <a:buFont typeface="Arial" panose="020B0604020202020204" pitchFamily="34" charset="0"/>
               <a:buChar char="•"/>
             </a:pPr>
@@ -11133,7 +11652,11 @@
           <a:p>
             <a:r>
               <a:rPr lang="de-DE" dirty="0"/>
-              <a:t>Game</a:t>
+              <a:t>Game </a:t>
+            </a:r>
+            <a:r>
+              <a:rPr lang="de-DE" dirty="0" err="1"/>
+              <a:t>Overview</a:t>
             </a:r>
             <a:endParaRPr lang="de-DE" sz="3000" dirty="0"/>
           </a:p>
@@ -11147,8 +11670,8 @@
         </p:nvSpPr>
         <p:spPr>
           <a:xfrm>
-            <a:off x="6374293" y="3160119"/>
-            <a:ext cx="972000" cy="791649"/>
+            <a:off x="6374292" y="3318358"/>
+            <a:ext cx="1078067" cy="475170"/>
           </a:xfrm>
           <a:prstGeom prst="ellipse">
             <a:avLst/>
@@ -11196,7 +11719,7 @@
                   <a:schemeClr val="tx1"/>
                 </a:solidFill>
               </a:rPr>
-              <a:t>Game 2</a:t>
+              <a:t>Dance</a:t>
             </a:r>
           </a:p>
         </p:txBody>
@@ -11209,8 +11732,8 @@
         </p:nvSpPr>
         <p:spPr>
           <a:xfrm>
-            <a:off x="6374293" y="5168378"/>
-            <a:ext cx="972000" cy="792000"/>
+            <a:off x="6374292" y="5168378"/>
+            <a:ext cx="1150291" cy="792000"/>
           </a:xfrm>
           <a:prstGeom prst="ellipse">
             <a:avLst/>
@@ -11255,18 +11778,13 @@
               </a:lnSpc>
             </a:pPr>
             <a:r>
-              <a:rPr lang="de-DE" sz="1400" dirty="0" err="1">
+              <a:rPr lang="de-DE" sz="1400" dirty="0">
                 <a:solidFill>
                   <a:srgbClr val="999999"/>
                 </a:solidFill>
               </a:rPr>
-              <a:t>GameStart</a:t>
-            </a:r>
-            <a:endParaRPr lang="de-DE" sz="1400" dirty="0">
-              <a:solidFill>
-                <a:srgbClr val="999999"/>
-              </a:solidFill>
-            </a:endParaRPr>
+              <a:t>Take Picture</a:t>
+            </a:r>
           </a:p>
         </p:txBody>
       </p:sp>
@@ -11279,7 +11797,7 @@
         <p:spPr>
           <a:xfrm>
             <a:off x="7524585" y="2148658"/>
-            <a:ext cx="972000" cy="820502"/>
+            <a:ext cx="1430820" cy="820502"/>
           </a:xfrm>
           <a:prstGeom prst="ellipse">
             <a:avLst/>
@@ -11324,6 +11842,16 @@
               </a:lnSpc>
             </a:pPr>
             <a:r>
+              <a:rPr lang="de-DE" sz="1400" dirty="0" err="1">
+                <a:solidFill>
+                  <a:schemeClr val="bg1">
+                    <a:lumMod val="65000"/>
+                  </a:schemeClr>
+                </a:solidFill>
+              </a:rPr>
+              <a:t>Give</a:t>
+            </a:r>
+            <a:r>
               <a:rPr lang="de-DE" sz="1400" dirty="0">
                 <a:solidFill>
                   <a:schemeClr val="bg1">
@@ -11331,8 +11859,25 @@
                   </a:schemeClr>
                 </a:solidFill>
               </a:rPr>
-              <a:t>Game 3.2</a:t>
-            </a:r>
+              <a:t> </a:t>
+            </a:r>
+            <a:r>
+              <a:rPr lang="de-DE" sz="1400" dirty="0" err="1">
+                <a:solidFill>
+                  <a:schemeClr val="bg1">
+                    <a:lumMod val="65000"/>
+                  </a:schemeClr>
+                </a:solidFill>
+              </a:rPr>
+              <a:t>Directions</a:t>
+            </a:r>
+            <a:endParaRPr lang="de-DE" sz="1400" dirty="0">
+              <a:solidFill>
+                <a:schemeClr val="bg1">
+                  <a:lumMod val="65000"/>
+                </a:schemeClr>
+              </a:solidFill>
+            </a:endParaRPr>
           </a:p>
         </p:txBody>
       </p:sp>
@@ -11344,8 +11889,8 @@
         </p:nvSpPr>
         <p:spPr>
           <a:xfrm>
-            <a:off x="5234600" y="2163084"/>
-            <a:ext cx="972000" cy="791649"/>
+            <a:off x="5234599" y="2321324"/>
+            <a:ext cx="1227674" cy="475170"/>
           </a:xfrm>
           <a:prstGeom prst="ellipse">
             <a:avLst/>
@@ -11393,7 +11938,7 @@
                   <a:schemeClr val="tx1"/>
                 </a:solidFill>
               </a:rPr>
-              <a:t>Game 3.1</a:t>
+              <a:t>Balance</a:t>
             </a:r>
           </a:p>
         </p:txBody>
@@ -11406,8 +11951,8 @@
         </p:nvSpPr>
         <p:spPr>
           <a:xfrm>
-            <a:off x="6374418" y="959605"/>
-            <a:ext cx="977441" cy="820502"/>
+            <a:off x="6374417" y="959605"/>
+            <a:ext cx="1292514" cy="820502"/>
           </a:xfrm>
           <a:prstGeom prst="ellipse">
             <a:avLst/>
@@ -11452,6 +11997,16 @@
               </a:lnSpc>
             </a:pPr>
             <a:r>
+              <a:rPr lang="de-DE" sz="1400" dirty="0" err="1">
+                <a:solidFill>
+                  <a:schemeClr val="bg1">
+                    <a:lumMod val="65000"/>
+                  </a:schemeClr>
+                </a:solidFill>
+              </a:rPr>
+              <a:t>Eliminate</a:t>
+            </a:r>
+            <a:r>
               <a:rPr lang="de-DE" sz="1400" dirty="0">
                 <a:solidFill>
                   <a:schemeClr val="bg1">
@@ -11459,7 +12014,7 @@
                   </a:schemeClr>
                 </a:solidFill>
               </a:rPr>
-              <a:t>Game End</a:t>
+              <a:t> Target</a:t>
             </a:r>
           </a:p>
         </p:txBody>
@@ -11472,8 +12027,8 @@
         </p:nvSpPr>
         <p:spPr>
           <a:xfrm>
-            <a:off x="7524585" y="4059560"/>
-            <a:ext cx="972000" cy="820502"/>
+            <a:off x="7524584" y="4059560"/>
+            <a:ext cx="1127925" cy="820502"/>
           </a:xfrm>
           <a:prstGeom prst="ellipse">
             <a:avLst/>
@@ -11523,7 +12078,7 @@
                   <a:srgbClr val="999999"/>
                 </a:solidFill>
               </a:rPr>
-              <a:t>Game 1.2</a:t>
+              <a:t>Magic Trick</a:t>
             </a:r>
           </a:p>
         </p:txBody>
@@ -11536,8 +12091,8 @@
         </p:nvSpPr>
         <p:spPr>
           <a:xfrm>
-            <a:off x="5234600" y="4059560"/>
-            <a:ext cx="972000" cy="820502"/>
+            <a:off x="5234600" y="4059559"/>
+            <a:ext cx="1139692" cy="820502"/>
           </a:xfrm>
           <a:prstGeom prst="ellipse">
             <a:avLst/>
@@ -11580,12 +12135,20 @@
               </a:lnSpc>
             </a:pPr>
             <a:r>
+              <a:rPr lang="de-DE" sz="1400" dirty="0" err="1">
+                <a:solidFill>
+                  <a:schemeClr val="tx1"/>
+                </a:solidFill>
+              </a:rPr>
+              <a:t>Meet</a:t>
+            </a:r>
+            <a:r>
               <a:rPr lang="de-DE" sz="1400" dirty="0">
                 <a:solidFill>
                   <a:schemeClr val="tx1"/>
                 </a:solidFill>
               </a:rPr>
-              <a:t>Game 1.1</a:t>
+              <a:t> Guests</a:t>
             </a:r>
           </a:p>
         </p:txBody>
@@ -11601,8 +12164,8 @@
         </p:nvCxnSpPr>
         <p:spPr>
           <a:xfrm flipH="1" flipV="1">
-            <a:off x="5720600" y="4880062"/>
-            <a:ext cx="796039" cy="404302"/>
+            <a:off x="5804446" y="4880061"/>
+            <a:ext cx="738302" cy="404303"/>
           </a:xfrm>
           <a:prstGeom prst="straightConnector1">
             <a:avLst/>
@@ -11640,8 +12203,8 @@
         </p:nvCxnSpPr>
         <p:spPr>
           <a:xfrm flipV="1">
-            <a:off x="6064254" y="3951768"/>
-            <a:ext cx="796039" cy="227952"/>
+            <a:off x="6207388" y="3793528"/>
+            <a:ext cx="705938" cy="386191"/>
           </a:xfrm>
           <a:prstGeom prst="straightConnector1">
             <a:avLst/>
@@ -11679,8 +12242,8 @@
         </p:nvCxnSpPr>
         <p:spPr>
           <a:xfrm flipH="1" flipV="1">
-            <a:off x="6860293" y="3951768"/>
-            <a:ext cx="806638" cy="227952"/>
+            <a:off x="6913326" y="3793528"/>
+            <a:ext cx="776439" cy="386192"/>
           </a:xfrm>
           <a:prstGeom prst="straightConnector1">
             <a:avLst/>
@@ -11718,8 +12281,8 @@
         </p:nvCxnSpPr>
         <p:spPr>
           <a:xfrm flipH="1" flipV="1">
-            <a:off x="5720600" y="2954733"/>
-            <a:ext cx="796039" cy="321320"/>
+            <a:off x="5848436" y="2796494"/>
+            <a:ext cx="683735" cy="591451"/>
           </a:xfrm>
           <a:prstGeom prst="straightConnector1">
             <a:avLst/>
@@ -11757,8 +12320,8 @@
         </p:nvCxnSpPr>
         <p:spPr>
           <a:xfrm flipV="1">
-            <a:off x="7203947" y="2969160"/>
-            <a:ext cx="806638" cy="306893"/>
+            <a:off x="7294480" y="2969160"/>
+            <a:ext cx="945515" cy="418785"/>
           </a:xfrm>
           <a:prstGeom prst="straightConnector1">
             <a:avLst/>
@@ -11796,8 +12359,8 @@
         </p:nvCxnSpPr>
         <p:spPr>
           <a:xfrm flipV="1">
-            <a:off x="5720600" y="1780107"/>
-            <a:ext cx="1142539" cy="382977"/>
+            <a:off x="5848436" y="1780107"/>
+            <a:ext cx="1172238" cy="541217"/>
           </a:xfrm>
           <a:prstGeom prst="straightConnector1">
             <a:avLst/>
@@ -11835,8 +12398,8 @@
         </p:nvCxnSpPr>
         <p:spPr>
           <a:xfrm flipH="1" flipV="1">
-            <a:off x="6863139" y="1780107"/>
-            <a:ext cx="1147446" cy="368551"/>
+            <a:off x="7020674" y="1780107"/>
+            <a:ext cx="1219321" cy="368551"/>
           </a:xfrm>
           <a:prstGeom prst="straightConnector1">
             <a:avLst/>
@@ -11874,8 +12437,8 @@
         </p:nvCxnSpPr>
         <p:spPr>
           <a:xfrm flipV="1">
-            <a:off x="7203947" y="4880062"/>
-            <a:ext cx="806638" cy="404302"/>
+            <a:off x="7356127" y="4880062"/>
+            <a:ext cx="732420" cy="404302"/>
           </a:xfrm>
           <a:prstGeom prst="straightConnector1">
             <a:avLst/>
@@ -11978,13 +12541,20 @@
     </p:spTree>
     <p:extLst>
       <p:ext uri="{BB962C8B-B14F-4D97-AF65-F5344CB8AC3E}">
-        <p14:creationId xmlns:p14="http://schemas.microsoft.com/office/powerpoint/2010/main" val="3011784295"/>
+        <p14:creationId xmlns:p14="http://schemas.microsoft.com/office/powerpoint/2010/main" val="722670561"/>
       </p:ext>
     </p:extLst>
   </p:cSld>
   <p:clrMapOvr>
     <a:masterClrMapping/>
   </p:clrMapOvr>
+  <p:timing>
+    <p:tnLst>
+      <p:par>
+        <p:cTn id="1" dur="indefinite" restart="never" nodeType="tmRoot"/>
+      </p:par>
+    </p:tnLst>
+  </p:timing>
 </p:sld>
 </file>
 
@@ -12017,8 +12587,8 @@
         </p:nvSpPr>
         <p:spPr>
           <a:xfrm>
-            <a:off x="319091" y="1762188"/>
-            <a:ext cx="4233032" cy="4699572"/>
+            <a:off x="319090" y="1762188"/>
+            <a:ext cx="4412930" cy="4699572"/>
           </a:xfrm>
         </p:spPr>
         <p:txBody>
@@ -12040,7 +12610,7 @@
               <a:buChar char="•"/>
             </a:pPr>
             <a:r>
-              <a:rPr lang="en-US" dirty="0"/>
+              <a:rPr lang="en-US" b="1" dirty="0"/>
               <a:t>Meet guests at bar (Tip Hat, Drink)</a:t>
             </a:r>
           </a:p>
@@ -12050,7 +12620,7 @@
               <a:buChar char="•"/>
             </a:pPr>
             <a:r>
-              <a:rPr lang="en-US" dirty="0"/>
+              <a:rPr lang="en-US" b="1" dirty="0"/>
               <a:t>Perform for guests (Dance moves)</a:t>
             </a:r>
           </a:p>
@@ -12060,7 +12630,7 @@
               <a:buChar char="•"/>
             </a:pPr>
             <a:r>
-              <a:rPr lang="en-US" dirty="0"/>
+              <a:rPr lang="en-US" b="1" dirty="0"/>
               <a:t>Balance a tablet (Do not let items fall off)</a:t>
             </a:r>
           </a:p>
@@ -12080,7 +12650,7 @@
               <a:buChar char="•"/>
             </a:pPr>
             <a:r>
-              <a:rPr lang="en-US" dirty="0"/>
+              <a:rPr lang="en-US" b="1" dirty="0"/>
               <a:t>Start: Take picture of player</a:t>
             </a:r>
           </a:p>
@@ -12110,7 +12680,7 @@
               <a:buChar char="•"/>
             </a:pPr>
             <a:r>
-              <a:rPr lang="en-US" dirty="0"/>
+              <a:rPr lang="en-US" b="1" dirty="0"/>
               <a:t>Disguise (put on / take off glasses when caught to avoid failure)</a:t>
             </a:r>
           </a:p>
@@ -12120,7 +12690,7 @@
               <a:buChar char="•"/>
             </a:pPr>
             <a:r>
-              <a:rPr lang="en-US" dirty="0"/>
+              <a:rPr lang="en-US" b="1" dirty="0"/>
               <a:t>End: Eliminate target</a:t>
             </a:r>
           </a:p>
@@ -12208,12 +12778,12 @@
           <a:lstStyle/>
           <a:p>
             <a:r>
+              <a:rPr lang="en-US" dirty="0"/>
+              <a:t>Completed</a:t>
+            </a:r>
+            <a:r>
               <a:rPr lang="de-DE" dirty="0"/>
-              <a:t>Game </a:t>
-            </a:r>
-            <a:r>
-              <a:rPr lang="de-DE" dirty="0" err="1"/>
-              <a:t>Overview</a:t>
+              <a:t> Games</a:t>
             </a:r>
             <a:endParaRPr lang="de-DE" sz="3000" dirty="0"/>
           </a:p>
@@ -12227,8 +12797,8 @@
         </p:nvSpPr>
         <p:spPr>
           <a:xfrm>
-            <a:off x="6374292" y="3318358"/>
-            <a:ext cx="1078067" cy="475170"/>
+            <a:off x="6332220" y="3318358"/>
+            <a:ext cx="1014073" cy="475170"/>
           </a:xfrm>
           <a:prstGeom prst="ellipse">
             <a:avLst/>
@@ -12290,7 +12860,69 @@
         <p:spPr>
           <a:xfrm>
             <a:off x="6374292" y="5168378"/>
-            <a:ext cx="1150291" cy="792000"/>
+            <a:ext cx="1082901" cy="792000"/>
+          </a:xfrm>
+          <a:prstGeom prst="ellipse">
+            <a:avLst/>
+          </a:prstGeom>
+          <a:noFill/>
+          <a:ln>
+            <a:solidFill>
+              <a:schemeClr val="tx1"/>
+            </a:solidFill>
+          </a:ln>
+        </p:spPr>
+        <p:style>
+          <a:lnRef idx="2">
+            <a:schemeClr val="accent1">
+              <a:shade val="50000"/>
+            </a:schemeClr>
+          </a:lnRef>
+          <a:fillRef idx="1">
+            <a:schemeClr val="accent1"/>
+          </a:fillRef>
+          <a:effectRef idx="0">
+            <a:schemeClr val="accent1"/>
+          </a:effectRef>
+          <a:fontRef idx="minor">
+            <a:schemeClr val="lt1"/>
+          </a:fontRef>
+        </p:style>
+        <p:txBody>
+          <a:bodyPr rot="0" spcFirstLastPara="0" vertOverflow="overflow" horzOverflow="overflow" vert="horz" wrap="square" lIns="91440" tIns="45720" rIns="91440" bIns="45720" numCol="1" spcCol="0" rtlCol="0" fromWordArt="0" anchor="ctr" anchorCtr="0" forceAA="0" compatLnSpc="1">
+            <a:prstTxWarp prst="textNoShape">
+              <a:avLst/>
+            </a:prstTxWarp>
+            <a:noAutofit/>
+          </a:bodyPr>
+          <a:lstStyle/>
+          <a:p>
+            <a:pPr algn="ctr">
+              <a:lnSpc>
+                <a:spcPct val="114000"/>
+              </a:lnSpc>
+            </a:pPr>
+            <a:r>
+              <a:rPr lang="de-DE" sz="1400" dirty="0">
+                <a:solidFill>
+                  <a:schemeClr val="tx1"/>
+                </a:solidFill>
+              </a:rPr>
+              <a:t>Take Picture</a:t>
+            </a:r>
+          </a:p>
+        </p:txBody>
+      </p:sp>
+      <p:sp>
+        <p:nvSpPr>
+          <p:cNvPr id="9" name="Ellipse 8"/>
+          <p:cNvSpPr/>
+          <p:nvPr/>
+        </p:nvSpPr>
+        <p:spPr>
+          <a:xfrm>
+            <a:off x="7197785" y="2148658"/>
+            <a:ext cx="1391860" cy="820502"/>
           </a:xfrm>
           <a:prstGeom prst="ellipse">
             <a:avLst/>
@@ -12325,7 +12957,7 @@
             <a:prstTxWarp prst="textNoShape">
               <a:avLst/>
             </a:prstTxWarp>
-            <a:noAutofit/>
+            <a:spAutoFit/>
           </a:bodyPr>
           <a:lstStyle/>
           <a:p>
@@ -12335,26 +12967,187 @@
               </a:lnSpc>
             </a:pPr>
             <a:r>
+              <a:rPr lang="de-DE" sz="1400" dirty="0" err="1">
+                <a:solidFill>
+                  <a:schemeClr val="bg1">
+                    <a:lumMod val="65000"/>
+                  </a:schemeClr>
+                </a:solidFill>
+              </a:rPr>
+              <a:t>Give</a:t>
+            </a:r>
+            <a:r>
               <a:rPr lang="de-DE" sz="1400" dirty="0">
                 <a:solidFill>
-                  <a:srgbClr val="999999"/>
+                  <a:schemeClr val="bg1">
+                    <a:lumMod val="65000"/>
+                  </a:schemeClr>
                 </a:solidFill>
               </a:rPr>
-              <a:t>Take Picture</a:t>
-            </a:r>
-          </a:p>
-        </p:txBody>
-      </p:sp>
-      <p:sp>
-        <p:nvSpPr>
-          <p:cNvPr id="9" name="Ellipse 8"/>
+              <a:t> </a:t>
+            </a:r>
+            <a:r>
+              <a:rPr lang="de-DE" sz="1400" dirty="0" err="1">
+                <a:solidFill>
+                  <a:schemeClr val="bg1">
+                    <a:lumMod val="65000"/>
+                  </a:schemeClr>
+                </a:solidFill>
+              </a:rPr>
+              <a:t>Directions</a:t>
+            </a:r>
+            <a:endParaRPr lang="de-DE" sz="1400" dirty="0">
+              <a:solidFill>
+                <a:schemeClr val="bg1">
+                  <a:lumMod val="65000"/>
+                </a:schemeClr>
+              </a:solidFill>
+            </a:endParaRPr>
+          </a:p>
+        </p:txBody>
+      </p:sp>
+      <p:sp>
+        <p:nvSpPr>
+          <p:cNvPr id="10" name="Ellipse 9"/>
           <p:cNvSpPr/>
           <p:nvPr/>
         </p:nvSpPr>
         <p:spPr>
           <a:xfrm>
-            <a:off x="7524585" y="2148658"/>
-            <a:ext cx="1430820" cy="820502"/>
+            <a:off x="5103496" y="2321324"/>
+            <a:ext cx="1188372" cy="475170"/>
+          </a:xfrm>
+          <a:prstGeom prst="ellipse">
+            <a:avLst/>
+          </a:prstGeom>
+          <a:noFill/>
+          <a:ln>
+            <a:solidFill>
+              <a:schemeClr val="tx1"/>
+            </a:solidFill>
+          </a:ln>
+        </p:spPr>
+        <p:style>
+          <a:lnRef idx="2">
+            <a:schemeClr val="accent1">
+              <a:shade val="50000"/>
+            </a:schemeClr>
+          </a:lnRef>
+          <a:fillRef idx="1">
+            <a:schemeClr val="accent1"/>
+          </a:fillRef>
+          <a:effectRef idx="0">
+            <a:schemeClr val="accent1"/>
+          </a:effectRef>
+          <a:fontRef idx="minor">
+            <a:schemeClr val="lt1"/>
+          </a:fontRef>
+        </p:style>
+        <p:txBody>
+          <a:bodyPr rot="0" spcFirstLastPara="0" vertOverflow="overflow" horzOverflow="overflow" vert="horz" wrap="square" lIns="91440" tIns="45720" rIns="91440" bIns="45720" numCol="1" spcCol="0" rtlCol="0" fromWordArt="0" anchor="ctr" anchorCtr="0" forceAA="0" compatLnSpc="1">
+            <a:prstTxWarp prst="textNoShape">
+              <a:avLst/>
+            </a:prstTxWarp>
+            <a:spAutoFit/>
+          </a:bodyPr>
+          <a:lstStyle/>
+          <a:p>
+            <a:pPr algn="ctr">
+              <a:lnSpc>
+                <a:spcPct val="114000"/>
+              </a:lnSpc>
+            </a:pPr>
+            <a:r>
+              <a:rPr lang="de-DE" sz="1400" dirty="0">
+                <a:solidFill>
+                  <a:schemeClr val="tx1"/>
+                </a:solidFill>
+              </a:rPr>
+              <a:t>Balance</a:t>
+            </a:r>
+          </a:p>
+        </p:txBody>
+      </p:sp>
+      <p:sp>
+        <p:nvSpPr>
+          <p:cNvPr id="11" name="Ellipse 10"/>
+          <p:cNvSpPr/>
+          <p:nvPr/>
+        </p:nvSpPr>
+        <p:spPr>
+          <a:xfrm>
+            <a:off x="6374417" y="959605"/>
+            <a:ext cx="1292513" cy="820502"/>
+          </a:xfrm>
+          <a:prstGeom prst="ellipse">
+            <a:avLst/>
+          </a:prstGeom>
+          <a:noFill/>
+          <a:ln>
+            <a:solidFill>
+              <a:schemeClr val="tx1"/>
+            </a:solidFill>
+          </a:ln>
+        </p:spPr>
+        <p:style>
+          <a:lnRef idx="2">
+            <a:schemeClr val="accent1">
+              <a:shade val="50000"/>
+            </a:schemeClr>
+          </a:lnRef>
+          <a:fillRef idx="1">
+            <a:schemeClr val="accent1"/>
+          </a:fillRef>
+          <a:effectRef idx="0">
+            <a:schemeClr val="accent1"/>
+          </a:effectRef>
+          <a:fontRef idx="minor">
+            <a:schemeClr val="lt1"/>
+          </a:fontRef>
+        </p:style>
+        <p:txBody>
+          <a:bodyPr rot="0" spcFirstLastPara="0" vertOverflow="overflow" horzOverflow="overflow" vert="horz" wrap="square" lIns="91440" tIns="45720" rIns="91440" bIns="45720" numCol="1" spcCol="0" rtlCol="0" fromWordArt="0" anchor="ctr" anchorCtr="0" forceAA="0" compatLnSpc="1">
+            <a:prstTxWarp prst="textNoShape">
+              <a:avLst/>
+            </a:prstTxWarp>
+            <a:spAutoFit/>
+          </a:bodyPr>
+          <a:lstStyle/>
+          <a:p>
+            <a:pPr algn="ctr">
+              <a:lnSpc>
+                <a:spcPct val="114000"/>
+              </a:lnSpc>
+            </a:pPr>
+            <a:r>
+              <a:rPr lang="de-DE" sz="1400" dirty="0" err="1">
+                <a:solidFill>
+                  <a:schemeClr val="tx1"/>
+                </a:solidFill>
+              </a:rPr>
+              <a:t>Eliminate</a:t>
+            </a:r>
+            <a:r>
+              <a:rPr lang="de-DE" sz="1400" dirty="0">
+                <a:solidFill>
+                  <a:schemeClr val="tx1"/>
+                </a:solidFill>
+              </a:rPr>
+              <a:t> Target</a:t>
+            </a:r>
+          </a:p>
+        </p:txBody>
+      </p:sp>
+      <p:sp>
+        <p:nvSpPr>
+          <p:cNvPr id="12" name="Ellipse 11"/>
+          <p:cNvSpPr/>
+          <p:nvPr/>
+        </p:nvSpPr>
+        <p:spPr>
+          <a:xfrm>
+            <a:off x="7524585" y="4073986"/>
+            <a:ext cx="972000" cy="791649"/>
           </a:xfrm>
           <a:prstGeom prst="ellipse">
             <a:avLst/>
@@ -12399,237 +13192,6 @@
               </a:lnSpc>
             </a:pPr>
             <a:r>
-              <a:rPr lang="de-DE" sz="1400" dirty="0" err="1">
-                <a:solidFill>
-                  <a:schemeClr val="bg1">
-                    <a:lumMod val="65000"/>
-                  </a:schemeClr>
-                </a:solidFill>
-              </a:rPr>
-              <a:t>Give</a:t>
-            </a:r>
-            <a:r>
-              <a:rPr lang="de-DE" sz="1400" dirty="0">
-                <a:solidFill>
-                  <a:schemeClr val="bg1">
-                    <a:lumMod val="65000"/>
-                  </a:schemeClr>
-                </a:solidFill>
-              </a:rPr>
-              <a:t> </a:t>
-            </a:r>
-            <a:r>
-              <a:rPr lang="de-DE" sz="1400" dirty="0" err="1">
-                <a:solidFill>
-                  <a:schemeClr val="bg1">
-                    <a:lumMod val="65000"/>
-                  </a:schemeClr>
-                </a:solidFill>
-              </a:rPr>
-              <a:t>Directions</a:t>
-            </a:r>
-            <a:endParaRPr lang="de-DE" sz="1400" dirty="0">
-              <a:solidFill>
-                <a:schemeClr val="bg1">
-                  <a:lumMod val="65000"/>
-                </a:schemeClr>
-              </a:solidFill>
-            </a:endParaRPr>
-          </a:p>
-        </p:txBody>
-      </p:sp>
-      <p:sp>
-        <p:nvSpPr>
-          <p:cNvPr id="10" name="Ellipse 9"/>
-          <p:cNvSpPr/>
-          <p:nvPr/>
-        </p:nvSpPr>
-        <p:spPr>
-          <a:xfrm>
-            <a:off x="5234599" y="2321324"/>
-            <a:ext cx="1227674" cy="475170"/>
-          </a:xfrm>
-          <a:prstGeom prst="ellipse">
-            <a:avLst/>
-          </a:prstGeom>
-          <a:noFill/>
-          <a:ln>
-            <a:solidFill>
-              <a:schemeClr val="tx1"/>
-            </a:solidFill>
-          </a:ln>
-        </p:spPr>
-        <p:style>
-          <a:lnRef idx="2">
-            <a:schemeClr val="accent1">
-              <a:shade val="50000"/>
-            </a:schemeClr>
-          </a:lnRef>
-          <a:fillRef idx="1">
-            <a:schemeClr val="accent1"/>
-          </a:fillRef>
-          <a:effectRef idx="0">
-            <a:schemeClr val="accent1"/>
-          </a:effectRef>
-          <a:fontRef idx="minor">
-            <a:schemeClr val="lt1"/>
-          </a:fontRef>
-        </p:style>
-        <p:txBody>
-          <a:bodyPr rot="0" spcFirstLastPara="0" vertOverflow="overflow" horzOverflow="overflow" vert="horz" wrap="square" lIns="91440" tIns="45720" rIns="91440" bIns="45720" numCol="1" spcCol="0" rtlCol="0" fromWordArt="0" anchor="ctr" anchorCtr="0" forceAA="0" compatLnSpc="1">
-            <a:prstTxWarp prst="textNoShape">
-              <a:avLst/>
-            </a:prstTxWarp>
-            <a:spAutoFit/>
-          </a:bodyPr>
-          <a:lstStyle/>
-          <a:p>
-            <a:pPr algn="ctr">
-              <a:lnSpc>
-                <a:spcPct val="114000"/>
-              </a:lnSpc>
-            </a:pPr>
-            <a:r>
-              <a:rPr lang="de-DE" sz="1400" dirty="0">
-                <a:solidFill>
-                  <a:schemeClr val="tx1"/>
-                </a:solidFill>
-              </a:rPr>
-              <a:t>Balance</a:t>
-            </a:r>
-          </a:p>
-        </p:txBody>
-      </p:sp>
-      <p:sp>
-        <p:nvSpPr>
-          <p:cNvPr id="11" name="Ellipse 10"/>
-          <p:cNvSpPr/>
-          <p:nvPr/>
-        </p:nvSpPr>
-        <p:spPr>
-          <a:xfrm>
-            <a:off x="6374417" y="959605"/>
-            <a:ext cx="1292514" cy="820502"/>
-          </a:xfrm>
-          <a:prstGeom prst="ellipse">
-            <a:avLst/>
-          </a:prstGeom>
-          <a:noFill/>
-          <a:ln>
-            <a:solidFill>
-              <a:schemeClr val="bg1">
-                <a:lumMod val="65000"/>
-              </a:schemeClr>
-            </a:solidFill>
-          </a:ln>
-        </p:spPr>
-        <p:style>
-          <a:lnRef idx="2">
-            <a:schemeClr val="accent1">
-              <a:shade val="50000"/>
-            </a:schemeClr>
-          </a:lnRef>
-          <a:fillRef idx="1">
-            <a:schemeClr val="accent1"/>
-          </a:fillRef>
-          <a:effectRef idx="0">
-            <a:schemeClr val="accent1"/>
-          </a:effectRef>
-          <a:fontRef idx="minor">
-            <a:schemeClr val="lt1"/>
-          </a:fontRef>
-        </p:style>
-        <p:txBody>
-          <a:bodyPr rot="0" spcFirstLastPara="0" vertOverflow="overflow" horzOverflow="overflow" vert="horz" wrap="square" lIns="91440" tIns="45720" rIns="91440" bIns="45720" numCol="1" spcCol="0" rtlCol="0" fromWordArt="0" anchor="ctr" anchorCtr="0" forceAA="0" compatLnSpc="1">
-            <a:prstTxWarp prst="textNoShape">
-              <a:avLst/>
-            </a:prstTxWarp>
-            <a:spAutoFit/>
-          </a:bodyPr>
-          <a:lstStyle/>
-          <a:p>
-            <a:pPr algn="ctr">
-              <a:lnSpc>
-                <a:spcPct val="114000"/>
-              </a:lnSpc>
-            </a:pPr>
-            <a:r>
-              <a:rPr lang="de-DE" sz="1400" dirty="0" err="1">
-                <a:solidFill>
-                  <a:schemeClr val="bg1">
-                    <a:lumMod val="65000"/>
-                  </a:schemeClr>
-                </a:solidFill>
-              </a:rPr>
-              <a:t>Eliminate</a:t>
-            </a:r>
-            <a:r>
-              <a:rPr lang="de-DE" sz="1400" dirty="0">
-                <a:solidFill>
-                  <a:schemeClr val="bg1">
-                    <a:lumMod val="65000"/>
-                  </a:schemeClr>
-                </a:solidFill>
-              </a:rPr>
-              <a:t> Target</a:t>
-            </a:r>
-          </a:p>
-        </p:txBody>
-      </p:sp>
-      <p:sp>
-        <p:nvSpPr>
-          <p:cNvPr id="12" name="Ellipse 11"/>
-          <p:cNvSpPr/>
-          <p:nvPr/>
-        </p:nvSpPr>
-        <p:spPr>
-          <a:xfrm>
-            <a:off x="7524584" y="4059560"/>
-            <a:ext cx="1127925" cy="820502"/>
-          </a:xfrm>
-          <a:prstGeom prst="ellipse">
-            <a:avLst/>
-          </a:prstGeom>
-          <a:noFill/>
-          <a:ln>
-            <a:solidFill>
-              <a:schemeClr val="bg1">
-                <a:lumMod val="65000"/>
-              </a:schemeClr>
-            </a:solidFill>
-          </a:ln>
-        </p:spPr>
-        <p:style>
-          <a:lnRef idx="2">
-            <a:schemeClr val="accent1">
-              <a:shade val="50000"/>
-            </a:schemeClr>
-          </a:lnRef>
-          <a:fillRef idx="1">
-            <a:schemeClr val="accent1"/>
-          </a:fillRef>
-          <a:effectRef idx="0">
-            <a:schemeClr val="accent1"/>
-          </a:effectRef>
-          <a:fontRef idx="minor">
-            <a:schemeClr val="lt1"/>
-          </a:fontRef>
-        </p:style>
-        <p:txBody>
-          <a:bodyPr rot="0" spcFirstLastPara="0" vertOverflow="overflow" horzOverflow="overflow" vert="horz" wrap="square" lIns="91440" tIns="45720" rIns="91440" bIns="45720" numCol="1" spcCol="0" rtlCol="0" fromWordArt="0" anchor="ctr" anchorCtr="0" forceAA="0" compatLnSpc="1">
-            <a:prstTxWarp prst="textNoShape">
-              <a:avLst/>
-            </a:prstTxWarp>
-            <a:spAutoFit/>
-          </a:bodyPr>
-          <a:lstStyle/>
-          <a:p>
-            <a:pPr algn="ctr">
-              <a:lnSpc>
-                <a:spcPct val="114000"/>
-              </a:lnSpc>
-            </a:pPr>
-            <a:r>
               <a:rPr lang="de-DE" sz="1400" dirty="0">
                 <a:solidFill>
                   <a:srgbClr val="999999"/>
@@ -12648,8 +13210,8 @@
         </p:nvSpPr>
         <p:spPr>
           <a:xfrm>
-            <a:off x="5234600" y="4059559"/>
-            <a:ext cx="1139692" cy="820502"/>
+            <a:off x="5103495" y="4059561"/>
+            <a:ext cx="1103105" cy="820502"/>
           </a:xfrm>
           <a:prstGeom prst="ellipse">
             <a:avLst/>
@@ -12721,8 +13283,8 @@
         </p:nvCxnSpPr>
         <p:spPr>
           <a:xfrm flipH="1" flipV="1">
-            <a:off x="5804446" y="4880061"/>
-            <a:ext cx="738302" cy="404303"/>
+            <a:off x="5655048" y="4880063"/>
+            <a:ext cx="877831" cy="404301"/>
           </a:xfrm>
           <a:prstGeom prst="straightConnector1">
             <a:avLst/>
@@ -12760,8 +13322,8 @@
         </p:nvCxnSpPr>
         <p:spPr>
           <a:xfrm flipV="1">
-            <a:off x="6207388" y="3793528"/>
-            <a:ext cx="705938" cy="386191"/>
+            <a:off x="6045054" y="3793528"/>
+            <a:ext cx="794203" cy="386193"/>
           </a:xfrm>
           <a:prstGeom prst="straightConnector1">
             <a:avLst/>
@@ -12799,8 +13361,8 @@
         </p:nvCxnSpPr>
         <p:spPr>
           <a:xfrm flipH="1" flipV="1">
-            <a:off x="6913326" y="3793528"/>
-            <a:ext cx="776439" cy="386192"/>
+            <a:off x="6839257" y="3793528"/>
+            <a:ext cx="827674" cy="396392"/>
           </a:xfrm>
           <a:prstGeom prst="straightConnector1">
             <a:avLst/>
@@ -12838,8 +13400,8 @@
         </p:nvCxnSpPr>
         <p:spPr>
           <a:xfrm flipH="1" flipV="1">
-            <a:off x="5848436" y="2796494"/>
-            <a:ext cx="683735" cy="591451"/>
+            <a:off x="5697682" y="2796494"/>
+            <a:ext cx="783046" cy="591451"/>
           </a:xfrm>
           <a:prstGeom prst="straightConnector1">
             <a:avLst/>
@@ -12877,8 +13439,8 @@
         </p:nvCxnSpPr>
         <p:spPr>
           <a:xfrm flipV="1">
-            <a:off x="7294480" y="2969160"/>
-            <a:ext cx="945515" cy="418785"/>
+            <a:off x="7197785" y="2969160"/>
+            <a:ext cx="695930" cy="418785"/>
           </a:xfrm>
           <a:prstGeom prst="straightConnector1">
             <a:avLst/>
@@ -12916,8 +13478,8 @@
         </p:nvCxnSpPr>
         <p:spPr>
           <a:xfrm flipV="1">
-            <a:off x="5848436" y="1780107"/>
-            <a:ext cx="1172238" cy="541217"/>
+            <a:off x="5697682" y="1780107"/>
+            <a:ext cx="1322992" cy="541217"/>
           </a:xfrm>
           <a:prstGeom prst="straightConnector1">
             <a:avLst/>
@@ -12956,7 +13518,7 @@
         <p:spPr>
           <a:xfrm flipH="1" flipV="1">
             <a:off x="7020674" y="1780107"/>
-            <a:ext cx="1219321" cy="368551"/>
+            <a:ext cx="873041" cy="368551"/>
           </a:xfrm>
           <a:prstGeom prst="straightConnector1">
             <a:avLst/>
@@ -12994,8 +13556,8 @@
         </p:nvCxnSpPr>
         <p:spPr>
           <a:xfrm flipV="1">
-            <a:off x="7356127" y="4880062"/>
-            <a:ext cx="732420" cy="404302"/>
+            <a:off x="7298606" y="4865635"/>
+            <a:ext cx="711979" cy="418729"/>
           </a:xfrm>
           <a:prstGeom prst="straightConnector1">
             <a:avLst/>
@@ -13039,9 +13601,7 @@
           <a:noFill/>
           <a:ln>
             <a:solidFill>
-              <a:schemeClr val="bg1">
-                <a:lumMod val="65000"/>
-              </a:schemeClr>
+              <a:schemeClr val="tx1"/>
             </a:solidFill>
           </a:ln>
         </p:spPr>
@@ -13078,33 +13638,506 @@
             <a:r>
               <a:rPr lang="de-DE" sz="1400" dirty="0" err="1">
                 <a:solidFill>
-                  <a:schemeClr val="bg1">
-                    <a:lumMod val="65000"/>
-                  </a:schemeClr>
+                  <a:schemeClr val="tx1"/>
                 </a:solidFill>
               </a:rPr>
               <a:t>Disguise</a:t>
             </a:r>
             <a:endParaRPr lang="de-DE" sz="1400" dirty="0">
               <a:solidFill>
-                <a:schemeClr val="bg1">
-                  <a:lumMod val="65000"/>
-                </a:schemeClr>
+                <a:schemeClr val="tx1"/>
               </a:solidFill>
             </a:endParaRPr>
           </a:p>
         </p:txBody>
       </p:sp>
+      <p:sp>
+        <p:nvSpPr>
+          <p:cNvPr id="6" name="L-Form 5"/>
+          <p:cNvSpPr/>
+          <p:nvPr/>
+        </p:nvSpPr>
+        <p:spPr>
+          <a:xfrm rot="19194712">
+            <a:off x="5707508" y="1113520"/>
+            <a:ext cx="314325" cy="177165"/>
+          </a:xfrm>
+          <a:prstGeom prst="corner">
+            <a:avLst/>
+          </a:prstGeom>
+          <a:solidFill>
+            <a:srgbClr val="92D050"/>
+          </a:solidFill>
+          <a:ln>
+            <a:noFill/>
+          </a:ln>
+        </p:spPr>
+        <p:style>
+          <a:lnRef idx="2">
+            <a:schemeClr val="accent1">
+              <a:shade val="50000"/>
+            </a:schemeClr>
+          </a:lnRef>
+          <a:fillRef idx="1">
+            <a:schemeClr val="accent1"/>
+          </a:fillRef>
+          <a:effectRef idx="0">
+            <a:schemeClr val="accent1"/>
+          </a:effectRef>
+          <a:fontRef idx="minor">
+            <a:schemeClr val="lt1"/>
+          </a:fontRef>
+        </p:style>
+        <p:txBody>
+          <a:bodyPr rot="0" spcFirstLastPara="0" vertOverflow="overflow" horzOverflow="overflow" vert="horz" wrap="square" lIns="91440" tIns="45720" rIns="91440" bIns="45720" numCol="1" spcCol="0" rtlCol="0" fromWordArt="0" anchor="t" anchorCtr="0" forceAA="0" compatLnSpc="1">
+            <a:prstTxWarp prst="textNoShape">
+              <a:avLst/>
+            </a:prstTxWarp>
+            <a:noAutofit/>
+          </a:bodyPr>
+          <a:lstStyle/>
+          <a:p>
+            <a:pPr algn="ctr">
+              <a:lnSpc>
+                <a:spcPct val="114000"/>
+              </a:lnSpc>
+            </a:pPr>
+            <a:endParaRPr lang="de-DE" dirty="0" smtClean="0"/>
+          </a:p>
+        </p:txBody>
+      </p:sp>
+      <p:sp>
+        <p:nvSpPr>
+          <p:cNvPr id="23" name="L-Form 22"/>
+          <p:cNvSpPr/>
+          <p:nvPr/>
+        </p:nvSpPr>
+        <p:spPr>
+          <a:xfrm rot="19194712">
+            <a:off x="7388587" y="1022336"/>
+            <a:ext cx="314325" cy="177165"/>
+          </a:xfrm>
+          <a:prstGeom prst="corner">
+            <a:avLst/>
+          </a:prstGeom>
+          <a:solidFill>
+            <a:srgbClr val="92D050"/>
+          </a:solidFill>
+          <a:ln>
+            <a:noFill/>
+          </a:ln>
+        </p:spPr>
+        <p:style>
+          <a:lnRef idx="2">
+            <a:schemeClr val="accent1">
+              <a:shade val="50000"/>
+            </a:schemeClr>
+          </a:lnRef>
+          <a:fillRef idx="1">
+            <a:schemeClr val="accent1"/>
+          </a:fillRef>
+          <a:effectRef idx="0">
+            <a:schemeClr val="accent1"/>
+          </a:effectRef>
+          <a:fontRef idx="minor">
+            <a:schemeClr val="lt1"/>
+          </a:fontRef>
+        </p:style>
+        <p:txBody>
+          <a:bodyPr rot="0" spcFirstLastPara="0" vertOverflow="overflow" horzOverflow="overflow" vert="horz" wrap="square" lIns="91440" tIns="45720" rIns="91440" bIns="45720" numCol="1" spcCol="0" rtlCol="0" fromWordArt="0" anchor="t" anchorCtr="0" forceAA="0" compatLnSpc="1">
+            <a:prstTxWarp prst="textNoShape">
+              <a:avLst/>
+            </a:prstTxWarp>
+            <a:noAutofit/>
+          </a:bodyPr>
+          <a:lstStyle/>
+          <a:p>
+            <a:pPr algn="ctr">
+              <a:lnSpc>
+                <a:spcPct val="114000"/>
+              </a:lnSpc>
+            </a:pPr>
+            <a:endParaRPr lang="de-DE" dirty="0" smtClean="0"/>
+          </a:p>
+        </p:txBody>
+      </p:sp>
+      <p:sp>
+        <p:nvSpPr>
+          <p:cNvPr id="24" name="L-Form 23"/>
+          <p:cNvSpPr/>
+          <p:nvPr/>
+        </p:nvSpPr>
+        <p:spPr>
+          <a:xfrm rot="19194712">
+            <a:off x="6024732" y="2232740"/>
+            <a:ext cx="314325" cy="177165"/>
+          </a:xfrm>
+          <a:prstGeom prst="corner">
+            <a:avLst/>
+          </a:prstGeom>
+          <a:solidFill>
+            <a:srgbClr val="92D050"/>
+          </a:solidFill>
+          <a:ln>
+            <a:noFill/>
+          </a:ln>
+        </p:spPr>
+        <p:style>
+          <a:lnRef idx="2">
+            <a:schemeClr val="accent1">
+              <a:shade val="50000"/>
+            </a:schemeClr>
+          </a:lnRef>
+          <a:fillRef idx="1">
+            <a:schemeClr val="accent1"/>
+          </a:fillRef>
+          <a:effectRef idx="0">
+            <a:schemeClr val="accent1"/>
+          </a:effectRef>
+          <a:fontRef idx="minor">
+            <a:schemeClr val="lt1"/>
+          </a:fontRef>
+        </p:style>
+        <p:txBody>
+          <a:bodyPr rot="0" spcFirstLastPara="0" vertOverflow="overflow" horzOverflow="overflow" vert="horz" wrap="square" lIns="91440" tIns="45720" rIns="91440" bIns="45720" numCol="1" spcCol="0" rtlCol="0" fromWordArt="0" anchor="t" anchorCtr="0" forceAA="0" compatLnSpc="1">
+            <a:prstTxWarp prst="textNoShape">
+              <a:avLst/>
+            </a:prstTxWarp>
+            <a:noAutofit/>
+          </a:bodyPr>
+          <a:lstStyle/>
+          <a:p>
+            <a:pPr algn="ctr">
+              <a:lnSpc>
+                <a:spcPct val="114000"/>
+              </a:lnSpc>
+            </a:pPr>
+            <a:endParaRPr lang="de-DE" dirty="0" smtClean="0"/>
+          </a:p>
+        </p:txBody>
+      </p:sp>
+      <p:sp>
+        <p:nvSpPr>
+          <p:cNvPr id="25" name="L-Form 24"/>
+          <p:cNvSpPr/>
+          <p:nvPr/>
+        </p:nvSpPr>
+        <p:spPr>
+          <a:xfrm rot="19194712">
+            <a:off x="7113143" y="3258947"/>
+            <a:ext cx="314325" cy="177165"/>
+          </a:xfrm>
+          <a:prstGeom prst="corner">
+            <a:avLst/>
+          </a:prstGeom>
+          <a:solidFill>
+            <a:srgbClr val="92D050"/>
+          </a:solidFill>
+          <a:ln>
+            <a:noFill/>
+          </a:ln>
+        </p:spPr>
+        <p:style>
+          <a:lnRef idx="2">
+            <a:schemeClr val="accent1">
+              <a:shade val="50000"/>
+            </a:schemeClr>
+          </a:lnRef>
+          <a:fillRef idx="1">
+            <a:schemeClr val="accent1"/>
+          </a:fillRef>
+          <a:effectRef idx="0">
+            <a:schemeClr val="accent1"/>
+          </a:effectRef>
+          <a:fontRef idx="minor">
+            <a:schemeClr val="lt1"/>
+          </a:fontRef>
+        </p:style>
+        <p:txBody>
+          <a:bodyPr rot="0" spcFirstLastPara="0" vertOverflow="overflow" horzOverflow="overflow" vert="horz" wrap="square" lIns="91440" tIns="45720" rIns="91440" bIns="45720" numCol="1" spcCol="0" rtlCol="0" fromWordArt="0" anchor="t" anchorCtr="0" forceAA="0" compatLnSpc="1">
+            <a:prstTxWarp prst="textNoShape">
+              <a:avLst/>
+            </a:prstTxWarp>
+            <a:noAutofit/>
+          </a:bodyPr>
+          <a:lstStyle/>
+          <a:p>
+            <a:pPr algn="ctr">
+              <a:lnSpc>
+                <a:spcPct val="114000"/>
+              </a:lnSpc>
+            </a:pPr>
+            <a:endParaRPr lang="de-DE" dirty="0" smtClean="0"/>
+          </a:p>
+        </p:txBody>
+      </p:sp>
+      <p:sp>
+        <p:nvSpPr>
+          <p:cNvPr id="26" name="L-Form 25"/>
+          <p:cNvSpPr/>
+          <p:nvPr/>
+        </p:nvSpPr>
+        <p:spPr>
+          <a:xfrm rot="19194712">
+            <a:off x="5785896" y="3960421"/>
+            <a:ext cx="314325" cy="177165"/>
+          </a:xfrm>
+          <a:prstGeom prst="corner">
+            <a:avLst/>
+          </a:prstGeom>
+          <a:solidFill>
+            <a:srgbClr val="92D050"/>
+          </a:solidFill>
+          <a:ln>
+            <a:noFill/>
+          </a:ln>
+        </p:spPr>
+        <p:style>
+          <a:lnRef idx="2">
+            <a:schemeClr val="accent1">
+              <a:shade val="50000"/>
+            </a:schemeClr>
+          </a:lnRef>
+          <a:fillRef idx="1">
+            <a:schemeClr val="accent1"/>
+          </a:fillRef>
+          <a:effectRef idx="0">
+            <a:schemeClr val="accent1"/>
+          </a:effectRef>
+          <a:fontRef idx="minor">
+            <a:schemeClr val="lt1"/>
+          </a:fontRef>
+        </p:style>
+        <p:txBody>
+          <a:bodyPr rot="0" spcFirstLastPara="0" vertOverflow="overflow" horzOverflow="overflow" vert="horz" wrap="square" lIns="91440" tIns="45720" rIns="91440" bIns="45720" numCol="1" spcCol="0" rtlCol="0" fromWordArt="0" anchor="t" anchorCtr="0" forceAA="0" compatLnSpc="1">
+            <a:prstTxWarp prst="textNoShape">
+              <a:avLst/>
+            </a:prstTxWarp>
+            <a:noAutofit/>
+          </a:bodyPr>
+          <a:lstStyle/>
+          <a:p>
+            <a:pPr algn="ctr">
+              <a:lnSpc>
+                <a:spcPct val="114000"/>
+              </a:lnSpc>
+            </a:pPr>
+            <a:endParaRPr lang="de-DE" dirty="0" smtClean="0"/>
+          </a:p>
+        </p:txBody>
+      </p:sp>
+      <p:sp>
+        <p:nvSpPr>
+          <p:cNvPr id="27" name="L-Form 26"/>
+          <p:cNvSpPr/>
+          <p:nvPr/>
+        </p:nvSpPr>
+        <p:spPr>
+          <a:xfrm rot="19194712">
+            <a:off x="6935861" y="5042204"/>
+            <a:ext cx="314325" cy="177165"/>
+          </a:xfrm>
+          <a:prstGeom prst="corner">
+            <a:avLst/>
+          </a:prstGeom>
+          <a:solidFill>
+            <a:srgbClr val="92D050"/>
+          </a:solidFill>
+          <a:ln>
+            <a:noFill/>
+          </a:ln>
+        </p:spPr>
+        <p:style>
+          <a:lnRef idx="2">
+            <a:schemeClr val="accent1">
+              <a:shade val="50000"/>
+            </a:schemeClr>
+          </a:lnRef>
+          <a:fillRef idx="1">
+            <a:schemeClr val="accent1"/>
+          </a:fillRef>
+          <a:effectRef idx="0">
+            <a:schemeClr val="accent1"/>
+          </a:effectRef>
+          <a:fontRef idx="minor">
+            <a:schemeClr val="lt1"/>
+          </a:fontRef>
+        </p:style>
+        <p:txBody>
+          <a:bodyPr rot="0" spcFirstLastPara="0" vertOverflow="overflow" horzOverflow="overflow" vert="horz" wrap="square" lIns="91440" tIns="45720" rIns="91440" bIns="45720" numCol="1" spcCol="0" rtlCol="0" fromWordArt="0" anchor="t" anchorCtr="0" forceAA="0" compatLnSpc="1">
+            <a:prstTxWarp prst="textNoShape">
+              <a:avLst/>
+            </a:prstTxWarp>
+            <a:noAutofit/>
+          </a:bodyPr>
+          <a:lstStyle/>
+          <a:p>
+            <a:pPr algn="ctr">
+              <a:lnSpc>
+                <a:spcPct val="114000"/>
+              </a:lnSpc>
+            </a:pPr>
+            <a:endParaRPr lang="de-DE" dirty="0" smtClean="0"/>
+          </a:p>
+        </p:txBody>
+      </p:sp>
+      <p:cxnSp>
+        <p:nvCxnSpPr>
+          <p:cNvPr id="15" name="Gerade Verbindung 14"/>
+          <p:cNvCxnSpPr/>
+          <p:nvPr/>
+        </p:nvCxnSpPr>
+        <p:spPr>
+          <a:xfrm flipV="1">
+            <a:off x="8332755" y="4094183"/>
+            <a:ext cx="240030" cy="320849"/>
+          </a:xfrm>
+          <a:prstGeom prst="line">
+            <a:avLst/>
+          </a:prstGeom>
+          <a:ln w="31750">
+            <a:solidFill>
+              <a:srgbClr val="FF0000"/>
+            </a:solidFill>
+          </a:ln>
+        </p:spPr>
+        <p:style>
+          <a:lnRef idx="1">
+            <a:schemeClr val="accent1"/>
+          </a:lnRef>
+          <a:fillRef idx="0">
+            <a:schemeClr val="accent1"/>
+          </a:fillRef>
+          <a:effectRef idx="0">
+            <a:schemeClr val="accent1"/>
+          </a:effectRef>
+          <a:fontRef idx="minor">
+            <a:schemeClr val="tx1"/>
+          </a:fontRef>
+        </p:style>
+      </p:cxnSp>
+      <p:cxnSp>
+        <p:nvCxnSpPr>
+          <p:cNvPr id="31" name="Gerade Verbindung 30"/>
+          <p:cNvCxnSpPr/>
+          <p:nvPr/>
+        </p:nvCxnSpPr>
+        <p:spPr>
+          <a:xfrm>
+            <a:off x="8332755" y="4114378"/>
+            <a:ext cx="247650" cy="280457"/>
+          </a:xfrm>
+          <a:prstGeom prst="line">
+            <a:avLst/>
+          </a:prstGeom>
+          <a:ln w="31750">
+            <a:solidFill>
+              <a:srgbClr val="FF0000"/>
+            </a:solidFill>
+          </a:ln>
+        </p:spPr>
+        <p:style>
+          <a:lnRef idx="1">
+            <a:schemeClr val="accent1"/>
+          </a:lnRef>
+          <a:fillRef idx="0">
+            <a:schemeClr val="accent1"/>
+          </a:fillRef>
+          <a:effectRef idx="0">
+            <a:schemeClr val="accent1"/>
+          </a:effectRef>
+          <a:fontRef idx="minor">
+            <a:schemeClr val="tx1"/>
+          </a:fontRef>
+        </p:style>
+      </p:cxnSp>
+      <p:cxnSp>
+        <p:nvCxnSpPr>
+          <p:cNvPr id="33" name="Gerade Verbindung 32"/>
+          <p:cNvCxnSpPr/>
+          <p:nvPr/>
+        </p:nvCxnSpPr>
+        <p:spPr>
+          <a:xfrm flipV="1">
+            <a:off x="8349615" y="2132149"/>
+            <a:ext cx="240030" cy="320849"/>
+          </a:xfrm>
+          <a:prstGeom prst="line">
+            <a:avLst/>
+          </a:prstGeom>
+          <a:ln w="31750">
+            <a:solidFill>
+              <a:srgbClr val="FF0000"/>
+            </a:solidFill>
+          </a:ln>
+        </p:spPr>
+        <p:style>
+          <a:lnRef idx="1">
+            <a:schemeClr val="accent1"/>
+          </a:lnRef>
+          <a:fillRef idx="0">
+            <a:schemeClr val="accent1"/>
+          </a:fillRef>
+          <a:effectRef idx="0">
+            <a:schemeClr val="accent1"/>
+          </a:effectRef>
+          <a:fontRef idx="minor">
+            <a:schemeClr val="tx1"/>
+          </a:fontRef>
+        </p:style>
+      </p:cxnSp>
+      <p:cxnSp>
+        <p:nvCxnSpPr>
+          <p:cNvPr id="35" name="Gerade Verbindung 34"/>
+          <p:cNvCxnSpPr/>
+          <p:nvPr/>
+        </p:nvCxnSpPr>
+        <p:spPr>
+          <a:xfrm>
+            <a:off x="8349615" y="2152344"/>
+            <a:ext cx="247650" cy="280457"/>
+          </a:xfrm>
+          <a:prstGeom prst="line">
+            <a:avLst/>
+          </a:prstGeom>
+          <a:ln w="31750">
+            <a:solidFill>
+              <a:srgbClr val="FF0000"/>
+            </a:solidFill>
+          </a:ln>
+        </p:spPr>
+        <p:style>
+          <a:lnRef idx="1">
+            <a:schemeClr val="accent1"/>
+          </a:lnRef>
+          <a:fillRef idx="0">
+            <a:schemeClr val="accent1"/>
+          </a:fillRef>
+          <a:effectRef idx="0">
+            <a:schemeClr val="accent1"/>
+          </a:effectRef>
+          <a:fontRef idx="minor">
+            <a:schemeClr val="tx1"/>
+          </a:fontRef>
+        </p:style>
+      </p:cxnSp>
     </p:spTree>
     <p:extLst>
       <p:ext uri="{BB962C8B-B14F-4D97-AF65-F5344CB8AC3E}">
-        <p14:creationId xmlns:p14="http://schemas.microsoft.com/office/powerpoint/2010/main" val="722670561"/>
+        <p14:creationId xmlns:p14="http://schemas.microsoft.com/office/powerpoint/2010/main" val="2839701414"/>
       </p:ext>
     </p:extLst>
   </p:cSld>
   <p:clrMapOvr>
     <a:masterClrMapping/>
   </p:clrMapOvr>
+  <p:timing>
+    <p:tnLst>
+      <p:par>
+        <p:cTn id="1" dur="indefinite" restart="never" nodeType="tmRoot"/>
+      </p:par>
+    </p:tnLst>
+  </p:timing>
 </p:sld>
 </file>
 
@@ -13151,7 +14184,7 @@
             </a:pPr>
             <a:r>
               <a:rPr lang="en-US" dirty="0"/>
-              <a:t>3 core games:</a:t>
+              <a:t>Perform Magic trick:</a:t>
             </a:r>
           </a:p>
           <a:p>
@@ -13160,8 +14193,18 @@
               <a:buChar char="•"/>
             </a:pPr>
             <a:r>
-              <a:rPr lang="en-US" b="1" dirty="0"/>
-              <a:t>Meet guests at bar (Tip Hat, Drink)</a:t>
+              <a:rPr lang="en-US" dirty="0"/>
+              <a:t>Tracing the rabbit requires much more precise movement</a:t>
+            </a:r>
+          </a:p>
+          <a:p>
+            <a:pPr marL="285750" indent="-285750">
+              <a:buFont typeface="Arial" panose="020B0604020202020204" pitchFamily="34" charset="0"/>
+              <a:buChar char="•"/>
+            </a:pPr>
+            <a:r>
+              <a:rPr lang="en-US" dirty="0"/>
+              <a:t>Give directions to player:</a:t>
             </a:r>
           </a:p>
           <a:p>
@@ -13170,8 +14213,8 @@
               <a:buChar char="•"/>
             </a:pPr>
             <a:r>
-              <a:rPr lang="en-US" b="1" dirty="0"/>
-              <a:t>Perform for guests (Dance moves)</a:t>
+              <a:rPr lang="en-US" dirty="0"/>
+              <a:t>Additional camera steering system required</a:t>
             </a:r>
           </a:p>
           <a:p>
@@ -13180,18 +14223,8 @@
               <a:buChar char="•"/>
             </a:pPr>
             <a:r>
-              <a:rPr lang="en-US" b="1" dirty="0"/>
-              <a:t>Balance a tablet (Do not let items fall off)</a:t>
-            </a:r>
-          </a:p>
-          <a:p>
-            <a:pPr marL="285750" indent="-285750">
-              <a:buFont typeface="Arial" panose="020B0604020202020204" pitchFamily="34" charset="0"/>
-              <a:buChar char="•"/>
-            </a:pPr>
-            <a:r>
               <a:rPr lang="en-US" dirty="0"/>
-              <a:t>Nice to have:</a:t>
+              <a:t>Switch to first person already implemented</a:t>
             </a:r>
           </a:p>
           <a:p>
@@ -13200,8 +14233,26 @@
               <a:buChar char="•"/>
             </a:pPr>
             <a:r>
-              <a:rPr lang="en-US" b="1" dirty="0"/>
-              <a:t>Start: Take picture of player</a:t>
+              <a:rPr lang="en-US" dirty="0"/>
+              <a:t>Completely new system to recognize pointing at objects or places in scene required</a:t>
+            </a:r>
+          </a:p>
+          <a:p>
+            <a:pPr lvl="1" indent="0">
+              <a:buNone/>
+            </a:pPr>
+            <a:endParaRPr lang="en-US" dirty="0"/>
+          </a:p>
+          <a:p>
+            <a:r>
+              <a:rPr lang="en-US" dirty="0">
+                <a:sym typeface="Wingdings" panose="05000000000000000000" pitchFamily="2" charset="2"/>
+              </a:rPr>
+              <a:t> Possible, but not enough time</a:t>
+            </a:r>
+            <a:r>
+              <a:rPr lang="en-US" dirty="0"/>
+              <a:t>  </a:t>
             </a:r>
           </a:p>
           <a:p>
@@ -13209,40 +14260,7 @@
               <a:buFont typeface="Arial" panose="020B0604020202020204" pitchFamily="34" charset="0"/>
               <a:buChar char="•"/>
             </a:pPr>
-            <a:r>
-              <a:rPr lang="en-US" dirty="0"/>
-              <a:t>Perform a magic trick (pull rabbit out of hat and pet it)</a:t>
-            </a:r>
-          </a:p>
-          <a:p>
-            <a:pPr marL="461963" lvl="1" indent="-285750">
-              <a:buFont typeface="Arial" panose="020B0604020202020204" pitchFamily="34" charset="0"/>
-              <a:buChar char="•"/>
-            </a:pPr>
-            <a:r>
-              <a:rPr lang="en-US" dirty="0"/>
-              <a:t>Give directions to an NPC (point at requested items/places in the scene)</a:t>
-            </a:r>
-          </a:p>
-          <a:p>
-            <a:pPr marL="461963" lvl="1" indent="-285750">
-              <a:buFont typeface="Arial" panose="020B0604020202020204" pitchFamily="34" charset="0"/>
-              <a:buChar char="•"/>
-            </a:pPr>
-            <a:r>
-              <a:rPr lang="en-US" b="1" dirty="0"/>
-              <a:t>Disguise (put on / take off glasses when caught to avoid failure)</a:t>
-            </a:r>
-          </a:p>
-          <a:p>
-            <a:pPr marL="461963" lvl="1" indent="-285750">
-              <a:buFont typeface="Arial" panose="020B0604020202020204" pitchFamily="34" charset="0"/>
-              <a:buChar char="•"/>
-            </a:pPr>
-            <a:r>
-              <a:rPr lang="en-US" b="1" dirty="0"/>
-              <a:t>End: Eliminate target</a:t>
-            </a:r>
+            <a:endParaRPr lang="en-US" dirty="0"/>
           </a:p>
           <a:p>
             <a:pPr marL="461963" lvl="1" indent="-285750">
@@ -13329,7 +14347,7 @@
           <a:p>
             <a:r>
               <a:rPr lang="en-US" dirty="0"/>
-              <a:t>Completed</a:t>
+              <a:t>Left out</a:t>
             </a:r>
             <a:r>
               <a:rPr lang="de-DE" dirty="0"/>
@@ -14204,13 +15222,20 @@
     </p:spTree>
     <p:extLst>
       <p:ext uri="{BB962C8B-B14F-4D97-AF65-F5344CB8AC3E}">
-        <p14:creationId xmlns:p14="http://schemas.microsoft.com/office/powerpoint/2010/main" val="2839701414"/>
+        <p14:creationId xmlns:p14="http://schemas.microsoft.com/office/powerpoint/2010/main" val="2135881940"/>
       </p:ext>
     </p:extLst>
   </p:cSld>
   <p:clrMapOvr>
     <a:masterClrMapping/>
   </p:clrMapOvr>
+  <p:timing>
+    <p:tnLst>
+      <p:par>
+        <p:cTn id="1" dur="indefinite" restart="never" nodeType="tmRoot"/>
+      </p:par>
+    </p:tnLst>
+  </p:timing>
 </p:sld>
 </file>
 
@@ -14257,7 +15282,48 @@
             </a:pPr>
             <a:r>
               <a:rPr lang="en-US" dirty="0"/>
-              <a:t>Perform Magic trick:</a:t>
+              <a:t>Additional gesture recognizer: </a:t>
+            </a:r>
+            <a:br>
+              <a:rPr lang="en-US" dirty="0"/>
+            </a:br>
+            <a:r>
+              <a:rPr lang="en-US" dirty="0"/>
+              <a:t>Visual Gesture Builder</a:t>
+            </a:r>
+          </a:p>
+          <a:p>
+            <a:pPr marL="285750" indent="-285750">
+              <a:buFont typeface="Arial" panose="020B0604020202020204" pitchFamily="34" charset="0"/>
+              <a:buChar char="•"/>
+            </a:pPr>
+            <a:endParaRPr lang="en-US" dirty="0"/>
+          </a:p>
+          <a:p>
+            <a:pPr marL="285750" indent="-285750">
+              <a:buFont typeface="Arial" panose="020B0604020202020204" pitchFamily="34" charset="0"/>
+              <a:buChar char="•"/>
+            </a:pPr>
+            <a:r>
+              <a:rPr lang="en-US" dirty="0"/>
+              <a:t>Idea: record training sets and receive confidence values from system to recognize what the player is doing </a:t>
+            </a:r>
+          </a:p>
+          <a:p>
+            <a:pPr marL="285750" indent="-285750">
+              <a:buFont typeface="Arial" panose="020B0604020202020204" pitchFamily="34" charset="0"/>
+              <a:buChar char="•"/>
+            </a:pPr>
+            <a:endParaRPr lang="en-US" dirty="0"/>
+          </a:p>
+          <a:p>
+            <a:pPr marL="285750" indent="-285750">
+              <a:buFont typeface="Arial" panose="020B0604020202020204" pitchFamily="34" charset="0"/>
+              <a:buChar char="•"/>
+            </a:pPr>
+            <a:r>
+              <a:rPr lang="en-US" dirty="0"/>
+              <a:t>First try in Kinect SDK: </a:t>
             </a:r>
           </a:p>
           <a:p>
@@ -14267,8 +15333,23 @@
             </a:pPr>
             <a:r>
               <a:rPr lang="en-US" dirty="0"/>
-              <a:t>Tracing the rabbit requires much more precise movement</a:t>
-            </a:r>
+              <a:t>Tip hat </a:t>
+            </a:r>
+            <a:r>
+              <a:rPr lang="en-US" dirty="0">
+                <a:sym typeface="Wingdings" panose="05000000000000000000" pitchFamily="2" charset="2"/>
+              </a:rPr>
+              <a:t> Solid results</a:t>
+            </a:r>
+          </a:p>
+          <a:p>
+            <a:pPr marL="461963" lvl="1" indent="-285750">
+              <a:buFont typeface="Arial" panose="020B0604020202020204" pitchFamily="34" charset="0"/>
+              <a:buChar char="•"/>
+            </a:pPr>
+            <a:endParaRPr lang="en-US" dirty="0">
+              <a:sym typeface="Wingdings" panose="05000000000000000000" pitchFamily="2" charset="2"/>
+            </a:endParaRPr>
           </a:p>
           <a:p>
             <a:pPr marL="285750" indent="-285750">
@@ -14276,71 +15357,11 @@
               <a:buChar char="•"/>
             </a:pPr>
             <a:r>
-              <a:rPr lang="en-US" dirty="0"/>
-              <a:t>Give directions to player:</a:t>
-            </a:r>
-          </a:p>
-          <a:p>
-            <a:pPr marL="461963" lvl="1" indent="-285750">
-              <a:buFont typeface="Arial" panose="020B0604020202020204" pitchFamily="34" charset="0"/>
-              <a:buChar char="•"/>
-            </a:pPr>
-            <a:r>
-              <a:rPr lang="en-US" dirty="0"/>
-              <a:t>Additional camera steering system required</a:t>
-            </a:r>
-          </a:p>
-          <a:p>
-            <a:pPr marL="461963" lvl="1" indent="-285750">
-              <a:buFont typeface="Arial" panose="020B0604020202020204" pitchFamily="34" charset="0"/>
-              <a:buChar char="•"/>
-            </a:pPr>
-            <a:r>
-              <a:rPr lang="en-US" dirty="0"/>
-              <a:t>Switch to first person already implemented</a:t>
-            </a:r>
-          </a:p>
-          <a:p>
-            <a:pPr marL="461963" lvl="1" indent="-285750">
-              <a:buFont typeface="Arial" panose="020B0604020202020204" pitchFamily="34" charset="0"/>
-              <a:buChar char="•"/>
-            </a:pPr>
-            <a:r>
-              <a:rPr lang="en-US" dirty="0"/>
-              <a:t>Completely new system to recognize pointing at objects or places in scene required</a:t>
-            </a:r>
-          </a:p>
-          <a:p>
-            <a:pPr lvl="1" indent="0">
-              <a:buNone/>
-            </a:pPr>
-            <a:endParaRPr lang="en-US" dirty="0"/>
-          </a:p>
-          <a:p>
-            <a:r>
               <a:rPr lang="en-US" dirty="0">
                 <a:sym typeface="Wingdings" panose="05000000000000000000" pitchFamily="2" charset="2"/>
               </a:rPr>
-              <a:t> Possible, but not enough time</a:t>
-            </a:r>
-            <a:r>
-              <a:rPr lang="en-US" dirty="0"/>
-              <a:t>  </a:t>
-            </a:r>
-          </a:p>
-          <a:p>
-            <a:pPr marL="461963" lvl="1" indent="-285750">
-              <a:buFont typeface="Arial" panose="020B0604020202020204" pitchFamily="34" charset="0"/>
-              <a:buChar char="•"/>
-            </a:pPr>
-            <a:endParaRPr lang="en-US" dirty="0"/>
-          </a:p>
-          <a:p>
-            <a:pPr marL="461963" lvl="1" indent="-285750">
-              <a:buFont typeface="Arial" panose="020B0604020202020204" pitchFamily="34" charset="0"/>
-              <a:buChar char="•"/>
-            </a:pPr>
-            <a:endParaRPr lang="en-US" dirty="0"/>
+              <a:t>3,5 weeks spend to understand system and integrate it into our game logic</a:t>
+            </a:r>
           </a:p>
           <a:p>
             <a:endParaRPr lang="en-US" sz="2200" dirty="0"/>
@@ -14420,888 +15441,29 @@
           <a:p>
             <a:r>
               <a:rPr lang="en-US" dirty="0"/>
-              <a:t>Left out</a:t>
-            </a:r>
-            <a:r>
-              <a:rPr lang="de-DE" dirty="0"/>
-              <a:t> Games</a:t>
-            </a:r>
-            <a:endParaRPr lang="de-DE" sz="3000" dirty="0"/>
-          </a:p>
-        </p:txBody>
-      </p:sp>
-      <p:sp>
-        <p:nvSpPr>
-          <p:cNvPr id="5" name="Ellipse 4"/>
-          <p:cNvSpPr/>
-          <p:nvPr/>
-        </p:nvSpPr>
-        <p:spPr>
-          <a:xfrm>
-            <a:off x="6332220" y="3318358"/>
-            <a:ext cx="1014073" cy="475170"/>
-          </a:xfrm>
-          <a:prstGeom prst="ellipse">
-            <a:avLst/>
-          </a:prstGeom>
-          <a:noFill/>
-          <a:ln>
-            <a:solidFill>
-              <a:schemeClr val="tx1"/>
-            </a:solidFill>
-          </a:ln>
-        </p:spPr>
-        <p:style>
-          <a:lnRef idx="2">
-            <a:schemeClr val="accent1">
-              <a:shade val="50000"/>
-            </a:schemeClr>
-          </a:lnRef>
-          <a:fillRef idx="1">
-            <a:schemeClr val="accent1"/>
-          </a:fillRef>
-          <a:effectRef idx="0">
-            <a:schemeClr val="accent1"/>
-          </a:effectRef>
-          <a:fontRef idx="minor">
-            <a:schemeClr val="lt1"/>
-          </a:fontRef>
-        </p:style>
-        <p:txBody>
-          <a:bodyPr rot="0" spcFirstLastPara="0" vertOverflow="overflow" horzOverflow="overflow" vert="horz" wrap="square" lIns="91440" tIns="45720" rIns="91440" bIns="45720" numCol="1" spcCol="0" rtlCol="0" fromWordArt="0" anchor="ctr" anchorCtr="0" forceAA="0" compatLnSpc="1">
-            <a:prstTxWarp prst="textNoShape">
-              <a:avLst/>
-            </a:prstTxWarp>
-            <a:spAutoFit/>
-          </a:bodyPr>
-          <a:lstStyle/>
-          <a:p>
-            <a:pPr algn="ctr">
-              <a:lnSpc>
-                <a:spcPct val="114000"/>
-              </a:lnSpc>
-            </a:pPr>
-            <a:r>
-              <a:rPr lang="de-DE" sz="1400" dirty="0">
-                <a:solidFill>
-                  <a:schemeClr val="tx1"/>
-                </a:solidFill>
-              </a:rPr>
-              <a:t>Dance</a:t>
-            </a:r>
-          </a:p>
-        </p:txBody>
-      </p:sp>
-      <p:sp>
-        <p:nvSpPr>
-          <p:cNvPr id="8" name="Ellipse 7"/>
-          <p:cNvSpPr/>
-          <p:nvPr/>
-        </p:nvSpPr>
-        <p:spPr>
-          <a:xfrm>
-            <a:off x="6374292" y="5168378"/>
-            <a:ext cx="1082901" cy="792000"/>
-          </a:xfrm>
-          <a:prstGeom prst="ellipse">
-            <a:avLst/>
-          </a:prstGeom>
-          <a:noFill/>
-          <a:ln>
-            <a:solidFill>
-              <a:schemeClr val="tx1"/>
-            </a:solidFill>
-          </a:ln>
-        </p:spPr>
-        <p:style>
-          <a:lnRef idx="2">
-            <a:schemeClr val="accent1">
-              <a:shade val="50000"/>
-            </a:schemeClr>
-          </a:lnRef>
-          <a:fillRef idx="1">
-            <a:schemeClr val="accent1"/>
-          </a:fillRef>
-          <a:effectRef idx="0">
-            <a:schemeClr val="accent1"/>
-          </a:effectRef>
-          <a:fontRef idx="minor">
-            <a:schemeClr val="lt1"/>
-          </a:fontRef>
-        </p:style>
-        <p:txBody>
-          <a:bodyPr rot="0" spcFirstLastPara="0" vertOverflow="overflow" horzOverflow="overflow" vert="horz" wrap="square" lIns="91440" tIns="45720" rIns="91440" bIns="45720" numCol="1" spcCol="0" rtlCol="0" fromWordArt="0" anchor="ctr" anchorCtr="0" forceAA="0" compatLnSpc="1">
-            <a:prstTxWarp prst="textNoShape">
-              <a:avLst/>
-            </a:prstTxWarp>
-            <a:noAutofit/>
-          </a:bodyPr>
-          <a:lstStyle/>
-          <a:p>
-            <a:pPr algn="ctr">
-              <a:lnSpc>
-                <a:spcPct val="114000"/>
-              </a:lnSpc>
-            </a:pPr>
-            <a:r>
-              <a:rPr lang="de-DE" sz="1400" dirty="0">
-                <a:solidFill>
-                  <a:schemeClr val="tx1"/>
-                </a:solidFill>
-              </a:rPr>
-              <a:t>Take Picture</a:t>
-            </a:r>
-          </a:p>
-        </p:txBody>
-      </p:sp>
-      <p:sp>
-        <p:nvSpPr>
-          <p:cNvPr id="9" name="Ellipse 8"/>
-          <p:cNvSpPr/>
-          <p:nvPr/>
-        </p:nvSpPr>
-        <p:spPr>
-          <a:xfrm>
-            <a:off x="7197785" y="2148658"/>
-            <a:ext cx="1391860" cy="820502"/>
-          </a:xfrm>
-          <a:prstGeom prst="ellipse">
-            <a:avLst/>
-          </a:prstGeom>
-          <a:noFill/>
-          <a:ln>
-            <a:solidFill>
-              <a:schemeClr val="bg1">
-                <a:lumMod val="65000"/>
-              </a:schemeClr>
-            </a:solidFill>
-          </a:ln>
-        </p:spPr>
-        <p:style>
-          <a:lnRef idx="2">
-            <a:schemeClr val="accent1">
-              <a:shade val="50000"/>
-            </a:schemeClr>
-          </a:lnRef>
-          <a:fillRef idx="1">
-            <a:schemeClr val="accent1"/>
-          </a:fillRef>
-          <a:effectRef idx="0">
-            <a:schemeClr val="accent1"/>
-          </a:effectRef>
-          <a:fontRef idx="minor">
-            <a:schemeClr val="lt1"/>
-          </a:fontRef>
-        </p:style>
-        <p:txBody>
-          <a:bodyPr rot="0" spcFirstLastPara="0" vertOverflow="overflow" horzOverflow="overflow" vert="horz" wrap="square" lIns="91440" tIns="45720" rIns="91440" bIns="45720" numCol="1" spcCol="0" rtlCol="0" fromWordArt="0" anchor="ctr" anchorCtr="0" forceAA="0" compatLnSpc="1">
-            <a:prstTxWarp prst="textNoShape">
-              <a:avLst/>
-            </a:prstTxWarp>
-            <a:spAutoFit/>
-          </a:bodyPr>
-          <a:lstStyle/>
-          <a:p>
-            <a:pPr algn="ctr">
-              <a:lnSpc>
-                <a:spcPct val="114000"/>
-              </a:lnSpc>
-            </a:pPr>
-            <a:r>
-              <a:rPr lang="de-DE" sz="1400" dirty="0" err="1">
-                <a:solidFill>
-                  <a:schemeClr val="bg1">
-                    <a:lumMod val="65000"/>
-                  </a:schemeClr>
-                </a:solidFill>
-              </a:rPr>
-              <a:t>Give</a:t>
-            </a:r>
-            <a:r>
-              <a:rPr lang="de-DE" sz="1400" dirty="0">
-                <a:solidFill>
-                  <a:schemeClr val="bg1">
-                    <a:lumMod val="65000"/>
-                  </a:schemeClr>
-                </a:solidFill>
-              </a:rPr>
-              <a:t> </a:t>
-            </a:r>
-            <a:r>
-              <a:rPr lang="de-DE" sz="1400" dirty="0" err="1">
-                <a:solidFill>
-                  <a:schemeClr val="bg1">
-                    <a:lumMod val="65000"/>
-                  </a:schemeClr>
-                </a:solidFill>
-              </a:rPr>
-              <a:t>Directions</a:t>
-            </a:r>
-            <a:endParaRPr lang="de-DE" sz="1400" dirty="0">
-              <a:solidFill>
-                <a:schemeClr val="bg1">
-                  <a:lumMod val="65000"/>
-                </a:schemeClr>
-              </a:solidFill>
-            </a:endParaRPr>
-          </a:p>
-        </p:txBody>
-      </p:sp>
-      <p:sp>
-        <p:nvSpPr>
-          <p:cNvPr id="10" name="Ellipse 9"/>
-          <p:cNvSpPr/>
-          <p:nvPr/>
-        </p:nvSpPr>
-        <p:spPr>
-          <a:xfrm>
-            <a:off x="5103496" y="2321324"/>
-            <a:ext cx="1188372" cy="475170"/>
-          </a:xfrm>
-          <a:prstGeom prst="ellipse">
-            <a:avLst/>
-          </a:prstGeom>
-          <a:noFill/>
-          <a:ln>
-            <a:solidFill>
-              <a:schemeClr val="tx1"/>
-            </a:solidFill>
-          </a:ln>
-        </p:spPr>
-        <p:style>
-          <a:lnRef idx="2">
-            <a:schemeClr val="accent1">
-              <a:shade val="50000"/>
-            </a:schemeClr>
-          </a:lnRef>
-          <a:fillRef idx="1">
-            <a:schemeClr val="accent1"/>
-          </a:fillRef>
-          <a:effectRef idx="0">
-            <a:schemeClr val="accent1"/>
-          </a:effectRef>
-          <a:fontRef idx="minor">
-            <a:schemeClr val="lt1"/>
-          </a:fontRef>
-        </p:style>
-        <p:txBody>
-          <a:bodyPr rot="0" spcFirstLastPara="0" vertOverflow="overflow" horzOverflow="overflow" vert="horz" wrap="square" lIns="91440" tIns="45720" rIns="91440" bIns="45720" numCol="1" spcCol="0" rtlCol="0" fromWordArt="0" anchor="ctr" anchorCtr="0" forceAA="0" compatLnSpc="1">
-            <a:prstTxWarp prst="textNoShape">
-              <a:avLst/>
-            </a:prstTxWarp>
-            <a:spAutoFit/>
-          </a:bodyPr>
-          <a:lstStyle/>
-          <a:p>
-            <a:pPr algn="ctr">
-              <a:lnSpc>
-                <a:spcPct val="114000"/>
-              </a:lnSpc>
-            </a:pPr>
-            <a:r>
-              <a:rPr lang="de-DE" sz="1400" dirty="0">
-                <a:solidFill>
-                  <a:schemeClr val="tx1"/>
-                </a:solidFill>
-              </a:rPr>
-              <a:t>Balance</a:t>
-            </a:r>
-          </a:p>
-        </p:txBody>
-      </p:sp>
-      <p:sp>
-        <p:nvSpPr>
-          <p:cNvPr id="11" name="Ellipse 10"/>
-          <p:cNvSpPr/>
-          <p:nvPr/>
-        </p:nvSpPr>
-        <p:spPr>
-          <a:xfrm>
-            <a:off x="6374417" y="959605"/>
-            <a:ext cx="1292513" cy="820502"/>
-          </a:xfrm>
-          <a:prstGeom prst="ellipse">
-            <a:avLst/>
-          </a:prstGeom>
-          <a:noFill/>
-          <a:ln>
-            <a:solidFill>
-              <a:schemeClr val="tx1"/>
-            </a:solidFill>
-          </a:ln>
-        </p:spPr>
-        <p:style>
-          <a:lnRef idx="2">
-            <a:schemeClr val="accent1">
-              <a:shade val="50000"/>
-            </a:schemeClr>
-          </a:lnRef>
-          <a:fillRef idx="1">
-            <a:schemeClr val="accent1"/>
-          </a:fillRef>
-          <a:effectRef idx="0">
-            <a:schemeClr val="accent1"/>
-          </a:effectRef>
-          <a:fontRef idx="minor">
-            <a:schemeClr val="lt1"/>
-          </a:fontRef>
-        </p:style>
-        <p:txBody>
-          <a:bodyPr rot="0" spcFirstLastPara="0" vertOverflow="overflow" horzOverflow="overflow" vert="horz" wrap="square" lIns="91440" tIns="45720" rIns="91440" bIns="45720" numCol="1" spcCol="0" rtlCol="0" fromWordArt="0" anchor="ctr" anchorCtr="0" forceAA="0" compatLnSpc="1">
-            <a:prstTxWarp prst="textNoShape">
-              <a:avLst/>
-            </a:prstTxWarp>
-            <a:spAutoFit/>
-          </a:bodyPr>
-          <a:lstStyle/>
-          <a:p>
-            <a:pPr algn="ctr">
-              <a:lnSpc>
-                <a:spcPct val="114000"/>
-              </a:lnSpc>
-            </a:pPr>
-            <a:r>
-              <a:rPr lang="de-DE" sz="1400" dirty="0" err="1">
-                <a:solidFill>
-                  <a:schemeClr val="tx1"/>
-                </a:solidFill>
-              </a:rPr>
-              <a:t>Eliminate</a:t>
-            </a:r>
-            <a:r>
-              <a:rPr lang="de-DE" sz="1400" dirty="0">
-                <a:solidFill>
-                  <a:schemeClr val="tx1"/>
-                </a:solidFill>
-              </a:rPr>
-              <a:t> Target</a:t>
-            </a:r>
-          </a:p>
-        </p:txBody>
-      </p:sp>
-      <p:sp>
-        <p:nvSpPr>
-          <p:cNvPr id="12" name="Ellipse 11"/>
-          <p:cNvSpPr/>
-          <p:nvPr/>
-        </p:nvSpPr>
-        <p:spPr>
-          <a:xfrm>
-            <a:off x="7524585" y="4073986"/>
-            <a:ext cx="972000" cy="791649"/>
-          </a:xfrm>
-          <a:prstGeom prst="ellipse">
-            <a:avLst/>
-          </a:prstGeom>
-          <a:noFill/>
-          <a:ln>
-            <a:solidFill>
-              <a:schemeClr val="bg1">
-                <a:lumMod val="65000"/>
-              </a:schemeClr>
-            </a:solidFill>
-          </a:ln>
-        </p:spPr>
-        <p:style>
-          <a:lnRef idx="2">
-            <a:schemeClr val="accent1">
-              <a:shade val="50000"/>
-            </a:schemeClr>
-          </a:lnRef>
-          <a:fillRef idx="1">
-            <a:schemeClr val="accent1"/>
-          </a:fillRef>
-          <a:effectRef idx="0">
-            <a:schemeClr val="accent1"/>
-          </a:effectRef>
-          <a:fontRef idx="minor">
-            <a:schemeClr val="lt1"/>
-          </a:fontRef>
-        </p:style>
-        <p:txBody>
-          <a:bodyPr rot="0" spcFirstLastPara="0" vertOverflow="overflow" horzOverflow="overflow" vert="horz" wrap="square" lIns="91440" tIns="45720" rIns="91440" bIns="45720" numCol="1" spcCol="0" rtlCol="0" fromWordArt="0" anchor="ctr" anchorCtr="0" forceAA="0" compatLnSpc="1">
-            <a:prstTxWarp prst="textNoShape">
-              <a:avLst/>
-            </a:prstTxWarp>
-            <a:spAutoFit/>
-          </a:bodyPr>
-          <a:lstStyle/>
-          <a:p>
-            <a:pPr algn="ctr">
-              <a:lnSpc>
-                <a:spcPct val="114000"/>
-              </a:lnSpc>
-            </a:pPr>
-            <a:r>
-              <a:rPr lang="de-DE" sz="1400" dirty="0">
-                <a:solidFill>
-                  <a:srgbClr val="999999"/>
-                </a:solidFill>
-              </a:rPr>
-              <a:t>Magic Trick</a:t>
-            </a:r>
-          </a:p>
-        </p:txBody>
-      </p:sp>
-      <p:sp>
-        <p:nvSpPr>
-          <p:cNvPr id="13" name="Ellipse 12"/>
-          <p:cNvSpPr/>
-          <p:nvPr/>
-        </p:nvSpPr>
-        <p:spPr>
-          <a:xfrm>
-            <a:off x="5103495" y="4059561"/>
-            <a:ext cx="1103105" cy="820502"/>
-          </a:xfrm>
-          <a:prstGeom prst="ellipse">
-            <a:avLst/>
-          </a:prstGeom>
-          <a:noFill/>
-          <a:ln>
-            <a:solidFill>
-              <a:schemeClr val="tx1"/>
-            </a:solidFill>
-          </a:ln>
-        </p:spPr>
-        <p:style>
-          <a:lnRef idx="2">
-            <a:schemeClr val="accent1">
-              <a:shade val="50000"/>
-            </a:schemeClr>
-          </a:lnRef>
-          <a:fillRef idx="1">
-            <a:schemeClr val="accent1"/>
-          </a:fillRef>
-          <a:effectRef idx="0">
-            <a:schemeClr val="accent1"/>
-          </a:effectRef>
-          <a:fontRef idx="minor">
-            <a:schemeClr val="lt1"/>
-          </a:fontRef>
-        </p:style>
-        <p:txBody>
-          <a:bodyPr rot="0" spcFirstLastPara="0" vertOverflow="overflow" horzOverflow="overflow" vert="horz" wrap="square" lIns="91440" tIns="45720" rIns="91440" bIns="45720" numCol="1" spcCol="0" rtlCol="0" fromWordArt="0" anchor="ctr" anchorCtr="0" forceAA="0" compatLnSpc="1">
-            <a:prstTxWarp prst="textNoShape">
-              <a:avLst/>
-            </a:prstTxWarp>
-            <a:spAutoFit/>
-          </a:bodyPr>
-          <a:lstStyle/>
-          <a:p>
-            <a:pPr algn="ctr">
-              <a:lnSpc>
-                <a:spcPct val="114000"/>
-              </a:lnSpc>
-            </a:pPr>
-            <a:r>
-              <a:rPr lang="de-DE" sz="1400" dirty="0" err="1">
-                <a:solidFill>
-                  <a:schemeClr val="tx1"/>
-                </a:solidFill>
-              </a:rPr>
-              <a:t>Meet</a:t>
-            </a:r>
-            <a:r>
-              <a:rPr lang="de-DE" sz="1400" dirty="0">
-                <a:solidFill>
-                  <a:schemeClr val="tx1"/>
-                </a:solidFill>
-              </a:rPr>
-              <a:t> Guests</a:t>
-            </a:r>
-          </a:p>
-        </p:txBody>
-      </p:sp>
-      <p:cxnSp>
-        <p:nvCxnSpPr>
-          <p:cNvPr id="16" name="Gerade Verbindung mit Pfeil 15"/>
-          <p:cNvCxnSpPr>
-            <a:stCxn id="8" idx="1"/>
-            <a:endCxn id="13" idx="4"/>
-          </p:cNvCxnSpPr>
-          <p:nvPr/>
-        </p:nvCxnSpPr>
-        <p:spPr>
-          <a:xfrm flipH="1" flipV="1">
-            <a:off x="5655048" y="4880063"/>
-            <a:ext cx="877831" cy="404301"/>
-          </a:xfrm>
-          <a:prstGeom prst="straightConnector1">
-            <a:avLst/>
-          </a:prstGeom>
-          <a:ln w="28575">
-            <a:solidFill>
-              <a:schemeClr val="tx1"/>
-            </a:solidFill>
-            <a:tailEnd type="arrow"/>
-          </a:ln>
-        </p:spPr>
-        <p:style>
-          <a:lnRef idx="1">
-            <a:schemeClr val="accent1"/>
-          </a:lnRef>
-          <a:fillRef idx="0">
-            <a:schemeClr val="accent1"/>
-          </a:fillRef>
-          <a:effectRef idx="0">
-            <a:schemeClr val="accent1"/>
-          </a:effectRef>
-          <a:fontRef idx="minor">
-            <a:schemeClr val="tx1"/>
-          </a:fontRef>
-        </p:style>
-      </p:cxnSp>
-      <p:cxnSp>
-        <p:nvCxnSpPr>
-          <p:cNvPr id="30" name="Gerade Verbindung mit Pfeil 29"/>
-          <p:cNvCxnSpPr>
-            <a:stCxn id="13" idx="7"/>
-            <a:endCxn id="5" idx="4"/>
-          </p:cNvCxnSpPr>
-          <p:nvPr/>
-        </p:nvCxnSpPr>
-        <p:spPr>
-          <a:xfrm flipV="1">
-            <a:off x="6045054" y="3793528"/>
-            <a:ext cx="794203" cy="386193"/>
-          </a:xfrm>
-          <a:prstGeom prst="straightConnector1">
-            <a:avLst/>
-          </a:prstGeom>
-          <a:ln w="28575">
-            <a:solidFill>
-              <a:schemeClr val="tx1"/>
-            </a:solidFill>
-            <a:tailEnd type="arrow"/>
-          </a:ln>
-        </p:spPr>
-        <p:style>
-          <a:lnRef idx="1">
-            <a:schemeClr val="accent1"/>
-          </a:lnRef>
-          <a:fillRef idx="0">
-            <a:schemeClr val="accent1"/>
-          </a:fillRef>
-          <a:effectRef idx="0">
-            <a:schemeClr val="accent1"/>
-          </a:effectRef>
-          <a:fontRef idx="minor">
-            <a:schemeClr val="tx1"/>
-          </a:fontRef>
-        </p:style>
-      </p:cxnSp>
-      <p:cxnSp>
-        <p:nvCxnSpPr>
-          <p:cNvPr id="32" name="Gerade Verbindung mit Pfeil 31"/>
-          <p:cNvCxnSpPr>
-            <a:stCxn id="12" idx="1"/>
-            <a:endCxn id="5" idx="4"/>
-          </p:cNvCxnSpPr>
-          <p:nvPr/>
-        </p:nvCxnSpPr>
-        <p:spPr>
-          <a:xfrm flipH="1" flipV="1">
-            <a:off x="6839257" y="3793528"/>
-            <a:ext cx="827674" cy="396392"/>
-          </a:xfrm>
-          <a:prstGeom prst="straightConnector1">
-            <a:avLst/>
-          </a:prstGeom>
-          <a:ln w="28575">
-            <a:solidFill>
-              <a:srgbClr val="999999"/>
-            </a:solidFill>
-            <a:tailEnd type="arrow"/>
-          </a:ln>
-        </p:spPr>
-        <p:style>
-          <a:lnRef idx="1">
-            <a:schemeClr val="accent1"/>
-          </a:lnRef>
-          <a:fillRef idx="0">
-            <a:schemeClr val="accent1"/>
-          </a:fillRef>
-          <a:effectRef idx="0">
-            <a:schemeClr val="accent1"/>
-          </a:effectRef>
-          <a:fontRef idx="minor">
-            <a:schemeClr val="tx1"/>
-          </a:fontRef>
-        </p:style>
-      </p:cxnSp>
-      <p:cxnSp>
-        <p:nvCxnSpPr>
-          <p:cNvPr id="34" name="Gerade Verbindung mit Pfeil 33"/>
-          <p:cNvCxnSpPr>
-            <a:stCxn id="5" idx="1"/>
-            <a:endCxn id="10" idx="4"/>
-          </p:cNvCxnSpPr>
-          <p:nvPr/>
-        </p:nvCxnSpPr>
-        <p:spPr>
-          <a:xfrm flipH="1" flipV="1">
-            <a:off x="5697682" y="2796494"/>
-            <a:ext cx="783046" cy="591451"/>
-          </a:xfrm>
-          <a:prstGeom prst="straightConnector1">
-            <a:avLst/>
-          </a:prstGeom>
-          <a:ln w="28575">
-            <a:solidFill>
-              <a:schemeClr val="tx1"/>
-            </a:solidFill>
-            <a:tailEnd type="arrow"/>
-          </a:ln>
-        </p:spPr>
-        <p:style>
-          <a:lnRef idx="1">
-            <a:schemeClr val="accent1"/>
-          </a:lnRef>
-          <a:fillRef idx="0">
-            <a:schemeClr val="accent1"/>
-          </a:fillRef>
-          <a:effectRef idx="0">
-            <a:schemeClr val="accent1"/>
-          </a:effectRef>
-          <a:fontRef idx="minor">
-            <a:schemeClr val="tx1"/>
-          </a:fontRef>
-        </p:style>
-      </p:cxnSp>
-      <p:cxnSp>
-        <p:nvCxnSpPr>
-          <p:cNvPr id="36" name="Gerade Verbindung mit Pfeil 35"/>
-          <p:cNvCxnSpPr>
-            <a:stCxn id="5" idx="7"/>
-            <a:endCxn id="9" idx="4"/>
-          </p:cNvCxnSpPr>
-          <p:nvPr/>
-        </p:nvCxnSpPr>
-        <p:spPr>
-          <a:xfrm flipV="1">
-            <a:off x="7197785" y="2969160"/>
-            <a:ext cx="695930" cy="418785"/>
-          </a:xfrm>
-          <a:prstGeom prst="straightConnector1">
-            <a:avLst/>
-          </a:prstGeom>
-          <a:ln w="28575">
-            <a:solidFill>
-              <a:srgbClr val="999999"/>
-            </a:solidFill>
-            <a:tailEnd type="arrow"/>
-          </a:ln>
-        </p:spPr>
-        <p:style>
-          <a:lnRef idx="1">
-            <a:schemeClr val="accent1"/>
-          </a:lnRef>
-          <a:fillRef idx="0">
-            <a:schemeClr val="accent1"/>
-          </a:fillRef>
-          <a:effectRef idx="0">
-            <a:schemeClr val="accent1"/>
-          </a:effectRef>
-          <a:fontRef idx="minor">
-            <a:schemeClr val="tx1"/>
-          </a:fontRef>
-        </p:style>
-      </p:cxnSp>
-      <p:cxnSp>
-        <p:nvCxnSpPr>
-          <p:cNvPr id="38" name="Gerade Verbindung mit Pfeil 37"/>
-          <p:cNvCxnSpPr>
-            <a:stCxn id="10" idx="0"/>
-            <a:endCxn id="11" idx="4"/>
-          </p:cNvCxnSpPr>
-          <p:nvPr/>
-        </p:nvCxnSpPr>
-        <p:spPr>
-          <a:xfrm flipV="1">
-            <a:off x="5697682" y="1780107"/>
-            <a:ext cx="1322992" cy="541217"/>
-          </a:xfrm>
-          <a:prstGeom prst="straightConnector1">
-            <a:avLst/>
-          </a:prstGeom>
-          <a:ln w="28575">
-            <a:solidFill>
-              <a:schemeClr val="tx1"/>
-            </a:solidFill>
-            <a:tailEnd type="arrow"/>
-          </a:ln>
-        </p:spPr>
-        <p:style>
-          <a:lnRef idx="1">
-            <a:schemeClr val="accent1"/>
-          </a:lnRef>
-          <a:fillRef idx="0">
-            <a:schemeClr val="accent1"/>
-          </a:fillRef>
-          <a:effectRef idx="0">
-            <a:schemeClr val="accent1"/>
-          </a:effectRef>
-          <a:fontRef idx="minor">
-            <a:schemeClr val="tx1"/>
-          </a:fontRef>
-        </p:style>
-      </p:cxnSp>
-      <p:cxnSp>
-        <p:nvCxnSpPr>
-          <p:cNvPr id="40" name="Gerade Verbindung mit Pfeil 39"/>
-          <p:cNvCxnSpPr>
-            <a:stCxn id="9" idx="0"/>
-            <a:endCxn id="11" idx="4"/>
-          </p:cNvCxnSpPr>
-          <p:nvPr/>
-        </p:nvCxnSpPr>
-        <p:spPr>
-          <a:xfrm flipH="1" flipV="1">
-            <a:off x="7020674" y="1780107"/>
-            <a:ext cx="873041" cy="368551"/>
-          </a:xfrm>
-          <a:prstGeom prst="straightConnector1">
-            <a:avLst/>
-          </a:prstGeom>
-          <a:ln w="28575">
-            <a:solidFill>
-              <a:srgbClr val="999999"/>
-            </a:solidFill>
-            <a:tailEnd type="arrow"/>
-          </a:ln>
-        </p:spPr>
-        <p:style>
-          <a:lnRef idx="1">
-            <a:schemeClr val="accent1"/>
-          </a:lnRef>
-          <a:fillRef idx="0">
-            <a:schemeClr val="accent1"/>
-          </a:fillRef>
-          <a:effectRef idx="0">
-            <a:schemeClr val="accent1"/>
-          </a:effectRef>
-          <a:fontRef idx="minor">
-            <a:schemeClr val="tx1"/>
-          </a:fontRef>
-        </p:style>
-      </p:cxnSp>
-      <p:cxnSp>
-        <p:nvCxnSpPr>
-          <p:cNvPr id="42" name="Gerade Verbindung mit Pfeil 41"/>
-          <p:cNvCxnSpPr>
-            <a:stCxn id="8" idx="7"/>
-            <a:endCxn id="12" idx="4"/>
-          </p:cNvCxnSpPr>
-          <p:nvPr/>
-        </p:nvCxnSpPr>
-        <p:spPr>
-          <a:xfrm flipV="1">
-            <a:off x="7298606" y="4865635"/>
-            <a:ext cx="711979" cy="418729"/>
-          </a:xfrm>
-          <a:prstGeom prst="straightConnector1">
-            <a:avLst/>
-          </a:prstGeom>
-          <a:ln w="28575">
-            <a:solidFill>
-              <a:srgbClr val="999999"/>
-            </a:solidFill>
-            <a:tailEnd type="arrow"/>
-          </a:ln>
-        </p:spPr>
-        <p:style>
-          <a:lnRef idx="1">
-            <a:schemeClr val="accent1"/>
-          </a:lnRef>
-          <a:fillRef idx="0">
-            <a:schemeClr val="accent1"/>
-          </a:fillRef>
-          <a:effectRef idx="0">
-            <a:schemeClr val="accent1"/>
-          </a:effectRef>
-          <a:fontRef idx="minor">
-            <a:schemeClr val="tx1"/>
-          </a:fontRef>
-        </p:style>
-      </p:cxnSp>
-      <p:sp>
-        <p:nvSpPr>
-          <p:cNvPr id="21" name="Ellipse 20"/>
-          <p:cNvSpPr/>
-          <p:nvPr/>
-        </p:nvSpPr>
-        <p:spPr>
-          <a:xfrm>
-            <a:off x="4686161" y="1146697"/>
-            <a:ext cx="1256897" cy="446317"/>
-          </a:xfrm>
-          <a:prstGeom prst="ellipse">
-            <a:avLst/>
-          </a:prstGeom>
-          <a:noFill/>
-          <a:ln>
-            <a:solidFill>
-              <a:schemeClr val="tx1"/>
-            </a:solidFill>
-          </a:ln>
-        </p:spPr>
-        <p:style>
-          <a:lnRef idx="2">
-            <a:schemeClr val="accent1">
-              <a:shade val="50000"/>
-            </a:schemeClr>
-          </a:lnRef>
-          <a:fillRef idx="1">
-            <a:schemeClr val="accent1"/>
-          </a:fillRef>
-          <a:effectRef idx="0">
-            <a:schemeClr val="accent1"/>
-          </a:effectRef>
-          <a:fontRef idx="minor">
-            <a:schemeClr val="lt1"/>
-          </a:fontRef>
-        </p:style>
-        <p:txBody>
-          <a:bodyPr rot="0" spcFirstLastPara="0" vertOverflow="overflow" horzOverflow="overflow" vert="horz" wrap="square" lIns="91440" tIns="45720" rIns="91440" bIns="45720" numCol="1" spcCol="0" rtlCol="0" fromWordArt="0" anchor="ctr" anchorCtr="0" forceAA="0" compatLnSpc="1">
-            <a:prstTxWarp prst="textNoShape">
-              <a:avLst/>
-            </a:prstTxWarp>
-            <a:spAutoFit/>
-          </a:bodyPr>
-          <a:lstStyle/>
-          <a:p>
-            <a:pPr algn="ctr">
-              <a:lnSpc>
-                <a:spcPct val="114000"/>
-              </a:lnSpc>
-            </a:pPr>
-            <a:r>
-              <a:rPr lang="de-DE" sz="1400" dirty="0" err="1">
-                <a:solidFill>
-                  <a:schemeClr val="tx1"/>
-                </a:solidFill>
-              </a:rPr>
-              <a:t>Disguise</a:t>
-            </a:r>
-            <a:endParaRPr lang="de-DE" sz="1400" dirty="0">
-              <a:solidFill>
-                <a:schemeClr val="tx1"/>
-              </a:solidFill>
-            </a:endParaRPr>
+              <a:t>Our machine learning adventure</a:t>
+            </a:r>
+            <a:endParaRPr lang="en-US" sz="3000" dirty="0"/>
           </a:p>
         </p:txBody>
       </p:sp>
     </p:spTree>
     <p:extLst>
       <p:ext uri="{BB962C8B-B14F-4D97-AF65-F5344CB8AC3E}">
-        <p14:creationId xmlns:p14="http://schemas.microsoft.com/office/powerpoint/2010/main" val="2135881940"/>
+        <p14:creationId xmlns:p14="http://schemas.microsoft.com/office/powerpoint/2010/main" val="1326703922"/>
       </p:ext>
     </p:extLst>
   </p:cSld>
   <p:clrMapOvr>
     <a:masterClrMapping/>
   </p:clrMapOvr>
+  <p:timing>
+    <p:tnLst>
+      <p:par>
+        <p:cTn id="1" dur="indefinite" restart="never" nodeType="tmRoot"/>
+      </p:par>
+    </p:tnLst>
+  </p:timing>
 </p:sld>
 </file>
 
@@ -15347,15 +15509,16 @@
               <a:buChar char="•"/>
             </a:pPr>
             <a:r>
-              <a:rPr lang="en-US" dirty="0"/>
-              <a:t>Additional gesture recognizer: </a:t>
-            </a:r>
-            <a:br>
-              <a:rPr lang="en-US" dirty="0"/>
-            </a:br>
-            <a:r>
-              <a:rPr lang="en-US" dirty="0"/>
-              <a:t>Visual Gesture Builder</a:t>
+              <a:rPr lang="en-US" dirty="0">
+                <a:sym typeface="Wingdings" panose="05000000000000000000" pitchFamily="2" charset="2"/>
+              </a:rPr>
+              <a:t>We want to use gestures, but the discrete functionality proved insufficient for the </a:t>
+            </a:r>
+            <a:r>
+              <a:rPr lang="en-US" dirty="0" smtClean="0">
+                <a:sym typeface="Wingdings" panose="05000000000000000000" pitchFamily="2" charset="2"/>
+              </a:rPr>
+              <a:t>task</a:t>
             </a:r>
           </a:p>
           <a:p>
@@ -15363,7 +15526,9 @@
               <a:buFont typeface="Arial" panose="020B0604020202020204" pitchFamily="34" charset="0"/>
               <a:buChar char="•"/>
             </a:pPr>
-            <a:endParaRPr lang="en-US" dirty="0"/>
+            <a:endParaRPr lang="en-US" dirty="0">
+              <a:sym typeface="Wingdings" panose="05000000000000000000" pitchFamily="2" charset="2"/>
+            </a:endParaRPr>
           </a:p>
           <a:p>
             <a:pPr marL="285750" indent="-285750">
@@ -15371,25 +15536,16 @@
               <a:buChar char="•"/>
             </a:pPr>
             <a:r>
-              <a:rPr lang="en-US" dirty="0"/>
-              <a:t>Idea: record training sets and receive confidence values from system to recognize what the player is doing </a:t>
-            </a:r>
-          </a:p>
-          <a:p>
-            <a:pPr marL="285750" indent="-285750">
-              <a:buFont typeface="Arial" panose="020B0604020202020204" pitchFamily="34" charset="0"/>
-              <a:buChar char="•"/>
-            </a:pPr>
-            <a:endParaRPr lang="en-US" dirty="0"/>
-          </a:p>
-          <a:p>
-            <a:pPr marL="285750" indent="-285750">
-              <a:buFont typeface="Arial" panose="020B0604020202020204" pitchFamily="34" charset="0"/>
-              <a:buChar char="•"/>
-            </a:pPr>
-            <a:r>
-              <a:rPr lang="en-US" dirty="0"/>
-              <a:t>First try in Kinect SDK: </a:t>
+              <a:rPr lang="en-US" dirty="0" smtClean="0">
+                <a:sym typeface="Wingdings" panose="05000000000000000000" pitchFamily="2" charset="2"/>
+              </a:rPr>
+              <a:t>As </a:t>
+            </a:r>
+            <a:r>
+              <a:rPr lang="en-US" dirty="0">
+                <a:sym typeface="Wingdings" panose="05000000000000000000" pitchFamily="2" charset="2"/>
+              </a:rPr>
+              <a:t>soon as there is confidence value the result would trigger</a:t>
             </a:r>
           </a:p>
           <a:p>
@@ -15398,14 +15554,16 @@
               <a:buChar char="•"/>
             </a:pPr>
             <a:r>
-              <a:rPr lang="en-US" dirty="0"/>
-              <a:t>Tip hat </a:t>
-            </a:r>
-            <a:r>
               <a:rPr lang="en-US" dirty="0">
                 <a:sym typeface="Wingdings" panose="05000000000000000000" pitchFamily="2" charset="2"/>
               </a:rPr>
-              <a:t> Solid results</a:t>
+              <a:t> Very bad results would be </a:t>
+            </a:r>
+            <a:r>
+              <a:rPr lang="en-US" dirty="0" smtClean="0">
+                <a:sym typeface="Wingdings" panose="05000000000000000000" pitchFamily="2" charset="2"/>
+              </a:rPr>
+              <a:t>thrown</a:t>
             </a:r>
           </a:p>
           <a:p>
@@ -15423,11 +15581,104 @@
               <a:buChar char="•"/>
             </a:pPr>
             <a:r>
+              <a:rPr lang="en-US" dirty="0" smtClean="0">
+                <a:sym typeface="Wingdings" panose="05000000000000000000" pitchFamily="2" charset="2"/>
+              </a:rPr>
+              <a:t>The </a:t>
+            </a:r>
+            <a:r>
               <a:rPr lang="en-US" dirty="0">
                 <a:sym typeface="Wingdings" panose="05000000000000000000" pitchFamily="2" charset="2"/>
               </a:rPr>
-              <a:t>3,5 weeks spend to understand system and integrate it into our game logic</a:t>
-            </a:r>
+              <a:t>more gestures were added the less results were thrown at </a:t>
+            </a:r>
+            <a:r>
+              <a:rPr lang="en-US" dirty="0" smtClean="0">
+                <a:sym typeface="Wingdings" panose="05000000000000000000" pitchFamily="2" charset="2"/>
+              </a:rPr>
+              <a:t>all</a:t>
+            </a:r>
+          </a:p>
+          <a:p>
+            <a:pPr marL="285750" indent="-285750">
+              <a:buFont typeface="Arial" panose="020B0604020202020204" pitchFamily="34" charset="0"/>
+              <a:buChar char="•"/>
+            </a:pPr>
+            <a:endParaRPr lang="en-US" dirty="0">
+              <a:sym typeface="Wingdings" panose="05000000000000000000" pitchFamily="2" charset="2"/>
+            </a:endParaRPr>
+          </a:p>
+          <a:p>
+            <a:pPr marL="285750" indent="-285750">
+              <a:buFont typeface="Arial" panose="020B0604020202020204" pitchFamily="34" charset="0"/>
+              <a:buChar char="•"/>
+            </a:pPr>
+            <a:r>
+              <a:rPr lang="en-US" dirty="0" smtClean="0">
+                <a:sym typeface="Wingdings" panose="05000000000000000000" pitchFamily="2" charset="2"/>
+              </a:rPr>
+              <a:t>System </a:t>
+            </a:r>
+            <a:r>
+              <a:rPr lang="en-US" dirty="0">
+                <a:sym typeface="Wingdings" panose="05000000000000000000" pitchFamily="2" charset="2"/>
+              </a:rPr>
+              <a:t>got confused, gestures </a:t>
+            </a:r>
+            <a:r>
+              <a:rPr lang="en-US" dirty="0" smtClean="0">
+                <a:sym typeface="Wingdings" panose="05000000000000000000" pitchFamily="2" charset="2"/>
+              </a:rPr>
+              <a:t>too similar</a:t>
+            </a:r>
+          </a:p>
+          <a:p>
+            <a:pPr marL="285750" indent="-285750">
+              <a:buFont typeface="Arial" panose="020B0604020202020204" pitchFamily="34" charset="0"/>
+              <a:buChar char="•"/>
+            </a:pPr>
+            <a:endParaRPr lang="en-US" dirty="0">
+              <a:sym typeface="Wingdings" panose="05000000000000000000" pitchFamily="2" charset="2"/>
+            </a:endParaRPr>
+          </a:p>
+          <a:p>
+            <a:pPr marL="285750" indent="-285750">
+              <a:buFont typeface="Arial" panose="020B0604020202020204" pitchFamily="34" charset="0"/>
+              <a:buChar char="•"/>
+            </a:pPr>
+            <a:r>
+              <a:rPr lang="en-US" dirty="0" smtClean="0">
+                <a:sym typeface="Wingdings" panose="05000000000000000000" pitchFamily="2" charset="2"/>
+              </a:rPr>
+              <a:t>Training </a:t>
+            </a:r>
+            <a:r>
+              <a:rPr lang="en-US" dirty="0">
+                <a:sym typeface="Wingdings" panose="05000000000000000000" pitchFamily="2" charset="2"/>
+              </a:rPr>
+              <a:t>the system is difficult with limited time</a:t>
+            </a:r>
+          </a:p>
+          <a:p>
+            <a:pPr marL="461963" lvl="1" indent="-285750">
+              <a:buFont typeface="Arial" panose="020B0604020202020204" pitchFamily="34" charset="0"/>
+              <a:buChar char="•"/>
+            </a:pPr>
+            <a:r>
+              <a:rPr lang="en-US" dirty="0">
+                <a:sym typeface="Wingdings" panose="05000000000000000000" pitchFamily="2" charset="2"/>
+              </a:rPr>
+              <a:t>Perhaps too little positive frames given in training</a:t>
+            </a:r>
+          </a:p>
+          <a:p>
+            <a:pPr marL="285750" indent="-285750">
+              <a:buFont typeface="Arial" panose="020B0604020202020204" pitchFamily="34" charset="0"/>
+              <a:buChar char="•"/>
+            </a:pPr>
+            <a:endParaRPr lang="en-US" dirty="0">
+              <a:sym typeface="Wingdings" panose="05000000000000000000" pitchFamily="2" charset="2"/>
+            </a:endParaRPr>
           </a:p>
           <a:p>
             <a:endParaRPr lang="en-US" sz="2200" dirty="0"/>
@@ -15507,7 +15758,7 @@
           <a:p>
             <a:r>
               <a:rPr lang="en-US" dirty="0"/>
-              <a:t>Our machine learning adventure</a:t>
+              <a:t>Our machine learning problems</a:t>
             </a:r>
             <a:endParaRPr lang="en-US" sz="3000" dirty="0"/>
           </a:p>
@@ -15516,13 +15767,20 @@
     </p:spTree>
     <p:extLst>
       <p:ext uri="{BB962C8B-B14F-4D97-AF65-F5344CB8AC3E}">
-        <p14:creationId xmlns:p14="http://schemas.microsoft.com/office/powerpoint/2010/main" val="1326703922"/>
+        <p14:creationId xmlns:p14="http://schemas.microsoft.com/office/powerpoint/2010/main" val="1777077004"/>
       </p:ext>
     </p:extLst>
   </p:cSld>
   <p:clrMapOvr>
     <a:masterClrMapping/>
   </p:clrMapOvr>
+  <p:timing>
+    <p:tnLst>
+      <p:par>
+        <p:cTn id="1" dur="indefinite" restart="never" nodeType="tmRoot"/>
+      </p:par>
+    </p:tnLst>
+  </p:timing>
 </p:sld>
 </file>
 
@@ -15806,7 +16064,7 @@
   <a:extraClrSchemeLst/>
   <a:extLst>
     <a:ext uri="{05A4C25C-085E-4340-85A3-A5531E510DB2}">
-      <thm15:themeFamily xmlns:thm15="http://schemas.microsoft.com/office/thememl/2012/main" xmlns="" name="Präsentation14" id="{B1B10406-6147-4A47-95F4-F5DBD10A3872}" vid="{D4FD95B4-ED9B-E343-B70F-8C404733D84C}"/>
+      <thm15:themeFamily xmlns="" xmlns:thm15="http://schemas.microsoft.com/office/thememl/2012/main" name="Präsentation14" id="{B1B10406-6147-4A47-95F4-F5DBD10A3872}" vid="{D4FD95B4-ED9B-E343-B70F-8C404733D84C}"/>
     </a:ext>
   </a:extLst>
 </a:theme>
@@ -16092,7 +16350,7 @@
   <a:extraClrSchemeLst/>
   <a:extLst>
     <a:ext uri="{05A4C25C-085E-4340-85A3-A5531E510DB2}">
-      <thm15:themeFamily xmlns:thm15="http://schemas.microsoft.com/office/thememl/2012/main" xmlns="" name="Präsentation14" id="{B1B10406-6147-4A47-95F4-F5DBD10A3872}" vid="{E7490A93-BEAC-FC49-93F3-0CC1118C542C}"/>
+      <thm15:themeFamily xmlns="" xmlns:thm15="http://schemas.microsoft.com/office/thememl/2012/main" name="Präsentation14" id="{B1B10406-6147-4A47-95F4-F5DBD10A3872}" vid="{E7490A93-BEAC-FC49-93F3-0CC1118C542C}"/>
     </a:ext>
   </a:extLst>
 </a:theme>
@@ -16378,7 +16636,7 @@
   <a:extraClrSchemeLst/>
   <a:extLst>
     <a:ext uri="{05A4C25C-085E-4340-85A3-A5531E510DB2}">
-      <thm15:themeFamily xmlns:thm15="http://schemas.microsoft.com/office/thememl/2012/main" xmlns="" name="Präsentation14" id="{B1B10406-6147-4A47-95F4-F5DBD10A3872}" vid="{4DDB14AD-D1C4-854B-AC86-049FDE8761EC}"/>
+      <thm15:themeFamily xmlns="" xmlns:thm15="http://schemas.microsoft.com/office/thememl/2012/main" name="Präsentation14" id="{B1B10406-6147-4A47-95F4-F5DBD10A3872}" vid="{4DDB14AD-D1C4-854B-AC86-049FDE8761EC}"/>
     </a:ext>
   </a:extLst>
 </a:theme>
@@ -16664,7 +16922,7 @@
   <a:extraClrSchemeLst/>
   <a:extLst>
     <a:ext uri="{05A4C25C-085E-4340-85A3-A5531E510DB2}">
-      <thm15:themeFamily xmlns:thm15="http://schemas.microsoft.com/office/thememl/2012/main" xmlns="" name="Präsentation14" id="{B1B10406-6147-4A47-95F4-F5DBD10A3872}" vid="{4F4851FE-32D1-2D41-BECA-D90EB3BB8DB1}"/>
+      <thm15:themeFamily xmlns="" xmlns:thm15="http://schemas.microsoft.com/office/thememl/2012/main" name="Präsentation14" id="{B1B10406-6147-4A47-95F4-F5DBD10A3872}" vid="{4F4851FE-32D1-2D41-BECA-D90EB3BB8DB1}"/>
     </a:ext>
   </a:extLst>
 </a:theme>
@@ -16950,7 +17208,7 @@
   <a:extraClrSchemeLst/>
   <a:extLst>
     <a:ext uri="{05A4C25C-085E-4340-85A3-A5531E510DB2}">
-      <thm15:themeFamily xmlns:thm15="http://schemas.microsoft.com/office/thememl/2012/main" xmlns="" name="Präsentation14" id="{B1B10406-6147-4A47-95F4-F5DBD10A3872}" vid="{13591B48-8E13-6247-8040-92522EC77656}"/>
+      <thm15:themeFamily xmlns="" xmlns:thm15="http://schemas.microsoft.com/office/thememl/2012/main" name="Präsentation14" id="{B1B10406-6147-4A47-95F4-F5DBD10A3872}" vid="{13591B48-8E13-6247-8040-92522EC77656}"/>
     </a:ext>
   </a:extLst>
 </a:theme>
@@ -17236,7 +17494,7 @@
   <a:extraClrSchemeLst/>
   <a:extLst>
     <a:ext uri="{05A4C25C-085E-4340-85A3-A5531E510DB2}">
-      <thm15:themeFamily xmlns:thm15="http://schemas.microsoft.com/office/thememl/2012/main" xmlns="" name="Präsentation14" id="{B1B10406-6147-4A47-95F4-F5DBD10A3872}" vid="{BAD62DF3-579B-3B4C-BB35-887AD0E01A2D}"/>
+      <thm15:themeFamily xmlns="" xmlns:thm15="http://schemas.microsoft.com/office/thememl/2012/main" name="Präsentation14" id="{B1B10406-6147-4A47-95F4-F5DBD10A3872}" vid="{BAD62DF3-579B-3B4C-BB35-887AD0E01A2D}"/>
     </a:ext>
   </a:extLst>
 </a:theme>

--- a/Documents/Presentation.pptx
+++ b/Documents/Presentation.pptx
@@ -159,7 +159,7 @@
   </p:defaultTextStyle>
   <p:extLst>
     <p:ext uri="{EFAFB233-063F-42B5-8137-9DF3F51BA10A}">
-      <p15:sldGuideLst xmlns="" xmlns:p15="http://schemas.microsoft.com/office/powerpoint/2012/main">
+      <p15:sldGuideLst xmlns:p15="http://schemas.microsoft.com/office/powerpoint/2012/main" xmlns="">
         <p15:guide id="1" orient="horz" pos="2160">
           <p15:clr>
             <a:srgbClr val="A4A3A4"/>
@@ -173,7 +173,7 @@
       </p15:sldGuideLst>
     </p:ext>
     <p:ext uri="{2D200454-40CA-4A62-9FC3-DE9A4176ACB9}">
-      <p15:notesGuideLst xmlns="" xmlns:p15="http://schemas.microsoft.com/office/powerpoint/2012/main">
+      <p15:notesGuideLst xmlns:p15="http://schemas.microsoft.com/office/powerpoint/2012/main" xmlns="">
         <p15:guide id="1" orient="horz" pos="2100">
           <p15:clr>
             <a:srgbClr val="A4A3A4"/>
@@ -9223,7 +9223,7 @@
           <p:cNvPr id="2" name="Content Placeholder 1">
             <a:extLst>
               <a:ext uri="{FF2B5EF4-FFF2-40B4-BE49-F238E27FC236}">
-                <a16:creationId xmlns="" xmlns:a16="http://schemas.microsoft.com/office/drawing/2014/main" id="{837CDBC3-F6DD-4A4B-9F9B-77A91F06ED37}"/>
+                <a16:creationId xmlns:a16="http://schemas.microsoft.com/office/drawing/2014/main" xmlns="" id="{837CDBC3-F6DD-4A4B-9F9B-77A91F06ED37}"/>
               </a:ext>
             </a:extLst>
           </p:cNvPr>
@@ -9327,7 +9327,7 @@
           <p:cNvPr id="3" name="Slide Number Placeholder 2">
             <a:extLst>
               <a:ext uri="{FF2B5EF4-FFF2-40B4-BE49-F238E27FC236}">
-                <a16:creationId xmlns="" xmlns:a16="http://schemas.microsoft.com/office/drawing/2014/main" id="{C2EF762E-CA48-46BE-8D11-A73C05E82893}"/>
+                <a16:creationId xmlns:a16="http://schemas.microsoft.com/office/drawing/2014/main" xmlns="" id="{C2EF762E-CA48-46BE-8D11-A73C05E82893}"/>
               </a:ext>
             </a:extLst>
           </p:cNvPr>
@@ -9357,7 +9357,7 @@
           <p:cNvPr id="5" name="Title 4">
             <a:extLst>
               <a:ext uri="{FF2B5EF4-FFF2-40B4-BE49-F238E27FC236}">
-                <a16:creationId xmlns="" xmlns:a16="http://schemas.microsoft.com/office/drawing/2014/main" id="{C5413366-2BCD-4191-8ADB-E371C13280FC}"/>
+                <a16:creationId xmlns:a16="http://schemas.microsoft.com/office/drawing/2014/main" xmlns="" id="{C5413366-2BCD-4191-8ADB-E371C13280FC}"/>
               </a:ext>
             </a:extLst>
           </p:cNvPr>
@@ -14359,138 +14359,14 @@
       </p:sp>
       <p:sp>
         <p:nvSpPr>
-          <p:cNvPr id="5" name="Ellipse 4"/>
+          <p:cNvPr id="22" name="Ellipse 21"/>
           <p:cNvSpPr/>
           <p:nvPr/>
         </p:nvSpPr>
         <p:spPr>
           <a:xfrm>
-            <a:off x="6332220" y="3318358"/>
-            <a:ext cx="1014073" cy="475170"/>
-          </a:xfrm>
-          <a:prstGeom prst="ellipse">
-            <a:avLst/>
-          </a:prstGeom>
-          <a:noFill/>
-          <a:ln>
-            <a:solidFill>
-              <a:schemeClr val="tx1"/>
-            </a:solidFill>
-          </a:ln>
-        </p:spPr>
-        <p:style>
-          <a:lnRef idx="2">
-            <a:schemeClr val="accent1">
-              <a:shade val="50000"/>
-            </a:schemeClr>
-          </a:lnRef>
-          <a:fillRef idx="1">
-            <a:schemeClr val="accent1"/>
-          </a:fillRef>
-          <a:effectRef idx="0">
-            <a:schemeClr val="accent1"/>
-          </a:effectRef>
-          <a:fontRef idx="minor">
-            <a:schemeClr val="lt1"/>
-          </a:fontRef>
-        </p:style>
-        <p:txBody>
-          <a:bodyPr rot="0" spcFirstLastPara="0" vertOverflow="overflow" horzOverflow="overflow" vert="horz" wrap="square" lIns="91440" tIns="45720" rIns="91440" bIns="45720" numCol="1" spcCol="0" rtlCol="0" fromWordArt="0" anchor="ctr" anchorCtr="0" forceAA="0" compatLnSpc="1">
-            <a:prstTxWarp prst="textNoShape">
-              <a:avLst/>
-            </a:prstTxWarp>
-            <a:spAutoFit/>
-          </a:bodyPr>
-          <a:lstStyle/>
-          <a:p>
-            <a:pPr algn="ctr">
-              <a:lnSpc>
-                <a:spcPct val="114000"/>
-              </a:lnSpc>
-            </a:pPr>
-            <a:r>
-              <a:rPr lang="de-DE" sz="1400" dirty="0">
-                <a:solidFill>
-                  <a:schemeClr val="tx1"/>
-                </a:solidFill>
-              </a:rPr>
-              <a:t>Dance</a:t>
-            </a:r>
-          </a:p>
-        </p:txBody>
-      </p:sp>
-      <p:sp>
-        <p:nvSpPr>
-          <p:cNvPr id="8" name="Ellipse 7"/>
-          <p:cNvSpPr/>
-          <p:nvPr/>
-        </p:nvSpPr>
-        <p:spPr>
-          <a:xfrm>
-            <a:off x="6374292" y="5168378"/>
-            <a:ext cx="1082901" cy="792000"/>
-          </a:xfrm>
-          <a:prstGeom prst="ellipse">
-            <a:avLst/>
-          </a:prstGeom>
-          <a:noFill/>
-          <a:ln>
-            <a:solidFill>
-              <a:schemeClr val="tx1"/>
-            </a:solidFill>
-          </a:ln>
-        </p:spPr>
-        <p:style>
-          <a:lnRef idx="2">
-            <a:schemeClr val="accent1">
-              <a:shade val="50000"/>
-            </a:schemeClr>
-          </a:lnRef>
-          <a:fillRef idx="1">
-            <a:schemeClr val="accent1"/>
-          </a:fillRef>
-          <a:effectRef idx="0">
-            <a:schemeClr val="accent1"/>
-          </a:effectRef>
-          <a:fontRef idx="minor">
-            <a:schemeClr val="lt1"/>
-          </a:fontRef>
-        </p:style>
-        <p:txBody>
-          <a:bodyPr rot="0" spcFirstLastPara="0" vertOverflow="overflow" horzOverflow="overflow" vert="horz" wrap="square" lIns="91440" tIns="45720" rIns="91440" bIns="45720" numCol="1" spcCol="0" rtlCol="0" fromWordArt="0" anchor="ctr" anchorCtr="0" forceAA="0" compatLnSpc="1">
-            <a:prstTxWarp prst="textNoShape">
-              <a:avLst/>
-            </a:prstTxWarp>
-            <a:noAutofit/>
-          </a:bodyPr>
-          <a:lstStyle/>
-          <a:p>
-            <a:pPr algn="ctr">
-              <a:lnSpc>
-                <a:spcPct val="114000"/>
-              </a:lnSpc>
-            </a:pPr>
-            <a:r>
-              <a:rPr lang="de-DE" sz="1400" dirty="0">
-                <a:solidFill>
-                  <a:schemeClr val="tx1"/>
-                </a:solidFill>
-              </a:rPr>
-              <a:t>Take Picture</a:t>
-            </a:r>
-          </a:p>
-        </p:txBody>
-      </p:sp>
-      <p:sp>
-        <p:nvSpPr>
-          <p:cNvPr id="9" name="Ellipse 8"/>
-          <p:cNvSpPr/>
-          <p:nvPr/>
-        </p:nvSpPr>
-        <p:spPr>
-          <a:xfrm>
-            <a:off x="7197785" y="2148658"/>
-            <a:ext cx="1391860" cy="820502"/>
+            <a:off x="6332220" y="3332784"/>
+            <a:ext cx="1014073" cy="446317"/>
           </a:xfrm>
           <a:prstGeom prst="ellipse">
             <a:avLst/>
@@ -14535,16 +14411,6 @@
               </a:lnSpc>
             </a:pPr>
             <a:r>
-              <a:rPr lang="de-DE" sz="1400" dirty="0" err="1">
-                <a:solidFill>
-                  <a:schemeClr val="bg1">
-                    <a:lumMod val="65000"/>
-                  </a:schemeClr>
-                </a:solidFill>
-              </a:rPr>
-              <a:t>Give</a:t>
-            </a:r>
-            <a:r>
               <a:rPr lang="de-DE" sz="1400" dirty="0">
                 <a:solidFill>
                   <a:schemeClr val="bg1">
@@ -14552,170 +14418,21 @@
                   </a:schemeClr>
                 </a:solidFill>
               </a:rPr>
-              <a:t> </a:t>
-            </a:r>
-            <a:r>
-              <a:rPr lang="de-DE" sz="1400" dirty="0" err="1">
-                <a:solidFill>
-                  <a:schemeClr val="bg1">
-                    <a:lumMod val="65000"/>
-                  </a:schemeClr>
-                </a:solidFill>
-              </a:rPr>
-              <a:t>Directions</a:t>
-            </a:r>
-            <a:endParaRPr lang="de-DE" sz="1400" dirty="0">
-              <a:solidFill>
-                <a:schemeClr val="bg1">
-                  <a:lumMod val="65000"/>
-                </a:schemeClr>
-              </a:solidFill>
-            </a:endParaRPr>
-          </a:p>
-        </p:txBody>
-      </p:sp>
-      <p:sp>
-        <p:nvSpPr>
-          <p:cNvPr id="10" name="Ellipse 9"/>
+              <a:t>Dance</a:t>
+            </a:r>
+          </a:p>
+        </p:txBody>
+      </p:sp>
+      <p:sp>
+        <p:nvSpPr>
+          <p:cNvPr id="23" name="Ellipse 22"/>
           <p:cNvSpPr/>
           <p:nvPr/>
         </p:nvSpPr>
         <p:spPr>
           <a:xfrm>
-            <a:off x="5103496" y="2321324"/>
-            <a:ext cx="1188372" cy="475170"/>
-          </a:xfrm>
-          <a:prstGeom prst="ellipse">
-            <a:avLst/>
-          </a:prstGeom>
-          <a:noFill/>
-          <a:ln>
-            <a:solidFill>
-              <a:schemeClr val="tx1"/>
-            </a:solidFill>
-          </a:ln>
-        </p:spPr>
-        <p:style>
-          <a:lnRef idx="2">
-            <a:schemeClr val="accent1">
-              <a:shade val="50000"/>
-            </a:schemeClr>
-          </a:lnRef>
-          <a:fillRef idx="1">
-            <a:schemeClr val="accent1"/>
-          </a:fillRef>
-          <a:effectRef idx="0">
-            <a:schemeClr val="accent1"/>
-          </a:effectRef>
-          <a:fontRef idx="minor">
-            <a:schemeClr val="lt1"/>
-          </a:fontRef>
-        </p:style>
-        <p:txBody>
-          <a:bodyPr rot="0" spcFirstLastPara="0" vertOverflow="overflow" horzOverflow="overflow" vert="horz" wrap="square" lIns="91440" tIns="45720" rIns="91440" bIns="45720" numCol="1" spcCol="0" rtlCol="0" fromWordArt="0" anchor="ctr" anchorCtr="0" forceAA="0" compatLnSpc="1">
-            <a:prstTxWarp prst="textNoShape">
-              <a:avLst/>
-            </a:prstTxWarp>
-            <a:spAutoFit/>
-          </a:bodyPr>
-          <a:lstStyle/>
-          <a:p>
-            <a:pPr algn="ctr">
-              <a:lnSpc>
-                <a:spcPct val="114000"/>
-              </a:lnSpc>
-            </a:pPr>
-            <a:r>
-              <a:rPr lang="de-DE" sz="1400" dirty="0">
-                <a:solidFill>
-                  <a:schemeClr val="tx1"/>
-                </a:solidFill>
-              </a:rPr>
-              <a:t>Balance</a:t>
-            </a:r>
-          </a:p>
-        </p:txBody>
-      </p:sp>
-      <p:sp>
-        <p:nvSpPr>
-          <p:cNvPr id="11" name="Ellipse 10"/>
-          <p:cNvSpPr/>
-          <p:nvPr/>
-        </p:nvSpPr>
-        <p:spPr>
-          <a:xfrm>
-            <a:off x="6374417" y="959605"/>
-            <a:ext cx="1292513" cy="820502"/>
-          </a:xfrm>
-          <a:prstGeom prst="ellipse">
-            <a:avLst/>
-          </a:prstGeom>
-          <a:noFill/>
-          <a:ln>
-            <a:solidFill>
-              <a:schemeClr val="tx1"/>
-            </a:solidFill>
-          </a:ln>
-        </p:spPr>
-        <p:style>
-          <a:lnRef idx="2">
-            <a:schemeClr val="accent1">
-              <a:shade val="50000"/>
-            </a:schemeClr>
-          </a:lnRef>
-          <a:fillRef idx="1">
-            <a:schemeClr val="accent1"/>
-          </a:fillRef>
-          <a:effectRef idx="0">
-            <a:schemeClr val="accent1"/>
-          </a:effectRef>
-          <a:fontRef idx="minor">
-            <a:schemeClr val="lt1"/>
-          </a:fontRef>
-        </p:style>
-        <p:txBody>
-          <a:bodyPr rot="0" spcFirstLastPara="0" vertOverflow="overflow" horzOverflow="overflow" vert="horz" wrap="square" lIns="91440" tIns="45720" rIns="91440" bIns="45720" numCol="1" spcCol="0" rtlCol="0" fromWordArt="0" anchor="ctr" anchorCtr="0" forceAA="0" compatLnSpc="1">
-            <a:prstTxWarp prst="textNoShape">
-              <a:avLst/>
-            </a:prstTxWarp>
-            <a:spAutoFit/>
-          </a:bodyPr>
-          <a:lstStyle/>
-          <a:p>
-            <a:pPr algn="ctr">
-              <a:lnSpc>
-                <a:spcPct val="114000"/>
-              </a:lnSpc>
-            </a:pPr>
-            <a:r>
-              <a:rPr lang="de-DE" sz="1400" dirty="0" err="1">
-                <a:solidFill>
-                  <a:schemeClr val="tx1"/>
-                </a:solidFill>
-              </a:rPr>
-              <a:t>Eliminate</a:t>
-            </a:r>
-            <a:r>
-              <a:rPr lang="de-DE" sz="1400" dirty="0">
-                <a:solidFill>
-                  <a:schemeClr val="tx1"/>
-                </a:solidFill>
-              </a:rPr>
-              <a:t> Target</a:t>
-            </a:r>
-          </a:p>
-        </p:txBody>
-      </p:sp>
-      <p:sp>
-        <p:nvSpPr>
-          <p:cNvPr id="12" name="Ellipse 11"/>
-          <p:cNvSpPr/>
-          <p:nvPr/>
-        </p:nvSpPr>
-        <p:spPr>
-          <a:xfrm>
-            <a:off x="7524585" y="4073986"/>
-            <a:ext cx="972000" cy="791649"/>
+            <a:off x="6374292" y="5168378"/>
+            <a:ext cx="1082901" cy="792000"/>
           </a:xfrm>
           <a:prstGeom prst="ellipse">
             <a:avLst/>
@@ -14750,7 +14467,7 @@
             <a:prstTxWarp prst="textNoShape">
               <a:avLst/>
             </a:prstTxWarp>
-            <a:spAutoFit/>
+            <a:noAutofit/>
           </a:bodyPr>
           <a:lstStyle/>
           <a:p>
@@ -14762,24 +14479,26 @@
             <a:r>
               <a:rPr lang="de-DE" sz="1400" dirty="0">
                 <a:solidFill>
-                  <a:srgbClr val="999999"/>
+                  <a:schemeClr val="bg1">
+                    <a:lumMod val="65000"/>
+                  </a:schemeClr>
                 </a:solidFill>
               </a:rPr>
-              <a:t>Magic Trick</a:t>
-            </a:r>
-          </a:p>
-        </p:txBody>
-      </p:sp>
-      <p:sp>
-        <p:nvSpPr>
-          <p:cNvPr id="13" name="Ellipse 12"/>
+              <a:t>Take Picture</a:t>
+            </a:r>
+          </a:p>
+        </p:txBody>
+      </p:sp>
+      <p:sp>
+        <p:nvSpPr>
+          <p:cNvPr id="24" name="Ellipse 23"/>
           <p:cNvSpPr/>
           <p:nvPr/>
         </p:nvSpPr>
         <p:spPr>
           <a:xfrm>
-            <a:off x="5103495" y="4059561"/>
-            <a:ext cx="1103105" cy="820502"/>
+            <a:off x="7197785" y="2148658"/>
+            <a:ext cx="1391860" cy="820502"/>
           </a:xfrm>
           <a:prstGeom prst="ellipse">
             <a:avLst/>
@@ -14827,7 +14546,7 @@
                   <a:schemeClr val="tx1"/>
                 </a:solidFill>
               </a:rPr>
-              <a:t>Meet</a:t>
+              <a:t>Give</a:t>
             </a:r>
             <a:r>
               <a:rPr lang="de-DE" sz="1400" dirty="0">
@@ -14835,6 +14554,299 @@
                   <a:schemeClr val="tx1"/>
                 </a:solidFill>
               </a:rPr>
+              <a:t> </a:t>
+            </a:r>
+            <a:r>
+              <a:rPr lang="de-DE" sz="1400" dirty="0" err="1">
+                <a:solidFill>
+                  <a:schemeClr val="tx1"/>
+                </a:solidFill>
+              </a:rPr>
+              <a:t>Directions</a:t>
+            </a:r>
+            <a:endParaRPr lang="de-DE" sz="1400" dirty="0">
+              <a:solidFill>
+                <a:schemeClr val="tx1"/>
+              </a:solidFill>
+            </a:endParaRPr>
+          </a:p>
+        </p:txBody>
+      </p:sp>
+      <p:sp>
+        <p:nvSpPr>
+          <p:cNvPr id="25" name="Ellipse 24"/>
+          <p:cNvSpPr/>
+          <p:nvPr/>
+        </p:nvSpPr>
+        <p:spPr>
+          <a:xfrm>
+            <a:off x="5103496" y="2335750"/>
+            <a:ext cx="1188372" cy="446317"/>
+          </a:xfrm>
+          <a:prstGeom prst="ellipse">
+            <a:avLst/>
+          </a:prstGeom>
+          <a:noFill/>
+          <a:ln>
+            <a:solidFill>
+              <a:schemeClr val="bg1">
+                <a:lumMod val="65000"/>
+              </a:schemeClr>
+            </a:solidFill>
+          </a:ln>
+        </p:spPr>
+        <p:style>
+          <a:lnRef idx="2">
+            <a:schemeClr val="accent1">
+              <a:shade val="50000"/>
+            </a:schemeClr>
+          </a:lnRef>
+          <a:fillRef idx="1">
+            <a:schemeClr val="accent1"/>
+          </a:fillRef>
+          <a:effectRef idx="0">
+            <a:schemeClr val="accent1"/>
+          </a:effectRef>
+          <a:fontRef idx="minor">
+            <a:schemeClr val="lt1"/>
+          </a:fontRef>
+        </p:style>
+        <p:txBody>
+          <a:bodyPr rot="0" spcFirstLastPara="0" vertOverflow="overflow" horzOverflow="overflow" vert="horz" wrap="square" lIns="91440" tIns="45720" rIns="91440" bIns="45720" numCol="1" spcCol="0" rtlCol="0" fromWordArt="0" anchor="ctr" anchorCtr="0" forceAA="0" compatLnSpc="1">
+            <a:prstTxWarp prst="textNoShape">
+              <a:avLst/>
+            </a:prstTxWarp>
+            <a:spAutoFit/>
+          </a:bodyPr>
+          <a:lstStyle/>
+          <a:p>
+            <a:pPr algn="ctr">
+              <a:lnSpc>
+                <a:spcPct val="114000"/>
+              </a:lnSpc>
+            </a:pPr>
+            <a:r>
+              <a:rPr lang="de-DE" sz="1400" dirty="0">
+                <a:solidFill>
+                  <a:schemeClr val="bg1">
+                    <a:lumMod val="65000"/>
+                  </a:schemeClr>
+                </a:solidFill>
+              </a:rPr>
+              <a:t>Balance</a:t>
+            </a:r>
+          </a:p>
+        </p:txBody>
+      </p:sp>
+      <p:sp>
+        <p:nvSpPr>
+          <p:cNvPr id="26" name="Ellipse 25"/>
+          <p:cNvSpPr/>
+          <p:nvPr/>
+        </p:nvSpPr>
+        <p:spPr>
+          <a:xfrm>
+            <a:off x="6374417" y="959605"/>
+            <a:ext cx="1292513" cy="820502"/>
+          </a:xfrm>
+          <a:prstGeom prst="ellipse">
+            <a:avLst/>
+          </a:prstGeom>
+          <a:noFill/>
+          <a:ln>
+            <a:solidFill>
+              <a:schemeClr val="bg1">
+                <a:lumMod val="65000"/>
+              </a:schemeClr>
+            </a:solidFill>
+          </a:ln>
+        </p:spPr>
+        <p:style>
+          <a:lnRef idx="2">
+            <a:schemeClr val="accent1">
+              <a:shade val="50000"/>
+            </a:schemeClr>
+          </a:lnRef>
+          <a:fillRef idx="1">
+            <a:schemeClr val="accent1"/>
+          </a:fillRef>
+          <a:effectRef idx="0">
+            <a:schemeClr val="accent1"/>
+          </a:effectRef>
+          <a:fontRef idx="minor">
+            <a:schemeClr val="lt1"/>
+          </a:fontRef>
+        </p:style>
+        <p:txBody>
+          <a:bodyPr rot="0" spcFirstLastPara="0" vertOverflow="overflow" horzOverflow="overflow" vert="horz" wrap="square" lIns="91440" tIns="45720" rIns="91440" bIns="45720" numCol="1" spcCol="0" rtlCol="0" fromWordArt="0" anchor="ctr" anchorCtr="0" forceAA="0" compatLnSpc="1">
+            <a:prstTxWarp prst="textNoShape">
+              <a:avLst/>
+            </a:prstTxWarp>
+            <a:spAutoFit/>
+          </a:bodyPr>
+          <a:lstStyle/>
+          <a:p>
+            <a:pPr algn="ctr">
+              <a:lnSpc>
+                <a:spcPct val="114000"/>
+              </a:lnSpc>
+            </a:pPr>
+            <a:r>
+              <a:rPr lang="de-DE" sz="1400" dirty="0" err="1">
+                <a:solidFill>
+                  <a:schemeClr val="bg1">
+                    <a:lumMod val="65000"/>
+                  </a:schemeClr>
+                </a:solidFill>
+              </a:rPr>
+              <a:t>Eliminate</a:t>
+            </a:r>
+            <a:r>
+              <a:rPr lang="de-DE" sz="1400" dirty="0">
+                <a:solidFill>
+                  <a:schemeClr val="bg1">
+                    <a:lumMod val="65000"/>
+                  </a:schemeClr>
+                </a:solidFill>
+              </a:rPr>
+              <a:t> Target</a:t>
+            </a:r>
+          </a:p>
+        </p:txBody>
+      </p:sp>
+      <p:sp>
+        <p:nvSpPr>
+          <p:cNvPr id="27" name="Ellipse 26"/>
+          <p:cNvSpPr/>
+          <p:nvPr/>
+        </p:nvSpPr>
+        <p:spPr>
+          <a:xfrm>
+            <a:off x="7524585" y="4073986"/>
+            <a:ext cx="972000" cy="791649"/>
+          </a:xfrm>
+          <a:prstGeom prst="ellipse">
+            <a:avLst/>
+          </a:prstGeom>
+          <a:noFill/>
+          <a:ln>
+            <a:solidFill>
+              <a:schemeClr val="tx1"/>
+            </a:solidFill>
+          </a:ln>
+        </p:spPr>
+        <p:style>
+          <a:lnRef idx="2">
+            <a:schemeClr val="accent1">
+              <a:shade val="50000"/>
+            </a:schemeClr>
+          </a:lnRef>
+          <a:fillRef idx="1">
+            <a:schemeClr val="accent1"/>
+          </a:fillRef>
+          <a:effectRef idx="0">
+            <a:schemeClr val="accent1"/>
+          </a:effectRef>
+          <a:fontRef idx="minor">
+            <a:schemeClr val="lt1"/>
+          </a:fontRef>
+        </p:style>
+        <p:txBody>
+          <a:bodyPr rot="0" spcFirstLastPara="0" vertOverflow="overflow" horzOverflow="overflow" vert="horz" wrap="square" lIns="91440" tIns="45720" rIns="91440" bIns="45720" numCol="1" spcCol="0" rtlCol="0" fromWordArt="0" anchor="ctr" anchorCtr="0" forceAA="0" compatLnSpc="1">
+            <a:prstTxWarp prst="textNoShape">
+              <a:avLst/>
+            </a:prstTxWarp>
+            <a:spAutoFit/>
+          </a:bodyPr>
+          <a:lstStyle/>
+          <a:p>
+            <a:pPr algn="ctr">
+              <a:lnSpc>
+                <a:spcPct val="114000"/>
+              </a:lnSpc>
+            </a:pPr>
+            <a:r>
+              <a:rPr lang="de-DE" sz="1400" dirty="0">
+                <a:solidFill>
+                  <a:schemeClr val="tx1"/>
+                </a:solidFill>
+              </a:rPr>
+              <a:t>Magic Trick</a:t>
+            </a:r>
+          </a:p>
+        </p:txBody>
+      </p:sp>
+      <p:sp>
+        <p:nvSpPr>
+          <p:cNvPr id="28" name="Ellipse 27"/>
+          <p:cNvSpPr/>
+          <p:nvPr/>
+        </p:nvSpPr>
+        <p:spPr>
+          <a:xfrm>
+            <a:off x="5103495" y="4059561"/>
+            <a:ext cx="1103105" cy="820502"/>
+          </a:xfrm>
+          <a:prstGeom prst="ellipse">
+            <a:avLst/>
+          </a:prstGeom>
+          <a:noFill/>
+          <a:ln>
+            <a:solidFill>
+              <a:schemeClr val="bg1">
+                <a:lumMod val="65000"/>
+              </a:schemeClr>
+            </a:solidFill>
+          </a:ln>
+        </p:spPr>
+        <p:style>
+          <a:lnRef idx="2">
+            <a:schemeClr val="accent1">
+              <a:shade val="50000"/>
+            </a:schemeClr>
+          </a:lnRef>
+          <a:fillRef idx="1">
+            <a:schemeClr val="accent1"/>
+          </a:fillRef>
+          <a:effectRef idx="0">
+            <a:schemeClr val="accent1"/>
+          </a:effectRef>
+          <a:fontRef idx="minor">
+            <a:schemeClr val="lt1"/>
+          </a:fontRef>
+        </p:style>
+        <p:txBody>
+          <a:bodyPr rot="0" spcFirstLastPara="0" vertOverflow="overflow" horzOverflow="overflow" vert="horz" wrap="square" lIns="91440" tIns="45720" rIns="91440" bIns="45720" numCol="1" spcCol="0" rtlCol="0" fromWordArt="0" anchor="ctr" anchorCtr="0" forceAA="0" compatLnSpc="1">
+            <a:prstTxWarp prst="textNoShape">
+              <a:avLst/>
+            </a:prstTxWarp>
+            <a:spAutoFit/>
+          </a:bodyPr>
+          <a:lstStyle/>
+          <a:p>
+            <a:pPr algn="ctr">
+              <a:lnSpc>
+                <a:spcPct val="114000"/>
+              </a:lnSpc>
+            </a:pPr>
+            <a:r>
+              <a:rPr lang="de-DE" sz="1400" dirty="0" err="1">
+                <a:solidFill>
+                  <a:schemeClr val="bg1">
+                    <a:lumMod val="65000"/>
+                  </a:schemeClr>
+                </a:solidFill>
+              </a:rPr>
+              <a:t>Meet</a:t>
+            </a:r>
+            <a:r>
+              <a:rPr lang="de-DE" sz="1400" dirty="0">
+                <a:solidFill>
+                  <a:schemeClr val="bg1">
+                    <a:lumMod val="65000"/>
+                  </a:schemeClr>
+                </a:solidFill>
+              </a:rPr>
               <a:t> Guests</a:t>
             </a:r>
           </a:p>
@@ -14842,10 +14854,10 @@
       </p:sp>
       <p:cxnSp>
         <p:nvCxnSpPr>
-          <p:cNvPr id="16" name="Gerade Verbindung mit Pfeil 15"/>
+          <p:cNvPr id="29" name="Gerade Verbindung mit Pfeil 28"/>
           <p:cNvCxnSpPr>
-            <a:stCxn id="8" idx="1"/>
-            <a:endCxn id="13" idx="4"/>
+            <a:stCxn id="23" idx="1"/>
+            <a:endCxn id="28" idx="4"/>
           </p:cNvCxnSpPr>
           <p:nvPr/>
         </p:nvCxnSpPr>
@@ -14859,7 +14871,9 @@
           </a:prstGeom>
           <a:ln w="28575">
             <a:solidFill>
-              <a:schemeClr val="tx1"/>
+              <a:schemeClr val="bg1">
+                <a:lumMod val="65000"/>
+              </a:schemeClr>
             </a:solidFill>
             <a:tailEnd type="arrow"/>
           </a:ln>
@@ -14881,24 +14895,26 @@
       </p:cxnSp>
       <p:cxnSp>
         <p:nvCxnSpPr>
-          <p:cNvPr id="30" name="Gerade Verbindung mit Pfeil 29"/>
+          <p:cNvPr id="31" name="Gerade Verbindung mit Pfeil 30"/>
           <p:cNvCxnSpPr>
-            <a:stCxn id="13" idx="7"/>
-            <a:endCxn id="5" idx="4"/>
+            <a:stCxn id="28" idx="7"/>
+            <a:endCxn id="22" idx="4"/>
           </p:cNvCxnSpPr>
           <p:nvPr/>
         </p:nvCxnSpPr>
         <p:spPr>
           <a:xfrm flipV="1">
-            <a:off x="6045054" y="3793528"/>
-            <a:ext cx="794203" cy="386193"/>
+            <a:off x="6045054" y="3779101"/>
+            <a:ext cx="794203" cy="400620"/>
           </a:xfrm>
           <a:prstGeom prst="straightConnector1">
             <a:avLst/>
           </a:prstGeom>
           <a:ln w="28575">
             <a:solidFill>
-              <a:schemeClr val="tx1"/>
+              <a:schemeClr val="bg1">
+                <a:lumMod val="65000"/>
+              </a:schemeClr>
             </a:solidFill>
             <a:tailEnd type="arrow"/>
           </a:ln>
@@ -14920,17 +14936,17 @@
       </p:cxnSp>
       <p:cxnSp>
         <p:nvCxnSpPr>
-          <p:cNvPr id="32" name="Gerade Verbindung mit Pfeil 31"/>
+          <p:cNvPr id="33" name="Gerade Verbindung mit Pfeil 32"/>
           <p:cNvCxnSpPr>
-            <a:stCxn id="12" idx="1"/>
-            <a:endCxn id="5" idx="4"/>
+            <a:stCxn id="27" idx="1"/>
+            <a:endCxn id="22" idx="4"/>
           </p:cNvCxnSpPr>
           <p:nvPr/>
         </p:nvCxnSpPr>
         <p:spPr>
           <a:xfrm flipH="1" flipV="1">
-            <a:off x="6839257" y="3793528"/>
-            <a:ext cx="827674" cy="396392"/>
+            <a:off x="6839257" y="3779101"/>
+            <a:ext cx="827674" cy="410819"/>
           </a:xfrm>
           <a:prstGeom prst="straightConnector1">
             <a:avLst/>
@@ -14959,24 +14975,26 @@
       </p:cxnSp>
       <p:cxnSp>
         <p:nvCxnSpPr>
-          <p:cNvPr id="34" name="Gerade Verbindung mit Pfeil 33"/>
+          <p:cNvPr id="35" name="Gerade Verbindung mit Pfeil 34"/>
           <p:cNvCxnSpPr>
-            <a:stCxn id="5" idx="1"/>
-            <a:endCxn id="10" idx="4"/>
+            <a:stCxn id="22" idx="1"/>
+            <a:endCxn id="25" idx="4"/>
           </p:cNvCxnSpPr>
           <p:nvPr/>
         </p:nvCxnSpPr>
         <p:spPr>
           <a:xfrm flipH="1" flipV="1">
-            <a:off x="5697682" y="2796494"/>
-            <a:ext cx="783046" cy="591451"/>
+            <a:off x="5697682" y="2782067"/>
+            <a:ext cx="783046" cy="616079"/>
           </a:xfrm>
           <a:prstGeom prst="straightConnector1">
             <a:avLst/>
           </a:prstGeom>
           <a:ln w="28575">
             <a:solidFill>
-              <a:schemeClr val="tx1"/>
+              <a:schemeClr val="bg1">
+                <a:lumMod val="65000"/>
+              </a:schemeClr>
             </a:solidFill>
             <a:tailEnd type="arrow"/>
           </a:ln>
@@ -14998,17 +15016,17 @@
       </p:cxnSp>
       <p:cxnSp>
         <p:nvCxnSpPr>
-          <p:cNvPr id="36" name="Gerade Verbindung mit Pfeil 35"/>
+          <p:cNvPr id="37" name="Gerade Verbindung mit Pfeil 36"/>
           <p:cNvCxnSpPr>
-            <a:stCxn id="5" idx="7"/>
-            <a:endCxn id="9" idx="4"/>
+            <a:stCxn id="22" idx="7"/>
+            <a:endCxn id="24" idx="4"/>
           </p:cNvCxnSpPr>
           <p:nvPr/>
         </p:nvCxnSpPr>
         <p:spPr>
           <a:xfrm flipV="1">
             <a:off x="7197785" y="2969160"/>
-            <a:ext cx="695930" cy="418785"/>
+            <a:ext cx="695930" cy="428986"/>
           </a:xfrm>
           <a:prstGeom prst="straightConnector1">
             <a:avLst/>
@@ -15037,24 +15055,26 @@
       </p:cxnSp>
       <p:cxnSp>
         <p:nvCxnSpPr>
-          <p:cNvPr id="38" name="Gerade Verbindung mit Pfeil 37"/>
+          <p:cNvPr id="39" name="Gerade Verbindung mit Pfeil 38"/>
           <p:cNvCxnSpPr>
-            <a:stCxn id="10" idx="0"/>
-            <a:endCxn id="11" idx="4"/>
+            <a:stCxn id="25" idx="0"/>
+            <a:endCxn id="26" idx="4"/>
           </p:cNvCxnSpPr>
           <p:nvPr/>
         </p:nvCxnSpPr>
         <p:spPr>
           <a:xfrm flipV="1">
             <a:off x="5697682" y="1780107"/>
-            <a:ext cx="1322992" cy="541217"/>
+            <a:ext cx="1322992" cy="555643"/>
           </a:xfrm>
           <a:prstGeom prst="straightConnector1">
             <a:avLst/>
           </a:prstGeom>
           <a:ln w="28575">
             <a:solidFill>
-              <a:schemeClr val="tx1"/>
+              <a:schemeClr val="bg1">
+                <a:lumMod val="65000"/>
+              </a:schemeClr>
             </a:solidFill>
             <a:tailEnd type="arrow"/>
           </a:ln>
@@ -15076,10 +15096,10 @@
       </p:cxnSp>
       <p:cxnSp>
         <p:nvCxnSpPr>
-          <p:cNvPr id="40" name="Gerade Verbindung mit Pfeil 39"/>
+          <p:cNvPr id="41" name="Gerade Verbindung mit Pfeil 40"/>
           <p:cNvCxnSpPr>
-            <a:stCxn id="9" idx="0"/>
-            <a:endCxn id="11" idx="4"/>
+            <a:stCxn id="24" idx="0"/>
+            <a:endCxn id="26" idx="4"/>
           </p:cNvCxnSpPr>
           <p:nvPr/>
         </p:nvCxnSpPr>
@@ -15115,10 +15135,10 @@
       </p:cxnSp>
       <p:cxnSp>
         <p:nvCxnSpPr>
-          <p:cNvPr id="42" name="Gerade Verbindung mit Pfeil 41"/>
+          <p:cNvPr id="43" name="Gerade Verbindung mit Pfeil 42"/>
           <p:cNvCxnSpPr>
-            <a:stCxn id="8" idx="7"/>
-            <a:endCxn id="12" idx="4"/>
+            <a:stCxn id="23" idx="7"/>
+            <a:endCxn id="27" idx="4"/>
           </p:cNvCxnSpPr>
           <p:nvPr/>
         </p:nvCxnSpPr>
@@ -15154,14 +15174,14 @@
       </p:cxnSp>
       <p:sp>
         <p:nvSpPr>
-          <p:cNvPr id="21" name="Ellipse 20"/>
+          <p:cNvPr id="44" name="Ellipse 43"/>
           <p:cNvSpPr/>
           <p:nvPr/>
         </p:nvSpPr>
         <p:spPr>
           <a:xfrm>
-            <a:off x="4686161" y="1146697"/>
-            <a:ext cx="1256897" cy="446317"/>
+            <a:off x="4686161" y="1132271"/>
+            <a:ext cx="1256897" cy="475170"/>
           </a:xfrm>
           <a:prstGeom prst="ellipse">
             <a:avLst/>
@@ -15169,7 +15189,9 @@
           <a:noFill/>
           <a:ln>
             <a:solidFill>
-              <a:schemeClr val="tx1"/>
+              <a:schemeClr val="bg1">
+                <a:lumMod val="65000"/>
+              </a:schemeClr>
             </a:solidFill>
           </a:ln>
         </p:spPr>
@@ -15206,19 +15228,493 @@
             <a:r>
               <a:rPr lang="de-DE" sz="1400" dirty="0" err="1">
                 <a:solidFill>
-                  <a:schemeClr val="tx1"/>
+                  <a:schemeClr val="bg1">
+                    <a:lumMod val="65000"/>
+                  </a:schemeClr>
                 </a:solidFill>
               </a:rPr>
               <a:t>Disguise</a:t>
             </a:r>
             <a:endParaRPr lang="de-DE" sz="1400" dirty="0">
               <a:solidFill>
-                <a:schemeClr val="tx1"/>
+                <a:schemeClr val="bg1">
+                  <a:lumMod val="65000"/>
+                </a:schemeClr>
               </a:solidFill>
             </a:endParaRPr>
           </a:p>
         </p:txBody>
       </p:sp>
+      <p:sp>
+        <p:nvSpPr>
+          <p:cNvPr id="45" name="L-Form 44"/>
+          <p:cNvSpPr/>
+          <p:nvPr/>
+        </p:nvSpPr>
+        <p:spPr>
+          <a:xfrm rot="19194712">
+            <a:off x="5707508" y="1113520"/>
+            <a:ext cx="314325" cy="177165"/>
+          </a:xfrm>
+          <a:prstGeom prst="corner">
+            <a:avLst/>
+          </a:prstGeom>
+          <a:solidFill>
+            <a:srgbClr val="92D050"/>
+          </a:solidFill>
+          <a:ln>
+            <a:noFill/>
+          </a:ln>
+        </p:spPr>
+        <p:style>
+          <a:lnRef idx="2">
+            <a:schemeClr val="accent1">
+              <a:shade val="50000"/>
+            </a:schemeClr>
+          </a:lnRef>
+          <a:fillRef idx="1">
+            <a:schemeClr val="accent1"/>
+          </a:fillRef>
+          <a:effectRef idx="0">
+            <a:schemeClr val="accent1"/>
+          </a:effectRef>
+          <a:fontRef idx="minor">
+            <a:schemeClr val="lt1"/>
+          </a:fontRef>
+        </p:style>
+        <p:txBody>
+          <a:bodyPr rot="0" spcFirstLastPara="0" vertOverflow="overflow" horzOverflow="overflow" vert="horz" wrap="square" lIns="91440" tIns="45720" rIns="91440" bIns="45720" numCol="1" spcCol="0" rtlCol="0" fromWordArt="0" anchor="t" anchorCtr="0" forceAA="0" compatLnSpc="1">
+            <a:prstTxWarp prst="textNoShape">
+              <a:avLst/>
+            </a:prstTxWarp>
+            <a:noAutofit/>
+          </a:bodyPr>
+          <a:lstStyle/>
+          <a:p>
+            <a:pPr algn="ctr">
+              <a:lnSpc>
+                <a:spcPct val="114000"/>
+              </a:lnSpc>
+            </a:pPr>
+            <a:endParaRPr lang="de-DE" dirty="0" smtClean="0"/>
+          </a:p>
+        </p:txBody>
+      </p:sp>
+      <p:sp>
+        <p:nvSpPr>
+          <p:cNvPr id="46" name="L-Form 45"/>
+          <p:cNvSpPr/>
+          <p:nvPr/>
+        </p:nvSpPr>
+        <p:spPr>
+          <a:xfrm rot="19194712">
+            <a:off x="7388587" y="1022336"/>
+            <a:ext cx="314325" cy="177165"/>
+          </a:xfrm>
+          <a:prstGeom prst="corner">
+            <a:avLst/>
+          </a:prstGeom>
+          <a:solidFill>
+            <a:srgbClr val="92D050"/>
+          </a:solidFill>
+          <a:ln>
+            <a:noFill/>
+          </a:ln>
+        </p:spPr>
+        <p:style>
+          <a:lnRef idx="2">
+            <a:schemeClr val="accent1">
+              <a:shade val="50000"/>
+            </a:schemeClr>
+          </a:lnRef>
+          <a:fillRef idx="1">
+            <a:schemeClr val="accent1"/>
+          </a:fillRef>
+          <a:effectRef idx="0">
+            <a:schemeClr val="accent1"/>
+          </a:effectRef>
+          <a:fontRef idx="minor">
+            <a:schemeClr val="lt1"/>
+          </a:fontRef>
+        </p:style>
+        <p:txBody>
+          <a:bodyPr rot="0" spcFirstLastPara="0" vertOverflow="overflow" horzOverflow="overflow" vert="horz" wrap="square" lIns="91440" tIns="45720" rIns="91440" bIns="45720" numCol="1" spcCol="0" rtlCol="0" fromWordArt="0" anchor="t" anchorCtr="0" forceAA="0" compatLnSpc="1">
+            <a:prstTxWarp prst="textNoShape">
+              <a:avLst/>
+            </a:prstTxWarp>
+            <a:noAutofit/>
+          </a:bodyPr>
+          <a:lstStyle/>
+          <a:p>
+            <a:pPr algn="ctr">
+              <a:lnSpc>
+                <a:spcPct val="114000"/>
+              </a:lnSpc>
+            </a:pPr>
+            <a:endParaRPr lang="de-DE" dirty="0" smtClean="0"/>
+          </a:p>
+        </p:txBody>
+      </p:sp>
+      <p:sp>
+        <p:nvSpPr>
+          <p:cNvPr id="47" name="L-Form 46"/>
+          <p:cNvSpPr/>
+          <p:nvPr/>
+        </p:nvSpPr>
+        <p:spPr>
+          <a:xfrm rot="19194712">
+            <a:off x="6024732" y="2232740"/>
+            <a:ext cx="314325" cy="177165"/>
+          </a:xfrm>
+          <a:prstGeom prst="corner">
+            <a:avLst/>
+          </a:prstGeom>
+          <a:solidFill>
+            <a:srgbClr val="92D050"/>
+          </a:solidFill>
+          <a:ln>
+            <a:noFill/>
+          </a:ln>
+        </p:spPr>
+        <p:style>
+          <a:lnRef idx="2">
+            <a:schemeClr val="accent1">
+              <a:shade val="50000"/>
+            </a:schemeClr>
+          </a:lnRef>
+          <a:fillRef idx="1">
+            <a:schemeClr val="accent1"/>
+          </a:fillRef>
+          <a:effectRef idx="0">
+            <a:schemeClr val="accent1"/>
+          </a:effectRef>
+          <a:fontRef idx="minor">
+            <a:schemeClr val="lt1"/>
+          </a:fontRef>
+        </p:style>
+        <p:txBody>
+          <a:bodyPr rot="0" spcFirstLastPara="0" vertOverflow="overflow" horzOverflow="overflow" vert="horz" wrap="square" lIns="91440" tIns="45720" rIns="91440" bIns="45720" numCol="1" spcCol="0" rtlCol="0" fromWordArt="0" anchor="t" anchorCtr="0" forceAA="0" compatLnSpc="1">
+            <a:prstTxWarp prst="textNoShape">
+              <a:avLst/>
+            </a:prstTxWarp>
+            <a:noAutofit/>
+          </a:bodyPr>
+          <a:lstStyle/>
+          <a:p>
+            <a:pPr algn="ctr">
+              <a:lnSpc>
+                <a:spcPct val="114000"/>
+              </a:lnSpc>
+            </a:pPr>
+            <a:endParaRPr lang="de-DE" dirty="0" smtClean="0"/>
+          </a:p>
+        </p:txBody>
+      </p:sp>
+      <p:sp>
+        <p:nvSpPr>
+          <p:cNvPr id="48" name="L-Form 47"/>
+          <p:cNvSpPr/>
+          <p:nvPr/>
+        </p:nvSpPr>
+        <p:spPr>
+          <a:xfrm rot="19194712">
+            <a:off x="7113143" y="3258947"/>
+            <a:ext cx="314325" cy="177165"/>
+          </a:xfrm>
+          <a:prstGeom prst="corner">
+            <a:avLst/>
+          </a:prstGeom>
+          <a:solidFill>
+            <a:srgbClr val="92D050"/>
+          </a:solidFill>
+          <a:ln>
+            <a:noFill/>
+          </a:ln>
+        </p:spPr>
+        <p:style>
+          <a:lnRef idx="2">
+            <a:schemeClr val="accent1">
+              <a:shade val="50000"/>
+            </a:schemeClr>
+          </a:lnRef>
+          <a:fillRef idx="1">
+            <a:schemeClr val="accent1"/>
+          </a:fillRef>
+          <a:effectRef idx="0">
+            <a:schemeClr val="accent1"/>
+          </a:effectRef>
+          <a:fontRef idx="minor">
+            <a:schemeClr val="lt1"/>
+          </a:fontRef>
+        </p:style>
+        <p:txBody>
+          <a:bodyPr rot="0" spcFirstLastPara="0" vertOverflow="overflow" horzOverflow="overflow" vert="horz" wrap="square" lIns="91440" tIns="45720" rIns="91440" bIns="45720" numCol="1" spcCol="0" rtlCol="0" fromWordArt="0" anchor="t" anchorCtr="0" forceAA="0" compatLnSpc="1">
+            <a:prstTxWarp prst="textNoShape">
+              <a:avLst/>
+            </a:prstTxWarp>
+            <a:noAutofit/>
+          </a:bodyPr>
+          <a:lstStyle/>
+          <a:p>
+            <a:pPr algn="ctr">
+              <a:lnSpc>
+                <a:spcPct val="114000"/>
+              </a:lnSpc>
+            </a:pPr>
+            <a:endParaRPr lang="de-DE" dirty="0" smtClean="0"/>
+          </a:p>
+        </p:txBody>
+      </p:sp>
+      <p:sp>
+        <p:nvSpPr>
+          <p:cNvPr id="49" name="L-Form 48"/>
+          <p:cNvSpPr/>
+          <p:nvPr/>
+        </p:nvSpPr>
+        <p:spPr>
+          <a:xfrm rot="19194712">
+            <a:off x="5785896" y="3960421"/>
+            <a:ext cx="314325" cy="177165"/>
+          </a:xfrm>
+          <a:prstGeom prst="corner">
+            <a:avLst/>
+          </a:prstGeom>
+          <a:solidFill>
+            <a:srgbClr val="92D050"/>
+          </a:solidFill>
+          <a:ln>
+            <a:noFill/>
+          </a:ln>
+        </p:spPr>
+        <p:style>
+          <a:lnRef idx="2">
+            <a:schemeClr val="accent1">
+              <a:shade val="50000"/>
+            </a:schemeClr>
+          </a:lnRef>
+          <a:fillRef idx="1">
+            <a:schemeClr val="accent1"/>
+          </a:fillRef>
+          <a:effectRef idx="0">
+            <a:schemeClr val="accent1"/>
+          </a:effectRef>
+          <a:fontRef idx="minor">
+            <a:schemeClr val="lt1"/>
+          </a:fontRef>
+        </p:style>
+        <p:txBody>
+          <a:bodyPr rot="0" spcFirstLastPara="0" vertOverflow="overflow" horzOverflow="overflow" vert="horz" wrap="square" lIns="91440" tIns="45720" rIns="91440" bIns="45720" numCol="1" spcCol="0" rtlCol="0" fromWordArt="0" anchor="t" anchorCtr="0" forceAA="0" compatLnSpc="1">
+            <a:prstTxWarp prst="textNoShape">
+              <a:avLst/>
+            </a:prstTxWarp>
+            <a:noAutofit/>
+          </a:bodyPr>
+          <a:lstStyle/>
+          <a:p>
+            <a:pPr algn="ctr">
+              <a:lnSpc>
+                <a:spcPct val="114000"/>
+              </a:lnSpc>
+            </a:pPr>
+            <a:endParaRPr lang="de-DE" dirty="0" smtClean="0"/>
+          </a:p>
+        </p:txBody>
+      </p:sp>
+      <p:sp>
+        <p:nvSpPr>
+          <p:cNvPr id="50" name="L-Form 49"/>
+          <p:cNvSpPr/>
+          <p:nvPr/>
+        </p:nvSpPr>
+        <p:spPr>
+          <a:xfrm rot="19194712">
+            <a:off x="6935861" y="5042204"/>
+            <a:ext cx="314325" cy="177165"/>
+          </a:xfrm>
+          <a:prstGeom prst="corner">
+            <a:avLst/>
+          </a:prstGeom>
+          <a:solidFill>
+            <a:srgbClr val="92D050"/>
+          </a:solidFill>
+          <a:ln>
+            <a:noFill/>
+          </a:ln>
+        </p:spPr>
+        <p:style>
+          <a:lnRef idx="2">
+            <a:schemeClr val="accent1">
+              <a:shade val="50000"/>
+            </a:schemeClr>
+          </a:lnRef>
+          <a:fillRef idx="1">
+            <a:schemeClr val="accent1"/>
+          </a:fillRef>
+          <a:effectRef idx="0">
+            <a:schemeClr val="accent1"/>
+          </a:effectRef>
+          <a:fontRef idx="minor">
+            <a:schemeClr val="lt1"/>
+          </a:fontRef>
+        </p:style>
+        <p:txBody>
+          <a:bodyPr rot="0" spcFirstLastPara="0" vertOverflow="overflow" horzOverflow="overflow" vert="horz" wrap="square" lIns="91440" tIns="45720" rIns="91440" bIns="45720" numCol="1" spcCol="0" rtlCol="0" fromWordArt="0" anchor="t" anchorCtr="0" forceAA="0" compatLnSpc="1">
+            <a:prstTxWarp prst="textNoShape">
+              <a:avLst/>
+            </a:prstTxWarp>
+            <a:noAutofit/>
+          </a:bodyPr>
+          <a:lstStyle/>
+          <a:p>
+            <a:pPr algn="ctr">
+              <a:lnSpc>
+                <a:spcPct val="114000"/>
+              </a:lnSpc>
+            </a:pPr>
+            <a:endParaRPr lang="de-DE" dirty="0" smtClean="0"/>
+          </a:p>
+        </p:txBody>
+      </p:sp>
+      <p:cxnSp>
+        <p:nvCxnSpPr>
+          <p:cNvPr id="51" name="Gerade Verbindung 50"/>
+          <p:cNvCxnSpPr/>
+          <p:nvPr/>
+        </p:nvCxnSpPr>
+        <p:spPr>
+          <a:xfrm flipV="1">
+            <a:off x="8332755" y="4094183"/>
+            <a:ext cx="240030" cy="320849"/>
+          </a:xfrm>
+          <a:prstGeom prst="line">
+            <a:avLst/>
+          </a:prstGeom>
+          <a:ln w="31750">
+            <a:solidFill>
+              <a:srgbClr val="FF0000"/>
+            </a:solidFill>
+          </a:ln>
+        </p:spPr>
+        <p:style>
+          <a:lnRef idx="1">
+            <a:schemeClr val="accent1"/>
+          </a:lnRef>
+          <a:fillRef idx="0">
+            <a:schemeClr val="accent1"/>
+          </a:fillRef>
+          <a:effectRef idx="0">
+            <a:schemeClr val="accent1"/>
+          </a:effectRef>
+          <a:fontRef idx="minor">
+            <a:schemeClr val="tx1"/>
+          </a:fontRef>
+        </p:style>
+      </p:cxnSp>
+      <p:cxnSp>
+        <p:nvCxnSpPr>
+          <p:cNvPr id="52" name="Gerade Verbindung 51"/>
+          <p:cNvCxnSpPr/>
+          <p:nvPr/>
+        </p:nvCxnSpPr>
+        <p:spPr>
+          <a:xfrm>
+            <a:off x="8332755" y="4114378"/>
+            <a:ext cx="247650" cy="280457"/>
+          </a:xfrm>
+          <a:prstGeom prst="line">
+            <a:avLst/>
+          </a:prstGeom>
+          <a:ln w="31750">
+            <a:solidFill>
+              <a:srgbClr val="FF0000"/>
+            </a:solidFill>
+          </a:ln>
+        </p:spPr>
+        <p:style>
+          <a:lnRef idx="1">
+            <a:schemeClr val="accent1"/>
+          </a:lnRef>
+          <a:fillRef idx="0">
+            <a:schemeClr val="accent1"/>
+          </a:fillRef>
+          <a:effectRef idx="0">
+            <a:schemeClr val="accent1"/>
+          </a:effectRef>
+          <a:fontRef idx="minor">
+            <a:schemeClr val="tx1"/>
+          </a:fontRef>
+        </p:style>
+      </p:cxnSp>
+      <p:cxnSp>
+        <p:nvCxnSpPr>
+          <p:cNvPr id="53" name="Gerade Verbindung 52"/>
+          <p:cNvCxnSpPr/>
+          <p:nvPr/>
+        </p:nvCxnSpPr>
+        <p:spPr>
+          <a:xfrm flipV="1">
+            <a:off x="8349615" y="2132149"/>
+            <a:ext cx="240030" cy="320849"/>
+          </a:xfrm>
+          <a:prstGeom prst="line">
+            <a:avLst/>
+          </a:prstGeom>
+          <a:ln w="31750">
+            <a:solidFill>
+              <a:srgbClr val="FF0000"/>
+            </a:solidFill>
+          </a:ln>
+        </p:spPr>
+        <p:style>
+          <a:lnRef idx="1">
+            <a:schemeClr val="accent1"/>
+          </a:lnRef>
+          <a:fillRef idx="0">
+            <a:schemeClr val="accent1"/>
+          </a:fillRef>
+          <a:effectRef idx="0">
+            <a:schemeClr val="accent1"/>
+          </a:effectRef>
+          <a:fontRef idx="minor">
+            <a:schemeClr val="tx1"/>
+          </a:fontRef>
+        </p:style>
+      </p:cxnSp>
+      <p:cxnSp>
+        <p:nvCxnSpPr>
+          <p:cNvPr id="54" name="Gerade Verbindung 53"/>
+          <p:cNvCxnSpPr/>
+          <p:nvPr/>
+        </p:nvCxnSpPr>
+        <p:spPr>
+          <a:xfrm>
+            <a:off x="8349615" y="2152344"/>
+            <a:ext cx="247650" cy="280457"/>
+          </a:xfrm>
+          <a:prstGeom prst="line">
+            <a:avLst/>
+          </a:prstGeom>
+          <a:ln w="31750">
+            <a:solidFill>
+              <a:srgbClr val="FF0000"/>
+            </a:solidFill>
+          </a:ln>
+        </p:spPr>
+        <p:style>
+          <a:lnRef idx="1">
+            <a:schemeClr val="accent1"/>
+          </a:lnRef>
+          <a:fillRef idx="0">
+            <a:schemeClr val="accent1"/>
+          </a:fillRef>
+          <a:effectRef idx="0">
+            <a:schemeClr val="accent1"/>
+          </a:effectRef>
+          <a:fontRef idx="minor">
+            <a:schemeClr val="tx1"/>
+          </a:fontRef>
+        </p:style>
+      </p:cxnSp>
     </p:spTree>
     <p:extLst>
       <p:ext uri="{BB962C8B-B14F-4D97-AF65-F5344CB8AC3E}">
@@ -16064,7 +16560,7 @@
   <a:extraClrSchemeLst/>
   <a:extLst>
     <a:ext uri="{05A4C25C-085E-4340-85A3-A5531E510DB2}">
-      <thm15:themeFamily xmlns="" xmlns:thm15="http://schemas.microsoft.com/office/thememl/2012/main" name="Präsentation14" id="{B1B10406-6147-4A47-95F4-F5DBD10A3872}" vid="{D4FD95B4-ED9B-E343-B70F-8C404733D84C}"/>
+      <thm15:themeFamily xmlns:thm15="http://schemas.microsoft.com/office/thememl/2012/main" xmlns="" name="Präsentation14" id="{B1B10406-6147-4A47-95F4-F5DBD10A3872}" vid="{D4FD95B4-ED9B-E343-B70F-8C404733D84C}"/>
     </a:ext>
   </a:extLst>
 </a:theme>
@@ -16350,7 +16846,7 @@
   <a:extraClrSchemeLst/>
   <a:extLst>
     <a:ext uri="{05A4C25C-085E-4340-85A3-A5531E510DB2}">
-      <thm15:themeFamily xmlns="" xmlns:thm15="http://schemas.microsoft.com/office/thememl/2012/main" name="Präsentation14" id="{B1B10406-6147-4A47-95F4-F5DBD10A3872}" vid="{E7490A93-BEAC-FC49-93F3-0CC1118C542C}"/>
+      <thm15:themeFamily xmlns:thm15="http://schemas.microsoft.com/office/thememl/2012/main" xmlns="" name="Präsentation14" id="{B1B10406-6147-4A47-95F4-F5DBD10A3872}" vid="{E7490A93-BEAC-FC49-93F3-0CC1118C542C}"/>
     </a:ext>
   </a:extLst>
 </a:theme>
@@ -16636,7 +17132,7 @@
   <a:extraClrSchemeLst/>
   <a:extLst>
     <a:ext uri="{05A4C25C-085E-4340-85A3-A5531E510DB2}">
-      <thm15:themeFamily xmlns="" xmlns:thm15="http://schemas.microsoft.com/office/thememl/2012/main" name="Präsentation14" id="{B1B10406-6147-4A47-95F4-F5DBD10A3872}" vid="{4DDB14AD-D1C4-854B-AC86-049FDE8761EC}"/>
+      <thm15:themeFamily xmlns:thm15="http://schemas.microsoft.com/office/thememl/2012/main" xmlns="" name="Präsentation14" id="{B1B10406-6147-4A47-95F4-F5DBD10A3872}" vid="{4DDB14AD-D1C4-854B-AC86-049FDE8761EC}"/>
     </a:ext>
   </a:extLst>
 </a:theme>
@@ -16922,7 +17418,7 @@
   <a:extraClrSchemeLst/>
   <a:extLst>
     <a:ext uri="{05A4C25C-085E-4340-85A3-A5531E510DB2}">
-      <thm15:themeFamily xmlns="" xmlns:thm15="http://schemas.microsoft.com/office/thememl/2012/main" name="Präsentation14" id="{B1B10406-6147-4A47-95F4-F5DBD10A3872}" vid="{4F4851FE-32D1-2D41-BECA-D90EB3BB8DB1}"/>
+      <thm15:themeFamily xmlns:thm15="http://schemas.microsoft.com/office/thememl/2012/main" xmlns="" name="Präsentation14" id="{B1B10406-6147-4A47-95F4-F5DBD10A3872}" vid="{4F4851FE-32D1-2D41-BECA-D90EB3BB8DB1}"/>
     </a:ext>
   </a:extLst>
 </a:theme>
@@ -17208,7 +17704,7 @@
   <a:extraClrSchemeLst/>
   <a:extLst>
     <a:ext uri="{05A4C25C-085E-4340-85A3-A5531E510DB2}">
-      <thm15:themeFamily xmlns="" xmlns:thm15="http://schemas.microsoft.com/office/thememl/2012/main" name="Präsentation14" id="{B1B10406-6147-4A47-95F4-F5DBD10A3872}" vid="{13591B48-8E13-6247-8040-92522EC77656}"/>
+      <thm15:themeFamily xmlns:thm15="http://schemas.microsoft.com/office/thememl/2012/main" xmlns="" name="Präsentation14" id="{B1B10406-6147-4A47-95F4-F5DBD10A3872}" vid="{13591B48-8E13-6247-8040-92522EC77656}"/>
     </a:ext>
   </a:extLst>
 </a:theme>
@@ -17494,7 +17990,7 @@
   <a:extraClrSchemeLst/>
   <a:extLst>
     <a:ext uri="{05A4C25C-085E-4340-85A3-A5531E510DB2}">
-      <thm15:themeFamily xmlns="" xmlns:thm15="http://schemas.microsoft.com/office/thememl/2012/main" name="Präsentation14" id="{B1B10406-6147-4A47-95F4-F5DBD10A3872}" vid="{BAD62DF3-579B-3B4C-BB35-887AD0E01A2D}"/>
+      <thm15:themeFamily xmlns:thm15="http://schemas.microsoft.com/office/thememl/2012/main" xmlns="" name="Präsentation14" id="{B1B10406-6147-4A47-95F4-F5DBD10A3872}" vid="{BAD62DF3-579B-3B4C-BB35-887AD0E01A2D}"/>
     </a:ext>
   </a:extLst>
 </a:theme>

--- a/Documents/Presentation.pptx
+++ b/Documents/Presentation.pptx
@@ -159,7 +159,7 @@
   </p:defaultTextStyle>
   <p:extLst>
     <p:ext uri="{EFAFB233-063F-42B5-8137-9DF3F51BA10A}">
-      <p15:sldGuideLst xmlns:p15="http://schemas.microsoft.com/office/powerpoint/2012/main" xmlns="">
+      <p15:sldGuideLst xmlns="" xmlns:p15="http://schemas.microsoft.com/office/powerpoint/2012/main">
         <p15:guide id="1" orient="horz" pos="2160">
           <p15:clr>
             <a:srgbClr val="A4A3A4"/>
@@ -173,7 +173,7 @@
       </p15:sldGuideLst>
     </p:ext>
     <p:ext uri="{2D200454-40CA-4A62-9FC3-DE9A4176ACB9}">
-      <p15:notesGuideLst xmlns:p15="http://schemas.microsoft.com/office/powerpoint/2012/main" xmlns="">
+      <p15:notesGuideLst xmlns="" xmlns:p15="http://schemas.microsoft.com/office/powerpoint/2012/main">
         <p15:guide id="1" orient="horz" pos="2100">
           <p15:clr>
             <a:srgbClr val="A4A3A4"/>
@@ -9223,7 +9223,7 @@
           <p:cNvPr id="2" name="Content Placeholder 1">
             <a:extLst>
               <a:ext uri="{FF2B5EF4-FFF2-40B4-BE49-F238E27FC236}">
-                <a16:creationId xmlns:a16="http://schemas.microsoft.com/office/drawing/2014/main" xmlns="" id="{837CDBC3-F6DD-4A4B-9F9B-77A91F06ED37}"/>
+                <a16:creationId xmlns="" xmlns:a16="http://schemas.microsoft.com/office/drawing/2014/main" id="{837CDBC3-F6DD-4A4B-9F9B-77A91F06ED37}"/>
               </a:ext>
             </a:extLst>
           </p:cNvPr>
@@ -9327,7 +9327,7 @@
           <p:cNvPr id="3" name="Slide Number Placeholder 2">
             <a:extLst>
               <a:ext uri="{FF2B5EF4-FFF2-40B4-BE49-F238E27FC236}">
-                <a16:creationId xmlns:a16="http://schemas.microsoft.com/office/drawing/2014/main" xmlns="" id="{C2EF762E-CA48-46BE-8D11-A73C05E82893}"/>
+                <a16:creationId xmlns="" xmlns:a16="http://schemas.microsoft.com/office/drawing/2014/main" id="{C2EF762E-CA48-46BE-8D11-A73C05E82893}"/>
               </a:ext>
             </a:extLst>
           </p:cNvPr>
@@ -9357,7 +9357,7 @@
           <p:cNvPr id="5" name="Title 4">
             <a:extLst>
               <a:ext uri="{FF2B5EF4-FFF2-40B4-BE49-F238E27FC236}">
-                <a16:creationId xmlns:a16="http://schemas.microsoft.com/office/drawing/2014/main" xmlns="" id="{C5413366-2BCD-4191-8ADB-E371C13280FC}"/>
+                <a16:creationId xmlns="" xmlns:a16="http://schemas.microsoft.com/office/drawing/2014/main" id="{C5413366-2BCD-4191-8ADB-E371C13280FC}"/>
               </a:ext>
             </a:extLst>
           </p:cNvPr>
@@ -10369,7 +10369,11 @@
             </a:r>
             <a:r>
               <a:rPr lang="en-US" dirty="0"/>
-              <a:t>Person perspective</a:t>
+              <a:t>Person </a:t>
+            </a:r>
+            <a:r>
+              <a:rPr lang="en-US" dirty="0" smtClean="0"/>
+              <a:t>perspective</a:t>
             </a:r>
           </a:p>
           <a:p>
@@ -10377,10 +10381,7 @@
               <a:buFont typeface="Arial" panose="020B0604020202020204" pitchFamily="34" charset="0"/>
               <a:buChar char="•"/>
             </a:pPr>
-            <a:r>
-              <a:rPr lang="en-US" dirty="0"/>
-              <a:t>Beamer as screen</a:t>
-            </a:r>
+            <a:endParaRPr lang="en-US" dirty="0"/>
           </a:p>
           <a:p>
             <a:pPr marL="285750" indent="-285750">
@@ -10389,7 +10390,11 @@
             </a:pPr>
             <a:r>
               <a:rPr lang="en-US" dirty="0"/>
-              <a:t>Support left and right hand when possible</a:t>
+              <a:t>Beamer as </a:t>
+            </a:r>
+            <a:r>
+              <a:rPr lang="en-US" dirty="0" smtClean="0"/>
+              <a:t>screen</a:t>
             </a:r>
           </a:p>
           <a:p>
@@ -10397,8 +10402,36 @@
               <a:buFont typeface="Arial" panose="020B0604020202020204" pitchFamily="34" charset="0"/>
               <a:buChar char="•"/>
             </a:pPr>
-            <a:r>
-              <a:rPr lang="en-US" dirty="0" err="1"/>
+            <a:endParaRPr lang="en-US" dirty="0"/>
+          </a:p>
+          <a:p>
+            <a:pPr marL="285750" indent="-285750">
+              <a:buFont typeface="Arial" panose="020B0604020202020204" pitchFamily="34" charset="0"/>
+              <a:buChar char="•"/>
+            </a:pPr>
+            <a:r>
+              <a:rPr lang="en-US" dirty="0"/>
+              <a:t>Support left and right hand when </a:t>
+            </a:r>
+            <a:r>
+              <a:rPr lang="en-US" dirty="0" smtClean="0"/>
+              <a:t>possible</a:t>
+            </a:r>
+          </a:p>
+          <a:p>
+            <a:pPr marL="285750" indent="-285750">
+              <a:buFont typeface="Arial" panose="020B0604020202020204" pitchFamily="34" charset="0"/>
+              <a:buChar char="•"/>
+            </a:pPr>
+            <a:endParaRPr lang="en-US" dirty="0"/>
+          </a:p>
+          <a:p>
+            <a:pPr marL="285750" indent="-285750">
+              <a:buFont typeface="Arial" panose="020B0604020202020204" pitchFamily="34" charset="0"/>
+              <a:buChar char="•"/>
+            </a:pPr>
+            <a:r>
+              <a:rPr lang="en-US" dirty="0" err="1" smtClean="0"/>
               <a:t>Minigames</a:t>
             </a:r>
             <a:endParaRPr lang="en-US" dirty="0"/>
@@ -10410,19 +10443,8 @@
             </a:pPr>
             <a:r>
               <a:rPr lang="en-US" dirty="0" smtClean="0"/>
-              <a:t>Gestures </a:t>
-            </a:r>
-            <a:r>
-              <a:rPr lang="en-US" dirty="0"/>
-              <a:t>(2-3/game)</a:t>
-            </a:r>
-            <a:endParaRPr lang="en-US" dirty="0">
-              <a:solidFill>
-                <a:schemeClr val="bg1">
-                  <a:lumMod val="75000"/>
-                </a:schemeClr>
-              </a:solidFill>
-            </a:endParaRPr>
+              <a:t>Gestures, steering, interact with objects</a:t>
+            </a:r>
           </a:p>
           <a:p>
             <a:pPr marL="461963" lvl="1" indent="-285750">
@@ -10430,8 +10452,12 @@
               <a:buChar char="•"/>
             </a:pPr>
             <a:r>
+              <a:rPr lang="en-US" dirty="0" smtClean="0"/>
+              <a:t>Points </a:t>
+            </a:r>
+            <a:r>
               <a:rPr lang="en-US" dirty="0"/>
-              <a:t>Points for good performance</a:t>
+              <a:t>for good performance</a:t>
             </a:r>
           </a:p>
           <a:p>
@@ -11504,8 +11530,18 @@
             </a:pPr>
             <a:r>
               <a:rPr lang="en-US" dirty="0"/>
-              <a:t>Balance a tablet (Do not let items fall off)</a:t>
-            </a:r>
+              <a:t>Balance a tablet (Do not let items fall off</a:t>
+            </a:r>
+            <a:r>
+              <a:rPr lang="en-US" dirty="0" smtClean="0"/>
+              <a:t>)</a:t>
+            </a:r>
+          </a:p>
+          <a:p>
+            <a:pPr lvl="1" indent="0">
+              <a:buNone/>
+            </a:pPr>
+            <a:endParaRPr lang="en-US" dirty="0"/>
           </a:p>
           <a:p>
             <a:pPr marL="285750" indent="-285750">
@@ -12631,8 +12667,18 @@
             </a:pPr>
             <a:r>
               <a:rPr lang="en-US" b="1" dirty="0"/>
-              <a:t>Balance a tablet (Do not let items fall off)</a:t>
-            </a:r>
+              <a:t>Balance a tablet (Do not let items fall off</a:t>
+            </a:r>
+            <a:r>
+              <a:rPr lang="en-US" b="1" dirty="0" smtClean="0"/>
+              <a:t>)</a:t>
+            </a:r>
+          </a:p>
+          <a:p>
+            <a:pPr lvl="1" indent="0">
+              <a:buNone/>
+            </a:pPr>
+            <a:endParaRPr lang="en-US" b="1" dirty="0"/>
           </a:p>
           <a:p>
             <a:pPr marL="285750" indent="-285750">
@@ -14194,8 +14240,19 @@
             </a:pPr>
             <a:r>
               <a:rPr lang="en-US" dirty="0"/>
-              <a:t>Tracing the rabbit requires much more precise movement</a:t>
-            </a:r>
+              <a:t>Tracing the rabbit requires much more precise </a:t>
+            </a:r>
+            <a:r>
+              <a:rPr lang="en-US" dirty="0" smtClean="0"/>
+              <a:t>movement</a:t>
+            </a:r>
+          </a:p>
+          <a:p>
+            <a:pPr marL="461963" lvl="1" indent="-285750">
+              <a:buFont typeface="Arial" panose="020B0604020202020204" pitchFamily="34" charset="0"/>
+              <a:buChar char="•"/>
+            </a:pPr>
+            <a:endParaRPr lang="en-US" dirty="0"/>
           </a:p>
           <a:p>
             <a:pPr marL="285750" indent="-285750">
@@ -16560,7 +16617,7 @@
   <a:extraClrSchemeLst/>
   <a:extLst>
     <a:ext uri="{05A4C25C-085E-4340-85A3-A5531E510DB2}">
-      <thm15:themeFamily xmlns:thm15="http://schemas.microsoft.com/office/thememl/2012/main" xmlns="" name="Präsentation14" id="{B1B10406-6147-4A47-95F4-F5DBD10A3872}" vid="{D4FD95B4-ED9B-E343-B70F-8C404733D84C}"/>
+      <thm15:themeFamily xmlns="" xmlns:thm15="http://schemas.microsoft.com/office/thememl/2012/main" name="Präsentation14" id="{B1B10406-6147-4A47-95F4-F5DBD10A3872}" vid="{D4FD95B4-ED9B-E343-B70F-8C404733D84C}"/>
     </a:ext>
   </a:extLst>
 </a:theme>
@@ -16846,7 +16903,7 @@
   <a:extraClrSchemeLst/>
   <a:extLst>
     <a:ext uri="{05A4C25C-085E-4340-85A3-A5531E510DB2}">
-      <thm15:themeFamily xmlns:thm15="http://schemas.microsoft.com/office/thememl/2012/main" xmlns="" name="Präsentation14" id="{B1B10406-6147-4A47-95F4-F5DBD10A3872}" vid="{E7490A93-BEAC-FC49-93F3-0CC1118C542C}"/>
+      <thm15:themeFamily xmlns="" xmlns:thm15="http://schemas.microsoft.com/office/thememl/2012/main" name="Präsentation14" id="{B1B10406-6147-4A47-95F4-F5DBD10A3872}" vid="{E7490A93-BEAC-FC49-93F3-0CC1118C542C}"/>
     </a:ext>
   </a:extLst>
 </a:theme>
@@ -17132,7 +17189,7 @@
   <a:extraClrSchemeLst/>
   <a:extLst>
     <a:ext uri="{05A4C25C-085E-4340-85A3-A5531E510DB2}">
-      <thm15:themeFamily xmlns:thm15="http://schemas.microsoft.com/office/thememl/2012/main" xmlns="" name="Präsentation14" id="{B1B10406-6147-4A47-95F4-F5DBD10A3872}" vid="{4DDB14AD-D1C4-854B-AC86-049FDE8761EC}"/>
+      <thm15:themeFamily xmlns="" xmlns:thm15="http://schemas.microsoft.com/office/thememl/2012/main" name="Präsentation14" id="{B1B10406-6147-4A47-95F4-F5DBD10A3872}" vid="{4DDB14AD-D1C4-854B-AC86-049FDE8761EC}"/>
     </a:ext>
   </a:extLst>
 </a:theme>
@@ -17418,7 +17475,7 @@
   <a:extraClrSchemeLst/>
   <a:extLst>
     <a:ext uri="{05A4C25C-085E-4340-85A3-A5531E510DB2}">
-      <thm15:themeFamily xmlns:thm15="http://schemas.microsoft.com/office/thememl/2012/main" xmlns="" name="Präsentation14" id="{B1B10406-6147-4A47-95F4-F5DBD10A3872}" vid="{4F4851FE-32D1-2D41-BECA-D90EB3BB8DB1}"/>
+      <thm15:themeFamily xmlns="" xmlns:thm15="http://schemas.microsoft.com/office/thememl/2012/main" name="Präsentation14" id="{B1B10406-6147-4A47-95F4-F5DBD10A3872}" vid="{4F4851FE-32D1-2D41-BECA-D90EB3BB8DB1}"/>
     </a:ext>
   </a:extLst>
 </a:theme>
@@ -17704,7 +17761,7 @@
   <a:extraClrSchemeLst/>
   <a:extLst>
     <a:ext uri="{05A4C25C-085E-4340-85A3-A5531E510DB2}">
-      <thm15:themeFamily xmlns:thm15="http://schemas.microsoft.com/office/thememl/2012/main" xmlns="" name="Präsentation14" id="{B1B10406-6147-4A47-95F4-F5DBD10A3872}" vid="{13591B48-8E13-6247-8040-92522EC77656}"/>
+      <thm15:themeFamily xmlns="" xmlns:thm15="http://schemas.microsoft.com/office/thememl/2012/main" name="Präsentation14" id="{B1B10406-6147-4A47-95F4-F5DBD10A3872}" vid="{13591B48-8E13-6247-8040-92522EC77656}"/>
     </a:ext>
   </a:extLst>
 </a:theme>
@@ -17990,7 +18047,7 @@
   <a:extraClrSchemeLst/>
   <a:extLst>
     <a:ext uri="{05A4C25C-085E-4340-85A3-A5531E510DB2}">
-      <thm15:themeFamily xmlns:thm15="http://schemas.microsoft.com/office/thememl/2012/main" xmlns="" name="Präsentation14" id="{B1B10406-6147-4A47-95F4-F5DBD10A3872}" vid="{BAD62DF3-579B-3B4C-BB35-887AD0E01A2D}"/>
+      <thm15:themeFamily xmlns="" xmlns:thm15="http://schemas.microsoft.com/office/thememl/2012/main" name="Präsentation14" id="{B1B10406-6147-4A47-95F4-F5DBD10A3872}" vid="{BAD62DF3-579B-3B4C-BB35-887AD0E01A2D}"/>
     </a:ext>
   </a:extLst>
 </a:theme>

--- a/Documents/Presentation.pptx
+++ b/Documents/Presentation.pptx
@@ -159,7 +159,7 @@
   </p:defaultTextStyle>
   <p:extLst>
     <p:ext uri="{EFAFB233-063F-42B5-8137-9DF3F51BA10A}">
-      <p15:sldGuideLst xmlns="" xmlns:p15="http://schemas.microsoft.com/office/powerpoint/2012/main">
+      <p15:sldGuideLst xmlns:p15="http://schemas.microsoft.com/office/powerpoint/2012/main" xmlns="">
         <p15:guide id="1" orient="horz" pos="2160">
           <p15:clr>
             <a:srgbClr val="A4A3A4"/>
@@ -173,7 +173,7 @@
       </p15:sldGuideLst>
     </p:ext>
     <p:ext uri="{2D200454-40CA-4A62-9FC3-DE9A4176ACB9}">
-      <p15:notesGuideLst xmlns="" xmlns:p15="http://schemas.microsoft.com/office/powerpoint/2012/main">
+      <p15:notesGuideLst xmlns:p15="http://schemas.microsoft.com/office/powerpoint/2012/main" xmlns="">
         <p15:guide id="1" orient="horz" pos="2100">
           <p15:clr>
             <a:srgbClr val="A4A3A4"/>
@@ -9223,7 +9223,7 @@
           <p:cNvPr id="2" name="Content Placeholder 1">
             <a:extLst>
               <a:ext uri="{FF2B5EF4-FFF2-40B4-BE49-F238E27FC236}">
-                <a16:creationId xmlns="" xmlns:a16="http://schemas.microsoft.com/office/drawing/2014/main" id="{837CDBC3-F6DD-4A4B-9F9B-77A91F06ED37}"/>
+                <a16:creationId xmlns:a16="http://schemas.microsoft.com/office/drawing/2014/main" xmlns="" id="{837CDBC3-F6DD-4A4B-9F9B-77A91F06ED37}"/>
               </a:ext>
             </a:extLst>
           </p:cNvPr>
@@ -9327,7 +9327,7 @@
           <p:cNvPr id="3" name="Slide Number Placeholder 2">
             <a:extLst>
               <a:ext uri="{FF2B5EF4-FFF2-40B4-BE49-F238E27FC236}">
-                <a16:creationId xmlns="" xmlns:a16="http://schemas.microsoft.com/office/drawing/2014/main" id="{C2EF762E-CA48-46BE-8D11-A73C05E82893}"/>
+                <a16:creationId xmlns:a16="http://schemas.microsoft.com/office/drawing/2014/main" xmlns="" id="{C2EF762E-CA48-46BE-8D11-A73C05E82893}"/>
               </a:ext>
             </a:extLst>
           </p:cNvPr>
@@ -9357,7 +9357,7 @@
           <p:cNvPr id="5" name="Title 4">
             <a:extLst>
               <a:ext uri="{FF2B5EF4-FFF2-40B4-BE49-F238E27FC236}">
-                <a16:creationId xmlns="" xmlns:a16="http://schemas.microsoft.com/office/drawing/2014/main" id="{C5413366-2BCD-4191-8ADB-E371C13280FC}"/>
+                <a16:creationId xmlns:a16="http://schemas.microsoft.com/office/drawing/2014/main" xmlns="" id="{C5413366-2BCD-4191-8ADB-E371C13280FC}"/>
               </a:ext>
             </a:extLst>
           </p:cNvPr>
@@ -10302,6 +10302,60 @@
           </a:p>
         </p:txBody>
       </p:sp>
+      <p:pic>
+        <p:nvPicPr>
+          <p:cNvPr id="1026" name="Picture 2"/>
+          <p:cNvPicPr>
+            <a:picLocks noChangeAspect="1" noChangeArrowheads="1"/>
+          </p:cNvPicPr>
+          <p:nvPr/>
+        </p:nvPicPr>
+        <p:blipFill>
+          <a:blip r:embed="rId3">
+            <a:extLst>
+              <a:ext uri="{28A0092B-C50C-407E-A947-70E740481C1C}">
+                <a14:useLocalDpi xmlns:a14="http://schemas.microsoft.com/office/drawing/2010/main" val="0"/>
+              </a:ext>
+            </a:extLst>
+          </a:blip>
+          <a:srcRect/>
+          <a:stretch>
+            <a:fillRect/>
+          </a:stretch>
+        </p:blipFill>
+        <p:spPr bwMode="auto">
+          <a:xfrm>
+            <a:off x="1355028" y="3350030"/>
+            <a:ext cx="6437122" cy="2967644"/>
+          </a:xfrm>
+          <a:prstGeom prst="rect">
+            <a:avLst/>
+          </a:prstGeom>
+          <a:noFill/>
+          <a:ln>
+            <a:noFill/>
+          </a:ln>
+          <a:extLst>
+            <a:ext uri="{909E8E84-426E-40DD-AFC4-6F175D3DCCD1}">
+              <a14:hiddenFill xmlns:a14="http://schemas.microsoft.com/office/drawing/2010/main">
+                <a:solidFill>
+                  <a:schemeClr val="accent1"/>
+                </a:solidFill>
+              </a14:hiddenFill>
+            </a:ext>
+            <a:ext uri="{91240B29-F687-4F45-9708-019B960494DF}">
+              <a14:hiddenLine xmlns:a14="http://schemas.microsoft.com/office/drawing/2010/main" w="9525">
+                <a:solidFill>
+                  <a:schemeClr val="tx1"/>
+                </a:solidFill>
+                <a:miter lim="800000"/>
+                <a:headEnd/>
+                <a:tailEnd/>
+              </a14:hiddenLine>
+            </a:ext>
+          </a:extLst>
+        </p:spPr>
+      </p:pic>
     </p:spTree>
     <p:extLst>
       <p:ext uri="{BB962C8B-B14F-4D97-AF65-F5344CB8AC3E}">
@@ -14239,8 +14293,12 @@
               <a:buChar char="•"/>
             </a:pPr>
             <a:r>
+              <a:rPr lang="en-US" dirty="0" smtClean="0"/>
+              <a:t>Tracing the </a:t>
+            </a:r>
+            <a:r>
               <a:rPr lang="en-US" dirty="0"/>
-              <a:t>Tracing the rabbit requires much more precise </a:t>
+              <a:t>rabbit requires much more precise </a:t>
             </a:r>
             <a:r>
               <a:rPr lang="en-US" dirty="0" smtClean="0"/>
@@ -16617,7 +16675,7 @@
   <a:extraClrSchemeLst/>
   <a:extLst>
     <a:ext uri="{05A4C25C-085E-4340-85A3-A5531E510DB2}">
-      <thm15:themeFamily xmlns="" xmlns:thm15="http://schemas.microsoft.com/office/thememl/2012/main" name="Präsentation14" id="{B1B10406-6147-4A47-95F4-F5DBD10A3872}" vid="{D4FD95B4-ED9B-E343-B70F-8C404733D84C}"/>
+      <thm15:themeFamily xmlns:thm15="http://schemas.microsoft.com/office/thememl/2012/main" xmlns="" name="Präsentation14" id="{B1B10406-6147-4A47-95F4-F5DBD10A3872}" vid="{D4FD95B4-ED9B-E343-B70F-8C404733D84C}"/>
     </a:ext>
   </a:extLst>
 </a:theme>
@@ -16903,7 +16961,7 @@
   <a:extraClrSchemeLst/>
   <a:extLst>
     <a:ext uri="{05A4C25C-085E-4340-85A3-A5531E510DB2}">
-      <thm15:themeFamily xmlns="" xmlns:thm15="http://schemas.microsoft.com/office/thememl/2012/main" name="Präsentation14" id="{B1B10406-6147-4A47-95F4-F5DBD10A3872}" vid="{E7490A93-BEAC-FC49-93F3-0CC1118C542C}"/>
+      <thm15:themeFamily xmlns:thm15="http://schemas.microsoft.com/office/thememl/2012/main" xmlns="" name="Präsentation14" id="{B1B10406-6147-4A47-95F4-F5DBD10A3872}" vid="{E7490A93-BEAC-FC49-93F3-0CC1118C542C}"/>
     </a:ext>
   </a:extLst>
 </a:theme>
@@ -17189,7 +17247,7 @@
   <a:extraClrSchemeLst/>
   <a:extLst>
     <a:ext uri="{05A4C25C-085E-4340-85A3-A5531E510DB2}">
-      <thm15:themeFamily xmlns="" xmlns:thm15="http://schemas.microsoft.com/office/thememl/2012/main" name="Präsentation14" id="{B1B10406-6147-4A47-95F4-F5DBD10A3872}" vid="{4DDB14AD-D1C4-854B-AC86-049FDE8761EC}"/>
+      <thm15:themeFamily xmlns:thm15="http://schemas.microsoft.com/office/thememl/2012/main" xmlns="" name="Präsentation14" id="{B1B10406-6147-4A47-95F4-F5DBD10A3872}" vid="{4DDB14AD-D1C4-854B-AC86-049FDE8761EC}"/>
     </a:ext>
   </a:extLst>
 </a:theme>
@@ -17475,7 +17533,7 @@
   <a:extraClrSchemeLst/>
   <a:extLst>
     <a:ext uri="{05A4C25C-085E-4340-85A3-A5531E510DB2}">
-      <thm15:themeFamily xmlns="" xmlns:thm15="http://schemas.microsoft.com/office/thememl/2012/main" name="Präsentation14" id="{B1B10406-6147-4A47-95F4-F5DBD10A3872}" vid="{4F4851FE-32D1-2D41-BECA-D90EB3BB8DB1}"/>
+      <thm15:themeFamily xmlns:thm15="http://schemas.microsoft.com/office/thememl/2012/main" xmlns="" name="Präsentation14" id="{B1B10406-6147-4A47-95F4-F5DBD10A3872}" vid="{4F4851FE-32D1-2D41-BECA-D90EB3BB8DB1}"/>
     </a:ext>
   </a:extLst>
 </a:theme>
@@ -17761,7 +17819,7 @@
   <a:extraClrSchemeLst/>
   <a:extLst>
     <a:ext uri="{05A4C25C-085E-4340-85A3-A5531E510DB2}">
-      <thm15:themeFamily xmlns="" xmlns:thm15="http://schemas.microsoft.com/office/thememl/2012/main" name="Präsentation14" id="{B1B10406-6147-4A47-95F4-F5DBD10A3872}" vid="{13591B48-8E13-6247-8040-92522EC77656}"/>
+      <thm15:themeFamily xmlns:thm15="http://schemas.microsoft.com/office/thememl/2012/main" xmlns="" name="Präsentation14" id="{B1B10406-6147-4A47-95F4-F5DBD10A3872}" vid="{13591B48-8E13-6247-8040-92522EC77656}"/>
     </a:ext>
   </a:extLst>
 </a:theme>
@@ -18047,7 +18105,7 @@
   <a:extraClrSchemeLst/>
   <a:extLst>
     <a:ext uri="{05A4C25C-085E-4340-85A3-A5531E510DB2}">
-      <thm15:themeFamily xmlns="" xmlns:thm15="http://schemas.microsoft.com/office/thememl/2012/main" name="Präsentation14" id="{B1B10406-6147-4A47-95F4-F5DBD10A3872}" vid="{BAD62DF3-579B-3B4C-BB35-887AD0E01A2D}"/>
+      <thm15:themeFamily xmlns:thm15="http://schemas.microsoft.com/office/thememl/2012/main" xmlns="" name="Präsentation14" id="{B1B10406-6147-4A47-95F4-F5DBD10A3872}" vid="{BAD62DF3-579B-3B4C-BB35-887AD0E01A2D}"/>
     </a:ext>
   </a:extLst>
 </a:theme>

--- a/Documents/Presentation.pptx
+++ b/Documents/Presentation.pptx
@@ -159,7 +159,7 @@
   </p:defaultTextStyle>
   <p:extLst>
     <p:ext uri="{EFAFB233-063F-42B5-8137-9DF3F51BA10A}">
-      <p15:sldGuideLst xmlns:p15="http://schemas.microsoft.com/office/powerpoint/2012/main" xmlns="">
+      <p15:sldGuideLst xmlns="" xmlns:p15="http://schemas.microsoft.com/office/powerpoint/2012/main">
         <p15:guide id="1" orient="horz" pos="2160">
           <p15:clr>
             <a:srgbClr val="A4A3A4"/>
@@ -173,7 +173,7 @@
       </p15:sldGuideLst>
     </p:ext>
     <p:ext uri="{2D200454-40CA-4A62-9FC3-DE9A4176ACB9}">
-      <p15:notesGuideLst xmlns:p15="http://schemas.microsoft.com/office/powerpoint/2012/main" xmlns="">
+      <p15:notesGuideLst xmlns="" xmlns:p15="http://schemas.microsoft.com/office/powerpoint/2012/main">
         <p15:guide id="1" orient="horz" pos="2100">
           <p15:clr>
             <a:srgbClr val="A4A3A4"/>
@@ -9223,7 +9223,7 @@
           <p:cNvPr id="2" name="Content Placeholder 1">
             <a:extLst>
               <a:ext uri="{FF2B5EF4-FFF2-40B4-BE49-F238E27FC236}">
-                <a16:creationId xmlns:a16="http://schemas.microsoft.com/office/drawing/2014/main" xmlns="" id="{837CDBC3-F6DD-4A4B-9F9B-77A91F06ED37}"/>
+                <a16:creationId xmlns="" xmlns:a16="http://schemas.microsoft.com/office/drawing/2014/main" id="{837CDBC3-F6DD-4A4B-9F9B-77A91F06ED37}"/>
               </a:ext>
             </a:extLst>
           </p:cNvPr>
@@ -9327,7 +9327,7 @@
           <p:cNvPr id="3" name="Slide Number Placeholder 2">
             <a:extLst>
               <a:ext uri="{FF2B5EF4-FFF2-40B4-BE49-F238E27FC236}">
-                <a16:creationId xmlns:a16="http://schemas.microsoft.com/office/drawing/2014/main" xmlns="" id="{C2EF762E-CA48-46BE-8D11-A73C05E82893}"/>
+                <a16:creationId xmlns="" xmlns:a16="http://schemas.microsoft.com/office/drawing/2014/main" id="{C2EF762E-CA48-46BE-8D11-A73C05E82893}"/>
               </a:ext>
             </a:extLst>
           </p:cNvPr>
@@ -9357,7 +9357,7 @@
           <p:cNvPr id="5" name="Title 4">
             <a:extLst>
               <a:ext uri="{FF2B5EF4-FFF2-40B4-BE49-F238E27FC236}">
-                <a16:creationId xmlns:a16="http://schemas.microsoft.com/office/drawing/2014/main" xmlns="" id="{C5413366-2BCD-4191-8ADB-E371C13280FC}"/>
+                <a16:creationId xmlns="" xmlns:a16="http://schemas.microsoft.com/office/drawing/2014/main" id="{C5413366-2BCD-4191-8ADB-E371C13280FC}"/>
               </a:ext>
             </a:extLst>
           </p:cNvPr>
@@ -9418,6 +9418,13 @@
   <p:clrMapOvr>
     <a:masterClrMapping/>
   </p:clrMapOvr>
+  <p:timing>
+    <p:tnLst>
+      <p:par>
+        <p:cTn id="1" dur="indefinite" restart="never" nodeType="tmRoot"/>
+      </p:par>
+    </p:tnLst>
+  </p:timing>
 </p:sld>
 </file>
 
@@ -9579,6 +9586,13 @@
   <p:clrMapOvr>
     <a:masterClrMapping/>
   </p:clrMapOvr>
+  <p:timing>
+    <p:tnLst>
+      <p:par>
+        <p:cTn id="1" dur="indefinite" restart="never" nodeType="tmRoot"/>
+      </p:par>
+    </p:tnLst>
+  </p:timing>
 </p:sld>
 </file>
 
@@ -9717,6 +9731,13 @@
   <p:clrMapOvr>
     <a:masterClrMapping/>
   </p:clrMapOvr>
+  <p:timing>
+    <p:tnLst>
+      <p:par>
+        <p:cTn id="1" dur="indefinite" restart="never" nodeType="tmRoot"/>
+      </p:par>
+    </p:tnLst>
+  </p:timing>
 </p:sld>
 </file>
 
@@ -9882,6 +9903,13 @@
   <p:clrMapOvr>
     <a:masterClrMapping/>
   </p:clrMapOvr>
+  <p:timing>
+    <p:tnLst>
+      <p:par>
+        <p:cTn id="1" dur="indefinite" restart="never" nodeType="tmRoot"/>
+      </p:par>
+    </p:tnLst>
+  </p:timing>
 </p:sld>
 </file>
 
@@ -16675,7 +16703,7 @@
   <a:extraClrSchemeLst/>
   <a:extLst>
     <a:ext uri="{05A4C25C-085E-4340-85A3-A5531E510DB2}">
-      <thm15:themeFamily xmlns:thm15="http://schemas.microsoft.com/office/thememl/2012/main" xmlns="" name="Präsentation14" id="{B1B10406-6147-4A47-95F4-F5DBD10A3872}" vid="{D4FD95B4-ED9B-E343-B70F-8C404733D84C}"/>
+      <thm15:themeFamily xmlns="" xmlns:thm15="http://schemas.microsoft.com/office/thememl/2012/main" name="Präsentation14" id="{B1B10406-6147-4A47-95F4-F5DBD10A3872}" vid="{D4FD95B4-ED9B-E343-B70F-8C404733D84C}"/>
     </a:ext>
   </a:extLst>
 </a:theme>
@@ -16961,7 +16989,7 @@
   <a:extraClrSchemeLst/>
   <a:extLst>
     <a:ext uri="{05A4C25C-085E-4340-85A3-A5531E510DB2}">
-      <thm15:themeFamily xmlns:thm15="http://schemas.microsoft.com/office/thememl/2012/main" xmlns="" name="Präsentation14" id="{B1B10406-6147-4A47-95F4-F5DBD10A3872}" vid="{E7490A93-BEAC-FC49-93F3-0CC1118C542C}"/>
+      <thm15:themeFamily xmlns="" xmlns:thm15="http://schemas.microsoft.com/office/thememl/2012/main" name="Präsentation14" id="{B1B10406-6147-4A47-95F4-F5DBD10A3872}" vid="{E7490A93-BEAC-FC49-93F3-0CC1118C542C}"/>
     </a:ext>
   </a:extLst>
 </a:theme>
@@ -17247,7 +17275,7 @@
   <a:extraClrSchemeLst/>
   <a:extLst>
     <a:ext uri="{05A4C25C-085E-4340-85A3-A5531E510DB2}">
-      <thm15:themeFamily xmlns:thm15="http://schemas.microsoft.com/office/thememl/2012/main" xmlns="" name="Präsentation14" id="{B1B10406-6147-4A47-95F4-F5DBD10A3872}" vid="{4DDB14AD-D1C4-854B-AC86-049FDE8761EC}"/>
+      <thm15:themeFamily xmlns="" xmlns:thm15="http://schemas.microsoft.com/office/thememl/2012/main" name="Präsentation14" id="{B1B10406-6147-4A47-95F4-F5DBD10A3872}" vid="{4DDB14AD-D1C4-854B-AC86-049FDE8761EC}"/>
     </a:ext>
   </a:extLst>
 </a:theme>
@@ -17533,7 +17561,7 @@
   <a:extraClrSchemeLst/>
   <a:extLst>
     <a:ext uri="{05A4C25C-085E-4340-85A3-A5531E510DB2}">
-      <thm15:themeFamily xmlns:thm15="http://schemas.microsoft.com/office/thememl/2012/main" xmlns="" name="Präsentation14" id="{B1B10406-6147-4A47-95F4-F5DBD10A3872}" vid="{4F4851FE-32D1-2D41-BECA-D90EB3BB8DB1}"/>
+      <thm15:themeFamily xmlns="" xmlns:thm15="http://schemas.microsoft.com/office/thememl/2012/main" name="Präsentation14" id="{B1B10406-6147-4A47-95F4-F5DBD10A3872}" vid="{4F4851FE-32D1-2D41-BECA-D90EB3BB8DB1}"/>
     </a:ext>
   </a:extLst>
 </a:theme>
@@ -17819,7 +17847,7 @@
   <a:extraClrSchemeLst/>
   <a:extLst>
     <a:ext uri="{05A4C25C-085E-4340-85A3-A5531E510DB2}">
-      <thm15:themeFamily xmlns:thm15="http://schemas.microsoft.com/office/thememl/2012/main" xmlns="" name="Präsentation14" id="{B1B10406-6147-4A47-95F4-F5DBD10A3872}" vid="{13591B48-8E13-6247-8040-92522EC77656}"/>
+      <thm15:themeFamily xmlns="" xmlns:thm15="http://schemas.microsoft.com/office/thememl/2012/main" name="Präsentation14" id="{B1B10406-6147-4A47-95F4-F5DBD10A3872}" vid="{13591B48-8E13-6247-8040-92522EC77656}"/>
     </a:ext>
   </a:extLst>
 </a:theme>
@@ -18105,7 +18133,7 @@
   <a:extraClrSchemeLst/>
   <a:extLst>
     <a:ext uri="{05A4C25C-085E-4340-85A3-A5531E510DB2}">
-      <thm15:themeFamily xmlns:thm15="http://schemas.microsoft.com/office/thememl/2012/main" xmlns="" name="Präsentation14" id="{B1B10406-6147-4A47-95F4-F5DBD10A3872}" vid="{BAD62DF3-579B-3B4C-BB35-887AD0E01A2D}"/>
+      <thm15:themeFamily xmlns="" xmlns:thm15="http://schemas.microsoft.com/office/thememl/2012/main" name="Präsentation14" id="{B1B10406-6147-4A47-95F4-F5DBD10A3872}" vid="{BAD62DF3-579B-3B4C-BB35-887AD0E01A2D}"/>
     </a:ext>
   </a:extLst>
 </a:theme>

--- a/Documents/Presentation.pptx
+++ b/Documents/Presentation.pptx
@@ -159,7 +159,7 @@
   </p:defaultTextStyle>
   <p:extLst>
     <p:ext uri="{EFAFB233-063F-42B5-8137-9DF3F51BA10A}">
-      <p15:sldGuideLst xmlns="" xmlns:p15="http://schemas.microsoft.com/office/powerpoint/2012/main">
+      <p15:sldGuideLst xmlns:p15="http://schemas.microsoft.com/office/powerpoint/2012/main">
         <p15:guide id="1" orient="horz" pos="2160">
           <p15:clr>
             <a:srgbClr val="A4A3A4"/>
@@ -173,7 +173,7 @@
       </p15:sldGuideLst>
     </p:ext>
     <p:ext uri="{2D200454-40CA-4A62-9FC3-DE9A4176ACB9}">
-      <p15:notesGuideLst xmlns="" xmlns:p15="http://schemas.microsoft.com/office/powerpoint/2012/main">
+      <p15:notesGuideLst xmlns:p15="http://schemas.microsoft.com/office/powerpoint/2012/main">
         <p15:guide id="1" orient="horz" pos="2100">
           <p15:clr>
             <a:srgbClr val="A4A3A4"/>
@@ -299,7 +299,7 @@
               <a:pPr>
                 <a:defRPr/>
               </a:pPr>
-              <a:t>18/07/2019</a:t>
+              <a:t>19/07/2019</a:t>
             </a:fld>
             <a:endParaRPr lang="en-GB" dirty="0"/>
           </a:p>
@@ -518,7 +518,7 @@
               <a:pPr>
                 <a:defRPr/>
               </a:pPr>
-              <a:t>18/07/2019</a:t>
+              <a:t>19/07/2019</a:t>
             </a:fld>
             <a:endParaRPr lang="en-GB"/>
           </a:p>
@@ -9223,7 +9223,7 @@
           <p:cNvPr id="2" name="Content Placeholder 1">
             <a:extLst>
               <a:ext uri="{FF2B5EF4-FFF2-40B4-BE49-F238E27FC236}">
-                <a16:creationId xmlns="" xmlns:a16="http://schemas.microsoft.com/office/drawing/2014/main" id="{837CDBC3-F6DD-4A4B-9F9B-77A91F06ED37}"/>
+                <a16:creationId xmlns:a16="http://schemas.microsoft.com/office/drawing/2014/main" id="{837CDBC3-F6DD-4A4B-9F9B-77A91F06ED37}"/>
               </a:ext>
             </a:extLst>
           </p:cNvPr>
@@ -9315,7 +9315,15 @@
               <a:t> </a:t>
             </a:r>
             <a:r>
-              <a:rPr lang="de-AT" dirty="0" err="1"/>
+              <a:rPr lang="de-AT" dirty="0" err="1" smtClean="0"/>
+              <a:t>sometimes</a:t>
+            </a:r>
+            <a:r>
+              <a:rPr lang="de-AT" dirty="0" smtClean="0"/>
+              <a:t> </a:t>
+            </a:r>
+            <a:r>
+              <a:rPr lang="de-AT" dirty="0" err="1" smtClean="0"/>
               <a:t>frustrating</a:t>
             </a:r>
             <a:endParaRPr lang="de-AT" dirty="0"/>
@@ -9327,7 +9335,7 @@
           <p:cNvPr id="3" name="Slide Number Placeholder 2">
             <a:extLst>
               <a:ext uri="{FF2B5EF4-FFF2-40B4-BE49-F238E27FC236}">
-                <a16:creationId xmlns="" xmlns:a16="http://schemas.microsoft.com/office/drawing/2014/main" id="{C2EF762E-CA48-46BE-8D11-A73C05E82893}"/>
+                <a16:creationId xmlns:a16="http://schemas.microsoft.com/office/drawing/2014/main" id="{C2EF762E-CA48-46BE-8D11-A73C05E82893}"/>
               </a:ext>
             </a:extLst>
           </p:cNvPr>
@@ -9357,7 +9365,7 @@
           <p:cNvPr id="5" name="Title 4">
             <a:extLst>
               <a:ext uri="{FF2B5EF4-FFF2-40B4-BE49-F238E27FC236}">
-                <a16:creationId xmlns="" xmlns:a16="http://schemas.microsoft.com/office/drawing/2014/main" id="{C5413366-2BCD-4191-8ADB-E371C13280FC}"/>
+                <a16:creationId xmlns:a16="http://schemas.microsoft.com/office/drawing/2014/main" id="{C5413366-2BCD-4191-8ADB-E371C13280FC}"/>
               </a:ext>
             </a:extLst>
           </p:cNvPr>
@@ -9961,8 +9969,13 @@
             </a:pPr>
             <a:r>
               <a:rPr lang="en-US" dirty="0"/>
-              <a:t>Player have to integrate themselves into the crowd – they have to mimic the behavior of the other guests</a:t>
-            </a:r>
+              <a:t>Player have to integrate themselves into the </a:t>
+            </a:r>
+            <a:r>
+              <a:rPr lang="de-DE" dirty="0" err="1" smtClean="0"/>
+              <a:t>crowd</a:t>
+            </a:r>
+            <a:endParaRPr lang="en-US" dirty="0" smtClean="0"/>
           </a:p>
           <a:p>
             <a:pPr marL="285750" indent="-285750">
@@ -9970,8 +9983,12 @@
               <a:buChar char="•"/>
             </a:pPr>
             <a:r>
+              <a:rPr lang="en-US" dirty="0" smtClean="0"/>
+              <a:t>Player </a:t>
+            </a:r>
+            <a:r>
               <a:rPr lang="en-US" dirty="0"/>
-              <a:t>Player raise the guards suspicion when performing poorly</a:t>
+              <a:t>raise the guards suspicion when performing poorly</a:t>
             </a:r>
           </a:p>
           <a:p>
@@ -10095,35 +10112,6 @@
           </a:prstGeom>
         </p:spPr>
       </p:pic>
-      <p:sp>
-        <p:nvSpPr>
-          <p:cNvPr id="5" name="Rechteck 4"/>
-          <p:cNvSpPr/>
-          <p:nvPr/>
-        </p:nvSpPr>
-        <p:spPr>
-          <a:xfrm>
-            <a:off x="4094946" y="3244334"/>
-            <a:ext cx="954107" cy="369332"/>
-          </a:xfrm>
-          <a:prstGeom prst="rect">
-            <a:avLst/>
-          </a:prstGeom>
-        </p:spPr>
-        <p:txBody>
-          <a:bodyPr wrap="none">
-            <a:spAutoFit/>
-          </a:bodyPr>
-          <a:lstStyle/>
-          <a:p>
-            <a:r>
-              <a:rPr lang="de-DE" b="1" dirty="0"/>
-              <a:t>316495</a:t>
-            </a:r>
-            <a:endParaRPr lang="de-DE" dirty="0"/>
-          </a:p>
-        </p:txBody>
-      </p:sp>
     </p:spTree>
   </p:cSld>
   <p:clrMapOvr>
@@ -15956,59 +15944,6 @@
             <a:endParaRPr lang="en-US" dirty="0"/>
           </a:p>
           <a:p>
-            <a:pPr marL="285750" indent="-285750">
-              <a:buFont typeface="Arial" panose="020B0604020202020204" pitchFamily="34" charset="0"/>
-              <a:buChar char="•"/>
-            </a:pPr>
-            <a:r>
-              <a:rPr lang="en-US" dirty="0"/>
-              <a:t>First try in Kinect SDK: </a:t>
-            </a:r>
-          </a:p>
-          <a:p>
-            <a:pPr marL="461963" lvl="1" indent="-285750">
-              <a:buFont typeface="Arial" panose="020B0604020202020204" pitchFamily="34" charset="0"/>
-              <a:buChar char="•"/>
-            </a:pPr>
-            <a:r>
-              <a:rPr lang="en-US" dirty="0"/>
-              <a:t>Tip hat </a:t>
-            </a:r>
-            <a:r>
-              <a:rPr lang="en-US" dirty="0">
-                <a:sym typeface="Wingdings" panose="05000000000000000000" pitchFamily="2" charset="2"/>
-              </a:rPr>
-              <a:t> Solid results</a:t>
-            </a:r>
-          </a:p>
-          <a:p>
-            <a:pPr marL="461963" lvl="1" indent="-285750">
-              <a:buFont typeface="Arial" panose="020B0604020202020204" pitchFamily="34" charset="0"/>
-              <a:buChar char="•"/>
-            </a:pPr>
-            <a:endParaRPr lang="en-US" dirty="0">
-              <a:sym typeface="Wingdings" panose="05000000000000000000" pitchFamily="2" charset="2"/>
-            </a:endParaRPr>
-          </a:p>
-          <a:p>
-            <a:pPr marL="285750" indent="-285750">
-              <a:buFont typeface="Arial" panose="020B0604020202020204" pitchFamily="34" charset="0"/>
-              <a:buChar char="•"/>
-            </a:pPr>
-            <a:r>
-              <a:rPr lang="en-US" dirty="0">
-                <a:sym typeface="Wingdings" panose="05000000000000000000" pitchFamily="2" charset="2"/>
-              </a:rPr>
-              <a:t>3,5 weeks spend to understand system and integrate it into our game logic</a:t>
-            </a:r>
-          </a:p>
-          <a:p>
-            <a:endParaRPr lang="en-US" sz="2200" dirty="0"/>
-          </a:p>
-          <a:p>
-            <a:endParaRPr lang="en-US" sz="2200" dirty="0"/>
-          </a:p>
-          <a:p>
             <a:endParaRPr lang="en-US" sz="2200" dirty="0"/>
           </a:p>
         </p:txBody>
@@ -16083,6 +16018,283 @@
               <a:t>Our machine learning adventure</a:t>
             </a:r>
             <a:endParaRPr lang="en-US" sz="3000" dirty="0"/>
+          </a:p>
+        </p:txBody>
+      </p:sp>
+      <p:pic>
+        <p:nvPicPr>
+          <p:cNvPr id="5" name="Grafik 4"/>
+          <p:cNvPicPr>
+            <a:picLocks noChangeAspect="1"/>
+          </p:cNvPicPr>
+          <p:nvPr/>
+        </p:nvPicPr>
+        <p:blipFill>
+          <a:blip r:embed="rId2"/>
+          <a:stretch>
+            <a:fillRect/>
+          </a:stretch>
+        </p:blipFill>
+        <p:spPr>
+          <a:xfrm>
+            <a:off x="2043437" y="3489736"/>
+            <a:ext cx="5060304" cy="2983577"/>
+          </a:xfrm>
+          <a:prstGeom prst="rect">
+            <a:avLst/>
+          </a:prstGeom>
+        </p:spPr>
+      </p:pic>
+      <p:sp>
+        <p:nvSpPr>
+          <p:cNvPr id="9" name="Inhaltsplatzhalter 1"/>
+          <p:cNvSpPr txBox="1">
+            <a:spLocks/>
+          </p:cNvSpPr>
+          <p:nvPr/>
+        </p:nvSpPr>
+        <p:spPr>
+          <a:xfrm>
+            <a:off x="4732020" y="1762188"/>
+            <a:ext cx="4412930" cy="4699572"/>
+          </a:xfrm>
+          <a:prstGeom prst="rect">
+            <a:avLst/>
+          </a:prstGeom>
+          <a:noFill/>
+          <a:ln w="9525">
+            <a:noFill/>
+            <a:miter lim="800000"/>
+            <a:headEnd/>
+            <a:tailEnd/>
+          </a:ln>
+        </p:spPr>
+        <p:txBody>
+          <a:bodyPr vert="horz" wrap="square" lIns="0" tIns="0" rIns="0" bIns="0" numCol="1" anchor="t" anchorCtr="0" compatLnSpc="1">
+            <a:prstTxWarp prst="textNoShape">
+              <a:avLst/>
+            </a:prstTxWarp>
+          </a:bodyPr>
+          <a:lstStyle>
+            <a:lvl1pPr algn="l" rtl="0" eaLnBrk="0" fontAlgn="base" hangingPunct="0">
+              <a:lnSpc>
+                <a:spcPct val="114000"/>
+              </a:lnSpc>
+              <a:spcBef>
+                <a:spcPct val="0"/>
+              </a:spcBef>
+              <a:spcAft>
+                <a:spcPct val="0"/>
+              </a:spcAft>
+              <a:defRPr lang="de-DE" sz="1600" kern="1200" noProof="0" dirty="0" smtClean="0">
+                <a:solidFill>
+                  <a:schemeClr val="tx1"/>
+                </a:solidFill>
+                <a:latin typeface="+mn-lt"/>
+                <a:ea typeface="+mn-ea"/>
+                <a:cs typeface="+mn-cs"/>
+              </a:defRPr>
+            </a:lvl1pPr>
+            <a:lvl2pPr marL="176213" indent="-176213" algn="l" rtl="0" eaLnBrk="0" fontAlgn="base" hangingPunct="0">
+              <a:lnSpc>
+                <a:spcPct val="114000"/>
+              </a:lnSpc>
+              <a:spcBef>
+                <a:spcPct val="0"/>
+              </a:spcBef>
+              <a:spcAft>
+                <a:spcPct val="0"/>
+              </a:spcAft>
+              <a:buFont typeface="Arial" charset="0"/>
+              <a:buChar char="•"/>
+              <a:defRPr lang="de-DE" sz="1600" kern="1200" noProof="0" dirty="0" smtClean="0">
+                <a:solidFill>
+                  <a:schemeClr val="tx1"/>
+                </a:solidFill>
+                <a:latin typeface="+mn-lt"/>
+                <a:ea typeface="+mn-ea"/>
+                <a:cs typeface="+mn-cs"/>
+              </a:defRPr>
+            </a:lvl2pPr>
+            <a:lvl3pPr marL="360363" indent="-184150" algn="l" rtl="0" eaLnBrk="0" fontAlgn="base" hangingPunct="0">
+              <a:lnSpc>
+                <a:spcPct val="125000"/>
+              </a:lnSpc>
+              <a:spcBef>
+                <a:spcPct val="0"/>
+              </a:spcBef>
+              <a:spcAft>
+                <a:spcPct val="0"/>
+              </a:spcAft>
+              <a:buFont typeface="Symbol" pitchFamily="18" charset="2"/>
+              <a:buChar char="-"/>
+              <a:defRPr sz="1600" kern="1200">
+                <a:solidFill>
+                  <a:schemeClr val="tx1"/>
+                </a:solidFill>
+                <a:latin typeface="+mn-lt"/>
+                <a:ea typeface="+mn-ea"/>
+                <a:cs typeface="+mn-cs"/>
+              </a:defRPr>
+            </a:lvl3pPr>
+            <a:lvl4pPr marL="538163" indent="-177800" algn="l" rtl="0" eaLnBrk="0" fontAlgn="base" hangingPunct="0">
+              <a:lnSpc>
+                <a:spcPct val="125000"/>
+              </a:lnSpc>
+              <a:spcBef>
+                <a:spcPct val="0"/>
+              </a:spcBef>
+              <a:spcAft>
+                <a:spcPct val="0"/>
+              </a:spcAft>
+              <a:buFont typeface="Symbol" pitchFamily="18" charset="2"/>
+              <a:buChar char="-"/>
+              <a:defRPr sz="1400" kern="1200">
+                <a:solidFill>
+                  <a:schemeClr val="tx1"/>
+                </a:solidFill>
+                <a:latin typeface="+mn-lt"/>
+                <a:ea typeface="+mn-ea"/>
+                <a:cs typeface="+mn-cs"/>
+              </a:defRPr>
+            </a:lvl4pPr>
+            <a:lvl5pPr marL="714375" indent="-176213" algn="l" rtl="0" eaLnBrk="0" fontAlgn="base" hangingPunct="0">
+              <a:lnSpc>
+                <a:spcPct val="125000"/>
+              </a:lnSpc>
+              <a:spcBef>
+                <a:spcPct val="0"/>
+              </a:spcBef>
+              <a:spcAft>
+                <a:spcPct val="0"/>
+              </a:spcAft>
+              <a:buFont typeface="Symbol" pitchFamily="18" charset="2"/>
+              <a:buChar char="-"/>
+              <a:defRPr sz="1400" kern="1200">
+                <a:solidFill>
+                  <a:schemeClr val="tx1"/>
+                </a:solidFill>
+                <a:latin typeface="+mn-lt"/>
+                <a:ea typeface="+mn-ea"/>
+                <a:cs typeface="+mn-cs"/>
+              </a:defRPr>
+            </a:lvl5pPr>
+            <a:lvl6pPr marL="2514600" indent="-228600" algn="l" defTabSz="914400" rtl="0" eaLnBrk="1" latinLnBrk="0" hangingPunct="1">
+              <a:spcBef>
+                <a:spcPct val="20000"/>
+              </a:spcBef>
+              <a:buFont typeface="Arial" pitchFamily="34" charset="0"/>
+              <a:buChar char="•"/>
+              <a:defRPr sz="2000" kern="1200">
+                <a:solidFill>
+                  <a:schemeClr val="tx1"/>
+                </a:solidFill>
+                <a:latin typeface="+mn-lt"/>
+                <a:ea typeface="+mn-ea"/>
+                <a:cs typeface="+mn-cs"/>
+              </a:defRPr>
+            </a:lvl6pPr>
+            <a:lvl7pPr marL="2971800" indent="-228600" algn="l" defTabSz="914400" rtl="0" eaLnBrk="1" latinLnBrk="0" hangingPunct="1">
+              <a:spcBef>
+                <a:spcPct val="20000"/>
+              </a:spcBef>
+              <a:buFont typeface="Arial" pitchFamily="34" charset="0"/>
+              <a:buChar char="•"/>
+              <a:defRPr sz="2000" kern="1200">
+                <a:solidFill>
+                  <a:schemeClr val="tx1"/>
+                </a:solidFill>
+                <a:latin typeface="+mn-lt"/>
+                <a:ea typeface="+mn-ea"/>
+                <a:cs typeface="+mn-cs"/>
+              </a:defRPr>
+            </a:lvl7pPr>
+            <a:lvl8pPr marL="3429000" indent="-228600" algn="l" defTabSz="914400" rtl="0" eaLnBrk="1" latinLnBrk="0" hangingPunct="1">
+              <a:spcBef>
+                <a:spcPct val="20000"/>
+              </a:spcBef>
+              <a:buFont typeface="Arial" pitchFamily="34" charset="0"/>
+              <a:buChar char="•"/>
+              <a:defRPr sz="2000" kern="1200">
+                <a:solidFill>
+                  <a:schemeClr val="tx1"/>
+                </a:solidFill>
+                <a:latin typeface="+mn-lt"/>
+                <a:ea typeface="+mn-ea"/>
+                <a:cs typeface="+mn-cs"/>
+              </a:defRPr>
+            </a:lvl8pPr>
+            <a:lvl9pPr marL="3886200" indent="-228600" algn="l" defTabSz="914400" rtl="0" eaLnBrk="1" latinLnBrk="0" hangingPunct="1">
+              <a:spcBef>
+                <a:spcPct val="20000"/>
+              </a:spcBef>
+              <a:buFont typeface="Arial" pitchFamily="34" charset="0"/>
+              <a:buChar char="•"/>
+              <a:defRPr sz="2000" kern="1200">
+                <a:solidFill>
+                  <a:schemeClr val="tx1"/>
+                </a:solidFill>
+                <a:latin typeface="+mn-lt"/>
+                <a:ea typeface="+mn-ea"/>
+                <a:cs typeface="+mn-cs"/>
+              </a:defRPr>
+            </a:lvl9pPr>
+          </a:lstStyle>
+          <a:p>
+            <a:pPr marL="285750" indent="-285750">
+              <a:buFont typeface="Arial" panose="020B0604020202020204" pitchFamily="34" charset="0"/>
+              <a:buChar char="•"/>
+            </a:pPr>
+            <a:r>
+              <a:rPr lang="en-US" dirty="0" smtClean="0"/>
+              <a:t>First try in Kinect SDK: </a:t>
+            </a:r>
+          </a:p>
+          <a:p>
+            <a:pPr marL="461963" lvl="1" indent="-285750">
+              <a:buFont typeface="Arial" panose="020B0604020202020204" pitchFamily="34" charset="0"/>
+              <a:buChar char="•"/>
+            </a:pPr>
+            <a:r>
+              <a:rPr lang="en-US" dirty="0" smtClean="0"/>
+              <a:t>Tip hat </a:t>
+            </a:r>
+            <a:r>
+              <a:rPr lang="en-US" dirty="0" smtClean="0">
+                <a:sym typeface="Wingdings" panose="05000000000000000000" pitchFamily="2" charset="2"/>
+              </a:rPr>
+              <a:t> Solid results</a:t>
+            </a:r>
+          </a:p>
+          <a:p>
+            <a:pPr marL="461963" lvl="1" indent="-285750">
+              <a:buFont typeface="Arial" panose="020B0604020202020204" pitchFamily="34" charset="0"/>
+              <a:buChar char="•"/>
+            </a:pPr>
+            <a:endParaRPr lang="en-US" dirty="0" smtClean="0">
+              <a:sym typeface="Wingdings" panose="05000000000000000000" pitchFamily="2" charset="2"/>
+            </a:endParaRPr>
+          </a:p>
+          <a:p>
+            <a:pPr marL="285750" indent="-285750">
+              <a:buFont typeface="Arial" panose="020B0604020202020204" pitchFamily="34" charset="0"/>
+              <a:buChar char="•"/>
+            </a:pPr>
+            <a:r>
+              <a:rPr lang="en-US" dirty="0" smtClean="0">
+                <a:sym typeface="Wingdings" panose="05000000000000000000" pitchFamily="2" charset="2"/>
+              </a:rPr>
+              <a:t>3,5 weeks spend to understand system and integrate it into our game logic</a:t>
+            </a:r>
+          </a:p>
+          <a:p>
+            <a:endParaRPr lang="en-US" sz="2200" dirty="0" smtClean="0"/>
+          </a:p>
+          <a:p>
+            <a:endParaRPr lang="en-US" sz="2200" dirty="0" smtClean="0"/>
+          </a:p>
+          <a:p>
+            <a:endParaRPr lang="en-US" sz="2200" dirty="0"/>
           </a:p>
         </p:txBody>
       </p:sp>
@@ -16403,6 +16615,60 @@
           </a:p>
         </p:txBody>
       </p:sp>
+      <p:pic>
+        <p:nvPicPr>
+          <p:cNvPr id="5" name="Grafik 4"/>
+          <p:cNvPicPr>
+            <a:picLocks noChangeAspect="1"/>
+          </p:cNvPicPr>
+          <p:nvPr/>
+        </p:nvPicPr>
+        <p:blipFill>
+          <a:blip r:embed="rId2"/>
+          <a:stretch>
+            <a:fillRect/>
+          </a:stretch>
+        </p:blipFill>
+        <p:spPr>
+          <a:xfrm>
+            <a:off x="5802284" y="4173799"/>
+            <a:ext cx="2375484" cy="2482076"/>
+          </a:xfrm>
+          <a:prstGeom prst="rect">
+            <a:avLst/>
+          </a:prstGeom>
+        </p:spPr>
+      </p:pic>
+      <p:pic>
+        <p:nvPicPr>
+          <p:cNvPr id="6" name="Grafik 5"/>
+          <p:cNvPicPr>
+            <a:picLocks noChangeAspect="1"/>
+          </p:cNvPicPr>
+          <p:nvPr/>
+        </p:nvPicPr>
+        <p:blipFill>
+          <a:blip r:embed="rId3">
+            <a:extLst>
+              <a:ext uri="{28A0092B-C50C-407E-A947-70E740481C1C}">
+                <a14:useLocalDpi xmlns:a14="http://schemas.microsoft.com/office/drawing/2010/main" val="0"/>
+              </a:ext>
+            </a:extLst>
+          </a:blip>
+          <a:stretch>
+            <a:fillRect/>
+          </a:stretch>
+        </p:blipFill>
+        <p:spPr>
+          <a:xfrm>
+            <a:off x="6145203" y="1240971"/>
+            <a:ext cx="2032565" cy="2681136"/>
+          </a:xfrm>
+          <a:prstGeom prst="rect">
+            <a:avLst/>
+          </a:prstGeom>
+        </p:spPr>
+      </p:pic>
     </p:spTree>
     <p:extLst>
       <p:ext uri="{BB962C8B-B14F-4D97-AF65-F5344CB8AC3E}">
@@ -16703,7 +16969,7 @@
   <a:extraClrSchemeLst/>
   <a:extLst>
     <a:ext uri="{05A4C25C-085E-4340-85A3-A5531E510DB2}">
-      <thm15:themeFamily xmlns="" xmlns:thm15="http://schemas.microsoft.com/office/thememl/2012/main" name="Präsentation14" id="{B1B10406-6147-4A47-95F4-F5DBD10A3872}" vid="{D4FD95B4-ED9B-E343-B70F-8C404733D84C}"/>
+      <thm15:themeFamily xmlns:thm15="http://schemas.microsoft.com/office/thememl/2012/main" name="Präsentation14" id="{B1B10406-6147-4A47-95F4-F5DBD10A3872}" vid="{D4FD95B4-ED9B-E343-B70F-8C404733D84C}"/>
     </a:ext>
   </a:extLst>
 </a:theme>
@@ -16989,7 +17255,7 @@
   <a:extraClrSchemeLst/>
   <a:extLst>
     <a:ext uri="{05A4C25C-085E-4340-85A3-A5531E510DB2}">
-      <thm15:themeFamily xmlns="" xmlns:thm15="http://schemas.microsoft.com/office/thememl/2012/main" name="Präsentation14" id="{B1B10406-6147-4A47-95F4-F5DBD10A3872}" vid="{E7490A93-BEAC-FC49-93F3-0CC1118C542C}"/>
+      <thm15:themeFamily xmlns:thm15="http://schemas.microsoft.com/office/thememl/2012/main" name="Präsentation14" id="{B1B10406-6147-4A47-95F4-F5DBD10A3872}" vid="{E7490A93-BEAC-FC49-93F3-0CC1118C542C}"/>
     </a:ext>
   </a:extLst>
 </a:theme>
@@ -17275,7 +17541,7 @@
   <a:extraClrSchemeLst/>
   <a:extLst>
     <a:ext uri="{05A4C25C-085E-4340-85A3-A5531E510DB2}">
-      <thm15:themeFamily xmlns="" xmlns:thm15="http://schemas.microsoft.com/office/thememl/2012/main" name="Präsentation14" id="{B1B10406-6147-4A47-95F4-F5DBD10A3872}" vid="{4DDB14AD-D1C4-854B-AC86-049FDE8761EC}"/>
+      <thm15:themeFamily xmlns:thm15="http://schemas.microsoft.com/office/thememl/2012/main" name="Präsentation14" id="{B1B10406-6147-4A47-95F4-F5DBD10A3872}" vid="{4DDB14AD-D1C4-854B-AC86-049FDE8761EC}"/>
     </a:ext>
   </a:extLst>
 </a:theme>
@@ -17561,7 +17827,7 @@
   <a:extraClrSchemeLst/>
   <a:extLst>
     <a:ext uri="{05A4C25C-085E-4340-85A3-A5531E510DB2}">
-      <thm15:themeFamily xmlns="" xmlns:thm15="http://schemas.microsoft.com/office/thememl/2012/main" name="Präsentation14" id="{B1B10406-6147-4A47-95F4-F5DBD10A3872}" vid="{4F4851FE-32D1-2D41-BECA-D90EB3BB8DB1}"/>
+      <thm15:themeFamily xmlns:thm15="http://schemas.microsoft.com/office/thememl/2012/main" name="Präsentation14" id="{B1B10406-6147-4A47-95F4-F5DBD10A3872}" vid="{4F4851FE-32D1-2D41-BECA-D90EB3BB8DB1}"/>
     </a:ext>
   </a:extLst>
 </a:theme>
@@ -17847,7 +18113,7 @@
   <a:extraClrSchemeLst/>
   <a:extLst>
     <a:ext uri="{05A4C25C-085E-4340-85A3-A5531E510DB2}">
-      <thm15:themeFamily xmlns="" xmlns:thm15="http://schemas.microsoft.com/office/thememl/2012/main" name="Präsentation14" id="{B1B10406-6147-4A47-95F4-F5DBD10A3872}" vid="{13591B48-8E13-6247-8040-92522EC77656}"/>
+      <thm15:themeFamily xmlns:thm15="http://schemas.microsoft.com/office/thememl/2012/main" name="Präsentation14" id="{B1B10406-6147-4A47-95F4-F5DBD10A3872}" vid="{13591B48-8E13-6247-8040-92522EC77656}"/>
     </a:ext>
   </a:extLst>
 </a:theme>
@@ -18133,7 +18399,7 @@
   <a:extraClrSchemeLst/>
   <a:extLst>
     <a:ext uri="{05A4C25C-085E-4340-85A3-A5531E510DB2}">
-      <thm15:themeFamily xmlns="" xmlns:thm15="http://schemas.microsoft.com/office/thememl/2012/main" name="Präsentation14" id="{B1B10406-6147-4A47-95F4-F5DBD10A3872}" vid="{BAD62DF3-579B-3B4C-BB35-887AD0E01A2D}"/>
+      <thm15:themeFamily xmlns:thm15="http://schemas.microsoft.com/office/thememl/2012/main" name="Präsentation14" id="{B1B10406-6147-4A47-95F4-F5DBD10A3872}" vid="{BAD62DF3-579B-3B4C-BB35-887AD0E01A2D}"/>
     </a:ext>
   </a:extLst>
 </a:theme>
